--- a/Presentaties/storyboard eindpresentatie.pptx
+++ b/Presentaties/storyboard eindpresentatie.pptx
@@ -7,6 +7,12 @@
   <p:sldIdLst>
     <p:sldId id="257" r:id="rId2"/>
     <p:sldId id="258" r:id="rId3"/>
+    <p:sldId id="259" r:id="rId4"/>
+    <p:sldId id="260" r:id="rId5"/>
+    <p:sldId id="261" r:id="rId6"/>
+    <p:sldId id="262" r:id="rId7"/>
+    <p:sldId id="263" r:id="rId8"/>
+    <p:sldId id="264" r:id="rId9"/>
   </p:sldIdLst>
   <p:sldSz cx="12192000" cy="6858000"/>
   <p:notesSz cx="6858000" cy="9144000"/>
@@ -3602,10 +3608,10 @@
               <a:t>onze</a:t>
             </a:r>
             <a:r>
-              <a:rPr lang="en-US" smtClean="0"/>
+              <a:rPr lang="en-US" dirty="0" smtClean="0"/>
               <a:t> case</a:t>
             </a:r>
-            <a:endParaRPr lang="en-US"/>
+            <a:endParaRPr lang="en-US" dirty="0"/>
           </a:p>
         </p:txBody>
       </p:sp>
@@ -3613,6 +3619,1207 @@
     <p:extLst>
       <p:ext uri="{BB962C8B-B14F-4D97-AF65-F5344CB8AC3E}">
         <p14:creationId xmlns:p14="http://schemas.microsoft.com/office/powerpoint/2010/main" val="2275957447"/>
+      </p:ext>
+    </p:extLst>
+  </p:cSld>
+  <p:clrMapOvr>
+    <a:masterClrMapping/>
+  </p:clrMapOvr>
+</p:sld>
+</file>
+
+<file path=ppt/slides/slide3.xml><?xml version="1.0" encoding="utf-8"?>
+<p:sld xmlns:a="http://schemas.openxmlformats.org/drawingml/2006/main" xmlns:r="http://schemas.openxmlformats.org/officeDocument/2006/relationships" xmlns:p="http://schemas.openxmlformats.org/presentationml/2006/main">
+  <p:cSld>
+    <p:spTree>
+      <p:nvGrpSpPr>
+        <p:cNvPr id="1" name=""/>
+        <p:cNvGrpSpPr/>
+        <p:nvPr/>
+      </p:nvGrpSpPr>
+      <p:grpSpPr>
+        <a:xfrm>
+          <a:off x="0" y="0"/>
+          <a:ext cx="0" cy="0"/>
+          <a:chOff x="0" y="0"/>
+          <a:chExt cx="0" cy="0"/>
+        </a:xfrm>
+      </p:grpSpPr>
+      <p:sp>
+        <p:nvSpPr>
+          <p:cNvPr id="2" name="Title 1"/>
+          <p:cNvSpPr>
+            <a:spLocks noGrp="1"/>
+          </p:cNvSpPr>
+          <p:nvPr>
+            <p:ph type="title"/>
+          </p:nvPr>
+        </p:nvSpPr>
+        <p:spPr/>
+        <p:txBody>
+          <a:bodyPr/>
+          <a:lstStyle/>
+          <a:p>
+            <a:r>
+              <a:rPr lang="en-US" dirty="0" err="1" smtClean="0"/>
+              <a:t>Statespace</a:t>
+            </a:r>
+            <a:endParaRPr lang="en-US" dirty="0"/>
+          </a:p>
+        </p:txBody>
+      </p:sp>
+      <p:sp>
+        <p:nvSpPr>
+          <p:cNvPr id="3" name="Content Placeholder 2"/>
+          <p:cNvSpPr>
+            <a:spLocks noGrp="1"/>
+          </p:cNvSpPr>
+          <p:nvPr>
+            <p:ph idx="1"/>
+          </p:nvPr>
+        </p:nvSpPr>
+        <p:spPr/>
+        <p:txBody>
+          <a:bodyPr/>
+          <a:lstStyle/>
+          <a:p>
+            <a:r>
+              <a:rPr lang="en-US" dirty="0" err="1" smtClean="0"/>
+              <a:t>Bovengrens</a:t>
+            </a:r>
+            <a:endParaRPr lang="en-US" dirty="0" smtClean="0"/>
+          </a:p>
+          <a:p>
+            <a:pPr lvl="1"/>
+            <a:r>
+              <a:rPr lang="en-US" dirty="0" err="1" smtClean="0"/>
+              <a:t>Theorestisch</a:t>
+            </a:r>
+            <a:endParaRPr lang="en-US" dirty="0" smtClean="0"/>
+          </a:p>
+          <a:p>
+            <a:pPr lvl="1"/>
+            <a:r>
+              <a:rPr lang="en-US" dirty="0" err="1" smtClean="0"/>
+              <a:t>aangepast</a:t>
+            </a:r>
+            <a:endParaRPr lang="en-US" dirty="0" smtClean="0"/>
+          </a:p>
+          <a:p>
+            <a:r>
+              <a:rPr lang="en-US" dirty="0" err="1" smtClean="0"/>
+              <a:t>Ondergrens</a:t>
+            </a:r>
+            <a:endParaRPr lang="en-US" dirty="0" smtClean="0"/>
+          </a:p>
+          <a:p>
+            <a:pPr lvl="1"/>
+            <a:r>
+              <a:rPr lang="en-US" dirty="0" err="1" smtClean="0"/>
+              <a:t>Theoretisch</a:t>
+            </a:r>
+            <a:endParaRPr lang="en-US" dirty="0" smtClean="0"/>
+          </a:p>
+          <a:p>
+            <a:endParaRPr lang="en-US" dirty="0"/>
+          </a:p>
+        </p:txBody>
+      </p:sp>
+    </p:spTree>
+    <p:extLst>
+      <p:ext uri="{BB962C8B-B14F-4D97-AF65-F5344CB8AC3E}">
+        <p14:creationId xmlns:p14="http://schemas.microsoft.com/office/powerpoint/2010/main" val="304269083"/>
+      </p:ext>
+    </p:extLst>
+  </p:cSld>
+  <p:clrMapOvr>
+    <a:masterClrMapping/>
+  </p:clrMapOvr>
+</p:sld>
+</file>
+
+<file path=ppt/slides/slide4.xml><?xml version="1.0" encoding="utf-8"?>
+<p:sld xmlns:a="http://schemas.openxmlformats.org/drawingml/2006/main" xmlns:r="http://schemas.openxmlformats.org/officeDocument/2006/relationships" xmlns:p="http://schemas.openxmlformats.org/presentationml/2006/main">
+  <p:cSld>
+    <p:spTree>
+      <p:nvGrpSpPr>
+        <p:cNvPr id="1" name=""/>
+        <p:cNvGrpSpPr/>
+        <p:nvPr/>
+      </p:nvGrpSpPr>
+      <p:grpSpPr>
+        <a:xfrm>
+          <a:off x="0" y="0"/>
+          <a:ext cx="0" cy="0"/>
+          <a:chOff x="0" y="0"/>
+          <a:chExt cx="0" cy="0"/>
+        </a:xfrm>
+      </p:grpSpPr>
+      <p:sp>
+        <p:nvSpPr>
+          <p:cNvPr id="2" name="Title 1"/>
+          <p:cNvSpPr>
+            <a:spLocks noGrp="1"/>
+          </p:cNvSpPr>
+          <p:nvPr>
+            <p:ph type="title"/>
+          </p:nvPr>
+        </p:nvSpPr>
+        <p:spPr/>
+        <p:txBody>
+          <a:bodyPr/>
+          <a:lstStyle/>
+          <a:p>
+            <a:r>
+              <a:rPr lang="en-US" dirty="0" err="1" smtClean="0"/>
+              <a:t>Methoden</a:t>
+            </a:r>
+            <a:endParaRPr lang="en-US" dirty="0"/>
+          </a:p>
+        </p:txBody>
+      </p:sp>
+      <p:sp>
+        <p:nvSpPr>
+          <p:cNvPr id="3" name="Content Placeholder 2"/>
+          <p:cNvSpPr>
+            <a:spLocks noGrp="1"/>
+          </p:cNvSpPr>
+          <p:nvPr>
+            <p:ph idx="1"/>
+          </p:nvPr>
+        </p:nvSpPr>
+        <p:spPr/>
+        <p:txBody>
+          <a:bodyPr/>
+          <a:lstStyle/>
+          <a:p>
+            <a:r>
+              <a:rPr lang="en-US" dirty="0" err="1" smtClean="0"/>
+              <a:t>Uitleg</a:t>
+            </a:r>
+            <a:r>
+              <a:rPr lang="en-US" dirty="0" smtClean="0"/>
+              <a:t> </a:t>
+            </a:r>
+            <a:r>
+              <a:rPr lang="en-US" dirty="0" err="1" smtClean="0"/>
+              <a:t>algoritmes</a:t>
+            </a:r>
+            <a:endParaRPr lang="en-US" dirty="0" smtClean="0"/>
+          </a:p>
+          <a:p>
+            <a:pPr lvl="1"/>
+            <a:r>
+              <a:rPr lang="en-US" dirty="0" err="1" smtClean="0"/>
+              <a:t>Hillclimber</a:t>
+            </a:r>
+            <a:r>
+              <a:rPr lang="en-US" dirty="0" smtClean="0"/>
+              <a:t>/simulated annealing</a:t>
+            </a:r>
+          </a:p>
+          <a:p>
+            <a:pPr lvl="1"/>
+            <a:r>
+              <a:rPr lang="en-US" dirty="0" smtClean="0"/>
+              <a:t>Genetic </a:t>
+            </a:r>
+            <a:r>
+              <a:rPr lang="en-US" dirty="0" err="1" smtClean="0"/>
+              <a:t>algoritme</a:t>
+            </a:r>
+            <a:endParaRPr lang="en-US" dirty="0" smtClean="0"/>
+          </a:p>
+          <a:p>
+            <a:pPr lvl="1"/>
+            <a:r>
+              <a:rPr lang="en-US" dirty="0" err="1" smtClean="0"/>
+              <a:t>Hybride</a:t>
+            </a:r>
+            <a:r>
+              <a:rPr lang="en-US" dirty="0" smtClean="0"/>
+              <a:t> (sequential en </a:t>
+            </a:r>
+            <a:r>
+              <a:rPr lang="en-US" dirty="0" err="1" smtClean="0"/>
+              <a:t>dan</a:t>
+            </a:r>
+            <a:r>
+              <a:rPr lang="en-US" dirty="0"/>
+              <a:t> </a:t>
+            </a:r>
+            <a:r>
+              <a:rPr lang="en-US" dirty="0" smtClean="0"/>
+              <a:t>mix </a:t>
+            </a:r>
+            <a:r>
+              <a:rPr lang="en-US" dirty="0" err="1" smtClean="0"/>
+              <a:t>bovenstaande</a:t>
+            </a:r>
+            <a:r>
+              <a:rPr lang="en-US" dirty="0" smtClean="0"/>
+              <a:t> twee </a:t>
+            </a:r>
+            <a:r>
+              <a:rPr lang="en-US" dirty="0" err="1" smtClean="0"/>
+              <a:t>algoritmes</a:t>
+            </a:r>
+            <a:r>
+              <a:rPr lang="en-US" dirty="0" smtClean="0"/>
+              <a:t>)</a:t>
+            </a:r>
+          </a:p>
+          <a:p>
+            <a:r>
+              <a:rPr lang="en-US" dirty="0" err="1" smtClean="0"/>
+              <a:t>Uitleg</a:t>
+            </a:r>
+            <a:r>
+              <a:rPr lang="en-US" dirty="0" smtClean="0"/>
+              <a:t> of </a:t>
+            </a:r>
+            <a:r>
+              <a:rPr lang="en-US" dirty="0" err="1" smtClean="0"/>
+              <a:t>algoritmes</a:t>
+            </a:r>
+            <a:r>
+              <a:rPr lang="en-US" dirty="0" smtClean="0"/>
+              <a:t> exact </a:t>
+            </a:r>
+            <a:r>
+              <a:rPr lang="en-US" dirty="0" err="1" smtClean="0"/>
+              <a:t>zijn</a:t>
+            </a:r>
+            <a:r>
+              <a:rPr lang="en-US" dirty="0" smtClean="0"/>
+              <a:t> of </a:t>
+            </a:r>
+            <a:r>
+              <a:rPr lang="en-US" dirty="0" err="1" smtClean="0"/>
+              <a:t>een</a:t>
+            </a:r>
+            <a:r>
+              <a:rPr lang="en-US" dirty="0" smtClean="0"/>
+              <a:t> </a:t>
+            </a:r>
+            <a:r>
+              <a:rPr lang="en-US" dirty="0" err="1" smtClean="0"/>
+              <a:t>heuristiek</a:t>
+            </a:r>
+            <a:endParaRPr lang="en-US" dirty="0" smtClean="0"/>
+          </a:p>
+          <a:p>
+            <a:endParaRPr lang="en-US" dirty="0"/>
+          </a:p>
+          <a:p>
+            <a:endParaRPr lang="en-US" dirty="0" smtClean="0"/>
+          </a:p>
+          <a:p>
+            <a:pPr lvl="1"/>
+            <a:endParaRPr lang="en-US" dirty="0"/>
+          </a:p>
+        </p:txBody>
+      </p:sp>
+    </p:spTree>
+    <p:extLst>
+      <p:ext uri="{BB962C8B-B14F-4D97-AF65-F5344CB8AC3E}">
+        <p14:creationId xmlns:p14="http://schemas.microsoft.com/office/powerpoint/2010/main" val="2798988976"/>
+      </p:ext>
+    </p:extLst>
+  </p:cSld>
+  <p:clrMapOvr>
+    <a:masterClrMapping/>
+  </p:clrMapOvr>
+</p:sld>
+</file>
+
+<file path=ppt/slides/slide5.xml><?xml version="1.0" encoding="utf-8"?>
+<p:sld xmlns:a="http://schemas.openxmlformats.org/drawingml/2006/main" xmlns:r="http://schemas.openxmlformats.org/officeDocument/2006/relationships" xmlns:p="http://schemas.openxmlformats.org/presentationml/2006/main">
+  <p:cSld>
+    <p:spTree>
+      <p:nvGrpSpPr>
+        <p:cNvPr id="1" name=""/>
+        <p:cNvGrpSpPr/>
+        <p:nvPr/>
+      </p:nvGrpSpPr>
+      <p:grpSpPr>
+        <a:xfrm>
+          <a:off x="0" y="0"/>
+          <a:ext cx="0" cy="0"/>
+          <a:chOff x="0" y="0"/>
+          <a:chExt cx="0" cy="0"/>
+        </a:xfrm>
+      </p:grpSpPr>
+      <p:sp>
+        <p:nvSpPr>
+          <p:cNvPr id="2" name="Title 1"/>
+          <p:cNvSpPr>
+            <a:spLocks noGrp="1"/>
+          </p:cNvSpPr>
+          <p:nvPr>
+            <p:ph type="title"/>
+          </p:nvPr>
+        </p:nvSpPr>
+        <p:spPr/>
+        <p:txBody>
+          <a:bodyPr>
+            <a:normAutofit fontScale="90000"/>
+          </a:bodyPr>
+          <a:lstStyle/>
+          <a:p>
+            <a:r>
+              <a:rPr lang="en-US" dirty="0" err="1" smtClean="0"/>
+              <a:t>Experimenteren</a:t>
+            </a:r>
+            <a:r>
+              <a:rPr lang="en-US" dirty="0" smtClean="0"/>
+              <a:t/>
+            </a:r>
+            <a:br>
+              <a:rPr lang="en-US" dirty="0" smtClean="0"/>
+            </a:br>
+            <a:endParaRPr lang="en-US" dirty="0"/>
+          </a:p>
+        </p:txBody>
+      </p:sp>
+      <p:sp>
+        <p:nvSpPr>
+          <p:cNvPr id="3" name="Content Placeholder 2"/>
+          <p:cNvSpPr>
+            <a:spLocks noGrp="1"/>
+          </p:cNvSpPr>
+          <p:nvPr>
+            <p:ph idx="1"/>
+          </p:nvPr>
+        </p:nvSpPr>
+        <p:spPr/>
+        <p:txBody>
+          <a:bodyPr/>
+          <a:lstStyle/>
+          <a:p>
+            <a:r>
+              <a:rPr lang="en-US" dirty="0" err="1" smtClean="0"/>
+              <a:t>Hillclimber</a:t>
+            </a:r>
+            <a:r>
+              <a:rPr lang="en-US" dirty="0" smtClean="0"/>
+              <a:t>/simulated annealing</a:t>
+            </a:r>
+          </a:p>
+          <a:p>
+            <a:pPr lvl="1"/>
+            <a:r>
+              <a:rPr lang="en-US" dirty="0" smtClean="0"/>
+              <a:t>Simulated annealing </a:t>
+            </a:r>
+            <a:r>
+              <a:rPr lang="en-US" dirty="0" err="1" smtClean="0"/>
+              <a:t>eerst</a:t>
+            </a:r>
+            <a:r>
+              <a:rPr lang="en-US" dirty="0" smtClean="0"/>
+              <a:t> </a:t>
+            </a:r>
+            <a:r>
+              <a:rPr lang="en-US" dirty="0" err="1" smtClean="0"/>
+              <a:t>kijken</a:t>
+            </a:r>
+            <a:r>
+              <a:rPr lang="en-US" dirty="0" smtClean="0"/>
+              <a:t> </a:t>
+            </a:r>
+            <a:r>
+              <a:rPr lang="en-US" dirty="0" err="1" smtClean="0"/>
+              <a:t>welke</a:t>
+            </a:r>
+            <a:r>
+              <a:rPr lang="en-US" dirty="0" smtClean="0"/>
+              <a:t> cooling schema het </a:t>
+            </a:r>
+            <a:r>
+              <a:rPr lang="en-US" dirty="0" err="1" smtClean="0"/>
+              <a:t>beste</a:t>
+            </a:r>
+            <a:r>
+              <a:rPr lang="en-US" dirty="0" smtClean="0"/>
+              <a:t> is</a:t>
+            </a:r>
+          </a:p>
+          <a:p>
+            <a:pPr lvl="1"/>
+            <a:r>
+              <a:rPr lang="en-US" dirty="0" smtClean="0"/>
+              <a:t>Score </a:t>
+            </a:r>
+            <a:r>
+              <a:rPr lang="en-US" dirty="0" err="1" smtClean="0"/>
+              <a:t>algoritmes</a:t>
+            </a:r>
+            <a:r>
+              <a:rPr lang="en-US" dirty="0" smtClean="0"/>
+              <a:t> </a:t>
+            </a:r>
+            <a:r>
+              <a:rPr lang="en-US" dirty="0" err="1" smtClean="0"/>
+              <a:t>vs</a:t>
+            </a:r>
+            <a:r>
+              <a:rPr lang="en-US" dirty="0" smtClean="0"/>
+              <a:t> </a:t>
+            </a:r>
+            <a:r>
+              <a:rPr lang="en-US" dirty="0" err="1" smtClean="0"/>
+              <a:t>aantal</a:t>
+            </a:r>
+            <a:r>
+              <a:rPr lang="en-US" dirty="0" smtClean="0"/>
+              <a:t> </a:t>
+            </a:r>
+            <a:r>
+              <a:rPr lang="en-US" dirty="0" err="1" smtClean="0"/>
+              <a:t>interaties</a:t>
+            </a:r>
+            <a:endParaRPr lang="en-US" dirty="0" smtClean="0"/>
+          </a:p>
+          <a:p>
+            <a:pPr lvl="1"/>
+            <a:r>
+              <a:rPr lang="en-US" dirty="0" err="1" smtClean="0"/>
+              <a:t>Normaal</a:t>
+            </a:r>
+            <a:r>
+              <a:rPr lang="en-US" dirty="0" smtClean="0"/>
+              <a:t> </a:t>
+            </a:r>
+            <a:r>
+              <a:rPr lang="en-US" dirty="0" err="1" smtClean="0"/>
+              <a:t>verdeling</a:t>
+            </a:r>
+            <a:r>
+              <a:rPr lang="en-US" dirty="0" smtClean="0"/>
+              <a:t> </a:t>
+            </a:r>
+            <a:r>
+              <a:rPr lang="en-US" dirty="0" err="1" smtClean="0"/>
+              <a:t>drie</a:t>
+            </a:r>
+            <a:r>
+              <a:rPr lang="en-US" dirty="0" smtClean="0"/>
+              <a:t> </a:t>
+            </a:r>
+            <a:r>
+              <a:rPr lang="en-US" dirty="0" err="1" smtClean="0"/>
+              <a:t>algoritmes</a:t>
+            </a:r>
+            <a:endParaRPr lang="en-US" dirty="0" smtClean="0"/>
+          </a:p>
+          <a:p>
+            <a:r>
+              <a:rPr lang="en-US" dirty="0" smtClean="0"/>
+              <a:t>Genetic</a:t>
+            </a:r>
+          </a:p>
+          <a:p>
+            <a:pPr lvl="1"/>
+            <a:r>
+              <a:rPr lang="en-US" dirty="0" err="1" smtClean="0"/>
+              <a:t>Keuze</a:t>
+            </a:r>
+            <a:r>
+              <a:rPr lang="en-US" dirty="0" smtClean="0"/>
+              <a:t> </a:t>
+            </a:r>
+            <a:r>
+              <a:rPr lang="en-US" dirty="0" err="1" smtClean="0"/>
+              <a:t>tussen</a:t>
+            </a:r>
+            <a:r>
+              <a:rPr lang="en-US" dirty="0" smtClean="0"/>
+              <a:t> hoe de </a:t>
+            </a:r>
+            <a:r>
+              <a:rPr lang="en-US" dirty="0" err="1" smtClean="0"/>
+              <a:t>overgebleven</a:t>
+            </a:r>
+            <a:r>
+              <a:rPr lang="en-US" dirty="0" smtClean="0"/>
+              <a:t> </a:t>
+            </a:r>
+            <a:r>
+              <a:rPr lang="en-US" dirty="0" err="1" smtClean="0"/>
+              <a:t>vakken</a:t>
+            </a:r>
+            <a:r>
+              <a:rPr lang="en-US" dirty="0" smtClean="0"/>
+              <a:t> </a:t>
+            </a:r>
+            <a:r>
+              <a:rPr lang="en-US" dirty="0" err="1" smtClean="0"/>
+              <a:t>nog</a:t>
+            </a:r>
+            <a:r>
+              <a:rPr lang="en-US" dirty="0" smtClean="0"/>
+              <a:t> in </a:t>
+            </a:r>
+            <a:r>
+              <a:rPr lang="en-US" dirty="0" err="1" smtClean="0"/>
+              <a:t>te</a:t>
+            </a:r>
+            <a:r>
+              <a:rPr lang="en-US" dirty="0" smtClean="0"/>
+              <a:t> </a:t>
+            </a:r>
+            <a:r>
+              <a:rPr lang="en-US" dirty="0" err="1" smtClean="0"/>
+              <a:t>roosteren</a:t>
+            </a:r>
+            <a:r>
+              <a:rPr lang="en-US" dirty="0" smtClean="0"/>
+              <a:t>(</a:t>
+            </a:r>
+            <a:r>
+              <a:rPr lang="en-US" dirty="0" err="1" smtClean="0"/>
+              <a:t>zaalgrootte</a:t>
+            </a:r>
+            <a:r>
+              <a:rPr lang="en-US" dirty="0" smtClean="0"/>
+              <a:t>, </a:t>
+            </a:r>
+            <a:r>
+              <a:rPr lang="en-US" dirty="0" err="1" smtClean="0"/>
+              <a:t>dichtsbijzijnde</a:t>
+            </a:r>
+            <a:r>
+              <a:rPr lang="en-US" dirty="0" smtClean="0"/>
+              <a:t> </a:t>
+            </a:r>
+            <a:r>
+              <a:rPr lang="en-US" dirty="0" err="1" smtClean="0"/>
+              <a:t>zaalslot</a:t>
+            </a:r>
+            <a:r>
+              <a:rPr lang="en-US" dirty="0" smtClean="0"/>
+              <a:t>?)</a:t>
+            </a:r>
+          </a:p>
+          <a:p>
+            <a:pPr lvl="1"/>
+            <a:r>
+              <a:rPr lang="en-US" dirty="0" err="1" smtClean="0"/>
+              <a:t>Mutatiekans</a:t>
+            </a:r>
+            <a:r>
+              <a:rPr lang="en-US" dirty="0" smtClean="0"/>
+              <a:t> </a:t>
+            </a:r>
+            <a:r>
+              <a:rPr lang="en-US" dirty="0" err="1" smtClean="0"/>
+              <a:t>aanpassen</a:t>
+            </a:r>
+            <a:endParaRPr lang="en-US" dirty="0" smtClean="0"/>
+          </a:p>
+          <a:p>
+            <a:pPr lvl="1"/>
+            <a:r>
+              <a:rPr lang="en-US" dirty="0" err="1" smtClean="0"/>
+              <a:t>Populatiegrootte</a:t>
+            </a:r>
+            <a:r>
+              <a:rPr lang="en-US" dirty="0" smtClean="0"/>
+              <a:t> en </a:t>
+            </a:r>
+            <a:r>
+              <a:rPr lang="en-US" dirty="0" err="1" smtClean="0"/>
+              <a:t>aantal</a:t>
+            </a:r>
+            <a:r>
+              <a:rPr lang="en-US" dirty="0" smtClean="0"/>
+              <a:t> </a:t>
+            </a:r>
+            <a:r>
+              <a:rPr lang="en-US" dirty="0" err="1" smtClean="0"/>
+              <a:t>generaties</a:t>
+            </a:r>
+            <a:endParaRPr lang="en-US" dirty="0" smtClean="0"/>
+          </a:p>
+          <a:p>
+            <a:pPr lvl="1"/>
+            <a:endParaRPr lang="en-US" dirty="0" smtClean="0"/>
+          </a:p>
+          <a:p>
+            <a:pPr lvl="1"/>
+            <a:endParaRPr lang="en-US" dirty="0" smtClean="0"/>
+          </a:p>
+          <a:p>
+            <a:pPr lvl="1"/>
+            <a:endParaRPr lang="en-US" dirty="0"/>
+          </a:p>
+        </p:txBody>
+      </p:sp>
+    </p:spTree>
+    <p:extLst>
+      <p:ext uri="{BB962C8B-B14F-4D97-AF65-F5344CB8AC3E}">
+        <p14:creationId xmlns:p14="http://schemas.microsoft.com/office/powerpoint/2010/main" val="161738935"/>
+      </p:ext>
+    </p:extLst>
+  </p:cSld>
+  <p:clrMapOvr>
+    <a:masterClrMapping/>
+  </p:clrMapOvr>
+</p:sld>
+</file>
+
+<file path=ppt/slides/slide6.xml><?xml version="1.0" encoding="utf-8"?>
+<p:sld xmlns:a="http://schemas.openxmlformats.org/drawingml/2006/main" xmlns:r="http://schemas.openxmlformats.org/officeDocument/2006/relationships" xmlns:p="http://schemas.openxmlformats.org/presentationml/2006/main">
+  <p:cSld>
+    <p:spTree>
+      <p:nvGrpSpPr>
+        <p:cNvPr id="1" name=""/>
+        <p:cNvGrpSpPr/>
+        <p:nvPr/>
+      </p:nvGrpSpPr>
+      <p:grpSpPr>
+        <a:xfrm>
+          <a:off x="0" y="0"/>
+          <a:ext cx="0" cy="0"/>
+          <a:chOff x="0" y="0"/>
+          <a:chExt cx="0" cy="0"/>
+        </a:xfrm>
+      </p:grpSpPr>
+      <p:sp>
+        <p:nvSpPr>
+          <p:cNvPr id="2" name="Title 1"/>
+          <p:cNvSpPr>
+            <a:spLocks noGrp="1"/>
+          </p:cNvSpPr>
+          <p:nvPr>
+            <p:ph type="title"/>
+          </p:nvPr>
+        </p:nvSpPr>
+        <p:spPr/>
+        <p:txBody>
+          <a:bodyPr>
+            <a:normAutofit/>
+          </a:bodyPr>
+          <a:lstStyle/>
+          <a:p>
+            <a:r>
+              <a:rPr lang="en-US" dirty="0" err="1" smtClean="0"/>
+              <a:t>Eperimenteren</a:t>
+            </a:r>
+            <a:endParaRPr lang="en-US" dirty="0"/>
+          </a:p>
+        </p:txBody>
+      </p:sp>
+      <p:sp>
+        <p:nvSpPr>
+          <p:cNvPr id="3" name="Content Placeholder 2"/>
+          <p:cNvSpPr>
+            <a:spLocks noGrp="1"/>
+          </p:cNvSpPr>
+          <p:nvPr>
+            <p:ph idx="1"/>
+          </p:nvPr>
+        </p:nvSpPr>
+        <p:spPr/>
+        <p:txBody>
+          <a:bodyPr/>
+          <a:lstStyle/>
+          <a:p>
+            <a:r>
+              <a:rPr lang="en-US" dirty="0" err="1" smtClean="0"/>
+              <a:t>Hybride</a:t>
+            </a:r>
+            <a:endParaRPr lang="en-US" dirty="0" smtClean="0"/>
+          </a:p>
+          <a:p>
+            <a:pPr lvl="1"/>
+            <a:r>
+              <a:rPr lang="en-US" dirty="0" err="1" smtClean="0"/>
+              <a:t>Eerst</a:t>
+            </a:r>
+            <a:r>
+              <a:rPr lang="en-US" dirty="0" smtClean="0"/>
+              <a:t> sequential op </a:t>
+            </a:r>
+            <a:r>
+              <a:rPr lang="en-US" dirty="0" err="1" smtClean="0"/>
+              <a:t>zaalgrootte</a:t>
+            </a:r>
+            <a:endParaRPr lang="en-US" dirty="0" smtClean="0"/>
+          </a:p>
+          <a:p>
+            <a:pPr lvl="1"/>
+            <a:r>
+              <a:rPr lang="en-US" dirty="0" err="1" smtClean="0"/>
+              <a:t>Daarna</a:t>
+            </a:r>
+            <a:r>
+              <a:rPr lang="en-US" dirty="0" smtClean="0"/>
+              <a:t> genetic, </a:t>
+            </a:r>
+            <a:r>
+              <a:rPr lang="en-US" dirty="0" err="1" smtClean="0"/>
+              <a:t>hillclimber</a:t>
+            </a:r>
+            <a:r>
+              <a:rPr lang="en-US" dirty="0" smtClean="0"/>
+              <a:t>, </a:t>
+            </a:r>
+          </a:p>
+        </p:txBody>
+      </p:sp>
+    </p:spTree>
+    <p:extLst>
+      <p:ext uri="{BB962C8B-B14F-4D97-AF65-F5344CB8AC3E}">
+        <p14:creationId xmlns:p14="http://schemas.microsoft.com/office/powerpoint/2010/main" val="2033092415"/>
+      </p:ext>
+    </p:extLst>
+  </p:cSld>
+  <p:clrMapOvr>
+    <a:masterClrMapping/>
+  </p:clrMapOvr>
+</p:sld>
+</file>
+
+<file path=ppt/slides/slide7.xml><?xml version="1.0" encoding="utf-8"?>
+<p:sld xmlns:a="http://schemas.openxmlformats.org/drawingml/2006/main" xmlns:r="http://schemas.openxmlformats.org/officeDocument/2006/relationships" xmlns:p="http://schemas.openxmlformats.org/presentationml/2006/main">
+  <p:cSld>
+    <p:spTree>
+      <p:nvGrpSpPr>
+        <p:cNvPr id="1" name=""/>
+        <p:cNvGrpSpPr/>
+        <p:nvPr/>
+      </p:nvGrpSpPr>
+      <p:grpSpPr>
+        <a:xfrm>
+          <a:off x="0" y="0"/>
+          <a:ext cx="0" cy="0"/>
+          <a:chOff x="0" y="0"/>
+          <a:chExt cx="0" cy="0"/>
+        </a:xfrm>
+      </p:grpSpPr>
+      <p:sp>
+        <p:nvSpPr>
+          <p:cNvPr id="2" name="Title 1"/>
+          <p:cNvSpPr>
+            <a:spLocks noGrp="1"/>
+          </p:cNvSpPr>
+          <p:nvPr>
+            <p:ph type="title"/>
+          </p:nvPr>
+        </p:nvSpPr>
+        <p:spPr/>
+        <p:txBody>
+          <a:bodyPr>
+            <a:normAutofit fontScale="90000"/>
+          </a:bodyPr>
+          <a:lstStyle/>
+          <a:p>
+            <a:r>
+              <a:rPr lang="en-US" dirty="0" err="1" smtClean="0"/>
+              <a:t>Resultaten</a:t>
+            </a:r>
+            <a:r>
+              <a:rPr lang="en-US" dirty="0" smtClean="0"/>
+              <a:t/>
+            </a:r>
+            <a:br>
+              <a:rPr lang="en-US" dirty="0" smtClean="0"/>
+            </a:br>
+            <a:endParaRPr lang="en-US" dirty="0"/>
+          </a:p>
+        </p:txBody>
+      </p:sp>
+      <p:sp>
+        <p:nvSpPr>
+          <p:cNvPr id="3" name="Content Placeholder 2"/>
+          <p:cNvSpPr>
+            <a:spLocks noGrp="1"/>
+          </p:cNvSpPr>
+          <p:nvPr>
+            <p:ph idx="1"/>
+          </p:nvPr>
+        </p:nvSpPr>
+        <p:spPr/>
+        <p:txBody>
+          <a:bodyPr>
+            <a:normAutofit fontScale="92500" lnSpcReduction="10000"/>
+          </a:bodyPr>
+          <a:lstStyle/>
+          <a:p>
+            <a:r>
+              <a:rPr lang="en-US" dirty="0" err="1" smtClean="0"/>
+              <a:t>Hillclimber</a:t>
+            </a:r>
+            <a:r>
+              <a:rPr lang="en-US" dirty="0" smtClean="0"/>
+              <a:t>/simulated annealing</a:t>
+            </a:r>
+          </a:p>
+          <a:p>
+            <a:pPr lvl="1"/>
+            <a:r>
+              <a:rPr lang="en-US" dirty="0" smtClean="0"/>
+              <a:t>Random sampling</a:t>
+            </a:r>
+          </a:p>
+          <a:p>
+            <a:pPr lvl="1"/>
+            <a:r>
+              <a:rPr lang="en-US" dirty="0" smtClean="0"/>
+              <a:t>Score </a:t>
+            </a:r>
+            <a:r>
+              <a:rPr lang="en-US" dirty="0" err="1" smtClean="0"/>
+              <a:t>vs</a:t>
+            </a:r>
+            <a:r>
+              <a:rPr lang="en-US" dirty="0" smtClean="0"/>
+              <a:t> </a:t>
+            </a:r>
+            <a:r>
+              <a:rPr lang="en-US" dirty="0" err="1" smtClean="0"/>
+              <a:t>iteraties</a:t>
+            </a:r>
+            <a:endParaRPr lang="en-US" dirty="0" smtClean="0"/>
+          </a:p>
+          <a:p>
+            <a:r>
+              <a:rPr lang="en-US" dirty="0" smtClean="0"/>
+              <a:t>Genetic</a:t>
+            </a:r>
+          </a:p>
+          <a:p>
+            <a:pPr lvl="1"/>
+            <a:r>
+              <a:rPr lang="en-US" dirty="0" smtClean="0"/>
+              <a:t>Random sampling</a:t>
+            </a:r>
+          </a:p>
+          <a:p>
+            <a:pPr lvl="1"/>
+            <a:r>
+              <a:rPr lang="en-US" dirty="0" smtClean="0"/>
+              <a:t>Score </a:t>
+            </a:r>
+            <a:r>
+              <a:rPr lang="en-US" dirty="0" err="1" smtClean="0"/>
+              <a:t>vs</a:t>
+            </a:r>
+            <a:r>
+              <a:rPr lang="en-US" dirty="0" smtClean="0"/>
+              <a:t> </a:t>
+            </a:r>
+            <a:r>
+              <a:rPr lang="en-US" dirty="0" err="1" smtClean="0"/>
+              <a:t>generatie</a:t>
+            </a:r>
+            <a:endParaRPr lang="en-US" dirty="0" smtClean="0"/>
+          </a:p>
+          <a:p>
+            <a:r>
+              <a:rPr lang="en-US" dirty="0" err="1" smtClean="0"/>
+              <a:t>Hybride</a:t>
+            </a:r>
+            <a:endParaRPr lang="en-US" dirty="0" smtClean="0"/>
+          </a:p>
+          <a:p>
+            <a:pPr lvl="1"/>
+            <a:r>
+              <a:rPr lang="en-US" dirty="0" err="1" smtClean="0"/>
+              <a:t>Tussen</a:t>
+            </a:r>
+            <a:r>
+              <a:rPr lang="en-US" dirty="0" smtClean="0"/>
+              <a:t> score </a:t>
+            </a:r>
+            <a:r>
+              <a:rPr lang="en-US" dirty="0" err="1" smtClean="0"/>
+              <a:t>na</a:t>
+            </a:r>
+            <a:r>
+              <a:rPr lang="en-US" dirty="0" smtClean="0"/>
+              <a:t> </a:t>
+            </a:r>
+            <a:r>
+              <a:rPr lang="en-US" dirty="0" err="1" smtClean="0"/>
+              <a:t>elke</a:t>
+            </a:r>
+            <a:r>
+              <a:rPr lang="en-US" dirty="0" smtClean="0"/>
+              <a:t> </a:t>
+            </a:r>
+            <a:r>
+              <a:rPr lang="en-US" dirty="0" err="1" smtClean="0"/>
+              <a:t>algortime</a:t>
+            </a:r>
+            <a:endParaRPr lang="en-US" dirty="0" smtClean="0"/>
+          </a:p>
+          <a:p>
+            <a:pPr lvl="1"/>
+            <a:r>
+              <a:rPr lang="en-US" dirty="0" smtClean="0"/>
+              <a:t>Random sampling</a:t>
+            </a:r>
+          </a:p>
+          <a:p>
+            <a:pPr lvl="1"/>
+            <a:r>
+              <a:rPr lang="en-US" dirty="0" smtClean="0"/>
+              <a:t>Score </a:t>
+            </a:r>
+            <a:r>
+              <a:rPr lang="en-US" dirty="0" err="1" smtClean="0"/>
+              <a:t>vs</a:t>
+            </a:r>
+            <a:r>
+              <a:rPr lang="en-US" dirty="0" smtClean="0"/>
+              <a:t> </a:t>
+            </a:r>
+            <a:r>
+              <a:rPr lang="en-US" dirty="0" err="1" smtClean="0"/>
+              <a:t>iteraties</a:t>
+            </a:r>
+            <a:r>
+              <a:rPr lang="en-US" dirty="0" smtClean="0"/>
+              <a:t> </a:t>
+            </a:r>
+          </a:p>
+          <a:p>
+            <a:pPr lvl="1"/>
+            <a:endParaRPr lang="en-US" dirty="0" smtClean="0"/>
+          </a:p>
+          <a:p>
+            <a:pPr lvl="1"/>
+            <a:endParaRPr lang="en-US" dirty="0"/>
+          </a:p>
+        </p:txBody>
+      </p:sp>
+    </p:spTree>
+    <p:extLst>
+      <p:ext uri="{BB962C8B-B14F-4D97-AF65-F5344CB8AC3E}">
+        <p14:creationId xmlns:p14="http://schemas.microsoft.com/office/powerpoint/2010/main" val="4264903066"/>
+      </p:ext>
+    </p:extLst>
+  </p:cSld>
+  <p:clrMapOvr>
+    <a:masterClrMapping/>
+  </p:clrMapOvr>
+</p:sld>
+</file>
+
+<file path=ppt/slides/slide8.xml><?xml version="1.0" encoding="utf-8"?>
+<p:sld xmlns:a="http://schemas.openxmlformats.org/drawingml/2006/main" xmlns:r="http://schemas.openxmlformats.org/officeDocument/2006/relationships" xmlns:p="http://schemas.openxmlformats.org/presentationml/2006/main">
+  <p:cSld>
+    <p:spTree>
+      <p:nvGrpSpPr>
+        <p:cNvPr id="1" name=""/>
+        <p:cNvGrpSpPr/>
+        <p:nvPr/>
+      </p:nvGrpSpPr>
+      <p:grpSpPr>
+        <a:xfrm>
+          <a:off x="0" y="0"/>
+          <a:ext cx="0" cy="0"/>
+          <a:chOff x="0" y="0"/>
+          <a:chExt cx="0" cy="0"/>
+        </a:xfrm>
+      </p:grpSpPr>
+      <p:sp>
+        <p:nvSpPr>
+          <p:cNvPr id="2" name="Title 1"/>
+          <p:cNvSpPr>
+            <a:spLocks noGrp="1"/>
+          </p:cNvSpPr>
+          <p:nvPr>
+            <p:ph type="title"/>
+          </p:nvPr>
+        </p:nvSpPr>
+        <p:spPr/>
+        <p:txBody>
+          <a:bodyPr>
+            <a:normAutofit/>
+          </a:bodyPr>
+          <a:lstStyle/>
+          <a:p>
+            <a:r>
+              <a:rPr lang="en-US" dirty="0" err="1" smtClean="0"/>
+              <a:t>Vergelijking</a:t>
+            </a:r>
+            <a:endParaRPr lang="en-US" dirty="0"/>
+          </a:p>
+        </p:txBody>
+      </p:sp>
+      <p:sp>
+        <p:nvSpPr>
+          <p:cNvPr id="3" name="Content Placeholder 2"/>
+          <p:cNvSpPr>
+            <a:spLocks noGrp="1"/>
+          </p:cNvSpPr>
+          <p:nvPr>
+            <p:ph idx="1"/>
+          </p:nvPr>
+        </p:nvSpPr>
+        <p:spPr/>
+        <p:txBody>
+          <a:bodyPr>
+            <a:normAutofit fontScale="92500" lnSpcReduction="10000"/>
+          </a:bodyPr>
+          <a:lstStyle/>
+          <a:p>
+            <a:r>
+              <a:rPr lang="en-US" dirty="0" err="1" smtClean="0"/>
+              <a:t>Hillclimber</a:t>
+            </a:r>
+            <a:r>
+              <a:rPr lang="en-US" dirty="0" smtClean="0"/>
+              <a:t>/simulated annealing</a:t>
+            </a:r>
+          </a:p>
+          <a:p>
+            <a:pPr lvl="1"/>
+            <a:r>
+              <a:rPr lang="en-US" dirty="0" smtClean="0"/>
+              <a:t>Random sampling</a:t>
+            </a:r>
+          </a:p>
+          <a:p>
+            <a:pPr lvl="1"/>
+            <a:r>
+              <a:rPr lang="en-US" dirty="0" smtClean="0"/>
+              <a:t>Score </a:t>
+            </a:r>
+            <a:r>
+              <a:rPr lang="en-US" dirty="0" err="1" smtClean="0"/>
+              <a:t>vs</a:t>
+            </a:r>
+            <a:r>
+              <a:rPr lang="en-US" dirty="0" smtClean="0"/>
+              <a:t> </a:t>
+            </a:r>
+            <a:r>
+              <a:rPr lang="en-US" dirty="0" err="1" smtClean="0"/>
+              <a:t>iteraties</a:t>
+            </a:r>
+            <a:endParaRPr lang="en-US" dirty="0" smtClean="0"/>
+          </a:p>
+          <a:p>
+            <a:r>
+              <a:rPr lang="en-US" dirty="0" smtClean="0"/>
+              <a:t>Genetic</a:t>
+            </a:r>
+          </a:p>
+          <a:p>
+            <a:pPr lvl="1"/>
+            <a:r>
+              <a:rPr lang="en-US" dirty="0" smtClean="0"/>
+              <a:t>Random sampling</a:t>
+            </a:r>
+          </a:p>
+          <a:p>
+            <a:pPr lvl="1"/>
+            <a:r>
+              <a:rPr lang="en-US" dirty="0" smtClean="0"/>
+              <a:t>Score </a:t>
+            </a:r>
+            <a:r>
+              <a:rPr lang="en-US" dirty="0" err="1" smtClean="0"/>
+              <a:t>vs</a:t>
+            </a:r>
+            <a:r>
+              <a:rPr lang="en-US" dirty="0" smtClean="0"/>
+              <a:t> </a:t>
+            </a:r>
+            <a:r>
+              <a:rPr lang="en-US" dirty="0" err="1" smtClean="0"/>
+              <a:t>generatie</a:t>
+            </a:r>
+            <a:endParaRPr lang="en-US" dirty="0" smtClean="0"/>
+          </a:p>
+          <a:p>
+            <a:r>
+              <a:rPr lang="en-US" dirty="0" err="1" smtClean="0"/>
+              <a:t>Hybride</a:t>
+            </a:r>
+            <a:endParaRPr lang="en-US" dirty="0" smtClean="0"/>
+          </a:p>
+          <a:p>
+            <a:pPr lvl="1"/>
+            <a:r>
+              <a:rPr lang="en-US" dirty="0" err="1" smtClean="0"/>
+              <a:t>Tussen</a:t>
+            </a:r>
+            <a:r>
+              <a:rPr lang="en-US" dirty="0" smtClean="0"/>
+              <a:t> score </a:t>
+            </a:r>
+            <a:r>
+              <a:rPr lang="en-US" dirty="0" err="1" smtClean="0"/>
+              <a:t>na</a:t>
+            </a:r>
+            <a:r>
+              <a:rPr lang="en-US" dirty="0" smtClean="0"/>
+              <a:t> </a:t>
+            </a:r>
+            <a:r>
+              <a:rPr lang="en-US" dirty="0" err="1" smtClean="0"/>
+              <a:t>elke</a:t>
+            </a:r>
+            <a:r>
+              <a:rPr lang="en-US" dirty="0" smtClean="0"/>
+              <a:t> </a:t>
+            </a:r>
+            <a:r>
+              <a:rPr lang="en-US" dirty="0" err="1" smtClean="0"/>
+              <a:t>algortime</a:t>
+            </a:r>
+            <a:endParaRPr lang="en-US" dirty="0" smtClean="0"/>
+          </a:p>
+          <a:p>
+            <a:pPr lvl="1"/>
+            <a:r>
+              <a:rPr lang="en-US" dirty="0" smtClean="0"/>
+              <a:t>Random sampling</a:t>
+            </a:r>
+          </a:p>
+          <a:p>
+            <a:pPr lvl="1"/>
+            <a:r>
+              <a:rPr lang="en-US" dirty="0" smtClean="0"/>
+              <a:t>Score </a:t>
+            </a:r>
+            <a:r>
+              <a:rPr lang="en-US" dirty="0" err="1" smtClean="0"/>
+              <a:t>vs</a:t>
+            </a:r>
+            <a:r>
+              <a:rPr lang="en-US" dirty="0" smtClean="0"/>
+              <a:t> </a:t>
+            </a:r>
+            <a:r>
+              <a:rPr lang="en-US" dirty="0" err="1" smtClean="0"/>
+              <a:t>iteraties</a:t>
+            </a:r>
+            <a:r>
+              <a:rPr lang="en-US" dirty="0" smtClean="0"/>
+              <a:t> </a:t>
+            </a:r>
+          </a:p>
+          <a:p>
+            <a:pPr lvl="1"/>
+            <a:endParaRPr lang="en-US" dirty="0" smtClean="0"/>
+          </a:p>
+          <a:p>
+            <a:pPr lvl="1"/>
+            <a:endParaRPr lang="en-US" dirty="0"/>
+          </a:p>
+        </p:txBody>
+      </p:sp>
+    </p:spTree>
+    <p:extLst>
+      <p:ext uri="{BB962C8B-B14F-4D97-AF65-F5344CB8AC3E}">
+        <p14:creationId xmlns:p14="http://schemas.microsoft.com/office/powerpoint/2010/main" val="1663324173"/>
       </p:ext>
     </p:extLst>
   </p:cSld>

--- a/Presentaties/storyboard eindpresentatie.pptx
+++ b/Presentaties/storyboard eindpresentatie.pptx
@@ -4664,35 +4664,49 @@
         <p:spPr/>
         <p:txBody>
           <a:bodyPr>
-            <a:normAutofit fontScale="92500" lnSpcReduction="10000"/>
+            <a:normAutofit/>
           </a:bodyPr>
           <a:lstStyle/>
           <a:p>
             <a:r>
               <a:rPr lang="en-US" dirty="0" err="1" smtClean="0"/>
-              <a:t>Hillclimber</a:t>
-            </a:r>
-            <a:r>
-              <a:rPr lang="en-US" dirty="0" smtClean="0"/>
-              <a:t>/simulated annealing</a:t>
-            </a:r>
+              <a:t>Vergelijking</a:t>
+            </a:r>
+            <a:r>
+              <a:rPr lang="en-US" dirty="0" smtClean="0"/>
+              <a:t> </a:t>
+            </a:r>
+            <a:r>
+              <a:rPr lang="en-US" dirty="0" err="1" smtClean="0"/>
+              <a:t>tussen</a:t>
+            </a:r>
+            <a:r>
+              <a:rPr lang="en-US" dirty="0" smtClean="0"/>
+              <a:t> </a:t>
+            </a:r>
+            <a:r>
+              <a:rPr lang="en-US" dirty="0" err="1" smtClean="0"/>
+              <a:t>drie</a:t>
+            </a:r>
+            <a:r>
+              <a:rPr lang="en-US" dirty="0" smtClean="0"/>
+              <a:t> </a:t>
+            </a:r>
+            <a:r>
+              <a:rPr lang="en-US" dirty="0" err="1" smtClean="0"/>
+              <a:t>algoritmes</a:t>
+            </a:r>
+            <a:endParaRPr lang="en-US" dirty="0" smtClean="0"/>
           </a:p>
           <a:p>
             <a:pPr lvl="1"/>
             <a:r>
               <a:rPr lang="en-US" dirty="0" smtClean="0"/>
-              <a:t>Random sampling</a:t>
-            </a:r>
-          </a:p>
-          <a:p>
-            <a:pPr lvl="1"/>
-            <a:r>
-              <a:rPr lang="en-US" dirty="0" smtClean="0"/>
-              <a:t>Score </a:t>
-            </a:r>
-            <a:r>
-              <a:rPr lang="en-US" dirty="0" err="1" smtClean="0"/>
-              <a:t>vs</a:t>
+              <a:t>Random sampling </a:t>
+            </a:r>
+            <a:r>
+              <a:rPr lang="en-US" dirty="0" err="1" smtClean="0"/>
+              <a:t>naast</a:t>
             </a:r>
             <a:r>
               <a:rPr lang="en-US" dirty="0" smtClean="0"/>
@@ -4700,115 +4714,12 @@
             </a:r>
             <a:r>
               <a:rPr lang="en-US" dirty="0" err="1" smtClean="0"/>
-              <a:t>iteraties</a:t>
-            </a:r>
-            <a:endParaRPr lang="en-US" dirty="0" smtClean="0"/>
-          </a:p>
-          <a:p>
-            <a:r>
-              <a:rPr lang="en-US" dirty="0" smtClean="0"/>
-              <a:t>Genetic</a:t>
-            </a:r>
-          </a:p>
-          <a:p>
-            <a:pPr lvl="1"/>
-            <a:r>
-              <a:rPr lang="en-US" dirty="0" smtClean="0"/>
-              <a:t>Random sampling</a:t>
-            </a:r>
-          </a:p>
-          <a:p>
-            <a:pPr lvl="1"/>
-            <a:r>
-              <a:rPr lang="en-US" dirty="0" smtClean="0"/>
-              <a:t>Score </a:t>
-            </a:r>
-            <a:r>
-              <a:rPr lang="en-US" dirty="0" err="1" smtClean="0"/>
-              <a:t>vs</a:t>
-            </a:r>
-            <a:r>
-              <a:rPr lang="en-US" dirty="0" smtClean="0"/>
-              <a:t> </a:t>
-            </a:r>
-            <a:r>
-              <a:rPr lang="en-US" dirty="0" err="1" smtClean="0"/>
-              <a:t>generatie</a:t>
-            </a:r>
-            <a:endParaRPr lang="en-US" dirty="0" smtClean="0"/>
-          </a:p>
-          <a:p>
-            <a:r>
-              <a:rPr lang="en-US" dirty="0" err="1" smtClean="0"/>
-              <a:t>Hybride</a:t>
-            </a:r>
-            <a:endParaRPr lang="en-US" dirty="0" smtClean="0"/>
-          </a:p>
-          <a:p>
-            <a:pPr lvl="1"/>
-            <a:r>
-              <a:rPr lang="en-US" dirty="0" err="1" smtClean="0"/>
-              <a:t>Tussen</a:t>
-            </a:r>
-            <a:r>
-              <a:rPr lang="en-US" dirty="0" smtClean="0"/>
-              <a:t> score </a:t>
-            </a:r>
-            <a:r>
-              <a:rPr lang="en-US" dirty="0" err="1" smtClean="0"/>
-              <a:t>na</a:t>
-            </a:r>
-            <a:r>
-              <a:rPr lang="en-US" dirty="0" smtClean="0"/>
-              <a:t> </a:t>
-            </a:r>
-            <a:r>
-              <a:rPr lang="en-US" dirty="0" err="1" smtClean="0"/>
-              <a:t>elke</a:t>
-            </a:r>
-            <a:r>
-              <a:rPr lang="en-US" dirty="0" smtClean="0"/>
-              <a:t> </a:t>
-            </a:r>
-            <a:r>
-              <a:rPr lang="en-US" dirty="0" err="1" smtClean="0"/>
-              <a:t>algortime</a:t>
-            </a:r>
-            <a:endParaRPr lang="en-US" dirty="0" smtClean="0"/>
-          </a:p>
-          <a:p>
-            <a:pPr lvl="1"/>
-            <a:r>
-              <a:rPr lang="en-US" dirty="0" smtClean="0"/>
-              <a:t>Random sampling</a:t>
-            </a:r>
-          </a:p>
-          <a:p>
-            <a:pPr lvl="1"/>
-            <a:r>
-              <a:rPr lang="en-US" dirty="0" smtClean="0"/>
-              <a:t>Score </a:t>
-            </a:r>
-            <a:r>
-              <a:rPr lang="en-US" dirty="0" err="1" smtClean="0"/>
-              <a:t>vs</a:t>
-            </a:r>
-            <a:r>
-              <a:rPr lang="en-US" dirty="0" smtClean="0"/>
-              <a:t> </a:t>
-            </a:r>
-            <a:r>
-              <a:rPr lang="en-US" dirty="0" err="1" smtClean="0"/>
-              <a:t>iteraties</a:t>
-            </a:r>
-            <a:r>
-              <a:rPr lang="en-US" dirty="0" smtClean="0"/>
-              <a:t> </a:t>
-            </a:r>
-          </a:p>
-          <a:p>
-            <a:pPr lvl="1"/>
-            <a:endParaRPr lang="en-US" dirty="0" smtClean="0"/>
+              <a:t>elkaar</a:t>
+            </a:r>
+            <a:r>
+              <a:rPr lang="en-US" dirty="0" smtClean="0"/>
+              <a:t>?</a:t>
+            </a:r>
           </a:p>
           <a:p>
             <a:pPr lvl="1"/>

--- a/Presentaties/storyboard eindpresentatie.pptx
+++ b/Presentaties/storyboard eindpresentatie.pptx
@@ -6,13 +6,15 @@
   </p:sldMasterIdLst>
   <p:sldIdLst>
     <p:sldId id="257" r:id="rId2"/>
-    <p:sldId id="258" r:id="rId3"/>
-    <p:sldId id="259" r:id="rId4"/>
-    <p:sldId id="260" r:id="rId5"/>
-    <p:sldId id="261" r:id="rId6"/>
-    <p:sldId id="262" r:id="rId7"/>
-    <p:sldId id="263" r:id="rId8"/>
-    <p:sldId id="264" r:id="rId9"/>
+    <p:sldId id="266" r:id="rId3"/>
+    <p:sldId id="265" r:id="rId4"/>
+    <p:sldId id="258" r:id="rId5"/>
+    <p:sldId id="259" r:id="rId6"/>
+    <p:sldId id="260" r:id="rId7"/>
+    <p:sldId id="261" r:id="rId8"/>
+    <p:sldId id="262" r:id="rId9"/>
+    <p:sldId id="263" r:id="rId10"/>
+    <p:sldId id="264" r:id="rId11"/>
   </p:sldIdLst>
   <p:sldSz cx="12192000" cy="6858000"/>
   <p:notesSz cx="6858000" cy="9144000"/>
@@ -113,7 +115,7 @@
   </p:defaultTextStyle>
   <p:extLst>
     <p:ext uri="{EFAFB233-063F-42B5-8137-9DF3F51BA10A}">
-      <p15:sldGuideLst xmlns:p15="http://schemas.microsoft.com/office/powerpoint/2012/main" xmlns="">
+      <p15:sldGuideLst xmlns:p15="http://schemas.microsoft.com/office/powerpoint/2012/main">
         <p15:guide id="1" orient="horz" pos="2160">
           <p15:clr>
             <a:srgbClr val="A4A3A4"/>
@@ -290,7 +292,7 @@
           <a:p>
             <a:fld id="{B2E4F3CE-5921-4ADD-9964-2DE7A47474AF}" type="datetimeFigureOut">
               <a:rPr lang="nl-NL" smtClean="0"/>
-              <a:t>22/05/18</a:t>
+              <a:t>23-5-2018</a:t>
             </a:fld>
             <a:endParaRPr lang="nl-NL"/>
           </a:p>
@@ -498,7 +500,7 @@
           <p:cNvPr id="10" name="Picture 9" descr="A group of people in a room&#10;&#10;Description generated with very high confidence">
             <a:extLst>
               <a:ext uri="{FF2B5EF4-FFF2-40B4-BE49-F238E27FC236}">
-                <a16:creationId xmlns:a16="http://schemas.microsoft.com/office/drawing/2014/main" xmlns="" id="{8A636BD5-65AA-4211-BE9A-C3728CA22021}"/>
+                <a16:creationId xmlns:a16="http://schemas.microsoft.com/office/drawing/2014/main" id="{8A636BD5-65AA-4211-BE9A-C3728CA22021}"/>
               </a:ext>
             </a:extLst>
           </p:cNvPr>
@@ -539,7 +541,7 @@
           <p:cNvPr id="12" name="Picture 11" descr="A group of people in a room&#10;&#10;Description generated with very high confidence">
             <a:extLst>
               <a:ext uri="{FF2B5EF4-FFF2-40B4-BE49-F238E27FC236}">
-                <a16:creationId xmlns:a16="http://schemas.microsoft.com/office/drawing/2014/main" xmlns="" id="{FCCAA0F4-9C7B-4984-8F70-FA270D007429}"/>
+                <a16:creationId xmlns:a16="http://schemas.microsoft.com/office/drawing/2014/main" id="{FCCAA0F4-9C7B-4984-8F70-FA270D007429}"/>
               </a:ext>
             </a:extLst>
           </p:cNvPr>
@@ -610,7 +612,7 @@
           <p:cNvPr id="2" name="Title 1">
             <a:extLst>
               <a:ext uri="{FF2B5EF4-FFF2-40B4-BE49-F238E27FC236}">
-                <a16:creationId xmlns:a16="http://schemas.microsoft.com/office/drawing/2014/main" xmlns="" id="{6FC13C6F-2E16-4E4C-84CC-D4DAFCB2700D}"/>
+                <a16:creationId xmlns:a16="http://schemas.microsoft.com/office/drawing/2014/main" id="{6FC13C6F-2E16-4E4C-84CC-D4DAFCB2700D}"/>
               </a:ext>
             </a:extLst>
           </p:cNvPr>
@@ -648,7 +650,7 @@
           <p:cNvPr id="3" name="Subtitle 2">
             <a:extLst>
               <a:ext uri="{FF2B5EF4-FFF2-40B4-BE49-F238E27FC236}">
-                <a16:creationId xmlns:a16="http://schemas.microsoft.com/office/drawing/2014/main" xmlns="" id="{453CFFDF-F98C-4C73-86C1-B63C7BFD4C39}"/>
+                <a16:creationId xmlns:a16="http://schemas.microsoft.com/office/drawing/2014/main" id="{453CFFDF-F98C-4C73-86C1-B63C7BFD4C39}"/>
               </a:ext>
             </a:extLst>
           </p:cNvPr>
@@ -719,7 +721,7 @@
           <p:cNvPr id="4" name="Date Placeholder 3">
             <a:extLst>
               <a:ext uri="{FF2B5EF4-FFF2-40B4-BE49-F238E27FC236}">
-                <a16:creationId xmlns:a16="http://schemas.microsoft.com/office/drawing/2014/main" xmlns="" id="{CFA081B8-BD76-443C-93F5-08182166D8D0}"/>
+                <a16:creationId xmlns:a16="http://schemas.microsoft.com/office/drawing/2014/main" id="{CFA081B8-BD76-443C-93F5-08182166D8D0}"/>
               </a:ext>
             </a:extLst>
           </p:cNvPr>
@@ -737,7 +739,7 @@
           <a:p>
             <a:fld id="{B2E4F3CE-5921-4ADD-9964-2DE7A47474AF}" type="datetimeFigureOut">
               <a:rPr lang="nl-NL" smtClean="0"/>
-              <a:t>22/05/18</a:t>
+              <a:t>23-5-2018</a:t>
             </a:fld>
             <a:endParaRPr lang="nl-NL"/>
           </a:p>
@@ -748,7 +750,7 @@
           <p:cNvPr id="5" name="Footer Placeholder 4">
             <a:extLst>
               <a:ext uri="{FF2B5EF4-FFF2-40B4-BE49-F238E27FC236}">
-                <a16:creationId xmlns:a16="http://schemas.microsoft.com/office/drawing/2014/main" xmlns="" id="{B372371A-431A-4C4A-B2D5-5DB4CE736915}"/>
+                <a16:creationId xmlns:a16="http://schemas.microsoft.com/office/drawing/2014/main" id="{B372371A-431A-4C4A-B2D5-5DB4CE736915}"/>
               </a:ext>
             </a:extLst>
           </p:cNvPr>
@@ -773,7 +775,7 @@
           <p:cNvPr id="6" name="Slide Number Placeholder 5">
             <a:extLst>
               <a:ext uri="{FF2B5EF4-FFF2-40B4-BE49-F238E27FC236}">
-                <a16:creationId xmlns:a16="http://schemas.microsoft.com/office/drawing/2014/main" xmlns="" id="{4440A448-9C23-42D3-B380-8BFAE71DF757}"/>
+                <a16:creationId xmlns:a16="http://schemas.microsoft.com/office/drawing/2014/main" id="{4440A448-9C23-42D3-B380-8BFAE71DF757}"/>
               </a:ext>
             </a:extLst>
           </p:cNvPr>
@@ -936,7 +938,7 @@
           <a:p>
             <a:fld id="{B2E4F3CE-5921-4ADD-9964-2DE7A47474AF}" type="datetimeFigureOut">
               <a:rPr lang="nl-NL" smtClean="0"/>
-              <a:t>22/05/18</a:t>
+              <a:t>23-5-2018</a:t>
             </a:fld>
             <a:endParaRPr lang="nl-NL"/>
           </a:p>
@@ -1207,7 +1209,7 @@
           <a:p>
             <a:fld id="{B2E4F3CE-5921-4ADD-9964-2DE7A47474AF}" type="datetimeFigureOut">
               <a:rPr lang="nl-NL" smtClean="0"/>
-              <a:t>22/05/18</a:t>
+              <a:t>23-5-2018</a:t>
             </a:fld>
             <a:endParaRPr lang="nl-NL"/>
           </a:p>
@@ -1342,7 +1344,7 @@
           <p:cNvPr id="9" name="Picture 8" descr="A group of people in a room&#10;&#10;Description generated with very high confidence">
             <a:extLst>
               <a:ext uri="{FF2B5EF4-FFF2-40B4-BE49-F238E27FC236}">
-                <a16:creationId xmlns:a16="http://schemas.microsoft.com/office/drawing/2014/main" xmlns="" id="{1100C0BB-10D3-488D-AF46-8E80E778FCC2}"/>
+                <a16:creationId xmlns:a16="http://schemas.microsoft.com/office/drawing/2014/main" id="{1100C0BB-10D3-488D-AF46-8E80E778FCC2}"/>
               </a:ext>
             </a:extLst>
           </p:cNvPr>
@@ -1642,7 +1644,7 @@
           <a:p>
             <a:fld id="{B2E4F3CE-5921-4ADD-9964-2DE7A47474AF}" type="datetimeFigureOut">
               <a:rPr lang="nl-NL" smtClean="0"/>
-              <a:t>22/05/18</a:t>
+              <a:t>23-5-2018</a:t>
             </a:fld>
             <a:endParaRPr lang="nl-NL"/>
           </a:p>
@@ -2119,7 +2121,7 @@
           <a:p>
             <a:fld id="{B2E4F3CE-5921-4ADD-9964-2DE7A47474AF}" type="datetimeFigureOut">
               <a:rPr lang="nl-NL" smtClean="0"/>
-              <a:t>22/05/18</a:t>
+              <a:t>23-5-2018</a:t>
             </a:fld>
             <a:endParaRPr lang="nl-NL"/>
           </a:p>
@@ -2237,7 +2239,7 @@
           <a:p>
             <a:fld id="{B2E4F3CE-5921-4ADD-9964-2DE7A47474AF}" type="datetimeFigureOut">
               <a:rPr lang="nl-NL" smtClean="0"/>
-              <a:t>22/05/18</a:t>
+              <a:t>23-5-2018</a:t>
             </a:fld>
             <a:endParaRPr lang="nl-NL"/>
           </a:p>
@@ -2332,7 +2334,7 @@
           <a:p>
             <a:fld id="{B2E4F3CE-5921-4ADD-9964-2DE7A47474AF}" type="datetimeFigureOut">
               <a:rPr lang="nl-NL" smtClean="0"/>
-              <a:t>22/05/18</a:t>
+              <a:t>23-5-2018</a:t>
             </a:fld>
             <a:endParaRPr lang="nl-NL"/>
           </a:p>
@@ -2507,7 +2509,7 @@
           <a:p>
             <a:fld id="{B2E4F3CE-5921-4ADD-9964-2DE7A47474AF}" type="datetimeFigureOut">
               <a:rPr lang="nl-NL" smtClean="0"/>
-              <a:t>22/05/18</a:t>
+              <a:t>23-5-2018</a:t>
             </a:fld>
             <a:endParaRPr lang="nl-NL"/>
           </a:p>
@@ -2687,7 +2689,7 @@
           <a:p>
             <a:fld id="{B2E4F3CE-5921-4ADD-9964-2DE7A47474AF}" type="datetimeFigureOut">
               <a:rPr lang="nl-NL" smtClean="0"/>
-              <a:t>22/05/18</a:t>
+              <a:t>23-5-2018</a:t>
             </a:fld>
             <a:endParaRPr lang="nl-NL"/>
           </a:p>
@@ -2897,7 +2899,7 @@
           <a:p>
             <a:fld id="{B2E4F3CE-5921-4ADD-9964-2DE7A47474AF}" type="datetimeFigureOut">
               <a:rPr lang="nl-NL" smtClean="0"/>
-              <a:t>22/05/18</a:t>
+              <a:t>23-5-2018</a:t>
             </a:fld>
             <a:endParaRPr lang="nl-NL"/>
           </a:p>
@@ -3020,7 +3022,7 @@
           <p:cNvPr id="8" name="Picture 7" descr="A group of people in a room&#10;&#10;Description generated with very high confidence">
             <a:extLst>
               <a:ext uri="{FF2B5EF4-FFF2-40B4-BE49-F238E27FC236}">
-                <a16:creationId xmlns:a16="http://schemas.microsoft.com/office/drawing/2014/main" xmlns="" id="{E8DF0BB6-DCAB-4E9C-8305-3C25099E8419}"/>
+                <a16:creationId xmlns:a16="http://schemas.microsoft.com/office/drawing/2014/main" id="{E8DF0BB6-DCAB-4E9C-8305-3C25099E8419}"/>
               </a:ext>
             </a:extLst>
           </p:cNvPr>
@@ -3385,7 +3387,7 @@
   </p:txStyles>
   <p:extLst mod="1">
     <p:ext uri="{27BBF7A9-308A-43DC-89C8-2F10F3537804}">
-      <p15:sldGuideLst xmlns:p15="http://schemas.microsoft.com/office/powerpoint/2012/main" xmlns="">
+      <p15:sldGuideLst xmlns:p15="http://schemas.microsoft.com/office/powerpoint/2012/main">
         <p15:guide id="3" orient="horz" pos="1368">
           <p15:clr>
             <a:srgbClr val="F26B43"/>
@@ -3454,7 +3456,7 @@
           <p:cNvPr id="2" name="Title 1">
             <a:extLst>
               <a:ext uri="{FF2B5EF4-FFF2-40B4-BE49-F238E27FC236}">
-                <a16:creationId xmlns:a16="http://schemas.microsoft.com/office/drawing/2014/main" xmlns="" id="{DFB35624-C45A-4417-8484-F487F43C3428}"/>
+                <a16:creationId xmlns:a16="http://schemas.microsoft.com/office/drawing/2014/main" id="{DFB35624-C45A-4417-8484-F487F43C3428}"/>
               </a:ext>
             </a:extLst>
           </p:cNvPr>
@@ -3482,7 +3484,7 @@
           <p:cNvPr id="3" name="Text Placeholder 2">
             <a:extLst>
               <a:ext uri="{FF2B5EF4-FFF2-40B4-BE49-F238E27FC236}">
-                <a16:creationId xmlns:a16="http://schemas.microsoft.com/office/drawing/2014/main" xmlns="" id="{F477C6E4-8C06-4C8A-8A0C-C1EDED58155D}"/>
+                <a16:creationId xmlns:a16="http://schemas.microsoft.com/office/drawing/2014/main" id="{F477C6E4-8C06-4C8A-8A0C-C1EDED58155D}"/>
               </a:ext>
             </a:extLst>
           </p:cNvPr>
@@ -3509,6 +3511,137 @@
     <p:extLst>
       <p:ext uri="{BB962C8B-B14F-4D97-AF65-F5344CB8AC3E}">
         <p14:creationId xmlns:p14="http://schemas.microsoft.com/office/powerpoint/2010/main" val="3557933096"/>
+      </p:ext>
+    </p:extLst>
+  </p:cSld>
+  <p:clrMapOvr>
+    <a:masterClrMapping/>
+  </p:clrMapOvr>
+</p:sld>
+</file>
+
+<file path=ppt/slides/slide10.xml><?xml version="1.0" encoding="utf-8"?>
+<p:sld xmlns:a="http://schemas.openxmlformats.org/drawingml/2006/main" xmlns:r="http://schemas.openxmlformats.org/officeDocument/2006/relationships" xmlns:p="http://schemas.openxmlformats.org/presentationml/2006/main">
+  <p:cSld>
+    <p:spTree>
+      <p:nvGrpSpPr>
+        <p:cNvPr id="1" name=""/>
+        <p:cNvGrpSpPr/>
+        <p:nvPr/>
+      </p:nvGrpSpPr>
+      <p:grpSpPr>
+        <a:xfrm>
+          <a:off x="0" y="0"/>
+          <a:ext cx="0" cy="0"/>
+          <a:chOff x="0" y="0"/>
+          <a:chExt cx="0" cy="0"/>
+        </a:xfrm>
+      </p:grpSpPr>
+      <p:sp>
+        <p:nvSpPr>
+          <p:cNvPr id="2" name="Title 1"/>
+          <p:cNvSpPr>
+            <a:spLocks noGrp="1"/>
+          </p:cNvSpPr>
+          <p:nvPr>
+            <p:ph type="title"/>
+          </p:nvPr>
+        </p:nvSpPr>
+        <p:spPr/>
+        <p:txBody>
+          <a:bodyPr>
+            <a:normAutofit/>
+          </a:bodyPr>
+          <a:lstStyle/>
+          <a:p>
+            <a:r>
+              <a:rPr lang="en-US" dirty="0" err="1"/>
+              <a:t>Vergelijking</a:t>
+            </a:r>
+            <a:endParaRPr lang="en-US" dirty="0"/>
+          </a:p>
+        </p:txBody>
+      </p:sp>
+      <p:sp>
+        <p:nvSpPr>
+          <p:cNvPr id="3" name="Content Placeholder 2"/>
+          <p:cNvSpPr>
+            <a:spLocks noGrp="1"/>
+          </p:cNvSpPr>
+          <p:nvPr>
+            <p:ph idx="1"/>
+          </p:nvPr>
+        </p:nvSpPr>
+        <p:spPr/>
+        <p:txBody>
+          <a:bodyPr>
+            <a:normAutofit/>
+          </a:bodyPr>
+          <a:lstStyle/>
+          <a:p>
+            <a:r>
+              <a:rPr lang="en-US" dirty="0" err="1"/>
+              <a:t>Vergelijking</a:t>
+            </a:r>
+            <a:r>
+              <a:rPr lang="en-US" dirty="0"/>
+              <a:t> </a:t>
+            </a:r>
+            <a:r>
+              <a:rPr lang="en-US" dirty="0" err="1"/>
+              <a:t>tussen</a:t>
+            </a:r>
+            <a:r>
+              <a:rPr lang="en-US" dirty="0"/>
+              <a:t> </a:t>
+            </a:r>
+            <a:r>
+              <a:rPr lang="en-US" dirty="0" err="1"/>
+              <a:t>drie</a:t>
+            </a:r>
+            <a:r>
+              <a:rPr lang="en-US" dirty="0"/>
+              <a:t> </a:t>
+            </a:r>
+            <a:r>
+              <a:rPr lang="en-US" dirty="0" err="1"/>
+              <a:t>algoritmes</a:t>
+            </a:r>
+            <a:endParaRPr lang="en-US" dirty="0"/>
+          </a:p>
+          <a:p>
+            <a:pPr lvl="1"/>
+            <a:r>
+              <a:rPr lang="en-US" dirty="0"/>
+              <a:t>Random sampling </a:t>
+            </a:r>
+            <a:r>
+              <a:rPr lang="en-US" dirty="0" err="1"/>
+              <a:t>naast</a:t>
+            </a:r>
+            <a:r>
+              <a:rPr lang="en-US" dirty="0"/>
+              <a:t> </a:t>
+            </a:r>
+            <a:r>
+              <a:rPr lang="en-US" dirty="0" err="1"/>
+              <a:t>elkaar</a:t>
+            </a:r>
+            <a:r>
+              <a:rPr lang="en-US" dirty="0"/>
+              <a:t>?</a:t>
+            </a:r>
+          </a:p>
+          <a:p>
+            <a:pPr lvl="1"/>
+            <a:endParaRPr lang="en-US" dirty="0"/>
+          </a:p>
+        </p:txBody>
+      </p:sp>
+    </p:spTree>
+    <p:extLst>
+      <p:ext uri="{BB962C8B-B14F-4D97-AF65-F5344CB8AC3E}">
+        <p14:creationId xmlns:p14="http://schemas.microsoft.com/office/powerpoint/2010/main" val="1663324173"/>
       </p:ext>
     </p:extLst>
   </p:cSld>
@@ -3537,7 +3670,13 @@
       </p:grpSpPr>
       <p:sp>
         <p:nvSpPr>
-          <p:cNvPr id="2" name="Title 1"/>
+          <p:cNvPr id="2" name="Title 1">
+            <a:extLst>
+              <a:ext uri="{FF2B5EF4-FFF2-40B4-BE49-F238E27FC236}">
+                <a16:creationId xmlns:a16="http://schemas.microsoft.com/office/drawing/2014/main" id="{9786429D-A3FD-4545-A82A-7A300CE7816F}"/>
+              </a:ext>
+            </a:extLst>
+          </p:cNvPr>
           <p:cNvSpPr>
             <a:spLocks noGrp="1"/>
           </p:cNvSpPr>
@@ -3547,24 +3686,34 @@
         </p:nvSpPr>
         <p:spPr/>
         <p:txBody>
-          <a:bodyPr/>
+          <a:bodyPr>
+            <a:normAutofit fontScale="90000"/>
+          </a:bodyPr>
           <a:lstStyle/>
           <a:p>
             <a:r>
-              <a:rPr lang="en-US" dirty="0" err="1" smtClean="0"/>
+              <a:rPr lang="nl-NL" dirty="0"/>
               <a:t>Introductie</a:t>
             </a:r>
-            <a:r>
-              <a:rPr lang="en-US" dirty="0" smtClean="0"/>
-              <a:t> case</a:t>
-            </a:r>
-            <a:endParaRPr lang="en-US" dirty="0"/>
-          </a:p>
-        </p:txBody>
-      </p:sp>
-      <p:sp>
-        <p:nvSpPr>
-          <p:cNvPr id="3" name="Content Placeholder 2"/>
+            <a:br>
+              <a:rPr lang="nl-NL" dirty="0"/>
+            </a:br>
+            <a:r>
+              <a:rPr lang="nl-NL" dirty="0"/>
+              <a:t>Gegevens</a:t>
+            </a:r>
+          </a:p>
+        </p:txBody>
+      </p:sp>
+      <p:sp>
+        <p:nvSpPr>
+          <p:cNvPr id="3" name="Content Placeholder 2">
+            <a:extLst>
+              <a:ext uri="{FF2B5EF4-FFF2-40B4-BE49-F238E27FC236}">
+                <a16:creationId xmlns:a16="http://schemas.microsoft.com/office/drawing/2014/main" id="{8813E008-5B7D-426C-BE51-1EB75C5AE26D}"/>
+              </a:ext>
+            </a:extLst>
+          </p:cNvPr>
           <p:cNvSpPr>
             <a:spLocks noGrp="1"/>
           </p:cNvSpPr>
@@ -3572,53 +3721,177 @@
             <p:ph idx="1"/>
           </p:nvPr>
         </p:nvSpPr>
-        <p:spPr/>
-        <p:txBody>
-          <a:bodyPr/>
+        <p:spPr>
+          <a:xfrm>
+            <a:off x="1371600" y="1897039"/>
+            <a:ext cx="9601200" cy="4618061"/>
+          </a:xfrm>
+        </p:spPr>
+        <p:txBody>
+          <a:bodyPr>
+            <a:normAutofit lnSpcReduction="10000"/>
+          </a:bodyPr>
           <a:lstStyle/>
           <a:p>
             <a:r>
-              <a:rPr lang="en-US" dirty="0" err="1" smtClean="0"/>
-              <a:t>Uitleg</a:t>
-            </a:r>
-            <a:r>
-              <a:rPr lang="en-US" dirty="0" smtClean="0"/>
-              <a:t> case</a:t>
-            </a:r>
-          </a:p>
-          <a:p>
-            <a:r>
-              <a:rPr lang="en-US" dirty="0" err="1" smtClean="0"/>
-              <a:t>Moeilijkheden</a:t>
-            </a:r>
-            <a:r>
-              <a:rPr lang="en-US" dirty="0" smtClean="0"/>
-              <a:t> </a:t>
-            </a:r>
-            <a:r>
-              <a:rPr lang="en-US" dirty="0" err="1" smtClean="0"/>
-              <a:t>rond</a:t>
-            </a:r>
-            <a:r>
-              <a:rPr lang="en-US" dirty="0" smtClean="0"/>
-              <a:t> </a:t>
-            </a:r>
-            <a:r>
-              <a:rPr lang="en-US" dirty="0" err="1" smtClean="0"/>
-              <a:t>onze</a:t>
-            </a:r>
-            <a:r>
-              <a:rPr lang="en-US" dirty="0" smtClean="0"/>
-              <a:t> case</a:t>
-            </a:r>
-            <a:endParaRPr lang="en-US" dirty="0"/>
+              <a:rPr lang="nl-NL" dirty="0"/>
+              <a:t>609 studenten</a:t>
+            </a:r>
+          </a:p>
+          <a:p>
+            <a:endParaRPr lang="nl-NL" dirty="0"/>
+          </a:p>
+          <a:p>
+            <a:r>
+              <a:rPr lang="nl-NL" dirty="0"/>
+              <a:t>29 vakken</a:t>
+            </a:r>
+          </a:p>
+          <a:p>
+            <a:pPr lvl="1"/>
+            <a:r>
+              <a:rPr lang="nl-NL" dirty="0"/>
+              <a:t>Hoorcollege </a:t>
+            </a:r>
+            <a:r>
+              <a:rPr lang="nl-NL" dirty="0">
+                <a:solidFill>
+                  <a:schemeClr val="tx1">
+                    <a:lumMod val="50000"/>
+                    <a:lumOff val="50000"/>
+                  </a:schemeClr>
+                </a:solidFill>
+              </a:rPr>
+              <a:t>(39)	</a:t>
+            </a:r>
+          </a:p>
+          <a:p>
+            <a:pPr lvl="1"/>
+            <a:r>
+              <a:rPr lang="nl-NL" dirty="0"/>
+              <a:t>Werkcollege </a:t>
+            </a:r>
+            <a:r>
+              <a:rPr lang="nl-NL" dirty="0">
+                <a:solidFill>
+                  <a:schemeClr val="tx1">
+                    <a:lumMod val="50000"/>
+                    <a:lumOff val="50000"/>
+                  </a:schemeClr>
+                </a:solidFill>
+              </a:rPr>
+              <a:t>(40)		</a:t>
+            </a:r>
+            <a:r>
+              <a:rPr lang="nl-NL" dirty="0">
+                <a:solidFill>
+                  <a:srgbClr val="335B74"/>
+                </a:solidFill>
+              </a:rPr>
+              <a:t>129 activiteiten in te roosteren</a:t>
+            </a:r>
+          </a:p>
+          <a:p>
+            <a:pPr lvl="1"/>
+            <a:r>
+              <a:rPr lang="nl-NL" dirty="0"/>
+              <a:t>Practicum </a:t>
+            </a:r>
+            <a:r>
+              <a:rPr lang="nl-NL" dirty="0">
+                <a:solidFill>
+                  <a:schemeClr val="tx1">
+                    <a:lumMod val="50000"/>
+                    <a:lumOff val="50000"/>
+                  </a:schemeClr>
+                </a:solidFill>
+              </a:rPr>
+              <a:t>(50)</a:t>
+            </a:r>
+          </a:p>
+          <a:p>
+            <a:pPr marL="0" indent="0">
+              <a:buNone/>
+            </a:pPr>
+            <a:endParaRPr lang="nl-NL" dirty="0"/>
+          </a:p>
+          <a:p>
+            <a:r>
+              <a:rPr lang="nl-NL" dirty="0"/>
+              <a:t>7 zalen</a:t>
+            </a:r>
+          </a:p>
+          <a:p>
+            <a:endParaRPr lang="nl-NL" dirty="0"/>
+          </a:p>
+          <a:p>
+            <a:r>
+              <a:rPr lang="nl-NL" dirty="0"/>
+              <a:t>5 tijdsloten</a:t>
+            </a:r>
+          </a:p>
+          <a:p>
+            <a:endParaRPr lang="nl-NL" dirty="0"/>
+          </a:p>
+        </p:txBody>
+      </p:sp>
+      <p:sp>
+        <p:nvSpPr>
+          <p:cNvPr id="4" name="Right Brace 3">
+            <a:extLst>
+              <a:ext uri="{FF2B5EF4-FFF2-40B4-BE49-F238E27FC236}">
+                <a16:creationId xmlns:a16="http://schemas.microsoft.com/office/drawing/2014/main" id="{6E64EA35-C3BC-4000-9318-44F7982588DD}"/>
+              </a:ext>
+            </a:extLst>
+          </p:cNvPr>
+          <p:cNvSpPr/>
+          <p:nvPr/>
+        </p:nvSpPr>
+        <p:spPr>
+          <a:xfrm>
+            <a:off x="5078185" y="3135081"/>
+            <a:ext cx="547007" cy="1363597"/>
+          </a:xfrm>
+          <a:prstGeom prst="rightBrace">
+            <a:avLst/>
+          </a:prstGeom>
+          <a:ln w="28575">
+            <a:solidFill>
+              <a:srgbClr val="335B74"/>
+            </a:solidFill>
+          </a:ln>
+        </p:spPr>
+        <p:style>
+          <a:lnRef idx="1">
+            <a:schemeClr val="accent1"/>
+          </a:lnRef>
+          <a:fillRef idx="0">
+            <a:schemeClr val="accent1"/>
+          </a:fillRef>
+          <a:effectRef idx="0">
+            <a:schemeClr val="accent1"/>
+          </a:effectRef>
+          <a:fontRef idx="minor">
+            <a:schemeClr val="tx1"/>
+          </a:fontRef>
+        </p:style>
+        <p:txBody>
+          <a:bodyPr rtlCol="0" anchor="ctr"/>
+          <a:lstStyle/>
+          <a:p>
+            <a:pPr algn="ctr"/>
+            <a:endParaRPr lang="nl-NL">
+              <a:solidFill>
+                <a:srgbClr val="335B74"/>
+              </a:solidFill>
+            </a:endParaRPr>
           </a:p>
         </p:txBody>
       </p:sp>
     </p:spTree>
     <p:extLst>
       <p:ext uri="{BB962C8B-B14F-4D97-AF65-F5344CB8AC3E}">
-        <p14:creationId xmlns:p14="http://schemas.microsoft.com/office/powerpoint/2010/main" val="2275957447"/>
+        <p14:creationId xmlns:p14="http://schemas.microsoft.com/office/powerpoint/2010/main" val="84396703"/>
       </p:ext>
     </p:extLst>
   </p:cSld>
@@ -3647,7 +3920,13 @@
       </p:grpSpPr>
       <p:sp>
         <p:nvSpPr>
-          <p:cNvPr id="2" name="Title 1"/>
+          <p:cNvPr id="2" name="Title 1">
+            <a:extLst>
+              <a:ext uri="{FF2B5EF4-FFF2-40B4-BE49-F238E27FC236}">
+                <a16:creationId xmlns:a16="http://schemas.microsoft.com/office/drawing/2014/main" id="{460B92D0-C3FC-4816-BD32-0EB0C8AE980D}"/>
+              </a:ext>
+            </a:extLst>
+          </p:cNvPr>
           <p:cNvSpPr>
             <a:spLocks noGrp="1"/>
           </p:cNvSpPr>
@@ -3655,22 +3934,41 @@
             <p:ph type="title"/>
           </p:nvPr>
         </p:nvSpPr>
-        <p:spPr/>
-        <p:txBody>
-          <a:bodyPr/>
+        <p:spPr>
+          <a:xfrm>
+            <a:off x="1371600" y="685800"/>
+            <a:ext cx="5422900" cy="1014214"/>
+          </a:xfrm>
+        </p:spPr>
+        <p:txBody>
+          <a:bodyPr>
+            <a:normAutofit fontScale="90000"/>
+          </a:bodyPr>
           <a:lstStyle/>
           <a:p>
             <a:r>
-              <a:rPr lang="en-US" dirty="0" err="1" smtClean="0"/>
-              <a:t>Statespace</a:t>
-            </a:r>
-            <a:endParaRPr lang="en-US" dirty="0"/>
-          </a:p>
-        </p:txBody>
-      </p:sp>
-      <p:sp>
-        <p:nvSpPr>
-          <p:cNvPr id="3" name="Content Placeholder 2"/>
+              <a:rPr lang="nl-NL" dirty="0"/>
+              <a:t>Introductie</a:t>
+            </a:r>
+            <a:br>
+              <a:rPr lang="nl-NL" dirty="0"/>
+            </a:br>
+            <a:r>
+              <a:rPr lang="nl-NL" dirty="0"/>
+              <a:t>Rooster</a:t>
+            </a:r>
+          </a:p>
+        </p:txBody>
+      </p:sp>
+      <p:sp>
+        <p:nvSpPr>
+          <p:cNvPr id="3" name="Content Placeholder 2">
+            <a:extLst>
+              <a:ext uri="{FF2B5EF4-FFF2-40B4-BE49-F238E27FC236}">
+                <a16:creationId xmlns:a16="http://schemas.microsoft.com/office/drawing/2014/main" id="{39DE8E62-E349-4FAC-AC22-7E063D842504}"/>
+              </a:ext>
+            </a:extLst>
+          </p:cNvPr>
           <p:cNvSpPr>
             <a:spLocks noGrp="1"/>
           </p:cNvSpPr>
@@ -3678,57 +3976,34 @@
             <p:ph idx="1"/>
           </p:nvPr>
         </p:nvSpPr>
-        <p:spPr/>
-        <p:txBody>
-          <a:bodyPr/>
+        <p:spPr>
+          <a:xfrm>
+            <a:off x="1371600" y="1897039"/>
+            <a:ext cx="5311833" cy="3970361"/>
+          </a:xfrm>
+        </p:spPr>
+        <p:txBody>
+          <a:bodyPr>
+            <a:normAutofit/>
+          </a:bodyPr>
           <a:lstStyle/>
           <a:p>
             <a:r>
-              <a:rPr lang="en-US" dirty="0" err="1" smtClean="0"/>
-              <a:t>Bovengrens</a:t>
-            </a:r>
-            <a:endParaRPr lang="en-US" dirty="0" smtClean="0"/>
+              <a:rPr lang="nl-NL" dirty="0"/>
+              <a:t>Afbeelding rooster: bijv. maandag</a:t>
+            </a:r>
+            <a:endParaRPr lang="nl-NL" i="0" dirty="0"/>
           </a:p>
           <a:p>
             <a:pPr lvl="1"/>
-            <a:r>
-              <a:rPr lang="en-US" dirty="0" err="1" smtClean="0"/>
-              <a:t>Theorestisch</a:t>
-            </a:r>
-            <a:endParaRPr lang="en-US" dirty="0" smtClean="0"/>
-          </a:p>
-          <a:p>
-            <a:pPr lvl="1"/>
-            <a:r>
-              <a:rPr lang="en-US" dirty="0" err="1" smtClean="0"/>
-              <a:t>aangepast</a:t>
-            </a:r>
-            <a:endParaRPr lang="en-US" dirty="0" smtClean="0"/>
-          </a:p>
-          <a:p>
-            <a:r>
-              <a:rPr lang="en-US" dirty="0" err="1" smtClean="0"/>
-              <a:t>Ondergrens</a:t>
-            </a:r>
-            <a:endParaRPr lang="en-US" dirty="0" smtClean="0"/>
-          </a:p>
-          <a:p>
-            <a:pPr lvl="1"/>
-            <a:r>
-              <a:rPr lang="en-US" dirty="0" err="1" smtClean="0"/>
-              <a:t>Theoretisch</a:t>
-            </a:r>
-            <a:endParaRPr lang="en-US" dirty="0" smtClean="0"/>
-          </a:p>
-          <a:p>
-            <a:endParaRPr lang="en-US" dirty="0"/>
+            <a:endParaRPr lang="nl-NL" i="0" dirty="0"/>
           </a:p>
         </p:txBody>
       </p:sp>
     </p:spTree>
     <p:extLst>
       <p:ext uri="{BB962C8B-B14F-4D97-AF65-F5344CB8AC3E}">
-        <p14:creationId xmlns:p14="http://schemas.microsoft.com/office/powerpoint/2010/main" val="304269083"/>
+        <p14:creationId xmlns:p14="http://schemas.microsoft.com/office/powerpoint/2010/main" val="2695839627"/>
       </p:ext>
     </p:extLst>
   </p:cSld>
@@ -3767,12 +4042,21 @@
         </p:nvSpPr>
         <p:spPr/>
         <p:txBody>
-          <a:bodyPr/>
+          <a:bodyPr>
+            <a:normAutofit fontScale="90000"/>
+          </a:bodyPr>
           <a:lstStyle/>
           <a:p>
             <a:r>
-              <a:rPr lang="en-US" dirty="0" err="1" smtClean="0"/>
-              <a:t>Methoden</a:t>
+              <a:rPr lang="en-US" dirty="0" err="1"/>
+              <a:t>Introductie</a:t>
+            </a:r>
+            <a:br>
+              <a:rPr lang="en-US" dirty="0"/>
+            </a:br>
+            <a:r>
+              <a:rPr lang="en-US" dirty="0" err="1"/>
+              <a:t>Scorebepaling</a:t>
             </a:r>
             <a:endParaRPr lang="en-US" dirty="0"/>
           </a:p>
@@ -3790,129 +4074,221 @@
         </p:nvSpPr>
         <p:spPr/>
         <p:txBody>
-          <a:bodyPr/>
+          <a:bodyPr>
+            <a:normAutofit fontScale="92500" lnSpcReduction="10000"/>
+          </a:bodyPr>
           <a:lstStyle/>
           <a:p>
             <a:r>
-              <a:rPr lang="en-US" dirty="0" err="1" smtClean="0"/>
-              <a:t>Uitleg</a:t>
-            </a:r>
-            <a:r>
-              <a:rPr lang="en-US" dirty="0" smtClean="0"/>
+              <a:rPr lang="en-US" dirty="0"/>
+              <a:t>Score = 1000 + </a:t>
+            </a:r>
+            <a:r>
+              <a:rPr lang="en-US" dirty="0" err="1"/>
+              <a:t>Bonuspunten</a:t>
+            </a:r>
+            <a:r>
+              <a:rPr lang="en-US" dirty="0"/>
+              <a:t> - </a:t>
+            </a:r>
+            <a:r>
+              <a:rPr lang="en-US" dirty="0" err="1"/>
+              <a:t>Maluspunten</a:t>
+            </a:r>
+            <a:endParaRPr lang="en-US" dirty="0"/>
+          </a:p>
+          <a:p>
+            <a:endParaRPr lang="en-US" dirty="0"/>
+          </a:p>
+          <a:p>
+            <a:r>
+              <a:rPr lang="en-US" dirty="0" err="1"/>
+              <a:t>Bonuspunten</a:t>
+            </a:r>
+            <a:r>
+              <a:rPr lang="en-US" dirty="0"/>
+              <a:t>:</a:t>
+            </a:r>
+          </a:p>
+          <a:p>
+            <a:pPr lvl="1"/>
+            <a:r>
+              <a:rPr lang="en-US" dirty="0"/>
+              <a:t>20 </a:t>
+            </a:r>
+            <a:r>
+              <a:rPr lang="en-US" dirty="0" err="1"/>
+              <a:t>punten</a:t>
+            </a:r>
+            <a:r>
+              <a:rPr lang="en-US" dirty="0"/>
               <a:t> </a:t>
             </a:r>
             <a:r>
-              <a:rPr lang="en-US" dirty="0" err="1" smtClean="0"/>
-              <a:t>algoritmes</a:t>
-            </a:r>
-            <a:endParaRPr lang="en-US" dirty="0" smtClean="0"/>
+              <a:rPr lang="en-US" dirty="0" err="1"/>
+              <a:t>voor</a:t>
+            </a:r>
+            <a:r>
+              <a:rPr lang="en-US" dirty="0"/>
+              <a:t> </a:t>
+            </a:r>
+            <a:r>
+              <a:rPr lang="en-US" dirty="0" err="1"/>
+              <a:t>goede</a:t>
+            </a:r>
+            <a:r>
+              <a:rPr lang="en-US" dirty="0"/>
+              <a:t> </a:t>
+            </a:r>
+            <a:r>
+              <a:rPr lang="en-US" dirty="0" err="1"/>
+              <a:t>weekindeling</a:t>
+            </a:r>
+            <a:endParaRPr lang="en-US" dirty="0"/>
           </a:p>
           <a:p>
             <a:pPr lvl="1"/>
-            <a:r>
-              <a:rPr lang="en-US" dirty="0" err="1" smtClean="0"/>
-              <a:t>Hillclimber</a:t>
-            </a:r>
-            <a:r>
-              <a:rPr lang="en-US" dirty="0" smtClean="0"/>
-              <a:t>/simulated annealing</a:t>
+            <a:endParaRPr lang="en-US" dirty="0"/>
+          </a:p>
+          <a:p>
+            <a:r>
+              <a:rPr lang="en-US" dirty="0" err="1"/>
+              <a:t>Maluspunten</a:t>
+            </a:r>
+            <a:r>
+              <a:rPr lang="en-US" dirty="0"/>
+              <a:t>:</a:t>
             </a:r>
           </a:p>
           <a:p>
             <a:pPr lvl="1"/>
             <a:r>
-              <a:rPr lang="en-US" dirty="0" smtClean="0"/>
-              <a:t>Genetic </a:t>
-            </a:r>
-            <a:r>
-              <a:rPr lang="en-US" dirty="0" err="1" smtClean="0"/>
-              <a:t>algoritme</a:t>
-            </a:r>
-            <a:endParaRPr lang="en-US" dirty="0" smtClean="0"/>
+              <a:rPr lang="en-US" dirty="0"/>
+              <a:t>1 punt </a:t>
+            </a:r>
+            <a:r>
+              <a:rPr lang="en-US" dirty="0" err="1"/>
+              <a:t>voor</a:t>
+            </a:r>
+            <a:r>
+              <a:rPr lang="en-US" dirty="0"/>
+              <a:t> </a:t>
+            </a:r>
+            <a:r>
+              <a:rPr lang="en-US" dirty="0" err="1"/>
+              <a:t>iedere</a:t>
+            </a:r>
+            <a:r>
+              <a:rPr lang="en-US" dirty="0"/>
+              <a:t> student die </a:t>
+            </a:r>
+            <a:r>
+              <a:rPr lang="en-US" dirty="0" err="1"/>
+              <a:t>niet</a:t>
+            </a:r>
+            <a:r>
+              <a:rPr lang="en-US" dirty="0"/>
+              <a:t> in de </a:t>
+            </a:r>
+            <a:r>
+              <a:rPr lang="en-US" dirty="0" err="1"/>
+              <a:t>zaal</a:t>
+            </a:r>
+            <a:r>
+              <a:rPr lang="en-US" dirty="0"/>
+              <a:t> past</a:t>
+            </a:r>
           </a:p>
           <a:p>
             <a:pPr lvl="1"/>
             <a:r>
-              <a:rPr lang="en-US" dirty="0" err="1" smtClean="0"/>
-              <a:t>Hybride</a:t>
-            </a:r>
-            <a:r>
-              <a:rPr lang="en-US" dirty="0" smtClean="0"/>
-              <a:t> (sequential en </a:t>
-            </a:r>
-            <a:r>
-              <a:rPr lang="en-US" dirty="0" err="1" smtClean="0"/>
-              <a:t>dan</a:t>
+              <a:rPr lang="en-US" dirty="0"/>
+              <a:t>1 punt per </a:t>
+            </a:r>
+            <a:r>
+              <a:rPr lang="en-US" dirty="0" err="1"/>
+              <a:t>roosterconflict</a:t>
+            </a:r>
+            <a:r>
+              <a:rPr lang="en-US" dirty="0"/>
+              <a:t> per student</a:t>
+            </a:r>
+          </a:p>
+          <a:p>
+            <a:pPr lvl="1"/>
+            <a:r>
+              <a:rPr lang="en-US" dirty="0"/>
+              <a:t>10, 20 of 30 </a:t>
+            </a:r>
+            <a:r>
+              <a:rPr lang="en-US" dirty="0" err="1"/>
+              <a:t>punten</a:t>
             </a:r>
             <a:r>
               <a:rPr lang="en-US" dirty="0"/>
               <a:t> </a:t>
             </a:r>
             <a:r>
-              <a:rPr lang="en-US" dirty="0" smtClean="0"/>
-              <a:t>mix </a:t>
-            </a:r>
-            <a:r>
-              <a:rPr lang="en-US" dirty="0" err="1" smtClean="0"/>
-              <a:t>bovenstaande</a:t>
-            </a:r>
-            <a:r>
-              <a:rPr lang="en-US" dirty="0" smtClean="0"/>
-              <a:t> twee </a:t>
-            </a:r>
-            <a:r>
-              <a:rPr lang="en-US" dirty="0" err="1" smtClean="0"/>
-              <a:t>algoritmes</a:t>
-            </a:r>
-            <a:r>
-              <a:rPr lang="en-US" dirty="0" smtClean="0"/>
-              <a:t>)</a:t>
-            </a:r>
-          </a:p>
-          <a:p>
-            <a:r>
-              <a:rPr lang="en-US" dirty="0" err="1" smtClean="0"/>
-              <a:t>Uitleg</a:t>
-            </a:r>
-            <a:r>
-              <a:rPr lang="en-US" dirty="0" smtClean="0"/>
-              <a:t> of </a:t>
-            </a:r>
-            <a:r>
-              <a:rPr lang="en-US" dirty="0" err="1" smtClean="0"/>
-              <a:t>algoritmes</a:t>
-            </a:r>
-            <a:r>
-              <a:rPr lang="en-US" dirty="0" smtClean="0"/>
-              <a:t> exact </a:t>
-            </a:r>
-            <a:r>
-              <a:rPr lang="en-US" dirty="0" err="1" smtClean="0"/>
-              <a:t>zijn</a:t>
-            </a:r>
-            <a:r>
-              <a:rPr lang="en-US" dirty="0" smtClean="0"/>
-              <a:t> of </a:t>
-            </a:r>
-            <a:r>
-              <a:rPr lang="en-US" dirty="0" err="1" smtClean="0"/>
-              <a:t>een</a:t>
-            </a:r>
-            <a:r>
-              <a:rPr lang="en-US" dirty="0" smtClean="0"/>
+              <a:rPr lang="en-US" dirty="0" err="1"/>
+              <a:t>voor</a:t>
+            </a:r>
+            <a:r>
+              <a:rPr lang="en-US" dirty="0"/>
               <a:t> </a:t>
             </a:r>
             <a:r>
-              <a:rPr lang="en-US" dirty="0" err="1" smtClean="0"/>
-              <a:t>heuristiek</a:t>
-            </a:r>
-            <a:endParaRPr lang="en-US" dirty="0" smtClean="0"/>
-          </a:p>
-          <a:p>
-            <a:endParaRPr lang="en-US" dirty="0"/>
-          </a:p>
-          <a:p>
-            <a:endParaRPr lang="en-US" dirty="0" smtClean="0"/>
+              <a:rPr lang="en-US" dirty="0" err="1"/>
+              <a:t>slechte</a:t>
+            </a:r>
+            <a:r>
+              <a:rPr lang="en-US" dirty="0"/>
+              <a:t> </a:t>
+            </a:r>
+            <a:r>
+              <a:rPr lang="en-US" dirty="0" err="1"/>
+              <a:t>weekindeling</a:t>
+            </a:r>
+            <a:endParaRPr lang="en-US" dirty="0"/>
+          </a:p>
+          <a:p>
+            <a:pPr lvl="1"/>
+            <a:r>
+              <a:rPr lang="en-US" dirty="0"/>
+              <a:t>50 </a:t>
+            </a:r>
+            <a:r>
+              <a:rPr lang="en-US" dirty="0" err="1"/>
+              <a:t>punten</a:t>
+            </a:r>
+            <a:r>
+              <a:rPr lang="en-US" dirty="0"/>
+              <a:t> </a:t>
+            </a:r>
+            <a:r>
+              <a:rPr lang="en-US" dirty="0" err="1"/>
+              <a:t>voor</a:t>
+            </a:r>
+            <a:r>
+              <a:rPr lang="en-US" dirty="0"/>
+              <a:t> </a:t>
+            </a:r>
+            <a:r>
+              <a:rPr lang="en-US" dirty="0" err="1"/>
+              <a:t>laat</a:t>
+            </a:r>
+            <a:r>
+              <a:rPr lang="en-US" dirty="0"/>
+              <a:t> </a:t>
+            </a:r>
+            <a:r>
+              <a:rPr lang="en-US" dirty="0" err="1"/>
+              <a:t>tijdslot</a:t>
+            </a:r>
+            <a:r>
+              <a:rPr lang="en-US"/>
+              <a:t> (17:00-19:00)</a:t>
+            </a:r>
+            <a:endParaRPr lang="en-US" dirty="0"/>
           </a:p>
           <a:p>
             <a:pPr lvl="1"/>
@@ -3923,7 +4299,7 @@
     </p:spTree>
     <p:extLst>
       <p:ext uri="{BB962C8B-B14F-4D97-AF65-F5344CB8AC3E}">
-        <p14:creationId xmlns:p14="http://schemas.microsoft.com/office/powerpoint/2010/main" val="2798988976"/>
+        <p14:creationId xmlns:p14="http://schemas.microsoft.com/office/powerpoint/2010/main" val="2275957447"/>
       </p:ext>
     </p:extLst>
   </p:cSld>
@@ -3962,296 +4338,70 @@
         </p:nvSpPr>
         <p:spPr/>
         <p:txBody>
-          <a:bodyPr>
-            <a:normAutofit fontScale="90000"/>
-          </a:bodyPr>
-          <a:lstStyle/>
-          <a:p>
-            <a:r>
-              <a:rPr lang="en-US" dirty="0" err="1" smtClean="0"/>
-              <a:t>Experimenteren</a:t>
-            </a:r>
-            <a:r>
-              <a:rPr lang="en-US" dirty="0" smtClean="0"/>
-              <a:t/>
-            </a:r>
-            <a:br>
-              <a:rPr lang="en-US" dirty="0" smtClean="0"/>
-            </a:br>
-            <a:endParaRPr lang="en-US" dirty="0"/>
-          </a:p>
-        </p:txBody>
-      </p:sp>
-      <p:sp>
-        <p:nvSpPr>
-          <p:cNvPr id="3" name="Content Placeholder 2"/>
-          <p:cNvSpPr>
-            <a:spLocks noGrp="1"/>
-          </p:cNvSpPr>
-          <p:nvPr>
-            <p:ph idx="1"/>
-          </p:nvPr>
-        </p:nvSpPr>
-        <p:spPr/>
-        <p:txBody>
           <a:bodyPr/>
           <a:lstStyle/>
           <a:p>
             <a:r>
-              <a:rPr lang="en-US" dirty="0" err="1" smtClean="0"/>
-              <a:t>Hillclimber</a:t>
-            </a:r>
-            <a:r>
-              <a:rPr lang="en-US" dirty="0" smtClean="0"/>
-              <a:t>/simulated annealing</a:t>
-            </a:r>
+              <a:rPr lang="en-US" dirty="0" err="1"/>
+              <a:t>Statespace</a:t>
+            </a:r>
+            <a:endParaRPr lang="en-US" dirty="0"/>
+          </a:p>
+        </p:txBody>
+      </p:sp>
+      <p:sp>
+        <p:nvSpPr>
+          <p:cNvPr id="3" name="Content Placeholder 2"/>
+          <p:cNvSpPr>
+            <a:spLocks noGrp="1"/>
+          </p:cNvSpPr>
+          <p:nvPr>
+            <p:ph idx="1"/>
+          </p:nvPr>
+        </p:nvSpPr>
+        <p:spPr/>
+        <p:txBody>
+          <a:bodyPr/>
+          <a:lstStyle/>
+          <a:p>
+            <a:r>
+              <a:rPr lang="en-US" dirty="0" err="1"/>
+              <a:t>Bovengrens</a:t>
+            </a:r>
+            <a:endParaRPr lang="en-US" dirty="0"/>
           </a:p>
           <a:p>
             <a:pPr lvl="1"/>
             <a:r>
-              <a:rPr lang="en-US" dirty="0" smtClean="0"/>
-              <a:t>Simulated annealing </a:t>
-            </a:r>
-            <a:r>
-              <a:rPr lang="en-US" dirty="0" err="1" smtClean="0"/>
-              <a:t>eerst</a:t>
-            </a:r>
-            <a:r>
-              <a:rPr lang="en-US" dirty="0" smtClean="0"/>
-              <a:t> </a:t>
-            </a:r>
-            <a:r>
-              <a:rPr lang="en-US" dirty="0" err="1" smtClean="0"/>
-              <a:t>kijken</a:t>
-            </a:r>
-            <a:r>
-              <a:rPr lang="en-US" dirty="0" smtClean="0"/>
-              <a:t> </a:t>
-            </a:r>
-            <a:r>
-              <a:rPr lang="en-US" dirty="0" err="1" smtClean="0"/>
-              <a:t>welke</a:t>
-            </a:r>
-            <a:r>
-              <a:rPr lang="en-US" dirty="0" smtClean="0"/>
-              <a:t> cooling schema het </a:t>
-            </a:r>
-            <a:r>
-              <a:rPr lang="en-US" dirty="0" err="1" smtClean="0"/>
-              <a:t>beste</a:t>
-            </a:r>
-            <a:r>
-              <a:rPr lang="en-US" dirty="0" smtClean="0"/>
-              <a:t> is</a:t>
-            </a:r>
+              <a:rPr lang="en-US" dirty="0" err="1"/>
+              <a:t>Theorestisch</a:t>
+            </a:r>
+            <a:endParaRPr lang="en-US" dirty="0"/>
           </a:p>
           <a:p>
             <a:pPr lvl="1"/>
             <a:r>
-              <a:rPr lang="en-US" dirty="0" smtClean="0"/>
-              <a:t>Score </a:t>
-            </a:r>
-            <a:r>
-              <a:rPr lang="en-US" dirty="0" err="1" smtClean="0"/>
-              <a:t>algoritmes</a:t>
-            </a:r>
-            <a:r>
-              <a:rPr lang="en-US" dirty="0" smtClean="0"/>
-              <a:t> </a:t>
-            </a:r>
-            <a:r>
-              <a:rPr lang="en-US" dirty="0" err="1" smtClean="0"/>
-              <a:t>vs</a:t>
-            </a:r>
-            <a:r>
-              <a:rPr lang="en-US" dirty="0" smtClean="0"/>
-              <a:t> </a:t>
-            </a:r>
-            <a:r>
-              <a:rPr lang="en-US" dirty="0" err="1" smtClean="0"/>
-              <a:t>aantal</a:t>
-            </a:r>
-            <a:r>
-              <a:rPr lang="en-US" dirty="0" smtClean="0"/>
-              <a:t> </a:t>
-            </a:r>
-            <a:r>
-              <a:rPr lang="en-US" dirty="0" err="1" smtClean="0"/>
-              <a:t>interaties</a:t>
-            </a:r>
-            <a:endParaRPr lang="en-US" dirty="0" smtClean="0"/>
+              <a:rPr lang="en-US" dirty="0" err="1"/>
+              <a:t>aangepast</a:t>
+            </a:r>
+            <a:endParaRPr lang="en-US" dirty="0"/>
+          </a:p>
+          <a:p>
+            <a:r>
+              <a:rPr lang="en-US" dirty="0" err="1"/>
+              <a:t>Ondergrens</a:t>
+            </a:r>
+            <a:endParaRPr lang="en-US" dirty="0"/>
           </a:p>
           <a:p>
             <a:pPr lvl="1"/>
             <a:r>
-              <a:rPr lang="en-US" dirty="0" err="1" smtClean="0"/>
-              <a:t>Normaal</a:t>
-            </a:r>
-            <a:r>
-              <a:rPr lang="en-US" dirty="0" smtClean="0"/>
-              <a:t> </a:t>
-            </a:r>
-            <a:r>
-              <a:rPr lang="en-US" dirty="0" err="1" smtClean="0"/>
-              <a:t>verdeling</a:t>
-            </a:r>
-            <a:r>
-              <a:rPr lang="en-US" dirty="0" smtClean="0"/>
-              <a:t> </a:t>
-            </a:r>
-            <a:r>
-              <a:rPr lang="en-US" dirty="0" err="1" smtClean="0"/>
-              <a:t>drie</a:t>
-            </a:r>
-            <a:r>
-              <a:rPr lang="en-US" dirty="0" smtClean="0"/>
-              <a:t> </a:t>
-            </a:r>
-            <a:r>
-              <a:rPr lang="en-US" dirty="0" err="1" smtClean="0"/>
-              <a:t>algoritmes</a:t>
-            </a:r>
-            <a:endParaRPr lang="en-US" dirty="0" smtClean="0"/>
-          </a:p>
-          <a:p>
-            <a:r>
-              <a:rPr lang="en-US" dirty="0" smtClean="0"/>
-              <a:t>Genetic</a:t>
-            </a:r>
-          </a:p>
-          <a:p>
-            <a:pPr lvl="1"/>
-            <a:r>
-              <a:rPr lang="en-US" dirty="0" err="1" smtClean="0"/>
-              <a:t>Keuze</a:t>
-            </a:r>
-            <a:r>
-              <a:rPr lang="en-US" dirty="0" smtClean="0"/>
-              <a:t> </a:t>
-            </a:r>
-            <a:r>
-              <a:rPr lang="en-US" dirty="0" err="1" smtClean="0"/>
-              <a:t>tussen</a:t>
-            </a:r>
-            <a:r>
-              <a:rPr lang="en-US" dirty="0" smtClean="0"/>
-              <a:t> hoe de </a:t>
-            </a:r>
-            <a:r>
-              <a:rPr lang="en-US" dirty="0" err="1" smtClean="0"/>
-              <a:t>overgebleven</a:t>
-            </a:r>
-            <a:r>
-              <a:rPr lang="en-US" dirty="0" smtClean="0"/>
-              <a:t> </a:t>
-            </a:r>
-            <a:r>
-              <a:rPr lang="en-US" dirty="0" err="1" smtClean="0"/>
-              <a:t>vakken</a:t>
-            </a:r>
-            <a:r>
-              <a:rPr lang="en-US" dirty="0" smtClean="0"/>
-              <a:t> </a:t>
-            </a:r>
-            <a:r>
-              <a:rPr lang="en-US" dirty="0" err="1" smtClean="0"/>
-              <a:t>nog</a:t>
-            </a:r>
-            <a:r>
-              <a:rPr lang="en-US" dirty="0" smtClean="0"/>
-              <a:t> in </a:t>
-            </a:r>
-            <a:r>
-              <a:rPr lang="en-US" dirty="0" err="1" smtClean="0"/>
-              <a:t>te</a:t>
-            </a:r>
-            <a:r>
-              <a:rPr lang="en-US" dirty="0" smtClean="0"/>
-              <a:t> </a:t>
-            </a:r>
-            <a:r>
-              <a:rPr lang="en-US" dirty="0" err="1" smtClean="0"/>
-              <a:t>roosteren</a:t>
-            </a:r>
-            <a:r>
-              <a:rPr lang="en-US" dirty="0" smtClean="0"/>
-              <a:t>(</a:t>
-            </a:r>
-            <a:r>
-              <a:rPr lang="en-US" dirty="0" err="1" smtClean="0"/>
-              <a:t>zaalgrootte</a:t>
-            </a:r>
-            <a:r>
-              <a:rPr lang="en-US" dirty="0" smtClean="0"/>
-              <a:t>, </a:t>
-            </a:r>
-            <a:r>
-              <a:rPr lang="en-US" dirty="0" err="1" smtClean="0"/>
-              <a:t>dichtsbijzijnde</a:t>
-            </a:r>
-            <a:r>
-              <a:rPr lang="en-US" dirty="0" smtClean="0"/>
-              <a:t> </a:t>
-            </a:r>
-            <a:r>
-              <a:rPr lang="en-US" dirty="0" err="1" smtClean="0"/>
-              <a:t>zaalslot</a:t>
-            </a:r>
-            <a:r>
-              <a:rPr lang="en-US" dirty="0" smtClean="0"/>
-              <a:t>?)</a:t>
-            </a:r>
-          </a:p>
-          <a:p>
-            <a:pPr lvl="1"/>
-            <a:r>
-              <a:rPr lang="en-US" dirty="0" err="1" smtClean="0"/>
-              <a:t>Mutatiekans</a:t>
-            </a:r>
-            <a:r>
-              <a:rPr lang="en-US" dirty="0" smtClean="0"/>
-              <a:t> </a:t>
-            </a:r>
-            <a:r>
-              <a:rPr lang="en-US" dirty="0" err="1" smtClean="0"/>
-              <a:t>aanpassen</a:t>
-            </a:r>
-            <a:endParaRPr lang="en-US" dirty="0" smtClean="0"/>
-          </a:p>
-          <a:p>
-            <a:pPr lvl="1"/>
-            <a:r>
-              <a:rPr lang="en-US" dirty="0" err="1" smtClean="0"/>
-              <a:t>Populatiegrootte</a:t>
-            </a:r>
-            <a:r>
-              <a:rPr lang="en-US" dirty="0" smtClean="0"/>
-              <a:t> en </a:t>
-            </a:r>
-            <a:r>
-              <a:rPr lang="en-US" dirty="0" err="1" smtClean="0"/>
-              <a:t>aantal</a:t>
-            </a:r>
-            <a:r>
-              <a:rPr lang="en-US" dirty="0" smtClean="0"/>
-              <a:t> </a:t>
-            </a:r>
-            <a:r>
-              <a:rPr lang="en-US" dirty="0" err="1" smtClean="0"/>
-              <a:t>generaties</a:t>
-            </a:r>
-            <a:endParaRPr lang="en-US" dirty="0" smtClean="0"/>
-          </a:p>
-          <a:p>
-            <a:pPr lvl="1"/>
-            <a:endParaRPr lang="en-US" dirty="0" smtClean="0"/>
-          </a:p>
-          <a:p>
-            <a:pPr lvl="1"/>
-            <a:endParaRPr lang="en-US" dirty="0" smtClean="0"/>
-          </a:p>
-          <a:p>
-            <a:pPr lvl="1"/>
+              <a:rPr lang="en-US" dirty="0" err="1"/>
+              <a:t>Theoretisch</a:t>
+            </a:r>
+            <a:endParaRPr lang="en-US" dirty="0"/>
+          </a:p>
+          <a:p>
             <a:endParaRPr lang="en-US" dirty="0"/>
           </a:p>
         </p:txBody>
@@ -4259,7 +4409,7 @@
     </p:spTree>
     <p:extLst>
       <p:ext uri="{BB962C8B-B14F-4D97-AF65-F5344CB8AC3E}">
-        <p14:creationId xmlns:p14="http://schemas.microsoft.com/office/powerpoint/2010/main" val="161738935"/>
+        <p14:creationId xmlns:p14="http://schemas.microsoft.com/office/powerpoint/2010/main" val="304269083"/>
       </p:ext>
     </p:extLst>
   </p:cSld>
@@ -4298,81 +4448,159 @@
         </p:nvSpPr>
         <p:spPr/>
         <p:txBody>
-          <a:bodyPr>
-            <a:normAutofit/>
-          </a:bodyPr>
-          <a:lstStyle/>
-          <a:p>
-            <a:r>
-              <a:rPr lang="en-US" dirty="0" err="1" smtClean="0"/>
-              <a:t>Eperimenteren</a:t>
-            </a:r>
-            <a:endParaRPr lang="en-US" dirty="0"/>
-          </a:p>
-        </p:txBody>
-      </p:sp>
-      <p:sp>
-        <p:nvSpPr>
-          <p:cNvPr id="3" name="Content Placeholder 2"/>
-          <p:cNvSpPr>
-            <a:spLocks noGrp="1"/>
-          </p:cNvSpPr>
-          <p:nvPr>
-            <p:ph idx="1"/>
-          </p:nvPr>
-        </p:nvSpPr>
-        <p:spPr/>
-        <p:txBody>
           <a:bodyPr/>
           <a:lstStyle/>
           <a:p>
             <a:r>
-              <a:rPr lang="en-US" dirty="0" err="1" smtClean="0"/>
+              <a:rPr lang="en-US" dirty="0" err="1"/>
+              <a:t>Methoden</a:t>
+            </a:r>
+            <a:endParaRPr lang="en-US" dirty="0"/>
+          </a:p>
+        </p:txBody>
+      </p:sp>
+      <p:sp>
+        <p:nvSpPr>
+          <p:cNvPr id="3" name="Content Placeholder 2"/>
+          <p:cNvSpPr>
+            <a:spLocks noGrp="1"/>
+          </p:cNvSpPr>
+          <p:nvPr>
+            <p:ph idx="1"/>
+          </p:nvPr>
+        </p:nvSpPr>
+        <p:spPr/>
+        <p:txBody>
+          <a:bodyPr/>
+          <a:lstStyle/>
+          <a:p>
+            <a:r>
+              <a:rPr lang="en-US" dirty="0" err="1"/>
+              <a:t>Uitleg</a:t>
+            </a:r>
+            <a:r>
+              <a:rPr lang="en-US" dirty="0"/>
+              <a:t> </a:t>
+            </a:r>
+            <a:r>
+              <a:rPr lang="en-US" dirty="0" err="1"/>
+              <a:t>algoritmes</a:t>
+            </a:r>
+            <a:endParaRPr lang="en-US" dirty="0"/>
+          </a:p>
+          <a:p>
+            <a:pPr lvl="1"/>
+            <a:r>
+              <a:rPr lang="en-US" dirty="0" err="1"/>
+              <a:t>Hillclimber</a:t>
+            </a:r>
+            <a:r>
+              <a:rPr lang="en-US" dirty="0"/>
+              <a:t>/simulated annealing</a:t>
+            </a:r>
+          </a:p>
+          <a:p>
+            <a:pPr lvl="1"/>
+            <a:r>
+              <a:rPr lang="en-US" dirty="0"/>
+              <a:t>Genetic </a:t>
+            </a:r>
+            <a:r>
+              <a:rPr lang="en-US" dirty="0" err="1"/>
+              <a:t>algoritme</a:t>
+            </a:r>
+            <a:endParaRPr lang="en-US" dirty="0"/>
+          </a:p>
+          <a:p>
+            <a:pPr lvl="1"/>
+            <a:r>
+              <a:rPr lang="en-US" dirty="0" err="1"/>
               <a:t>Hybride</a:t>
             </a:r>
-            <a:endParaRPr lang="en-US" dirty="0" smtClean="0"/>
+            <a:r>
+              <a:rPr lang="en-US" dirty="0"/>
+              <a:t> (sequential en </a:t>
+            </a:r>
+            <a:r>
+              <a:rPr lang="en-US" dirty="0" err="1"/>
+              <a:t>dan</a:t>
+            </a:r>
+            <a:r>
+              <a:rPr lang="en-US" dirty="0"/>
+              <a:t> mix </a:t>
+            </a:r>
+            <a:r>
+              <a:rPr lang="en-US" dirty="0" err="1"/>
+              <a:t>bovenstaande</a:t>
+            </a:r>
+            <a:r>
+              <a:rPr lang="en-US" dirty="0"/>
+              <a:t> twee </a:t>
+            </a:r>
+            <a:r>
+              <a:rPr lang="en-US" dirty="0" err="1"/>
+              <a:t>algoritmes</a:t>
+            </a:r>
+            <a:r>
+              <a:rPr lang="en-US" dirty="0"/>
+              <a:t>)</a:t>
+            </a:r>
+          </a:p>
+          <a:p>
+            <a:r>
+              <a:rPr lang="en-US" dirty="0" err="1"/>
+              <a:t>Uitleg</a:t>
+            </a:r>
+            <a:r>
+              <a:rPr lang="en-US" dirty="0"/>
+              <a:t> of </a:t>
+            </a:r>
+            <a:r>
+              <a:rPr lang="en-US" dirty="0" err="1"/>
+              <a:t>algoritmes</a:t>
+            </a:r>
+            <a:r>
+              <a:rPr lang="en-US" dirty="0"/>
+              <a:t> exact </a:t>
+            </a:r>
+            <a:r>
+              <a:rPr lang="en-US" dirty="0" err="1"/>
+              <a:t>zijn</a:t>
+            </a:r>
+            <a:r>
+              <a:rPr lang="en-US" dirty="0"/>
+              <a:t> of </a:t>
+            </a:r>
+            <a:r>
+              <a:rPr lang="en-US" dirty="0" err="1"/>
+              <a:t>een</a:t>
+            </a:r>
+            <a:r>
+              <a:rPr lang="en-US" dirty="0"/>
+              <a:t> </a:t>
+            </a:r>
+            <a:r>
+              <a:rPr lang="en-US" dirty="0" err="1"/>
+              <a:t>heuristiek</a:t>
+            </a:r>
+            <a:endParaRPr lang="en-US" dirty="0"/>
+          </a:p>
+          <a:p>
+            <a:endParaRPr lang="en-US" dirty="0"/>
+          </a:p>
+          <a:p>
+            <a:endParaRPr lang="en-US" dirty="0"/>
           </a:p>
           <a:p>
             <a:pPr lvl="1"/>
-            <a:r>
-              <a:rPr lang="en-US" dirty="0" err="1" smtClean="0"/>
-              <a:t>Eerst</a:t>
-            </a:r>
-            <a:r>
-              <a:rPr lang="en-US" dirty="0" smtClean="0"/>
-              <a:t> sequential op </a:t>
-            </a:r>
-            <a:r>
-              <a:rPr lang="en-US" dirty="0" err="1" smtClean="0"/>
-              <a:t>zaalgrootte</a:t>
-            </a:r>
-            <a:endParaRPr lang="en-US" dirty="0" smtClean="0"/>
-          </a:p>
-          <a:p>
-            <a:pPr lvl="1"/>
-            <a:r>
-              <a:rPr lang="en-US" dirty="0" err="1" smtClean="0"/>
-              <a:t>Daarna</a:t>
-            </a:r>
-            <a:r>
-              <a:rPr lang="en-US" dirty="0" smtClean="0"/>
-              <a:t> genetic, </a:t>
-            </a:r>
-            <a:r>
-              <a:rPr lang="en-US" dirty="0" err="1" smtClean="0"/>
-              <a:t>hillclimber</a:t>
-            </a:r>
-            <a:r>
-              <a:rPr lang="en-US" dirty="0" smtClean="0"/>
-              <a:t>, </a:t>
-            </a:r>
+            <a:endParaRPr lang="en-US" dirty="0"/>
           </a:p>
         </p:txBody>
       </p:sp>
     </p:spTree>
     <p:extLst>
       <p:ext uri="{BB962C8B-B14F-4D97-AF65-F5344CB8AC3E}">
-        <p14:creationId xmlns:p14="http://schemas.microsoft.com/office/powerpoint/2010/main" val="2033092415"/>
+        <p14:creationId xmlns:p14="http://schemas.microsoft.com/office/powerpoint/2010/main" val="2798988976"/>
       </p:ext>
     </p:extLst>
   </p:cSld>
@@ -4417,15 +4645,11 @@
           <a:lstStyle/>
           <a:p>
             <a:r>
-              <a:rPr lang="en-US" dirty="0" err="1" smtClean="0"/>
-              <a:t>Resultaten</a:t>
-            </a:r>
-            <a:r>
-              <a:rPr lang="en-US" dirty="0" smtClean="0"/>
-              <a:t/>
+              <a:rPr lang="en-US" dirty="0" err="1"/>
+              <a:t>Experimenteren</a:t>
             </a:r>
             <a:br>
-              <a:rPr lang="en-US" dirty="0" smtClean="0"/>
+              <a:rPr lang="en-US" dirty="0"/>
             </a:br>
             <a:endParaRPr lang="en-US" dirty="0"/>
           </a:p>
@@ -4443,152 +4667,261 @@
         </p:nvSpPr>
         <p:spPr/>
         <p:txBody>
-          <a:bodyPr>
-            <a:normAutofit fontScale="92500" lnSpcReduction="10000"/>
-          </a:bodyPr>
+          <a:bodyPr/>
           <a:lstStyle/>
           <a:p>
             <a:r>
-              <a:rPr lang="en-US" dirty="0" err="1" smtClean="0"/>
+              <a:rPr lang="en-US" dirty="0" err="1"/>
               <a:t>Hillclimber</a:t>
             </a:r>
             <a:r>
-              <a:rPr lang="en-US" dirty="0" smtClean="0"/>
+              <a:rPr lang="en-US" dirty="0"/>
               <a:t>/simulated annealing</a:t>
             </a:r>
           </a:p>
           <a:p>
             <a:pPr lvl="1"/>
             <a:r>
-              <a:rPr lang="en-US" dirty="0" smtClean="0"/>
-              <a:t>Random sampling</a:t>
+              <a:rPr lang="en-US" dirty="0"/>
+              <a:t>Simulated annealing </a:t>
+            </a:r>
+            <a:r>
+              <a:rPr lang="en-US" dirty="0" err="1"/>
+              <a:t>eerst</a:t>
+            </a:r>
+            <a:r>
+              <a:rPr lang="en-US" dirty="0"/>
+              <a:t> </a:t>
+            </a:r>
+            <a:r>
+              <a:rPr lang="en-US" dirty="0" err="1"/>
+              <a:t>kijken</a:t>
+            </a:r>
+            <a:r>
+              <a:rPr lang="en-US" dirty="0"/>
+              <a:t> </a:t>
+            </a:r>
+            <a:r>
+              <a:rPr lang="en-US" dirty="0" err="1"/>
+              <a:t>welke</a:t>
+            </a:r>
+            <a:r>
+              <a:rPr lang="en-US" dirty="0"/>
+              <a:t> cooling schema het </a:t>
+            </a:r>
+            <a:r>
+              <a:rPr lang="en-US" dirty="0" err="1"/>
+              <a:t>beste</a:t>
+            </a:r>
+            <a:r>
+              <a:rPr lang="en-US" dirty="0"/>
+              <a:t> is</a:t>
             </a:r>
           </a:p>
           <a:p>
             <a:pPr lvl="1"/>
             <a:r>
-              <a:rPr lang="en-US" dirty="0" smtClean="0"/>
+              <a:rPr lang="en-US" dirty="0"/>
               <a:t>Score </a:t>
             </a:r>
             <a:r>
-              <a:rPr lang="en-US" dirty="0" err="1" smtClean="0"/>
+              <a:rPr lang="en-US" dirty="0" err="1"/>
+              <a:t>algoritmes</a:t>
+            </a:r>
+            <a:r>
+              <a:rPr lang="en-US" dirty="0"/>
+              <a:t> </a:t>
+            </a:r>
+            <a:r>
+              <a:rPr lang="en-US" dirty="0" err="1"/>
               <a:t>vs</a:t>
             </a:r>
             <a:r>
-              <a:rPr lang="en-US" dirty="0" smtClean="0"/>
+              <a:rPr lang="en-US" dirty="0"/>
               <a:t> </a:t>
             </a:r>
             <a:r>
-              <a:rPr lang="en-US" dirty="0" err="1" smtClean="0"/>
-              <a:t>iteraties</a:t>
-            </a:r>
-            <a:endParaRPr lang="en-US" dirty="0" smtClean="0"/>
-          </a:p>
-          <a:p>
-            <a:r>
-              <a:rPr lang="en-US" dirty="0" smtClean="0"/>
+              <a:rPr lang="en-US" dirty="0" err="1"/>
+              <a:t>aantal</a:t>
+            </a:r>
+            <a:r>
+              <a:rPr lang="en-US" dirty="0"/>
+              <a:t> </a:t>
+            </a:r>
+            <a:r>
+              <a:rPr lang="en-US" dirty="0" err="1"/>
+              <a:t>interaties</a:t>
+            </a:r>
+            <a:endParaRPr lang="en-US" dirty="0"/>
+          </a:p>
+          <a:p>
+            <a:pPr lvl="1"/>
+            <a:r>
+              <a:rPr lang="en-US" dirty="0" err="1"/>
+              <a:t>Normaal</a:t>
+            </a:r>
+            <a:r>
+              <a:rPr lang="en-US" dirty="0"/>
+              <a:t> </a:t>
+            </a:r>
+            <a:r>
+              <a:rPr lang="en-US" dirty="0" err="1"/>
+              <a:t>verdeling</a:t>
+            </a:r>
+            <a:r>
+              <a:rPr lang="en-US" dirty="0"/>
+              <a:t> </a:t>
+            </a:r>
+            <a:r>
+              <a:rPr lang="en-US" dirty="0" err="1"/>
+              <a:t>drie</a:t>
+            </a:r>
+            <a:r>
+              <a:rPr lang="en-US" dirty="0"/>
+              <a:t> </a:t>
+            </a:r>
+            <a:r>
+              <a:rPr lang="en-US" dirty="0" err="1"/>
+              <a:t>algoritmes</a:t>
+            </a:r>
+            <a:endParaRPr lang="en-US" dirty="0"/>
+          </a:p>
+          <a:p>
+            <a:r>
+              <a:rPr lang="en-US" dirty="0"/>
               <a:t>Genetic</a:t>
             </a:r>
           </a:p>
           <a:p>
             <a:pPr lvl="1"/>
             <a:r>
-              <a:rPr lang="en-US" dirty="0" smtClean="0"/>
-              <a:t>Random sampling</a:t>
+              <a:rPr lang="en-US" dirty="0" err="1"/>
+              <a:t>Keuze</a:t>
+            </a:r>
+            <a:r>
+              <a:rPr lang="en-US" dirty="0"/>
+              <a:t> </a:t>
+            </a:r>
+            <a:r>
+              <a:rPr lang="en-US" dirty="0" err="1"/>
+              <a:t>tussen</a:t>
+            </a:r>
+            <a:r>
+              <a:rPr lang="en-US" dirty="0"/>
+              <a:t> hoe de </a:t>
+            </a:r>
+            <a:r>
+              <a:rPr lang="en-US" dirty="0" err="1"/>
+              <a:t>overgebleven</a:t>
+            </a:r>
+            <a:r>
+              <a:rPr lang="en-US" dirty="0"/>
+              <a:t> </a:t>
+            </a:r>
+            <a:r>
+              <a:rPr lang="en-US" dirty="0" err="1"/>
+              <a:t>vakken</a:t>
+            </a:r>
+            <a:r>
+              <a:rPr lang="en-US" dirty="0"/>
+              <a:t> </a:t>
+            </a:r>
+            <a:r>
+              <a:rPr lang="en-US" dirty="0" err="1"/>
+              <a:t>nog</a:t>
+            </a:r>
+            <a:r>
+              <a:rPr lang="en-US" dirty="0"/>
+              <a:t> in </a:t>
+            </a:r>
+            <a:r>
+              <a:rPr lang="en-US" dirty="0" err="1"/>
+              <a:t>te</a:t>
+            </a:r>
+            <a:r>
+              <a:rPr lang="en-US" dirty="0"/>
+              <a:t> </a:t>
+            </a:r>
+            <a:r>
+              <a:rPr lang="en-US" dirty="0" err="1"/>
+              <a:t>roosteren</a:t>
+            </a:r>
+            <a:r>
+              <a:rPr lang="en-US" dirty="0"/>
+              <a:t>(</a:t>
+            </a:r>
+            <a:r>
+              <a:rPr lang="en-US" dirty="0" err="1"/>
+              <a:t>zaalgrootte</a:t>
+            </a:r>
+            <a:r>
+              <a:rPr lang="en-US" dirty="0"/>
+              <a:t>, </a:t>
+            </a:r>
+            <a:r>
+              <a:rPr lang="en-US" dirty="0" err="1"/>
+              <a:t>dichtsbijzijnde</a:t>
+            </a:r>
+            <a:r>
+              <a:rPr lang="en-US" dirty="0"/>
+              <a:t> </a:t>
+            </a:r>
+            <a:r>
+              <a:rPr lang="en-US" dirty="0" err="1"/>
+              <a:t>zaalslot</a:t>
+            </a:r>
+            <a:r>
+              <a:rPr lang="en-US" dirty="0"/>
+              <a:t>?)</a:t>
             </a:r>
           </a:p>
           <a:p>
             <a:pPr lvl="1"/>
             <a:r>
-              <a:rPr lang="en-US" dirty="0" smtClean="0"/>
-              <a:t>Score </a:t>
-            </a:r>
-            <a:r>
-              <a:rPr lang="en-US" dirty="0" err="1" smtClean="0"/>
-              <a:t>vs</a:t>
-            </a:r>
-            <a:r>
-              <a:rPr lang="en-US" dirty="0" smtClean="0"/>
+              <a:rPr lang="en-US" dirty="0" err="1"/>
+              <a:t>Mutatiekans</a:t>
+            </a:r>
+            <a:r>
+              <a:rPr lang="en-US" dirty="0"/>
               <a:t> </a:t>
             </a:r>
             <a:r>
-              <a:rPr lang="en-US" dirty="0" err="1" smtClean="0"/>
-              <a:t>generatie</a:t>
-            </a:r>
-            <a:endParaRPr lang="en-US" dirty="0" smtClean="0"/>
-          </a:p>
-          <a:p>
-            <a:r>
-              <a:rPr lang="en-US" dirty="0" err="1" smtClean="0"/>
-              <a:t>Hybride</a:t>
-            </a:r>
-            <a:endParaRPr lang="en-US" dirty="0" smtClean="0"/>
+              <a:rPr lang="en-US" dirty="0" err="1"/>
+              <a:t>aanpassen</a:t>
+            </a:r>
+            <a:endParaRPr lang="en-US" dirty="0"/>
           </a:p>
           <a:p>
             <a:pPr lvl="1"/>
             <a:r>
-              <a:rPr lang="en-US" dirty="0" err="1" smtClean="0"/>
-              <a:t>Tussen</a:t>
-            </a:r>
-            <a:r>
-              <a:rPr lang="en-US" dirty="0" smtClean="0"/>
-              <a:t> score </a:t>
-            </a:r>
-            <a:r>
-              <a:rPr lang="en-US" dirty="0" err="1" smtClean="0"/>
-              <a:t>na</a:t>
-            </a:r>
-            <a:r>
-              <a:rPr lang="en-US" dirty="0" smtClean="0"/>
+              <a:rPr lang="en-US" dirty="0" err="1"/>
+              <a:t>Populatiegrootte</a:t>
+            </a:r>
+            <a:r>
+              <a:rPr lang="en-US" dirty="0"/>
+              <a:t> en </a:t>
+            </a:r>
+            <a:r>
+              <a:rPr lang="en-US" dirty="0" err="1"/>
+              <a:t>aantal</a:t>
+            </a:r>
+            <a:r>
+              <a:rPr lang="en-US" dirty="0"/>
               <a:t> </a:t>
             </a:r>
             <a:r>
-              <a:rPr lang="en-US" dirty="0" err="1" smtClean="0"/>
-              <a:t>elke</a:t>
-            </a:r>
-            <a:r>
-              <a:rPr lang="en-US" dirty="0" smtClean="0"/>
-              <a:t> </a:t>
-            </a:r>
-            <a:r>
-              <a:rPr lang="en-US" dirty="0" err="1" smtClean="0"/>
-              <a:t>algortime</a:t>
-            </a:r>
-            <a:endParaRPr lang="en-US" dirty="0" smtClean="0"/>
+              <a:rPr lang="en-US" dirty="0" err="1"/>
+              <a:t>generaties</a:t>
+            </a:r>
+            <a:endParaRPr lang="en-US" dirty="0"/>
           </a:p>
           <a:p>
             <a:pPr lvl="1"/>
-            <a:r>
-              <a:rPr lang="en-US" dirty="0" smtClean="0"/>
-              <a:t>Random sampling</a:t>
-            </a:r>
+            <a:endParaRPr lang="en-US" dirty="0"/>
           </a:p>
           <a:p>
             <a:pPr lvl="1"/>
-            <a:r>
-              <a:rPr lang="en-US" dirty="0" smtClean="0"/>
-              <a:t>Score </a:t>
-            </a:r>
-            <a:r>
-              <a:rPr lang="en-US" dirty="0" err="1" smtClean="0"/>
-              <a:t>vs</a:t>
-            </a:r>
-            <a:r>
-              <a:rPr lang="en-US" dirty="0" smtClean="0"/>
-              <a:t> </a:t>
-            </a:r>
-            <a:r>
-              <a:rPr lang="en-US" dirty="0" err="1" smtClean="0"/>
-              <a:t>iteraties</a:t>
-            </a:r>
-            <a:r>
-              <a:rPr lang="en-US" dirty="0" smtClean="0"/>
-              <a:t> </a:t>
-            </a:r>
-          </a:p>
-          <a:p>
-            <a:pPr lvl="1"/>
-            <a:endParaRPr lang="en-US" dirty="0" smtClean="0"/>
+            <a:endParaRPr lang="en-US" dirty="0"/>
           </a:p>
           <a:p>
             <a:pPr lvl="1"/>
@@ -4599,7 +4932,7 @@
     </p:spTree>
     <p:extLst>
       <p:ext uri="{BB962C8B-B14F-4D97-AF65-F5344CB8AC3E}">
-        <p14:creationId xmlns:p14="http://schemas.microsoft.com/office/powerpoint/2010/main" val="4264903066"/>
+        <p14:creationId xmlns:p14="http://schemas.microsoft.com/office/powerpoint/2010/main" val="161738935"/>
       </p:ext>
     </p:extLst>
   </p:cSld>
@@ -4644,8 +4977,8 @@
           <a:lstStyle/>
           <a:p>
             <a:r>
-              <a:rPr lang="en-US" dirty="0" err="1" smtClean="0"/>
-              <a:t>Vergelijking</a:t>
+              <a:rPr lang="en-US" dirty="0" err="1"/>
+              <a:t>Eperimenteren</a:t>
             </a:r>
             <a:endParaRPr lang="en-US" dirty="0"/>
           </a:p>
@@ -4663,74 +4996,279 @@
         </p:nvSpPr>
         <p:spPr/>
         <p:txBody>
-          <a:bodyPr>
-            <a:normAutofit/>
-          </a:bodyPr>
+          <a:bodyPr/>
           <a:lstStyle/>
           <a:p>
             <a:r>
-              <a:rPr lang="en-US" dirty="0" err="1" smtClean="0"/>
-              <a:t>Vergelijking</a:t>
-            </a:r>
-            <a:r>
-              <a:rPr lang="en-US" dirty="0" smtClean="0"/>
-              <a:t> </a:t>
-            </a:r>
-            <a:r>
-              <a:rPr lang="en-US" dirty="0" err="1" smtClean="0"/>
-              <a:t>tussen</a:t>
-            </a:r>
-            <a:r>
-              <a:rPr lang="en-US" dirty="0" smtClean="0"/>
-              <a:t> </a:t>
-            </a:r>
-            <a:r>
-              <a:rPr lang="en-US" dirty="0" err="1" smtClean="0"/>
-              <a:t>drie</a:t>
-            </a:r>
-            <a:r>
-              <a:rPr lang="en-US" dirty="0" smtClean="0"/>
-              <a:t> </a:t>
-            </a:r>
-            <a:r>
-              <a:rPr lang="en-US" dirty="0" err="1" smtClean="0"/>
-              <a:t>algoritmes</a:t>
-            </a:r>
-            <a:endParaRPr lang="en-US" dirty="0" smtClean="0"/>
+              <a:rPr lang="en-US" dirty="0" err="1"/>
+              <a:t>Hybride</a:t>
+            </a:r>
+            <a:endParaRPr lang="en-US" dirty="0"/>
           </a:p>
           <a:p>
             <a:pPr lvl="1"/>
             <a:r>
-              <a:rPr lang="en-US" dirty="0" smtClean="0"/>
-              <a:t>Random sampling </a:t>
-            </a:r>
-            <a:r>
-              <a:rPr lang="en-US" dirty="0" err="1" smtClean="0"/>
-              <a:t>naast</a:t>
-            </a:r>
-            <a:r>
-              <a:rPr lang="en-US" dirty="0" smtClean="0"/>
-              <a:t> </a:t>
-            </a:r>
-            <a:r>
-              <a:rPr lang="en-US" dirty="0" err="1" smtClean="0"/>
-              <a:t>elkaar</a:t>
-            </a:r>
-            <a:r>
-              <a:rPr lang="en-US" dirty="0" smtClean="0"/>
-              <a:t>?</a:t>
-            </a:r>
+              <a:rPr lang="en-US" dirty="0" err="1"/>
+              <a:t>Eerst</a:t>
+            </a:r>
+            <a:r>
+              <a:rPr lang="en-US" dirty="0"/>
+              <a:t> sequential op </a:t>
+            </a:r>
+            <a:r>
+              <a:rPr lang="en-US" dirty="0" err="1"/>
+              <a:t>zaalgrootte</a:t>
+            </a:r>
+            <a:endParaRPr lang="en-US" dirty="0"/>
           </a:p>
           <a:p>
             <a:pPr lvl="1"/>
-            <a:endParaRPr lang="en-US" dirty="0"/>
+            <a:r>
+              <a:rPr lang="en-US" dirty="0" err="1"/>
+              <a:t>Daarna</a:t>
+            </a:r>
+            <a:r>
+              <a:rPr lang="en-US" dirty="0"/>
+              <a:t> genetic, </a:t>
+            </a:r>
+            <a:r>
+              <a:rPr lang="en-US" dirty="0" err="1"/>
+              <a:t>hillclimber</a:t>
+            </a:r>
+            <a:r>
+              <a:rPr lang="en-US" dirty="0"/>
+              <a:t>, </a:t>
+            </a:r>
           </a:p>
         </p:txBody>
       </p:sp>
     </p:spTree>
     <p:extLst>
       <p:ext uri="{BB962C8B-B14F-4D97-AF65-F5344CB8AC3E}">
-        <p14:creationId xmlns:p14="http://schemas.microsoft.com/office/powerpoint/2010/main" val="1663324173"/>
+        <p14:creationId xmlns:p14="http://schemas.microsoft.com/office/powerpoint/2010/main" val="2033092415"/>
+      </p:ext>
+    </p:extLst>
+  </p:cSld>
+  <p:clrMapOvr>
+    <a:masterClrMapping/>
+  </p:clrMapOvr>
+</p:sld>
+</file>
+
+<file path=ppt/slides/slide9.xml><?xml version="1.0" encoding="utf-8"?>
+<p:sld xmlns:a="http://schemas.openxmlformats.org/drawingml/2006/main" xmlns:r="http://schemas.openxmlformats.org/officeDocument/2006/relationships" xmlns:p="http://schemas.openxmlformats.org/presentationml/2006/main">
+  <p:cSld>
+    <p:spTree>
+      <p:nvGrpSpPr>
+        <p:cNvPr id="1" name=""/>
+        <p:cNvGrpSpPr/>
+        <p:nvPr/>
+      </p:nvGrpSpPr>
+      <p:grpSpPr>
+        <a:xfrm>
+          <a:off x="0" y="0"/>
+          <a:ext cx="0" cy="0"/>
+          <a:chOff x="0" y="0"/>
+          <a:chExt cx="0" cy="0"/>
+        </a:xfrm>
+      </p:grpSpPr>
+      <p:sp>
+        <p:nvSpPr>
+          <p:cNvPr id="2" name="Title 1"/>
+          <p:cNvSpPr>
+            <a:spLocks noGrp="1"/>
+          </p:cNvSpPr>
+          <p:nvPr>
+            <p:ph type="title"/>
+          </p:nvPr>
+        </p:nvSpPr>
+        <p:spPr/>
+        <p:txBody>
+          <a:bodyPr>
+            <a:normAutofit fontScale="90000"/>
+          </a:bodyPr>
+          <a:lstStyle/>
+          <a:p>
+            <a:r>
+              <a:rPr lang="en-US" dirty="0" err="1"/>
+              <a:t>Resultaten</a:t>
+            </a:r>
+            <a:br>
+              <a:rPr lang="en-US" dirty="0"/>
+            </a:br>
+            <a:endParaRPr lang="en-US" dirty="0"/>
+          </a:p>
+        </p:txBody>
+      </p:sp>
+      <p:sp>
+        <p:nvSpPr>
+          <p:cNvPr id="3" name="Content Placeholder 2"/>
+          <p:cNvSpPr>
+            <a:spLocks noGrp="1"/>
+          </p:cNvSpPr>
+          <p:nvPr>
+            <p:ph idx="1"/>
+          </p:nvPr>
+        </p:nvSpPr>
+        <p:spPr/>
+        <p:txBody>
+          <a:bodyPr>
+            <a:normAutofit fontScale="92500" lnSpcReduction="10000"/>
+          </a:bodyPr>
+          <a:lstStyle/>
+          <a:p>
+            <a:r>
+              <a:rPr lang="en-US" dirty="0" err="1"/>
+              <a:t>Hillclimber</a:t>
+            </a:r>
+            <a:r>
+              <a:rPr lang="en-US" dirty="0"/>
+              <a:t>/simulated annealing</a:t>
+            </a:r>
+          </a:p>
+          <a:p>
+            <a:pPr lvl="1"/>
+            <a:r>
+              <a:rPr lang="en-US" dirty="0"/>
+              <a:t>Random sampling</a:t>
+            </a:r>
+          </a:p>
+          <a:p>
+            <a:pPr lvl="1"/>
+            <a:r>
+              <a:rPr lang="en-US" dirty="0"/>
+              <a:t>Score </a:t>
+            </a:r>
+            <a:r>
+              <a:rPr lang="en-US" dirty="0" err="1"/>
+              <a:t>vs</a:t>
+            </a:r>
+            <a:r>
+              <a:rPr lang="en-US" dirty="0"/>
+              <a:t> </a:t>
+            </a:r>
+            <a:r>
+              <a:rPr lang="en-US" dirty="0" err="1"/>
+              <a:t>iteraties</a:t>
+            </a:r>
+            <a:endParaRPr lang="en-US" dirty="0"/>
+          </a:p>
+          <a:p>
+            <a:r>
+              <a:rPr lang="en-US" dirty="0"/>
+              <a:t>Genetic</a:t>
+            </a:r>
+          </a:p>
+          <a:p>
+            <a:pPr lvl="1"/>
+            <a:r>
+              <a:rPr lang="en-US" dirty="0"/>
+              <a:t>Random sampling</a:t>
+            </a:r>
+          </a:p>
+          <a:p>
+            <a:pPr lvl="1"/>
+            <a:r>
+              <a:rPr lang="en-US" dirty="0"/>
+              <a:t>Score </a:t>
+            </a:r>
+            <a:r>
+              <a:rPr lang="en-US" dirty="0" err="1"/>
+              <a:t>vs</a:t>
+            </a:r>
+            <a:r>
+              <a:rPr lang="en-US" dirty="0"/>
+              <a:t> </a:t>
+            </a:r>
+            <a:r>
+              <a:rPr lang="en-US" dirty="0" err="1"/>
+              <a:t>generatie</a:t>
+            </a:r>
+            <a:endParaRPr lang="en-US" dirty="0"/>
+          </a:p>
+          <a:p>
+            <a:r>
+              <a:rPr lang="en-US" dirty="0" err="1"/>
+              <a:t>Hybride</a:t>
+            </a:r>
+            <a:endParaRPr lang="en-US" dirty="0"/>
+          </a:p>
+          <a:p>
+            <a:pPr lvl="1"/>
+            <a:r>
+              <a:rPr lang="en-US" dirty="0" err="1"/>
+              <a:t>Tussen</a:t>
+            </a:r>
+            <a:r>
+              <a:rPr lang="en-US" dirty="0"/>
+              <a:t> score </a:t>
+            </a:r>
+            <a:r>
+              <a:rPr lang="en-US" dirty="0" err="1"/>
+              <a:t>na</a:t>
+            </a:r>
+            <a:r>
+              <a:rPr lang="en-US" dirty="0"/>
+              <a:t> </a:t>
+            </a:r>
+            <a:r>
+              <a:rPr lang="en-US" dirty="0" err="1"/>
+              <a:t>elke</a:t>
+            </a:r>
+            <a:r>
+              <a:rPr lang="en-US" dirty="0"/>
+              <a:t> </a:t>
+            </a:r>
+            <a:r>
+              <a:rPr lang="en-US" dirty="0" err="1"/>
+              <a:t>algortime</a:t>
+            </a:r>
+            <a:endParaRPr lang="en-US" dirty="0"/>
+          </a:p>
+          <a:p>
+            <a:pPr lvl="1"/>
+            <a:r>
+              <a:rPr lang="en-US" dirty="0"/>
+              <a:t>Random sampling</a:t>
+            </a:r>
+          </a:p>
+          <a:p>
+            <a:pPr lvl="1"/>
+            <a:r>
+              <a:rPr lang="en-US" dirty="0"/>
+              <a:t>Score </a:t>
+            </a:r>
+            <a:r>
+              <a:rPr lang="en-US" dirty="0" err="1"/>
+              <a:t>vs</a:t>
+            </a:r>
+            <a:r>
+              <a:rPr lang="en-US" dirty="0"/>
+              <a:t> </a:t>
+            </a:r>
+            <a:r>
+              <a:rPr lang="en-US" dirty="0" err="1"/>
+              <a:t>iteraties</a:t>
+            </a:r>
+            <a:r>
+              <a:rPr lang="en-US" dirty="0"/>
+              <a:t> </a:t>
+            </a:r>
+          </a:p>
+          <a:p>
+            <a:pPr lvl="1"/>
+            <a:endParaRPr lang="en-US" dirty="0"/>
+          </a:p>
+          <a:p>
+            <a:pPr lvl="1"/>
+            <a:endParaRPr lang="en-US" dirty="0"/>
+          </a:p>
+        </p:txBody>
+      </p:sp>
+    </p:spTree>
+    <p:extLst>
+      <p:ext uri="{BB962C8B-B14F-4D97-AF65-F5344CB8AC3E}">
+        <p14:creationId xmlns:p14="http://schemas.microsoft.com/office/powerpoint/2010/main" val="4264903066"/>
       </p:ext>
     </p:extLst>
   </p:cSld>
@@ -5014,7 +5552,7 @@
   <a:extraClrSchemeLst/>
   <a:extLst>
     <a:ext uri="{05A4C25C-085E-4340-85A3-A5531E510DB2}">
-      <thm15:themeFamily xmlns:thm15="http://schemas.microsoft.com/office/thememl/2012/main" xmlns="" name="Crop" id="{EC9488ED-E761-4D60-9AC4-764D1FE2C171}" vid="{CE19780C-D67D-4C13-9DE9-A52BC3BA51B4}"/>
+      <thm15:themeFamily xmlns:thm15="http://schemas.microsoft.com/office/thememl/2012/main" name="Crop" id="{EC9488ED-E761-4D60-9AC4-764D1FE2C171}" vid="{CE19780C-D67D-4C13-9DE9-A52BC3BA51B4}"/>
     </a:ext>
   </a:extLst>
 </a:theme>

--- a/Presentaties/storyboard eindpresentatie.pptx
+++ b/Presentaties/storyboard eindpresentatie.pptx
@@ -10,11 +10,12 @@
     <p:sldId id="265" r:id="rId4"/>
     <p:sldId id="258" r:id="rId5"/>
     <p:sldId id="259" r:id="rId6"/>
-    <p:sldId id="260" r:id="rId7"/>
-    <p:sldId id="261" r:id="rId8"/>
-    <p:sldId id="262" r:id="rId9"/>
-    <p:sldId id="263" r:id="rId10"/>
-    <p:sldId id="264" r:id="rId11"/>
+    <p:sldId id="267" r:id="rId7"/>
+    <p:sldId id="260" r:id="rId8"/>
+    <p:sldId id="261" r:id="rId9"/>
+    <p:sldId id="262" r:id="rId10"/>
+    <p:sldId id="263" r:id="rId11"/>
+    <p:sldId id="264" r:id="rId12"/>
   </p:sldIdLst>
   <p:sldSz cx="12192000" cy="6858000"/>
   <p:notesSz cx="6858000" cy="9144000"/>
@@ -292,7 +293,7 @@
           <a:p>
             <a:fld id="{B2E4F3CE-5921-4ADD-9964-2DE7A47474AF}" type="datetimeFigureOut">
               <a:rPr lang="nl-NL" smtClean="0"/>
-              <a:t>23-5-2018</a:t>
+              <a:t>24-5-2018</a:t>
             </a:fld>
             <a:endParaRPr lang="nl-NL"/>
           </a:p>
@@ -360,7 +361,7 @@
           <a:p>
             <a:fld id="{F9A998D0-4466-47BE-85E2-8C9E3531AFF1}" type="slidenum">
               <a:rPr lang="nl-NL" smtClean="0"/>
-              <a:t>‹#›</a:t>
+              <a:t>‹nr.›</a:t>
             </a:fld>
             <a:endParaRPr lang="nl-NL"/>
           </a:p>
@@ -500,7 +501,7 @@
           <p:cNvPr id="10" name="Picture 9" descr="A group of people in a room&#10;&#10;Description generated with very high confidence">
             <a:extLst>
               <a:ext uri="{FF2B5EF4-FFF2-40B4-BE49-F238E27FC236}">
-                <a16:creationId xmlns:a16="http://schemas.microsoft.com/office/drawing/2014/main" id="{8A636BD5-65AA-4211-BE9A-C3728CA22021}"/>
+                <a16:creationId xmlns:a16="http://schemas.microsoft.com/office/drawing/2014/main" xmlns="" id="{8A636BD5-65AA-4211-BE9A-C3728CA22021}"/>
               </a:ext>
             </a:extLst>
           </p:cNvPr>
@@ -541,7 +542,7 @@
           <p:cNvPr id="12" name="Picture 11" descr="A group of people in a room&#10;&#10;Description generated with very high confidence">
             <a:extLst>
               <a:ext uri="{FF2B5EF4-FFF2-40B4-BE49-F238E27FC236}">
-                <a16:creationId xmlns:a16="http://schemas.microsoft.com/office/drawing/2014/main" id="{FCCAA0F4-9C7B-4984-8F70-FA270D007429}"/>
+                <a16:creationId xmlns:a16="http://schemas.microsoft.com/office/drawing/2014/main" xmlns="" id="{FCCAA0F4-9C7B-4984-8F70-FA270D007429}"/>
               </a:ext>
             </a:extLst>
           </p:cNvPr>
@@ -612,7 +613,7 @@
           <p:cNvPr id="2" name="Title 1">
             <a:extLst>
               <a:ext uri="{FF2B5EF4-FFF2-40B4-BE49-F238E27FC236}">
-                <a16:creationId xmlns:a16="http://schemas.microsoft.com/office/drawing/2014/main" id="{6FC13C6F-2E16-4E4C-84CC-D4DAFCB2700D}"/>
+                <a16:creationId xmlns:a16="http://schemas.microsoft.com/office/drawing/2014/main" xmlns="" id="{6FC13C6F-2E16-4E4C-84CC-D4DAFCB2700D}"/>
               </a:ext>
             </a:extLst>
           </p:cNvPr>
@@ -650,7 +651,7 @@
           <p:cNvPr id="3" name="Subtitle 2">
             <a:extLst>
               <a:ext uri="{FF2B5EF4-FFF2-40B4-BE49-F238E27FC236}">
-                <a16:creationId xmlns:a16="http://schemas.microsoft.com/office/drawing/2014/main" id="{453CFFDF-F98C-4C73-86C1-B63C7BFD4C39}"/>
+                <a16:creationId xmlns:a16="http://schemas.microsoft.com/office/drawing/2014/main" xmlns="" id="{453CFFDF-F98C-4C73-86C1-B63C7BFD4C39}"/>
               </a:ext>
             </a:extLst>
           </p:cNvPr>
@@ -721,7 +722,7 @@
           <p:cNvPr id="4" name="Date Placeholder 3">
             <a:extLst>
               <a:ext uri="{FF2B5EF4-FFF2-40B4-BE49-F238E27FC236}">
-                <a16:creationId xmlns:a16="http://schemas.microsoft.com/office/drawing/2014/main" id="{CFA081B8-BD76-443C-93F5-08182166D8D0}"/>
+                <a16:creationId xmlns:a16="http://schemas.microsoft.com/office/drawing/2014/main" xmlns="" id="{CFA081B8-BD76-443C-93F5-08182166D8D0}"/>
               </a:ext>
             </a:extLst>
           </p:cNvPr>
@@ -739,7 +740,7 @@
           <a:p>
             <a:fld id="{B2E4F3CE-5921-4ADD-9964-2DE7A47474AF}" type="datetimeFigureOut">
               <a:rPr lang="nl-NL" smtClean="0"/>
-              <a:t>23-5-2018</a:t>
+              <a:t>24-5-2018</a:t>
             </a:fld>
             <a:endParaRPr lang="nl-NL"/>
           </a:p>
@@ -750,7 +751,7 @@
           <p:cNvPr id="5" name="Footer Placeholder 4">
             <a:extLst>
               <a:ext uri="{FF2B5EF4-FFF2-40B4-BE49-F238E27FC236}">
-                <a16:creationId xmlns:a16="http://schemas.microsoft.com/office/drawing/2014/main" id="{B372371A-431A-4C4A-B2D5-5DB4CE736915}"/>
+                <a16:creationId xmlns:a16="http://schemas.microsoft.com/office/drawing/2014/main" xmlns="" id="{B372371A-431A-4C4A-B2D5-5DB4CE736915}"/>
               </a:ext>
             </a:extLst>
           </p:cNvPr>
@@ -775,7 +776,7 @@
           <p:cNvPr id="6" name="Slide Number Placeholder 5">
             <a:extLst>
               <a:ext uri="{FF2B5EF4-FFF2-40B4-BE49-F238E27FC236}">
-                <a16:creationId xmlns:a16="http://schemas.microsoft.com/office/drawing/2014/main" id="{4440A448-9C23-42D3-B380-8BFAE71DF757}"/>
+                <a16:creationId xmlns:a16="http://schemas.microsoft.com/office/drawing/2014/main" xmlns="" id="{4440A448-9C23-42D3-B380-8BFAE71DF757}"/>
               </a:ext>
             </a:extLst>
           </p:cNvPr>
@@ -793,7 +794,7 @@
           <a:p>
             <a:fld id="{F9A998D0-4466-47BE-85E2-8C9E3531AFF1}" type="slidenum">
               <a:rPr lang="nl-NL" smtClean="0"/>
-              <a:t>‹#›</a:t>
+              <a:t>‹nr.›</a:t>
             </a:fld>
             <a:endParaRPr lang="nl-NL"/>
           </a:p>
@@ -938,7 +939,7 @@
           <a:p>
             <a:fld id="{B2E4F3CE-5921-4ADD-9964-2DE7A47474AF}" type="datetimeFigureOut">
               <a:rPr lang="nl-NL" smtClean="0"/>
-              <a:t>23-5-2018</a:t>
+              <a:t>24-5-2018</a:t>
             </a:fld>
             <a:endParaRPr lang="nl-NL"/>
           </a:p>
@@ -980,7 +981,7 @@
           <a:p>
             <a:fld id="{F9A998D0-4466-47BE-85E2-8C9E3531AFF1}" type="slidenum">
               <a:rPr lang="nl-NL" smtClean="0"/>
-              <a:t>‹#›</a:t>
+              <a:t>‹nr.›</a:t>
             </a:fld>
             <a:endParaRPr lang="nl-NL"/>
           </a:p>
@@ -1209,7 +1210,7 @@
           <a:p>
             <a:fld id="{B2E4F3CE-5921-4ADD-9964-2DE7A47474AF}" type="datetimeFigureOut">
               <a:rPr lang="nl-NL" smtClean="0"/>
-              <a:t>23-5-2018</a:t>
+              <a:t>24-5-2018</a:t>
             </a:fld>
             <a:endParaRPr lang="nl-NL"/>
           </a:p>
@@ -1277,7 +1278,7 @@
           <a:p>
             <a:fld id="{F9A998D0-4466-47BE-85E2-8C9E3531AFF1}" type="slidenum">
               <a:rPr lang="nl-NL" smtClean="0"/>
-              <a:t>‹#›</a:t>
+              <a:t>‹nr.›</a:t>
             </a:fld>
             <a:endParaRPr lang="nl-NL"/>
           </a:p>
@@ -1344,7 +1345,7 @@
           <p:cNvPr id="9" name="Picture 8" descr="A group of people in a room&#10;&#10;Description generated with very high confidence">
             <a:extLst>
               <a:ext uri="{FF2B5EF4-FFF2-40B4-BE49-F238E27FC236}">
-                <a16:creationId xmlns:a16="http://schemas.microsoft.com/office/drawing/2014/main" id="{1100C0BB-10D3-488D-AF46-8E80E778FCC2}"/>
+                <a16:creationId xmlns:a16="http://schemas.microsoft.com/office/drawing/2014/main" xmlns="" id="{1100C0BB-10D3-488D-AF46-8E80E778FCC2}"/>
               </a:ext>
             </a:extLst>
           </p:cNvPr>
@@ -1644,7 +1645,7 @@
           <a:p>
             <a:fld id="{B2E4F3CE-5921-4ADD-9964-2DE7A47474AF}" type="datetimeFigureOut">
               <a:rPr lang="nl-NL" smtClean="0"/>
-              <a:t>23-5-2018</a:t>
+              <a:t>24-5-2018</a:t>
             </a:fld>
             <a:endParaRPr lang="nl-NL"/>
           </a:p>
@@ -1686,7 +1687,7 @@
           <a:p>
             <a:fld id="{F9A998D0-4466-47BE-85E2-8C9E3531AFF1}" type="slidenum">
               <a:rPr lang="nl-NL" smtClean="0"/>
-              <a:t>‹#›</a:t>
+              <a:t>‹nr.›</a:t>
             </a:fld>
             <a:endParaRPr lang="nl-NL"/>
           </a:p>
@@ -2121,7 +2122,7 @@
           <a:p>
             <a:fld id="{B2E4F3CE-5921-4ADD-9964-2DE7A47474AF}" type="datetimeFigureOut">
               <a:rPr lang="nl-NL" smtClean="0"/>
-              <a:t>23-5-2018</a:t>
+              <a:t>24-5-2018</a:t>
             </a:fld>
             <a:endParaRPr lang="nl-NL"/>
           </a:p>
@@ -2163,7 +2164,7 @@
           <a:p>
             <a:fld id="{F9A998D0-4466-47BE-85E2-8C9E3531AFF1}" type="slidenum">
               <a:rPr lang="nl-NL" smtClean="0"/>
-              <a:t>‹#›</a:t>
+              <a:t>‹nr.›</a:t>
             </a:fld>
             <a:endParaRPr lang="nl-NL"/>
           </a:p>
@@ -2239,7 +2240,7 @@
           <a:p>
             <a:fld id="{B2E4F3CE-5921-4ADD-9964-2DE7A47474AF}" type="datetimeFigureOut">
               <a:rPr lang="nl-NL" smtClean="0"/>
-              <a:t>23-5-2018</a:t>
+              <a:t>24-5-2018</a:t>
             </a:fld>
             <a:endParaRPr lang="nl-NL"/>
           </a:p>
@@ -2281,7 +2282,7 @@
           <a:p>
             <a:fld id="{F9A998D0-4466-47BE-85E2-8C9E3531AFF1}" type="slidenum">
               <a:rPr lang="nl-NL" smtClean="0"/>
-              <a:t>‹#›</a:t>
+              <a:t>‹nr.›</a:t>
             </a:fld>
             <a:endParaRPr lang="nl-NL"/>
           </a:p>
@@ -2334,7 +2335,7 @@
           <a:p>
             <a:fld id="{B2E4F3CE-5921-4ADD-9964-2DE7A47474AF}" type="datetimeFigureOut">
               <a:rPr lang="nl-NL" smtClean="0"/>
-              <a:t>23-5-2018</a:t>
+              <a:t>24-5-2018</a:t>
             </a:fld>
             <a:endParaRPr lang="nl-NL"/>
           </a:p>
@@ -2376,7 +2377,7 @@
           <a:p>
             <a:fld id="{F9A998D0-4466-47BE-85E2-8C9E3531AFF1}" type="slidenum">
               <a:rPr lang="nl-NL" smtClean="0"/>
-              <a:t>‹#›</a:t>
+              <a:t>‹nr.›</a:t>
             </a:fld>
             <a:endParaRPr lang="nl-NL"/>
           </a:p>
@@ -2509,7 +2510,7 @@
           <a:p>
             <a:fld id="{B2E4F3CE-5921-4ADD-9964-2DE7A47474AF}" type="datetimeFigureOut">
               <a:rPr lang="nl-NL" smtClean="0"/>
-              <a:t>23-5-2018</a:t>
+              <a:t>24-5-2018</a:t>
             </a:fld>
             <a:endParaRPr lang="nl-NL"/>
           </a:p>
@@ -2551,7 +2552,7 @@
           <a:p>
             <a:fld id="{F9A998D0-4466-47BE-85E2-8C9E3531AFF1}" type="slidenum">
               <a:rPr lang="nl-NL" smtClean="0"/>
-              <a:t>‹#›</a:t>
+              <a:t>‹nr.›</a:t>
             </a:fld>
             <a:endParaRPr lang="nl-NL"/>
           </a:p>
@@ -2689,7 +2690,7 @@
           <a:p>
             <a:fld id="{B2E4F3CE-5921-4ADD-9964-2DE7A47474AF}" type="datetimeFigureOut">
               <a:rPr lang="nl-NL" smtClean="0"/>
-              <a:t>23-5-2018</a:t>
+              <a:t>24-5-2018</a:t>
             </a:fld>
             <a:endParaRPr lang="nl-NL"/>
           </a:p>
@@ -2731,7 +2732,7 @@
           <a:p>
             <a:fld id="{F9A998D0-4466-47BE-85E2-8C9E3531AFF1}" type="slidenum">
               <a:rPr lang="nl-NL" smtClean="0"/>
-              <a:t>‹#›</a:t>
+              <a:t>‹nr.›</a:t>
             </a:fld>
             <a:endParaRPr lang="nl-NL"/>
           </a:p>
@@ -2899,7 +2900,7 @@
           <a:p>
             <a:fld id="{B2E4F3CE-5921-4ADD-9964-2DE7A47474AF}" type="datetimeFigureOut">
               <a:rPr lang="nl-NL" smtClean="0"/>
-              <a:t>23-5-2018</a:t>
+              <a:t>24-5-2018</a:t>
             </a:fld>
             <a:endParaRPr lang="nl-NL"/>
           </a:p>
@@ -2973,7 +2974,7 @@
           <a:p>
             <a:fld id="{F9A998D0-4466-47BE-85E2-8C9E3531AFF1}" type="slidenum">
               <a:rPr lang="nl-NL" smtClean="0"/>
-              <a:t>‹#›</a:t>
+              <a:t>‹nr.›</a:t>
             </a:fld>
             <a:endParaRPr lang="nl-NL" dirty="0"/>
           </a:p>
@@ -3022,7 +3023,7 @@
           <p:cNvPr id="8" name="Picture 7" descr="A group of people in a room&#10;&#10;Description generated with very high confidence">
             <a:extLst>
               <a:ext uri="{FF2B5EF4-FFF2-40B4-BE49-F238E27FC236}">
-                <a16:creationId xmlns:a16="http://schemas.microsoft.com/office/drawing/2014/main" id="{E8DF0BB6-DCAB-4E9C-8305-3C25099E8419}"/>
+                <a16:creationId xmlns:a16="http://schemas.microsoft.com/office/drawing/2014/main" xmlns="" id="{E8DF0BB6-DCAB-4E9C-8305-3C25099E8419}"/>
               </a:ext>
             </a:extLst>
           </p:cNvPr>
@@ -3456,7 +3457,7 @@
           <p:cNvPr id="2" name="Title 1">
             <a:extLst>
               <a:ext uri="{FF2B5EF4-FFF2-40B4-BE49-F238E27FC236}">
-                <a16:creationId xmlns:a16="http://schemas.microsoft.com/office/drawing/2014/main" id="{DFB35624-C45A-4417-8484-F487F43C3428}"/>
+                <a16:creationId xmlns:a16="http://schemas.microsoft.com/office/drawing/2014/main" xmlns="" id="{DFB35624-C45A-4417-8484-F487F43C3428}"/>
               </a:ext>
             </a:extLst>
           </p:cNvPr>
@@ -3484,7 +3485,7 @@
           <p:cNvPr id="3" name="Text Placeholder 2">
             <a:extLst>
               <a:ext uri="{FF2B5EF4-FFF2-40B4-BE49-F238E27FC236}">
-                <a16:creationId xmlns:a16="http://schemas.microsoft.com/office/drawing/2014/main" id="{F477C6E4-8C06-4C8A-8A0C-C1EDED58155D}"/>
+                <a16:creationId xmlns:a16="http://schemas.microsoft.com/office/drawing/2014/main" xmlns="" id="{F477C6E4-8C06-4C8A-8A0C-C1EDED58155D}"/>
               </a:ext>
             </a:extLst>
           </p:cNvPr>
@@ -3517,6 +3518,13 @@
   <p:clrMapOvr>
     <a:masterClrMapping/>
   </p:clrMapOvr>
+  <p:timing>
+    <p:tnLst>
+      <p:par>
+        <p:cTn id="1" dur="indefinite" restart="never" nodeType="tmRoot"/>
+      </p:par>
+    </p:tnLst>
+  </p:timing>
 </p:sld>
 </file>
 
@@ -3550,6 +3558,240 @@
         <p:spPr/>
         <p:txBody>
           <a:bodyPr>
+            <a:normAutofit fontScale="90000"/>
+          </a:bodyPr>
+          <a:lstStyle/>
+          <a:p>
+            <a:r>
+              <a:rPr lang="en-US" dirty="0" err="1"/>
+              <a:t>Resultaten</a:t>
+            </a:r>
+            <a:r>
+              <a:rPr lang="en-US" dirty="0"/>
+              <a:t/>
+            </a:r>
+            <a:br>
+              <a:rPr lang="en-US" dirty="0"/>
+            </a:br>
+            <a:endParaRPr lang="en-US" dirty="0"/>
+          </a:p>
+        </p:txBody>
+      </p:sp>
+      <p:sp>
+        <p:nvSpPr>
+          <p:cNvPr id="3" name="Content Placeholder 2"/>
+          <p:cNvSpPr>
+            <a:spLocks noGrp="1"/>
+          </p:cNvSpPr>
+          <p:nvPr>
+            <p:ph idx="1"/>
+          </p:nvPr>
+        </p:nvSpPr>
+        <p:spPr/>
+        <p:txBody>
+          <a:bodyPr>
+            <a:normAutofit fontScale="92500" lnSpcReduction="10000"/>
+          </a:bodyPr>
+          <a:lstStyle/>
+          <a:p>
+            <a:r>
+              <a:rPr lang="en-US" dirty="0" err="1"/>
+              <a:t>Hillclimber</a:t>
+            </a:r>
+            <a:r>
+              <a:rPr lang="en-US" dirty="0"/>
+              <a:t>/simulated annealing</a:t>
+            </a:r>
+          </a:p>
+          <a:p>
+            <a:pPr lvl="1"/>
+            <a:r>
+              <a:rPr lang="en-US" dirty="0"/>
+              <a:t>Random sampling</a:t>
+            </a:r>
+          </a:p>
+          <a:p>
+            <a:pPr lvl="1"/>
+            <a:r>
+              <a:rPr lang="en-US" dirty="0"/>
+              <a:t>Score </a:t>
+            </a:r>
+            <a:r>
+              <a:rPr lang="en-US" dirty="0" err="1"/>
+              <a:t>vs</a:t>
+            </a:r>
+            <a:r>
+              <a:rPr lang="en-US" dirty="0"/>
+              <a:t> </a:t>
+            </a:r>
+            <a:r>
+              <a:rPr lang="en-US" dirty="0" err="1"/>
+              <a:t>iteraties</a:t>
+            </a:r>
+            <a:endParaRPr lang="en-US" dirty="0"/>
+          </a:p>
+          <a:p>
+            <a:r>
+              <a:rPr lang="en-US" dirty="0"/>
+              <a:t>Genetic</a:t>
+            </a:r>
+          </a:p>
+          <a:p>
+            <a:pPr lvl="1"/>
+            <a:r>
+              <a:rPr lang="en-US" dirty="0"/>
+              <a:t>Random sampling</a:t>
+            </a:r>
+          </a:p>
+          <a:p>
+            <a:pPr lvl="1"/>
+            <a:r>
+              <a:rPr lang="en-US" dirty="0"/>
+              <a:t>Score </a:t>
+            </a:r>
+            <a:r>
+              <a:rPr lang="en-US" dirty="0" err="1"/>
+              <a:t>vs</a:t>
+            </a:r>
+            <a:r>
+              <a:rPr lang="en-US" dirty="0"/>
+              <a:t> </a:t>
+            </a:r>
+            <a:r>
+              <a:rPr lang="en-US" dirty="0" err="1"/>
+              <a:t>generatie</a:t>
+            </a:r>
+            <a:endParaRPr lang="en-US" dirty="0"/>
+          </a:p>
+          <a:p>
+            <a:r>
+              <a:rPr lang="en-US" dirty="0" err="1"/>
+              <a:t>Hybride</a:t>
+            </a:r>
+            <a:endParaRPr lang="en-US" dirty="0"/>
+          </a:p>
+          <a:p>
+            <a:pPr lvl="1"/>
+            <a:r>
+              <a:rPr lang="en-US" dirty="0" err="1"/>
+              <a:t>Tussen</a:t>
+            </a:r>
+            <a:r>
+              <a:rPr lang="en-US" dirty="0"/>
+              <a:t> score </a:t>
+            </a:r>
+            <a:r>
+              <a:rPr lang="en-US" dirty="0" err="1"/>
+              <a:t>na</a:t>
+            </a:r>
+            <a:r>
+              <a:rPr lang="en-US" dirty="0"/>
+              <a:t> </a:t>
+            </a:r>
+            <a:r>
+              <a:rPr lang="en-US" dirty="0" err="1"/>
+              <a:t>elke</a:t>
+            </a:r>
+            <a:r>
+              <a:rPr lang="en-US" dirty="0"/>
+              <a:t> </a:t>
+            </a:r>
+            <a:r>
+              <a:rPr lang="en-US" dirty="0" err="1"/>
+              <a:t>algortime</a:t>
+            </a:r>
+            <a:endParaRPr lang="en-US" dirty="0"/>
+          </a:p>
+          <a:p>
+            <a:pPr lvl="1"/>
+            <a:r>
+              <a:rPr lang="en-US" dirty="0"/>
+              <a:t>Random sampling</a:t>
+            </a:r>
+          </a:p>
+          <a:p>
+            <a:pPr lvl="1"/>
+            <a:r>
+              <a:rPr lang="en-US" dirty="0"/>
+              <a:t>Score </a:t>
+            </a:r>
+            <a:r>
+              <a:rPr lang="en-US" dirty="0" err="1"/>
+              <a:t>vs</a:t>
+            </a:r>
+            <a:r>
+              <a:rPr lang="en-US" dirty="0"/>
+              <a:t> </a:t>
+            </a:r>
+            <a:r>
+              <a:rPr lang="en-US" dirty="0" err="1"/>
+              <a:t>iteraties</a:t>
+            </a:r>
+            <a:r>
+              <a:rPr lang="en-US" dirty="0"/>
+              <a:t> </a:t>
+            </a:r>
+          </a:p>
+          <a:p>
+            <a:pPr lvl="1"/>
+            <a:endParaRPr lang="en-US" dirty="0"/>
+          </a:p>
+          <a:p>
+            <a:pPr lvl="1"/>
+            <a:endParaRPr lang="en-US" dirty="0"/>
+          </a:p>
+        </p:txBody>
+      </p:sp>
+    </p:spTree>
+    <p:extLst>
+      <p:ext uri="{BB962C8B-B14F-4D97-AF65-F5344CB8AC3E}">
+        <p14:creationId xmlns:p14="http://schemas.microsoft.com/office/powerpoint/2010/main" val="4264903066"/>
+      </p:ext>
+    </p:extLst>
+  </p:cSld>
+  <p:clrMapOvr>
+    <a:masterClrMapping/>
+  </p:clrMapOvr>
+  <p:timing>
+    <p:tnLst>
+      <p:par>
+        <p:cTn id="1" dur="indefinite" restart="never" nodeType="tmRoot"/>
+      </p:par>
+    </p:tnLst>
+  </p:timing>
+</p:sld>
+</file>
+
+<file path=ppt/slides/slide11.xml><?xml version="1.0" encoding="utf-8"?>
+<p:sld xmlns:a="http://schemas.openxmlformats.org/drawingml/2006/main" xmlns:r="http://schemas.openxmlformats.org/officeDocument/2006/relationships" xmlns:p="http://schemas.openxmlformats.org/presentationml/2006/main">
+  <p:cSld>
+    <p:spTree>
+      <p:nvGrpSpPr>
+        <p:cNvPr id="1" name=""/>
+        <p:cNvGrpSpPr/>
+        <p:nvPr/>
+      </p:nvGrpSpPr>
+      <p:grpSpPr>
+        <a:xfrm>
+          <a:off x="0" y="0"/>
+          <a:ext cx="0" cy="0"/>
+          <a:chOff x="0" y="0"/>
+          <a:chExt cx="0" cy="0"/>
+        </a:xfrm>
+      </p:grpSpPr>
+      <p:sp>
+        <p:nvSpPr>
+          <p:cNvPr id="2" name="Title 1"/>
+          <p:cNvSpPr>
+            <a:spLocks noGrp="1"/>
+          </p:cNvSpPr>
+          <p:nvPr>
+            <p:ph type="title"/>
+          </p:nvPr>
+        </p:nvSpPr>
+        <p:spPr/>
+        <p:txBody>
+          <a:bodyPr>
             <a:normAutofit/>
           </a:bodyPr>
           <a:lstStyle/>
@@ -3648,6 +3890,13 @@
   <p:clrMapOvr>
     <a:masterClrMapping/>
   </p:clrMapOvr>
+  <p:timing>
+    <p:tnLst>
+      <p:par>
+        <p:cTn id="1" dur="indefinite" restart="never" nodeType="tmRoot"/>
+      </p:par>
+    </p:tnLst>
+  </p:timing>
 </p:sld>
 </file>
 
@@ -3673,7 +3922,7 @@
           <p:cNvPr id="2" name="Title 1">
             <a:extLst>
               <a:ext uri="{FF2B5EF4-FFF2-40B4-BE49-F238E27FC236}">
-                <a16:creationId xmlns:a16="http://schemas.microsoft.com/office/drawing/2014/main" id="{9786429D-A3FD-4545-A82A-7A300CE7816F}"/>
+                <a16:creationId xmlns:a16="http://schemas.microsoft.com/office/drawing/2014/main" xmlns="" id="{9786429D-A3FD-4545-A82A-7A300CE7816F}"/>
               </a:ext>
             </a:extLst>
           </p:cNvPr>
@@ -3687,21 +3936,15 @@
         <p:spPr/>
         <p:txBody>
           <a:bodyPr>
-            <a:normAutofit fontScale="90000"/>
+            <a:normAutofit/>
           </a:bodyPr>
           <a:lstStyle/>
           <a:p>
             <a:r>
-              <a:rPr lang="nl-NL" dirty="0"/>
-              <a:t>Introductie</a:t>
-            </a:r>
-            <a:br>
-              <a:rPr lang="nl-NL" dirty="0"/>
-            </a:br>
-            <a:r>
-              <a:rPr lang="nl-NL" dirty="0"/>
-              <a:t>Gegevens</a:t>
-            </a:r>
+              <a:rPr lang="nl-NL" dirty="0" smtClean="0"/>
+              <a:t>Introductie: Gegevens</a:t>
+            </a:r>
+            <a:endParaRPr lang="nl-NL" dirty="0"/>
           </a:p>
         </p:txBody>
       </p:sp>
@@ -3710,7 +3953,7 @@
           <p:cNvPr id="3" name="Content Placeholder 2">
             <a:extLst>
               <a:ext uri="{FF2B5EF4-FFF2-40B4-BE49-F238E27FC236}">
-                <a16:creationId xmlns:a16="http://schemas.microsoft.com/office/drawing/2014/main" id="{8813E008-5B7D-426C-BE51-1EB75C5AE26D}"/>
+                <a16:creationId xmlns:a16="http://schemas.microsoft.com/office/drawing/2014/main" xmlns="" id="{8813E008-5B7D-426C-BE51-1EB75C5AE26D}"/>
               </a:ext>
             </a:extLst>
           </p:cNvPr>
@@ -3729,7 +3972,7 @@
         </p:spPr>
         <p:txBody>
           <a:bodyPr>
-            <a:normAutofit lnSpcReduction="10000"/>
+            <a:normAutofit fontScale="92500" lnSpcReduction="20000"/>
           </a:bodyPr>
           <a:lstStyle/>
           <a:p>
@@ -3827,8 +4070,52 @@
           <a:p>
             <a:r>
               <a:rPr lang="nl-NL" dirty="0"/>
-              <a:t>5 tijdsloten</a:t>
-            </a:r>
+              <a:t>5 </a:t>
+            </a:r>
+            <a:r>
+              <a:rPr lang="nl-NL" dirty="0" smtClean="0"/>
+              <a:t>tijdsloten</a:t>
+            </a:r>
+          </a:p>
+          <a:p>
+            <a:endParaRPr lang="nl-NL" dirty="0"/>
+          </a:p>
+          <a:p>
+            <a:r>
+              <a:rPr lang="nl-NL" dirty="0"/>
+              <a:t>145 zaalsloten: 5 (dagen) </a:t>
+            </a:r>
+            <a:r>
+              <a:rPr lang="nl-NL" dirty="0" smtClean="0"/>
+              <a:t>* </a:t>
+            </a:r>
+            <a:r>
+              <a:rPr lang="nl-NL" dirty="0"/>
+              <a:t>7 (zalen</a:t>
+            </a:r>
+            <a:r>
+              <a:rPr lang="nl-NL" dirty="0" smtClean="0"/>
+              <a:t>)</a:t>
+            </a:r>
+            <a:r>
+              <a:rPr lang="nl-NL" dirty="0"/>
+              <a:t> * 4 (tijdsloten)</a:t>
+            </a:r>
+            <a:r>
+              <a:rPr lang="nl-NL" dirty="0" smtClean="0"/>
+              <a:t> </a:t>
+            </a:r>
+            <a:r>
+              <a:rPr lang="nl-NL" dirty="0"/>
+              <a:t>+ 5 (avondsloten) </a:t>
+            </a:r>
+            <a:endParaRPr lang="nl-NL" dirty="0" smtClean="0"/>
+          </a:p>
+          <a:p>
+            <a:pPr marL="0" indent="0">
+              <a:buNone/>
+            </a:pPr>
+            <a:endParaRPr lang="nl-NL" dirty="0"/>
           </a:p>
           <a:p>
             <a:endParaRPr lang="nl-NL" dirty="0"/>
@@ -3840,7 +4127,7 @@
           <p:cNvPr id="4" name="Right Brace 3">
             <a:extLst>
               <a:ext uri="{FF2B5EF4-FFF2-40B4-BE49-F238E27FC236}">
-                <a16:creationId xmlns:a16="http://schemas.microsoft.com/office/drawing/2014/main" id="{6E64EA35-C3BC-4000-9318-44F7982588DD}"/>
+                <a16:creationId xmlns:a16="http://schemas.microsoft.com/office/drawing/2014/main" xmlns="" id="{6E64EA35-C3BC-4000-9318-44F7982588DD}"/>
               </a:ext>
             </a:extLst>
           </p:cNvPr>
@@ -3898,6 +4185,13 @@
   <p:clrMapOvr>
     <a:masterClrMapping/>
   </p:clrMapOvr>
+  <p:timing>
+    <p:tnLst>
+      <p:par>
+        <p:cTn id="1" dur="indefinite" restart="never" nodeType="tmRoot"/>
+      </p:par>
+    </p:tnLst>
+  </p:timing>
 </p:sld>
 </file>
 
@@ -3923,7 +4217,7 @@
           <p:cNvPr id="2" name="Title 1">
             <a:extLst>
               <a:ext uri="{FF2B5EF4-FFF2-40B4-BE49-F238E27FC236}">
-                <a16:creationId xmlns:a16="http://schemas.microsoft.com/office/drawing/2014/main" id="{460B92D0-C3FC-4816-BD32-0EB0C8AE980D}"/>
+                <a16:creationId xmlns:a16="http://schemas.microsoft.com/office/drawing/2014/main" xmlns="" id="{460B92D0-C3FC-4816-BD32-0EB0C8AE980D}"/>
               </a:ext>
             </a:extLst>
           </p:cNvPr>
@@ -3942,21 +4236,15 @@
         </p:spPr>
         <p:txBody>
           <a:bodyPr>
-            <a:normAutofit fontScale="90000"/>
+            <a:normAutofit/>
           </a:bodyPr>
           <a:lstStyle/>
           <a:p>
             <a:r>
-              <a:rPr lang="nl-NL" dirty="0"/>
-              <a:t>Introductie</a:t>
-            </a:r>
-            <a:br>
-              <a:rPr lang="nl-NL" dirty="0"/>
-            </a:br>
-            <a:r>
-              <a:rPr lang="nl-NL" dirty="0"/>
-              <a:t>Rooster</a:t>
-            </a:r>
+              <a:rPr lang="nl-NL" dirty="0" smtClean="0"/>
+              <a:t>Introductie: Rooster</a:t>
+            </a:r>
+            <a:endParaRPr lang="nl-NL" dirty="0"/>
           </a:p>
         </p:txBody>
       </p:sp>
@@ -3965,7 +4253,7 @@
           <p:cNvPr id="3" name="Content Placeholder 2">
             <a:extLst>
               <a:ext uri="{FF2B5EF4-FFF2-40B4-BE49-F238E27FC236}">
-                <a16:creationId xmlns:a16="http://schemas.microsoft.com/office/drawing/2014/main" id="{39DE8E62-E349-4FAC-AC22-7E063D842504}"/>
+                <a16:creationId xmlns:a16="http://schemas.microsoft.com/office/drawing/2014/main" xmlns="" id="{39DE8E62-E349-4FAC-AC22-7E063D842504}"/>
               </a:ext>
             </a:extLst>
           </p:cNvPr>
@@ -4010,6 +4298,13 @@
   <p:clrMapOvr>
     <a:masterClrMapping/>
   </p:clrMapOvr>
+  <p:timing>
+    <p:tnLst>
+      <p:par>
+        <p:cTn id="1" dur="indefinite" restart="never" nodeType="tmRoot"/>
+      </p:par>
+    </p:tnLst>
+  </p:timing>
 </p:sld>
 </file>
 
@@ -4043,19 +4338,20 @@
         <p:spPr/>
         <p:txBody>
           <a:bodyPr>
-            <a:normAutofit fontScale="90000"/>
+            <a:normAutofit/>
           </a:bodyPr>
           <a:lstStyle/>
           <a:p>
             <a:r>
-              <a:rPr lang="en-US" dirty="0" err="1"/>
+              <a:rPr lang="en-US" dirty="0" err="1" smtClean="0"/>
               <a:t>Introductie</a:t>
             </a:r>
-            <a:br>
-              <a:rPr lang="en-US" dirty="0"/>
-            </a:br>
-            <a:r>
-              <a:rPr lang="en-US" dirty="0" err="1"/>
+            <a:r>
+              <a:rPr lang="en-US" dirty="0" smtClean="0"/>
+              <a:t>: </a:t>
+            </a:r>
+            <a:r>
+              <a:rPr lang="en-US" dirty="0" err="1" smtClean="0"/>
               <a:t>Scorebepaling</a:t>
             </a:r>
             <a:endParaRPr lang="en-US" dirty="0"/>
@@ -4080,8 +4376,12 @@
           <a:lstStyle/>
           <a:p>
             <a:r>
-              <a:rPr lang="en-US" dirty="0"/>
-              <a:t>Score = 1000 + </a:t>
+              <a:rPr lang="en-US" b="1" dirty="0"/>
+              <a:t>Score</a:t>
+            </a:r>
+            <a:r>
+              <a:rPr lang="en-US" dirty="0"/>
+              <a:t> = 1000 + </a:t>
             </a:r>
             <a:r>
               <a:rPr lang="en-US" dirty="0" err="1"/>
@@ -4113,42 +4413,42 @@
           <a:p>
             <a:pPr lvl="1"/>
             <a:r>
-              <a:rPr lang="en-US" dirty="0"/>
+              <a:rPr lang="en-US" b="1" i="0" dirty="0"/>
               <a:t>20 </a:t>
             </a:r>
             <a:r>
-              <a:rPr lang="en-US" dirty="0" err="1"/>
+              <a:rPr lang="en-US" b="1" i="0" dirty="0" err="1"/>
               <a:t>punten</a:t>
             </a:r>
             <a:r>
-              <a:rPr lang="en-US" dirty="0"/>
+              <a:rPr lang="en-US" b="1" i="0" dirty="0"/>
               <a:t> </a:t>
             </a:r>
             <a:r>
-              <a:rPr lang="en-US" dirty="0" err="1"/>
+              <a:rPr lang="en-US" i="0" dirty="0" err="1"/>
               <a:t>voor</a:t>
             </a:r>
             <a:r>
-              <a:rPr lang="en-US" dirty="0"/>
+              <a:rPr lang="en-US" i="0" dirty="0"/>
               <a:t> </a:t>
             </a:r>
             <a:r>
-              <a:rPr lang="en-US" dirty="0" err="1"/>
+              <a:rPr lang="en-US" i="0" dirty="0" err="1"/>
               <a:t>goede</a:t>
             </a:r>
             <a:r>
-              <a:rPr lang="en-US" dirty="0"/>
+              <a:rPr lang="en-US" i="0" dirty="0"/>
               <a:t> </a:t>
             </a:r>
             <a:r>
-              <a:rPr lang="en-US" dirty="0" err="1"/>
+              <a:rPr lang="en-US" i="0" dirty="0" err="1"/>
               <a:t>weekindeling</a:t>
             </a:r>
-            <a:endParaRPr lang="en-US" dirty="0"/>
+            <a:endParaRPr lang="en-US" i="0" dirty="0"/>
           </a:p>
           <a:p>
             <a:pPr lvl="1"/>
-            <a:endParaRPr lang="en-US" dirty="0"/>
+            <a:endParaRPr lang="en-US" i="0" dirty="0"/>
           </a:p>
           <a:p>
             <a:r>
@@ -4163,136 +4463,139 @@
           <a:p>
             <a:pPr lvl="1"/>
             <a:r>
-              <a:rPr lang="en-US" dirty="0"/>
+              <a:rPr lang="en-US" b="1" i="0" dirty="0"/>
               <a:t>1 punt </a:t>
             </a:r>
             <a:r>
-              <a:rPr lang="en-US" dirty="0" err="1"/>
+              <a:rPr lang="en-US" i="0" dirty="0" err="1"/>
               <a:t>voor</a:t>
             </a:r>
             <a:r>
-              <a:rPr lang="en-US" dirty="0"/>
+              <a:rPr lang="en-US" i="0" dirty="0"/>
               <a:t> </a:t>
             </a:r>
             <a:r>
-              <a:rPr lang="en-US" dirty="0" err="1"/>
+              <a:rPr lang="en-US" i="0" dirty="0" err="1"/>
               <a:t>iedere</a:t>
             </a:r>
             <a:r>
-              <a:rPr lang="en-US" dirty="0"/>
+              <a:rPr lang="en-US" i="0" dirty="0"/>
               <a:t> student die </a:t>
             </a:r>
             <a:r>
-              <a:rPr lang="en-US" dirty="0" err="1"/>
+              <a:rPr lang="en-US" i="0" dirty="0" err="1"/>
               <a:t>niet</a:t>
             </a:r>
             <a:r>
-              <a:rPr lang="en-US" dirty="0"/>
+              <a:rPr lang="en-US" i="0" dirty="0"/>
               <a:t> in de </a:t>
             </a:r>
             <a:r>
-              <a:rPr lang="en-US" dirty="0" err="1"/>
+              <a:rPr lang="en-US" i="0" dirty="0" err="1"/>
               <a:t>zaal</a:t>
             </a:r>
             <a:r>
-              <a:rPr lang="en-US" dirty="0"/>
+              <a:rPr lang="en-US" i="0" dirty="0"/>
               <a:t> past</a:t>
             </a:r>
           </a:p>
           <a:p>
             <a:pPr lvl="1"/>
             <a:r>
-              <a:rPr lang="en-US" dirty="0"/>
-              <a:t>1 punt per </a:t>
-            </a:r>
-            <a:r>
-              <a:rPr lang="en-US" dirty="0" err="1"/>
+              <a:rPr lang="en-US" b="1" i="0" dirty="0"/>
+              <a:t>1 punt </a:t>
+            </a:r>
+            <a:r>
+              <a:rPr lang="en-US" i="0" dirty="0"/>
+              <a:t>per </a:t>
+            </a:r>
+            <a:r>
+              <a:rPr lang="en-US" i="0" dirty="0" err="1"/>
               <a:t>roosterconflict</a:t>
             </a:r>
             <a:r>
-              <a:rPr lang="en-US" dirty="0"/>
+              <a:rPr lang="en-US" i="0" dirty="0"/>
               <a:t> per student</a:t>
             </a:r>
           </a:p>
           <a:p>
             <a:pPr lvl="1"/>
             <a:r>
-              <a:rPr lang="en-US" dirty="0"/>
+              <a:rPr lang="en-US" b="1" i="0" dirty="0"/>
               <a:t>10, 20 of 30 </a:t>
             </a:r>
             <a:r>
-              <a:rPr lang="en-US" dirty="0" err="1"/>
+              <a:rPr lang="en-US" b="1" i="0" dirty="0" err="1"/>
               <a:t>punten</a:t>
             </a:r>
             <a:r>
-              <a:rPr lang="en-US" dirty="0"/>
+              <a:rPr lang="en-US" b="1" i="0" dirty="0"/>
               <a:t> </a:t>
             </a:r>
             <a:r>
-              <a:rPr lang="en-US" dirty="0" err="1"/>
+              <a:rPr lang="en-US" i="0" dirty="0" err="1"/>
               <a:t>voor</a:t>
             </a:r>
             <a:r>
-              <a:rPr lang="en-US" dirty="0"/>
+              <a:rPr lang="en-US" i="0" dirty="0"/>
               <a:t> </a:t>
             </a:r>
             <a:r>
-              <a:rPr lang="en-US" dirty="0" err="1"/>
+              <a:rPr lang="en-US" i="0" dirty="0" err="1"/>
               <a:t>slechte</a:t>
             </a:r>
             <a:r>
-              <a:rPr lang="en-US" dirty="0"/>
+              <a:rPr lang="en-US" i="0" dirty="0"/>
               <a:t> </a:t>
             </a:r>
             <a:r>
-              <a:rPr lang="en-US" dirty="0" err="1"/>
+              <a:rPr lang="en-US" i="0" dirty="0" err="1"/>
               <a:t>weekindeling</a:t>
             </a:r>
-            <a:endParaRPr lang="en-US" dirty="0"/>
+            <a:endParaRPr lang="en-US" i="0" dirty="0"/>
           </a:p>
           <a:p>
             <a:pPr lvl="1"/>
             <a:r>
-              <a:rPr lang="en-US" dirty="0"/>
+              <a:rPr lang="en-US" b="1" i="0" dirty="0"/>
               <a:t>50 </a:t>
             </a:r>
             <a:r>
-              <a:rPr lang="en-US" dirty="0" err="1"/>
+              <a:rPr lang="en-US" b="1" i="0" dirty="0" err="1"/>
               <a:t>punten</a:t>
             </a:r>
             <a:r>
-              <a:rPr lang="en-US" dirty="0"/>
+              <a:rPr lang="en-US" b="1" i="0" dirty="0"/>
               <a:t> </a:t>
             </a:r>
             <a:r>
-              <a:rPr lang="en-US" dirty="0" err="1"/>
+              <a:rPr lang="en-US" i="0" dirty="0" err="1"/>
               <a:t>voor</a:t>
             </a:r>
             <a:r>
-              <a:rPr lang="en-US" dirty="0"/>
+              <a:rPr lang="en-US" i="0" dirty="0"/>
               <a:t> </a:t>
             </a:r>
             <a:r>
-              <a:rPr lang="en-US" dirty="0" err="1"/>
+              <a:rPr lang="en-US" i="0" dirty="0" err="1"/>
               <a:t>laat</a:t>
             </a:r>
             <a:r>
-              <a:rPr lang="en-US" dirty="0"/>
+              <a:rPr lang="en-US" i="0" dirty="0"/>
               <a:t> </a:t>
             </a:r>
             <a:r>
-              <a:rPr lang="en-US" dirty="0" err="1"/>
+              <a:rPr lang="en-US" i="0" dirty="0" err="1"/>
               <a:t>tijdslot</a:t>
             </a:r>
             <a:r>
-              <a:rPr lang="en-US"/>
+              <a:rPr lang="en-US" i="0" dirty="0"/>
               <a:t> (17:00-19:00)</a:t>
             </a:r>
-            <a:endParaRPr lang="en-US" dirty="0"/>
           </a:p>
           <a:p>
             <a:pPr lvl="1"/>
-            <a:endParaRPr lang="en-US" dirty="0"/>
+            <a:endParaRPr lang="en-US" i="0" dirty="0"/>
           </a:p>
         </p:txBody>
       </p:sp>
@@ -4306,6 +4609,13 @@
   <p:clrMapOvr>
     <a:masterClrMapping/>
   </p:clrMapOvr>
+  <p:timing>
+    <p:tnLst>
+      <p:par>
+        <p:cTn id="1" dur="indefinite" restart="never" nodeType="tmRoot"/>
+      </p:par>
+    </p:tnLst>
+  </p:timing>
 </p:sld>
 </file>
 
@@ -4342,8 +4652,16 @@
           <a:lstStyle/>
           <a:p>
             <a:r>
-              <a:rPr lang="en-US" dirty="0" err="1"/>
-              <a:t>Statespace</a:t>
+              <a:rPr lang="en-US" dirty="0" err="1" smtClean="0"/>
+              <a:t>Introductie</a:t>
+            </a:r>
+            <a:r>
+              <a:rPr lang="en-US" dirty="0" smtClean="0"/>
+              <a:t>: </a:t>
+            </a:r>
+            <a:r>
+              <a:rPr lang="en-US" dirty="0" err="1" smtClean="0"/>
+              <a:t>Grenzen</a:t>
             </a:r>
             <a:endParaRPr lang="en-US" dirty="0"/>
           </a:p>
@@ -4359,13 +4677,20 @@
             <p:ph idx="1"/>
           </p:nvPr>
         </p:nvSpPr>
-        <p:spPr/>
-        <p:txBody>
-          <a:bodyPr/>
+        <p:spPr>
+          <a:xfrm>
+            <a:off x="1371600" y="1897039"/>
+            <a:ext cx="9601200" cy="4446611"/>
+          </a:xfrm>
+        </p:spPr>
+        <p:txBody>
+          <a:bodyPr>
+            <a:normAutofit/>
+          </a:bodyPr>
           <a:lstStyle/>
           <a:p>
             <a:r>
-              <a:rPr lang="en-US" dirty="0" err="1"/>
+              <a:rPr lang="en-US" dirty="0" err="1" smtClean="0"/>
               <a:t>Bovengrens</a:t>
             </a:r>
             <a:endParaRPr lang="en-US" dirty="0"/>
@@ -4373,33 +4698,296 @@
           <a:p>
             <a:pPr lvl="1"/>
             <a:r>
-              <a:rPr lang="en-US" dirty="0" err="1"/>
+              <a:rPr lang="en-US" i="0" dirty="0" err="1" smtClean="0"/>
               <a:t>Theorestisch</a:t>
             </a:r>
+            <a:endParaRPr lang="en-US" i="0" dirty="0" smtClean="0"/>
+          </a:p>
+          <a:p>
+            <a:pPr marL="530352" lvl="1" indent="0">
+              <a:buNone/>
+            </a:pPr>
+            <a:r>
+              <a:rPr lang="en-US" i="0" dirty="0"/>
+              <a:t>		</a:t>
+            </a:r>
+            <a:r>
+              <a:rPr lang="en-US" sz="2000" b="1" i="0" dirty="0" smtClean="0"/>
+              <a:t>2400</a:t>
+            </a:r>
+            <a:r>
+              <a:rPr lang="en-US" sz="2000" i="0" dirty="0" smtClean="0"/>
+              <a:t> = 1000 (</a:t>
+            </a:r>
+            <a:r>
+              <a:rPr lang="en-US" sz="2000" i="0" dirty="0" err="1" smtClean="0"/>
+              <a:t>geldig</a:t>
+            </a:r>
+            <a:r>
+              <a:rPr lang="en-US" sz="2000" i="0" dirty="0" smtClean="0"/>
+              <a:t> rooster) + 70 (</a:t>
+            </a:r>
+            <a:r>
+              <a:rPr lang="en-US" sz="2000" i="0" dirty="0" err="1" smtClean="0"/>
+              <a:t>weekactiviteiten</a:t>
+            </a:r>
+            <a:r>
+              <a:rPr lang="en-US" sz="2000" i="0" dirty="0" smtClean="0"/>
+              <a:t>)* 20 (</a:t>
+            </a:r>
+            <a:r>
+              <a:rPr lang="en-US" sz="2000" i="0" dirty="0" err="1" smtClean="0"/>
+              <a:t>bonuspunten</a:t>
+            </a:r>
+            <a:r>
+              <a:rPr lang="en-US" sz="2000" i="0" dirty="0" smtClean="0"/>
+              <a:t>)</a:t>
+            </a:r>
+            <a:endParaRPr lang="en-US" sz="2000" i="0" dirty="0"/>
+          </a:p>
+          <a:p>
+            <a:pPr lvl="1"/>
+            <a:r>
+              <a:rPr lang="en-US" i="0" dirty="0" err="1" smtClean="0"/>
+              <a:t>Aangepast</a:t>
+            </a:r>
+            <a:endParaRPr lang="en-US" i="0" dirty="0" smtClean="0"/>
+          </a:p>
+          <a:p>
+            <a:pPr marL="530352" lvl="1" indent="0">
+              <a:buNone/>
+            </a:pPr>
+            <a:r>
+              <a:rPr lang="en-US" i="0" dirty="0" smtClean="0"/>
+              <a:t>	</a:t>
+            </a:r>
+            <a:r>
+              <a:rPr lang="en-US" i="0" dirty="0"/>
+              <a:t>	</a:t>
+            </a:r>
+            <a:r>
+              <a:rPr lang="en-US" sz="2000" b="1" i="0" dirty="0" smtClean="0">
+                <a:solidFill>
+                  <a:srgbClr val="335B74"/>
+                </a:solidFill>
+              </a:rPr>
+              <a:t>1800</a:t>
+            </a:r>
+            <a:r>
+              <a:rPr lang="en-US" sz="2000" i="0" dirty="0" smtClean="0">
+                <a:solidFill>
+                  <a:srgbClr val="335B74"/>
+                </a:solidFill>
+              </a:rPr>
+              <a:t> </a:t>
+            </a:r>
+            <a:r>
+              <a:rPr lang="en-US" sz="2000" i="0" dirty="0">
+                <a:solidFill>
+                  <a:srgbClr val="335B74"/>
+                </a:solidFill>
+              </a:rPr>
+              <a:t>= 1000 (</a:t>
+            </a:r>
+            <a:r>
+              <a:rPr lang="en-US" sz="2000" i="0" dirty="0" err="1">
+                <a:solidFill>
+                  <a:srgbClr val="335B74"/>
+                </a:solidFill>
+              </a:rPr>
+              <a:t>geldig</a:t>
+            </a:r>
+            <a:r>
+              <a:rPr lang="en-US" sz="2000" i="0" dirty="0">
+                <a:solidFill>
+                  <a:srgbClr val="335B74"/>
+                </a:solidFill>
+              </a:rPr>
+              <a:t> rooster) + </a:t>
+            </a:r>
+            <a:r>
+              <a:rPr lang="en-US" sz="2000" i="0" dirty="0" smtClean="0">
+                <a:solidFill>
+                  <a:srgbClr val="335B74"/>
+                </a:solidFill>
+              </a:rPr>
+              <a:t>40 </a:t>
+            </a:r>
+            <a:r>
+              <a:rPr lang="en-US" sz="2000" i="0" dirty="0">
+                <a:solidFill>
+                  <a:srgbClr val="335B74"/>
+                </a:solidFill>
+              </a:rPr>
+              <a:t>(</a:t>
+            </a:r>
+            <a:r>
+              <a:rPr lang="en-US" sz="2000" i="0" dirty="0" err="1">
+                <a:solidFill>
+                  <a:srgbClr val="335B74"/>
+                </a:solidFill>
+              </a:rPr>
+              <a:t>weekactiviteiten</a:t>
+            </a:r>
+            <a:r>
+              <a:rPr lang="en-US" sz="2000" i="0" dirty="0">
+                <a:solidFill>
+                  <a:srgbClr val="335B74"/>
+                </a:solidFill>
+              </a:rPr>
+              <a:t>)* 20 (</a:t>
+            </a:r>
+            <a:r>
+              <a:rPr lang="en-US" sz="2000" i="0" dirty="0" err="1">
+                <a:solidFill>
+                  <a:srgbClr val="335B74"/>
+                </a:solidFill>
+              </a:rPr>
+              <a:t>bonuspunten</a:t>
+            </a:r>
+            <a:r>
+              <a:rPr lang="en-US" sz="2000" i="0" dirty="0" smtClean="0">
+                <a:solidFill>
+                  <a:srgbClr val="335B74"/>
+                </a:solidFill>
+              </a:rPr>
+              <a:t>)</a:t>
+            </a:r>
+            <a:endParaRPr lang="en-US" i="0" dirty="0" smtClean="0"/>
+          </a:p>
+          <a:p>
+            <a:r>
+              <a:rPr lang="en-US" dirty="0" err="1" smtClean="0"/>
+              <a:t>Ondergrens</a:t>
+            </a:r>
             <a:endParaRPr lang="en-US" dirty="0"/>
           </a:p>
           <a:p>
             <a:pPr lvl="1"/>
             <a:r>
-              <a:rPr lang="en-US" dirty="0" err="1"/>
-              <a:t>aangepast</a:t>
-            </a:r>
-            <a:endParaRPr lang="en-US" dirty="0"/>
-          </a:p>
-          <a:p>
-            <a:r>
-              <a:rPr lang="en-US" dirty="0" err="1"/>
-              <a:t>Ondergrens</a:t>
-            </a:r>
-            <a:endParaRPr lang="en-US" dirty="0"/>
-          </a:p>
-          <a:p>
-            <a:pPr lvl="1"/>
-            <a:r>
-              <a:rPr lang="en-US" dirty="0" err="1"/>
+              <a:rPr lang="en-US" i="0" dirty="0" err="1" smtClean="0"/>
               <a:t>Theoretisch</a:t>
             </a:r>
-            <a:endParaRPr lang="en-US" dirty="0"/>
+            <a:endParaRPr lang="en-US" i="0" dirty="0" smtClean="0"/>
+          </a:p>
+          <a:p>
+            <a:pPr marL="530352" lvl="1" indent="0">
+              <a:buNone/>
+            </a:pPr>
+            <a:r>
+              <a:rPr lang="en-US" i="0" dirty="0"/>
+              <a:t>	</a:t>
+            </a:r>
+            <a:r>
+              <a:rPr lang="en-US" i="0" dirty="0" smtClean="0"/>
+              <a:t>	-</a:t>
+            </a:r>
+            <a:r>
+              <a:rPr lang="nl-NL" sz="1900" b="1" i="0" dirty="0" smtClean="0">
+                <a:solidFill>
+                  <a:srgbClr val="335B74"/>
+                </a:solidFill>
+              </a:rPr>
+              <a:t>4946 </a:t>
+            </a:r>
+            <a:r>
+              <a:rPr lang="nl-NL" sz="1900" i="0" dirty="0">
+                <a:solidFill>
+                  <a:srgbClr val="335B74"/>
+                </a:solidFill>
+              </a:rPr>
+              <a:t>= 1000 (geldig rooster</a:t>
+            </a:r>
+            <a:r>
+              <a:rPr lang="nl-NL" sz="1900" i="0" dirty="0" smtClean="0">
+                <a:solidFill>
+                  <a:srgbClr val="335B74"/>
+                </a:solidFill>
+              </a:rPr>
+              <a:t>) – </a:t>
+            </a:r>
+            <a:r>
+              <a:rPr lang="nl-NL" sz="1900" i="0" dirty="0">
+                <a:solidFill>
+                  <a:srgbClr val="335B74"/>
+                </a:solidFill>
+              </a:rPr>
+              <a:t>1000 (</a:t>
+            </a:r>
+            <a:r>
+              <a:rPr lang="nl-NL" sz="1900" i="0" dirty="0" err="1" smtClean="0">
+                <a:solidFill>
+                  <a:srgbClr val="335B74"/>
+                </a:solidFill>
+              </a:rPr>
+              <a:t>vakspreiding</a:t>
+            </a:r>
+            <a:r>
+              <a:rPr lang="nl-NL" sz="1900" i="0" dirty="0" smtClean="0">
+                <a:solidFill>
+                  <a:srgbClr val="335B74"/>
+                </a:solidFill>
+              </a:rPr>
+              <a:t>) </a:t>
+            </a:r>
+            <a:br>
+              <a:rPr lang="nl-NL" sz="1900" i="0" dirty="0" smtClean="0">
+                <a:solidFill>
+                  <a:srgbClr val="335B74"/>
+                </a:solidFill>
+              </a:rPr>
+            </a:br>
+            <a:r>
+              <a:rPr lang="nl-NL" sz="1900" i="0" dirty="0" smtClean="0">
+                <a:solidFill>
+                  <a:srgbClr val="335B74"/>
+                </a:solidFill>
+              </a:rPr>
+              <a:t>			– </a:t>
+            </a:r>
+            <a:r>
+              <a:rPr lang="nl-NL" sz="1900" i="0" dirty="0">
+                <a:solidFill>
+                  <a:srgbClr val="335B74"/>
+                </a:solidFill>
+              </a:rPr>
+              <a:t>(6 – 1) * 609 </a:t>
+            </a:r>
+            <a:r>
+              <a:rPr lang="nl-NL" sz="1900" i="0" dirty="0" smtClean="0">
+                <a:solidFill>
+                  <a:srgbClr val="335B74"/>
+                </a:solidFill>
+              </a:rPr>
+              <a:t>(roosterconflicten) – </a:t>
+            </a:r>
+            <a:r>
+              <a:rPr lang="nl-NL" sz="1900" i="0" dirty="0">
+                <a:solidFill>
+                  <a:srgbClr val="335B74"/>
+                </a:solidFill>
+              </a:rPr>
+              <a:t>1901 (</a:t>
+            </a:r>
+            <a:r>
+              <a:rPr lang="nl-NL" sz="1900" i="0" dirty="0" smtClean="0">
+                <a:solidFill>
+                  <a:srgbClr val="335B74"/>
+                </a:solidFill>
+              </a:rPr>
+              <a:t>zaalconflict)</a:t>
+            </a:r>
+            <a:endParaRPr lang="nl-NL" sz="1900" i="0" dirty="0">
+              <a:solidFill>
+                <a:srgbClr val="335B74"/>
+              </a:solidFill>
+            </a:endParaRPr>
+          </a:p>
+          <a:p>
+            <a:pPr marL="530352" lvl="1" indent="0">
+              <a:buNone/>
+            </a:pPr>
+            <a:endParaRPr lang="en-US" i="0" dirty="0" smtClean="0"/>
           </a:p>
           <a:p>
             <a:endParaRPr lang="en-US" dirty="0"/>
@@ -4416,6 +5004,13 @@
   <p:clrMapOvr>
     <a:masterClrMapping/>
   </p:clrMapOvr>
+  <p:timing>
+    <p:tnLst>
+      <p:par>
+        <p:cTn id="1" dur="indefinite" restart="never" nodeType="tmRoot"/>
+      </p:par>
+    </p:tnLst>
+  </p:timing>
 </p:sld>
 </file>
 
@@ -4438,7 +5033,7 @@
       </p:grpSpPr>
       <p:sp>
         <p:nvSpPr>
-          <p:cNvPr id="2" name="Title 1"/>
+          <p:cNvPr id="2" name="Titel 1"/>
           <p:cNvSpPr>
             <a:spLocks noGrp="1"/>
           </p:cNvSpPr>
@@ -4452,161 +5047,176 @@
           <a:lstStyle/>
           <a:p>
             <a:r>
-              <a:rPr lang="en-US" dirty="0" err="1"/>
-              <a:t>Methoden</a:t>
-            </a:r>
-            <a:endParaRPr lang="en-US" dirty="0"/>
-          </a:p>
-        </p:txBody>
-      </p:sp>
-      <p:sp>
-        <p:nvSpPr>
-          <p:cNvPr id="3" name="Content Placeholder 2"/>
-          <p:cNvSpPr>
-            <a:spLocks noGrp="1"/>
-          </p:cNvSpPr>
-          <p:nvPr>
-            <p:ph idx="1"/>
-          </p:nvPr>
-        </p:nvSpPr>
-        <p:spPr/>
-        <p:txBody>
-          <a:bodyPr/>
-          <a:lstStyle/>
-          <a:p>
-            <a:r>
-              <a:rPr lang="en-US" dirty="0" err="1"/>
-              <a:t>Uitleg</a:t>
-            </a:r>
-            <a:r>
-              <a:rPr lang="en-US" dirty="0"/>
-              <a:t> </a:t>
-            </a:r>
-            <a:r>
-              <a:rPr lang="en-US" dirty="0" err="1"/>
-              <a:t>algoritmes</a:t>
-            </a:r>
-            <a:endParaRPr lang="en-US" dirty="0"/>
-          </a:p>
-          <a:p>
-            <a:pPr lvl="1"/>
-            <a:r>
-              <a:rPr lang="en-US" dirty="0" err="1"/>
-              <a:t>Hillclimber</a:t>
-            </a:r>
-            <a:r>
-              <a:rPr lang="en-US" dirty="0"/>
-              <a:t>/simulated annealing</a:t>
-            </a:r>
-          </a:p>
-          <a:p>
-            <a:pPr lvl="1"/>
-            <a:r>
-              <a:rPr lang="en-US" dirty="0"/>
-              <a:t>Genetic </a:t>
-            </a:r>
-            <a:r>
-              <a:rPr lang="en-US" dirty="0" err="1"/>
-              <a:t>algoritme</a:t>
-            </a:r>
-            <a:endParaRPr lang="en-US" dirty="0"/>
-          </a:p>
-          <a:p>
-            <a:pPr lvl="1"/>
-            <a:r>
-              <a:rPr lang="en-US" dirty="0" err="1"/>
-              <a:t>Hybride</a:t>
-            </a:r>
-            <a:r>
-              <a:rPr lang="en-US" dirty="0"/>
-              <a:t> (sequential en </a:t>
-            </a:r>
-            <a:r>
-              <a:rPr lang="en-US" dirty="0" err="1"/>
-              <a:t>dan</a:t>
-            </a:r>
-            <a:r>
-              <a:rPr lang="en-US" dirty="0"/>
-              <a:t> mix </a:t>
-            </a:r>
-            <a:r>
-              <a:rPr lang="en-US" dirty="0" err="1"/>
-              <a:t>bovenstaande</a:t>
-            </a:r>
-            <a:r>
-              <a:rPr lang="en-US" dirty="0"/>
-              <a:t> twee </a:t>
-            </a:r>
-            <a:r>
-              <a:rPr lang="en-US" dirty="0" err="1"/>
-              <a:t>algoritmes</a:t>
-            </a:r>
-            <a:r>
-              <a:rPr lang="en-US" dirty="0"/>
-              <a:t>)</a:t>
-            </a:r>
-          </a:p>
-          <a:p>
-            <a:r>
-              <a:rPr lang="en-US" dirty="0" err="1"/>
-              <a:t>Uitleg</a:t>
-            </a:r>
-            <a:r>
-              <a:rPr lang="en-US" dirty="0"/>
-              <a:t> of </a:t>
-            </a:r>
-            <a:r>
-              <a:rPr lang="en-US" dirty="0" err="1"/>
-              <a:t>algoritmes</a:t>
-            </a:r>
-            <a:r>
-              <a:rPr lang="en-US" dirty="0"/>
-              <a:t> exact </a:t>
-            </a:r>
-            <a:r>
-              <a:rPr lang="en-US" dirty="0" err="1"/>
-              <a:t>zijn</a:t>
-            </a:r>
-            <a:r>
-              <a:rPr lang="en-US" dirty="0"/>
-              <a:t> of </a:t>
-            </a:r>
-            <a:r>
-              <a:rPr lang="en-US" dirty="0" err="1"/>
-              <a:t>een</a:t>
-            </a:r>
-            <a:r>
-              <a:rPr lang="en-US" dirty="0"/>
-              <a:t> </a:t>
-            </a:r>
-            <a:r>
-              <a:rPr lang="en-US" dirty="0" err="1"/>
-              <a:t>heuristiek</a:t>
-            </a:r>
-            <a:endParaRPr lang="en-US" dirty="0"/>
-          </a:p>
-          <a:p>
-            <a:endParaRPr lang="en-US" dirty="0"/>
-          </a:p>
-          <a:p>
-            <a:endParaRPr lang="en-US" dirty="0"/>
-          </a:p>
-          <a:p>
-            <a:pPr lvl="1"/>
-            <a:endParaRPr lang="en-US" dirty="0"/>
-          </a:p>
-        </p:txBody>
-      </p:sp>
+              <a:rPr lang="nl-NL" dirty="0" smtClean="0"/>
+              <a:t>Toestandsruimte</a:t>
+            </a:r>
+            <a:endParaRPr lang="nl-NL" dirty="0"/>
+          </a:p>
+        </p:txBody>
+      </p:sp>
+      <mc:AlternateContent xmlns:mc="http://schemas.openxmlformats.org/markup-compatibility/2006">
+        <mc:Choice xmlns:a14="http://schemas.microsoft.com/office/drawing/2010/main" Requires="a14">
+          <p:sp>
+            <p:nvSpPr>
+              <p:cNvPr id="3" name="Tijdelijke aanduiding voor inhoud 2"/>
+              <p:cNvSpPr>
+                <a:spLocks noGrp="1"/>
+              </p:cNvSpPr>
+              <p:nvPr>
+                <p:ph idx="1"/>
+              </p:nvPr>
+            </p:nvSpPr>
+            <p:spPr/>
+            <p:txBody>
+              <a:bodyPr/>
+              <a:lstStyle/>
+              <a:p>
+                <a:r>
+                  <a:rPr lang="nl-NL" dirty="0" smtClean="0">
+                    <a:latin typeface="Cambria Math" panose="02040503050406030204" pitchFamily="18" charset="0"/>
+                  </a:rPr>
+                  <a:t>145 zaalsloten</a:t>
+                </a:r>
+              </a:p>
+              <a:p>
+                <a:r>
+                  <a:rPr lang="nl-NL" dirty="0" smtClean="0">
+                    <a:latin typeface="Cambria Math" panose="02040503050406030204" pitchFamily="18" charset="0"/>
+                  </a:rPr>
+                  <a:t>129 activiteiten</a:t>
+                </a:r>
+              </a:p>
+              <a:p>
+                <a:r>
+                  <a:rPr lang="nl-NL" dirty="0" smtClean="0">
+                    <a:latin typeface="Cambria Math" panose="02040503050406030204" pitchFamily="18" charset="0"/>
+                  </a:rPr>
+                  <a:t>145-129 lege plekken in het rooster</a:t>
+                </a:r>
+              </a:p>
+              <a:p>
+                <a:endParaRPr lang="nl-NL" i="1" dirty="0">
+                  <a:latin typeface="Cambria Math" panose="02040503050406030204" pitchFamily="18" charset="0"/>
+                </a:endParaRPr>
+              </a:p>
+              <a:p>
+                <a14:m>
+                  <m:oMath xmlns:m="http://schemas.openxmlformats.org/officeDocument/2006/math">
+                    <m:f>
+                      <m:fPr>
+                        <m:ctrlPr>
+                          <a:rPr lang="nl-NL" sz="2800" i="1" smtClean="0">
+                            <a:latin typeface="Cambria Math" panose="02040503050406030204" pitchFamily="18" charset="0"/>
+                          </a:rPr>
+                        </m:ctrlPr>
+                      </m:fPr>
+                      <m:num>
+                        <m:r>
+                          <a:rPr lang="nl-NL" sz="2800" i="1">
+                            <a:latin typeface="Cambria Math" panose="02040503050406030204" pitchFamily="18" charset="0"/>
+                          </a:rPr>
+                          <m:t>145!</m:t>
+                        </m:r>
+                      </m:num>
+                      <m:den>
+                        <m:r>
+                          <a:rPr lang="nl-NL" sz="2800" b="0" i="1" smtClean="0">
+                            <a:latin typeface="Cambria Math" panose="02040503050406030204" pitchFamily="18" charset="0"/>
+                          </a:rPr>
+                          <m:t>(145−</m:t>
+                        </m:r>
+                        <m:r>
+                          <a:rPr lang="nl-NL" sz="2800" i="1">
+                            <a:latin typeface="Cambria Math" panose="02040503050406030204" pitchFamily="18" charset="0"/>
+                          </a:rPr>
+                          <m:t>129</m:t>
+                        </m:r>
+                        <m:r>
+                          <a:rPr lang="nl-NL" sz="2800" b="0" i="1" smtClean="0">
+                            <a:latin typeface="Cambria Math" panose="02040503050406030204" pitchFamily="18" charset="0"/>
+                          </a:rPr>
+                          <m:t>)</m:t>
+                        </m:r>
+                        <m:r>
+                          <a:rPr lang="nl-NL" sz="2800" i="1">
+                            <a:latin typeface="Cambria Math" panose="02040503050406030204" pitchFamily="18" charset="0"/>
+                          </a:rPr>
+                          <m:t>!</m:t>
+                        </m:r>
+                      </m:den>
+                    </m:f>
+                    <m:r>
+                      <a:rPr lang="nl-NL" sz="2800" i="1">
+                        <a:latin typeface="Cambria Math" panose="02040503050406030204" pitchFamily="18" charset="0"/>
+                      </a:rPr>
+                      <m:t> </m:t>
+                    </m:r>
+                  </m:oMath>
+                </a14:m>
+                <a:r>
+                  <a:rPr lang="nl-NL" dirty="0"/>
+                  <a:t> = 3.8464880164×10</a:t>
+                </a:r>
+                <a:r>
+                  <a:rPr lang="nl-NL" baseline="30000" dirty="0"/>
+                  <a:t>238</a:t>
+                </a:r>
+                <a:endParaRPr lang="nl-NL" dirty="0"/>
+              </a:p>
+            </p:txBody>
+          </p:sp>
+        </mc:Choice>
+        <mc:Fallback>
+          <p:sp>
+            <p:nvSpPr>
+              <p:cNvPr id="3" name="Tijdelijke aanduiding voor inhoud 2"/>
+              <p:cNvSpPr>
+                <a:spLocks noGrp="1" noRot="1" noChangeAspect="1" noMove="1" noResize="1" noEditPoints="1" noAdjustHandles="1" noChangeArrowheads="1" noChangeShapeType="1" noTextEdit="1"/>
+              </p:cNvSpPr>
+              <p:nvPr>
+                <p:ph idx="1"/>
+              </p:nvPr>
+            </p:nvSpPr>
+            <p:spPr>
+              <a:blipFill rotWithShape="0">
+                <a:blip r:embed="rId2"/>
+                <a:stretch>
+                  <a:fillRect l="-825" t="-1840"/>
+                </a:stretch>
+              </a:blipFill>
+            </p:spPr>
+            <p:txBody>
+              <a:bodyPr/>
+              <a:lstStyle/>
+              <a:p>
+                <a:r>
+                  <a:rPr lang="nl-NL">
+                    <a:noFill/>
+                  </a:rPr>
+                  <a:t> </a:t>
+                </a:r>
+              </a:p>
+            </p:txBody>
+          </p:sp>
+        </mc:Fallback>
+      </mc:AlternateContent>
     </p:spTree>
     <p:extLst>
       <p:ext uri="{BB962C8B-B14F-4D97-AF65-F5344CB8AC3E}">
-        <p14:creationId xmlns:p14="http://schemas.microsoft.com/office/powerpoint/2010/main" val="2798988976"/>
+        <p14:creationId xmlns:p14="http://schemas.microsoft.com/office/powerpoint/2010/main" val="773560942"/>
       </p:ext>
     </p:extLst>
   </p:cSld>
   <p:clrMapOvr>
     <a:masterClrMapping/>
   </p:clrMapOvr>
+  <p:timing>
+    <p:tnLst>
+      <p:par>
+        <p:cTn id="1" dur="indefinite" restart="never" nodeType="tmRoot"/>
+      </p:par>
+    </p:tnLst>
+  </p:timing>
 </p:sld>
 </file>
 
@@ -4639,39 +5249,50 @@
         </p:nvSpPr>
         <p:spPr/>
         <p:txBody>
-          <a:bodyPr>
-            <a:normAutofit fontScale="90000"/>
-          </a:bodyPr>
-          <a:lstStyle/>
-          <a:p>
-            <a:r>
-              <a:rPr lang="en-US" dirty="0" err="1"/>
-              <a:t>Experimenteren</a:t>
-            </a:r>
-            <a:br>
-              <a:rPr lang="en-US" dirty="0"/>
-            </a:br>
-            <a:endParaRPr lang="en-US" dirty="0"/>
-          </a:p>
-        </p:txBody>
-      </p:sp>
-      <p:sp>
-        <p:nvSpPr>
-          <p:cNvPr id="3" name="Content Placeholder 2"/>
-          <p:cNvSpPr>
-            <a:spLocks noGrp="1"/>
-          </p:cNvSpPr>
-          <p:nvPr>
-            <p:ph idx="1"/>
-          </p:nvPr>
-        </p:nvSpPr>
-        <p:spPr/>
-        <p:txBody>
           <a:bodyPr/>
           <a:lstStyle/>
           <a:p>
             <a:r>
               <a:rPr lang="en-US" dirty="0" err="1"/>
+              <a:t>Methoden</a:t>
+            </a:r>
+            <a:endParaRPr lang="en-US" dirty="0"/>
+          </a:p>
+        </p:txBody>
+      </p:sp>
+      <p:sp>
+        <p:nvSpPr>
+          <p:cNvPr id="3" name="Content Placeholder 2"/>
+          <p:cNvSpPr>
+            <a:spLocks noGrp="1"/>
+          </p:cNvSpPr>
+          <p:nvPr>
+            <p:ph idx="1"/>
+          </p:nvPr>
+        </p:nvSpPr>
+        <p:spPr/>
+        <p:txBody>
+          <a:bodyPr/>
+          <a:lstStyle/>
+          <a:p>
+            <a:r>
+              <a:rPr lang="en-US" dirty="0" err="1"/>
+              <a:t>Uitleg</a:t>
+            </a:r>
+            <a:r>
+              <a:rPr lang="en-US" dirty="0"/>
+              <a:t> </a:t>
+            </a:r>
+            <a:r>
+              <a:rPr lang="en-US" dirty="0" err="1"/>
+              <a:t>algoritmes</a:t>
+            </a:r>
+            <a:endParaRPr lang="en-US" dirty="0"/>
+          </a:p>
+          <a:p>
+            <a:pPr lvl="1"/>
+            <a:r>
+              <a:rPr lang="en-US" dirty="0" err="1"/>
               <a:t>Hillclimber</a:t>
             </a:r>
             <a:r>
@@ -4683,11 +5304,77 @@
             <a:pPr lvl="1"/>
             <a:r>
               <a:rPr lang="en-US" dirty="0"/>
-              <a:t>Simulated annealing </a:t>
-            </a:r>
-            <a:r>
-              <a:rPr lang="en-US" dirty="0" err="1"/>
-              <a:t>eerst</a:t>
+              <a:t>Genetic </a:t>
+            </a:r>
+            <a:r>
+              <a:rPr lang="en-US" dirty="0" err="1"/>
+              <a:t>algoritme</a:t>
+            </a:r>
+            <a:endParaRPr lang="en-US" dirty="0"/>
+          </a:p>
+          <a:p>
+            <a:pPr lvl="1"/>
+            <a:r>
+              <a:rPr lang="en-US" dirty="0" err="1"/>
+              <a:t>Hybride</a:t>
+            </a:r>
+            <a:r>
+              <a:rPr lang="en-US" dirty="0"/>
+              <a:t> (sequential en </a:t>
+            </a:r>
+            <a:r>
+              <a:rPr lang="en-US" dirty="0" err="1"/>
+              <a:t>dan</a:t>
+            </a:r>
+            <a:r>
+              <a:rPr lang="en-US" dirty="0"/>
+              <a:t> mix </a:t>
+            </a:r>
+            <a:r>
+              <a:rPr lang="en-US" dirty="0" err="1"/>
+              <a:t>bovenstaande</a:t>
+            </a:r>
+            <a:r>
+              <a:rPr lang="en-US" dirty="0"/>
+              <a:t> twee </a:t>
+            </a:r>
+            <a:r>
+              <a:rPr lang="en-US" dirty="0" err="1"/>
+              <a:t>algoritmes</a:t>
+            </a:r>
+            <a:r>
+              <a:rPr lang="en-US" dirty="0"/>
+              <a:t>)</a:t>
+            </a:r>
+          </a:p>
+          <a:p>
+            <a:r>
+              <a:rPr lang="en-US" dirty="0" err="1"/>
+              <a:t>Uitleg</a:t>
+            </a:r>
+            <a:r>
+              <a:rPr lang="en-US" dirty="0"/>
+              <a:t> of </a:t>
+            </a:r>
+            <a:r>
+              <a:rPr lang="en-US" dirty="0" err="1"/>
+              <a:t>algoritmes</a:t>
+            </a:r>
+            <a:r>
+              <a:rPr lang="en-US" dirty="0"/>
+              <a:t> exact </a:t>
+            </a:r>
+            <a:r>
+              <a:rPr lang="en-US" dirty="0" err="1"/>
+              <a:t>zijn</a:t>
+            </a:r>
+            <a:r>
+              <a:rPr lang="en-US" dirty="0"/>
+              <a:t> of </a:t>
+            </a:r>
+            <a:r>
+              <a:rPr lang="en-US" dirty="0" err="1"/>
+              <a:t>een</a:t>
             </a:r>
             <a:r>
               <a:rPr lang="en-US" dirty="0"/>
@@ -4695,232 +5382,14 @@
             </a:r>
             <a:r>
               <a:rPr lang="en-US" dirty="0" err="1"/>
-              <a:t>kijken</a:t>
-            </a:r>
-            <a:r>
-              <a:rPr lang="en-US" dirty="0"/>
-              <a:t> </a:t>
-            </a:r>
-            <a:r>
-              <a:rPr lang="en-US" dirty="0" err="1"/>
-              <a:t>welke</a:t>
-            </a:r>
-            <a:r>
-              <a:rPr lang="en-US" dirty="0"/>
-              <a:t> cooling schema het </a:t>
-            </a:r>
-            <a:r>
-              <a:rPr lang="en-US" dirty="0" err="1"/>
-              <a:t>beste</a:t>
-            </a:r>
-            <a:r>
-              <a:rPr lang="en-US" dirty="0"/>
-              <a:t> is</a:t>
-            </a:r>
-          </a:p>
-          <a:p>
-            <a:pPr lvl="1"/>
-            <a:r>
-              <a:rPr lang="en-US" dirty="0"/>
-              <a:t>Score </a:t>
-            </a:r>
-            <a:r>
-              <a:rPr lang="en-US" dirty="0" err="1"/>
-              <a:t>algoritmes</a:t>
-            </a:r>
-            <a:r>
-              <a:rPr lang="en-US" dirty="0"/>
-              <a:t> </a:t>
-            </a:r>
-            <a:r>
-              <a:rPr lang="en-US" dirty="0" err="1"/>
-              <a:t>vs</a:t>
-            </a:r>
-            <a:r>
-              <a:rPr lang="en-US" dirty="0"/>
-              <a:t> </a:t>
-            </a:r>
-            <a:r>
-              <a:rPr lang="en-US" dirty="0" err="1"/>
-              <a:t>aantal</a:t>
-            </a:r>
-            <a:r>
-              <a:rPr lang="en-US" dirty="0"/>
-              <a:t> </a:t>
-            </a:r>
-            <a:r>
-              <a:rPr lang="en-US" dirty="0" err="1"/>
-              <a:t>interaties</a:t>
+              <a:t>heuristiek</a:t>
             </a:r>
             <a:endParaRPr lang="en-US" dirty="0"/>
           </a:p>
           <a:p>
-            <a:pPr lvl="1"/>
-            <a:r>
-              <a:rPr lang="en-US" dirty="0" err="1"/>
-              <a:t>Normaal</a:t>
-            </a:r>
-            <a:r>
-              <a:rPr lang="en-US" dirty="0"/>
-              <a:t> </a:t>
-            </a:r>
-            <a:r>
-              <a:rPr lang="en-US" dirty="0" err="1"/>
-              <a:t>verdeling</a:t>
-            </a:r>
-            <a:r>
-              <a:rPr lang="en-US" dirty="0"/>
-              <a:t> </a:t>
-            </a:r>
-            <a:r>
-              <a:rPr lang="en-US" dirty="0" err="1"/>
-              <a:t>drie</a:t>
-            </a:r>
-            <a:r>
-              <a:rPr lang="en-US" dirty="0"/>
-              <a:t> </a:t>
-            </a:r>
-            <a:r>
-              <a:rPr lang="en-US" dirty="0" err="1"/>
-              <a:t>algoritmes</a:t>
-            </a:r>
             <a:endParaRPr lang="en-US" dirty="0"/>
           </a:p>
           <a:p>
-            <a:r>
-              <a:rPr lang="en-US" dirty="0"/>
-              <a:t>Genetic</a:t>
-            </a:r>
-          </a:p>
-          <a:p>
-            <a:pPr lvl="1"/>
-            <a:r>
-              <a:rPr lang="en-US" dirty="0" err="1"/>
-              <a:t>Keuze</a:t>
-            </a:r>
-            <a:r>
-              <a:rPr lang="en-US" dirty="0"/>
-              <a:t> </a:t>
-            </a:r>
-            <a:r>
-              <a:rPr lang="en-US" dirty="0" err="1"/>
-              <a:t>tussen</a:t>
-            </a:r>
-            <a:r>
-              <a:rPr lang="en-US" dirty="0"/>
-              <a:t> hoe de </a:t>
-            </a:r>
-            <a:r>
-              <a:rPr lang="en-US" dirty="0" err="1"/>
-              <a:t>overgebleven</a:t>
-            </a:r>
-            <a:r>
-              <a:rPr lang="en-US" dirty="0"/>
-              <a:t> </a:t>
-            </a:r>
-            <a:r>
-              <a:rPr lang="en-US" dirty="0" err="1"/>
-              <a:t>vakken</a:t>
-            </a:r>
-            <a:r>
-              <a:rPr lang="en-US" dirty="0"/>
-              <a:t> </a:t>
-            </a:r>
-            <a:r>
-              <a:rPr lang="en-US" dirty="0" err="1"/>
-              <a:t>nog</a:t>
-            </a:r>
-            <a:r>
-              <a:rPr lang="en-US" dirty="0"/>
-              <a:t> in </a:t>
-            </a:r>
-            <a:r>
-              <a:rPr lang="en-US" dirty="0" err="1"/>
-              <a:t>te</a:t>
-            </a:r>
-            <a:r>
-              <a:rPr lang="en-US" dirty="0"/>
-              <a:t> </a:t>
-            </a:r>
-            <a:r>
-              <a:rPr lang="en-US" dirty="0" err="1"/>
-              <a:t>roosteren</a:t>
-            </a:r>
-            <a:r>
-              <a:rPr lang="en-US" dirty="0"/>
-              <a:t>(</a:t>
-            </a:r>
-            <a:r>
-              <a:rPr lang="en-US" dirty="0" err="1"/>
-              <a:t>zaalgrootte</a:t>
-            </a:r>
-            <a:r>
-              <a:rPr lang="en-US" dirty="0"/>
-              <a:t>, </a:t>
-            </a:r>
-            <a:r>
-              <a:rPr lang="en-US" dirty="0" err="1"/>
-              <a:t>dichtsbijzijnde</a:t>
-            </a:r>
-            <a:r>
-              <a:rPr lang="en-US" dirty="0"/>
-              <a:t> </a:t>
-            </a:r>
-            <a:r>
-              <a:rPr lang="en-US" dirty="0" err="1"/>
-              <a:t>zaalslot</a:t>
-            </a:r>
-            <a:r>
-              <a:rPr lang="en-US" dirty="0"/>
-              <a:t>?)</a:t>
-            </a:r>
-          </a:p>
-          <a:p>
-            <a:pPr lvl="1"/>
-            <a:r>
-              <a:rPr lang="en-US" dirty="0" err="1"/>
-              <a:t>Mutatiekans</a:t>
-            </a:r>
-            <a:r>
-              <a:rPr lang="en-US" dirty="0"/>
-              <a:t> </a:t>
-            </a:r>
-            <a:r>
-              <a:rPr lang="en-US" dirty="0" err="1"/>
-              <a:t>aanpassen</a:t>
-            </a:r>
-            <a:endParaRPr lang="en-US" dirty="0"/>
-          </a:p>
-          <a:p>
-            <a:pPr lvl="1"/>
-            <a:r>
-              <a:rPr lang="en-US" dirty="0" err="1"/>
-              <a:t>Populatiegrootte</a:t>
-            </a:r>
-            <a:r>
-              <a:rPr lang="en-US" dirty="0"/>
-              <a:t> en </a:t>
-            </a:r>
-            <a:r>
-              <a:rPr lang="en-US" dirty="0" err="1"/>
-              <a:t>aantal</a:t>
-            </a:r>
-            <a:r>
-              <a:rPr lang="en-US" dirty="0"/>
-              <a:t> </a:t>
-            </a:r>
-            <a:r>
-              <a:rPr lang="en-US" dirty="0" err="1"/>
-              <a:t>generaties</a:t>
-            </a:r>
-            <a:endParaRPr lang="en-US" dirty="0"/>
-          </a:p>
-          <a:p>
-            <a:pPr lvl="1"/>
-            <a:endParaRPr lang="en-US" dirty="0"/>
-          </a:p>
-          <a:p>
-            <a:pPr lvl="1"/>
             <a:endParaRPr lang="en-US" dirty="0"/>
           </a:p>
           <a:p>
@@ -4932,13 +5401,20 @@
     </p:spTree>
     <p:extLst>
       <p:ext uri="{BB962C8B-B14F-4D97-AF65-F5344CB8AC3E}">
-        <p14:creationId xmlns:p14="http://schemas.microsoft.com/office/powerpoint/2010/main" val="161738935"/>
+        <p14:creationId xmlns:p14="http://schemas.microsoft.com/office/powerpoint/2010/main" val="2798988976"/>
       </p:ext>
     </p:extLst>
   </p:cSld>
   <p:clrMapOvr>
     <a:masterClrMapping/>
   </p:clrMapOvr>
+  <p:timing>
+    <p:tnLst>
+      <p:par>
+        <p:cTn id="1" dur="indefinite" restart="never" nodeType="tmRoot"/>
+      </p:par>
+    </p:tnLst>
+  </p:timing>
 </p:sld>
 </file>
 
@@ -4972,14 +5448,21 @@
         <p:spPr/>
         <p:txBody>
           <a:bodyPr>
-            <a:normAutofit/>
+            <a:normAutofit fontScale="90000"/>
           </a:bodyPr>
           <a:lstStyle/>
           <a:p>
             <a:r>
               <a:rPr lang="en-US" dirty="0" err="1"/>
-              <a:t>Eperimenteren</a:t>
-            </a:r>
+              <a:t>Experimenteren</a:t>
+            </a:r>
+            <a:r>
+              <a:rPr lang="en-US" dirty="0"/>
+              <a:t/>
+            </a:r>
+            <a:br>
+              <a:rPr lang="en-US" dirty="0"/>
+            </a:br>
             <a:endParaRPr lang="en-US" dirty="0"/>
           </a:p>
         </p:txBody>
@@ -5001,7 +5484,85 @@
           <a:p>
             <a:r>
               <a:rPr lang="en-US" dirty="0" err="1"/>
-              <a:t>Hybride</a:t>
+              <a:t>Hillclimber</a:t>
+            </a:r>
+            <a:r>
+              <a:rPr lang="en-US" dirty="0"/>
+              <a:t>/simulated annealing</a:t>
+            </a:r>
+          </a:p>
+          <a:p>
+            <a:pPr lvl="1"/>
+            <a:r>
+              <a:rPr lang="en-US" dirty="0"/>
+              <a:t>Simulated annealing </a:t>
+            </a:r>
+            <a:r>
+              <a:rPr lang="en-US" dirty="0" err="1"/>
+              <a:t>eerst</a:t>
+            </a:r>
+            <a:r>
+              <a:rPr lang="en-US" dirty="0"/>
+              <a:t> </a:t>
+            </a:r>
+            <a:r>
+              <a:rPr lang="en-US" dirty="0" err="1"/>
+              <a:t>kijken</a:t>
+            </a:r>
+            <a:r>
+              <a:rPr lang="en-US" dirty="0"/>
+              <a:t> </a:t>
+            </a:r>
+            <a:r>
+              <a:rPr lang="en-US" dirty="0" err="1"/>
+              <a:t>welke</a:t>
+            </a:r>
+            <a:r>
+              <a:rPr lang="en-US" dirty="0"/>
+              <a:t> cooling schema het </a:t>
+            </a:r>
+            <a:r>
+              <a:rPr lang="en-US" dirty="0" err="1"/>
+              <a:t>beste</a:t>
+            </a:r>
+            <a:r>
+              <a:rPr lang="en-US" dirty="0"/>
+              <a:t> is</a:t>
+            </a:r>
+          </a:p>
+          <a:p>
+            <a:pPr lvl="1"/>
+            <a:r>
+              <a:rPr lang="en-US" dirty="0"/>
+              <a:t>Score </a:t>
+            </a:r>
+            <a:r>
+              <a:rPr lang="en-US" dirty="0" err="1"/>
+              <a:t>algoritmes</a:t>
+            </a:r>
+            <a:r>
+              <a:rPr lang="en-US" dirty="0"/>
+              <a:t> </a:t>
+            </a:r>
+            <a:r>
+              <a:rPr lang="en-US" dirty="0" err="1"/>
+              <a:t>vs</a:t>
+            </a:r>
+            <a:r>
+              <a:rPr lang="en-US" dirty="0"/>
+              <a:t> </a:t>
+            </a:r>
+            <a:r>
+              <a:rPr lang="en-US" dirty="0" err="1"/>
+              <a:t>aantal</a:t>
+            </a:r>
+            <a:r>
+              <a:rPr lang="en-US" dirty="0"/>
+              <a:t> </a:t>
+            </a:r>
+            <a:r>
+              <a:rPr lang="en-US" dirty="0" err="1"/>
+              <a:t>interaties</a:t>
             </a:r>
             <a:endParaRPr lang="en-US" dirty="0"/>
           </a:p>
@@ -5009,49 +5570,194 @@
             <a:pPr lvl="1"/>
             <a:r>
               <a:rPr lang="en-US" dirty="0" err="1"/>
-              <a:t>Eerst</a:t>
-            </a:r>
-            <a:r>
-              <a:rPr lang="en-US" dirty="0"/>
-              <a:t> sequential op </a:t>
+              <a:t>Normaal</a:t>
+            </a:r>
+            <a:r>
+              <a:rPr lang="en-US" dirty="0"/>
+              <a:t> </a:t>
+            </a:r>
+            <a:r>
+              <a:rPr lang="en-US" dirty="0" err="1"/>
+              <a:t>verdeling</a:t>
+            </a:r>
+            <a:r>
+              <a:rPr lang="en-US" dirty="0"/>
+              <a:t> </a:t>
+            </a:r>
+            <a:r>
+              <a:rPr lang="en-US" dirty="0" err="1"/>
+              <a:t>drie</a:t>
+            </a:r>
+            <a:r>
+              <a:rPr lang="en-US" dirty="0"/>
+              <a:t> </a:t>
+            </a:r>
+            <a:r>
+              <a:rPr lang="en-US" dirty="0" err="1"/>
+              <a:t>algoritmes</a:t>
+            </a:r>
+            <a:endParaRPr lang="en-US" dirty="0"/>
+          </a:p>
+          <a:p>
+            <a:r>
+              <a:rPr lang="en-US" dirty="0"/>
+              <a:t>Genetic</a:t>
+            </a:r>
+          </a:p>
+          <a:p>
+            <a:pPr lvl="1"/>
+            <a:r>
+              <a:rPr lang="en-US" dirty="0" err="1"/>
+              <a:t>Keuze</a:t>
+            </a:r>
+            <a:r>
+              <a:rPr lang="en-US" dirty="0"/>
+              <a:t> </a:t>
+            </a:r>
+            <a:r>
+              <a:rPr lang="en-US" dirty="0" err="1"/>
+              <a:t>tussen</a:t>
+            </a:r>
+            <a:r>
+              <a:rPr lang="en-US" dirty="0"/>
+              <a:t> hoe de </a:t>
+            </a:r>
+            <a:r>
+              <a:rPr lang="en-US" dirty="0" err="1"/>
+              <a:t>overgebleven</a:t>
+            </a:r>
+            <a:r>
+              <a:rPr lang="en-US" dirty="0"/>
+              <a:t> </a:t>
+            </a:r>
+            <a:r>
+              <a:rPr lang="en-US" dirty="0" err="1"/>
+              <a:t>vakken</a:t>
+            </a:r>
+            <a:r>
+              <a:rPr lang="en-US" dirty="0"/>
+              <a:t> </a:t>
+            </a:r>
+            <a:r>
+              <a:rPr lang="en-US" dirty="0" err="1"/>
+              <a:t>nog</a:t>
+            </a:r>
+            <a:r>
+              <a:rPr lang="en-US" dirty="0"/>
+              <a:t> in </a:t>
+            </a:r>
+            <a:r>
+              <a:rPr lang="en-US" dirty="0" err="1"/>
+              <a:t>te</a:t>
+            </a:r>
+            <a:r>
+              <a:rPr lang="en-US" dirty="0"/>
+              <a:t> </a:t>
+            </a:r>
+            <a:r>
+              <a:rPr lang="en-US" dirty="0" err="1"/>
+              <a:t>roosteren</a:t>
+            </a:r>
+            <a:r>
+              <a:rPr lang="en-US" dirty="0"/>
+              <a:t>(</a:t>
             </a:r>
             <a:r>
               <a:rPr lang="en-US" dirty="0" err="1"/>
               <a:t>zaalgrootte</a:t>
             </a:r>
+            <a:r>
+              <a:rPr lang="en-US" dirty="0"/>
+              <a:t>, </a:t>
+            </a:r>
+            <a:r>
+              <a:rPr lang="en-US" dirty="0" err="1"/>
+              <a:t>dichtsbijzijnde</a:t>
+            </a:r>
+            <a:r>
+              <a:rPr lang="en-US" dirty="0"/>
+              <a:t> </a:t>
+            </a:r>
+            <a:r>
+              <a:rPr lang="en-US" dirty="0" err="1"/>
+              <a:t>zaalslot</a:t>
+            </a:r>
+            <a:r>
+              <a:rPr lang="en-US" dirty="0"/>
+              <a:t>?)</a:t>
+            </a:r>
+          </a:p>
+          <a:p>
+            <a:pPr lvl="1"/>
+            <a:r>
+              <a:rPr lang="en-US" dirty="0" err="1"/>
+              <a:t>Mutatiekans</a:t>
+            </a:r>
+            <a:r>
+              <a:rPr lang="en-US" dirty="0"/>
+              <a:t> </a:t>
+            </a:r>
+            <a:r>
+              <a:rPr lang="en-US" dirty="0" err="1"/>
+              <a:t>aanpassen</a:t>
+            </a:r>
             <a:endParaRPr lang="en-US" dirty="0"/>
           </a:p>
           <a:p>
             <a:pPr lvl="1"/>
             <a:r>
               <a:rPr lang="en-US" dirty="0" err="1"/>
-              <a:t>Daarna</a:t>
-            </a:r>
-            <a:r>
-              <a:rPr lang="en-US" dirty="0"/>
-              <a:t> genetic, </a:t>
-            </a:r>
-            <a:r>
-              <a:rPr lang="en-US" dirty="0" err="1"/>
-              <a:t>hillclimber</a:t>
-            </a:r>
-            <a:r>
-              <a:rPr lang="en-US" dirty="0"/>
-              <a:t>, </a:t>
-            </a:r>
+              <a:t>Populatiegrootte</a:t>
+            </a:r>
+            <a:r>
+              <a:rPr lang="en-US" dirty="0"/>
+              <a:t> en </a:t>
+            </a:r>
+            <a:r>
+              <a:rPr lang="en-US" dirty="0" err="1"/>
+              <a:t>aantal</a:t>
+            </a:r>
+            <a:r>
+              <a:rPr lang="en-US" dirty="0"/>
+              <a:t> </a:t>
+            </a:r>
+            <a:r>
+              <a:rPr lang="en-US" dirty="0" err="1"/>
+              <a:t>generaties</a:t>
+            </a:r>
+            <a:endParaRPr lang="en-US" dirty="0"/>
+          </a:p>
+          <a:p>
+            <a:pPr lvl="1"/>
+            <a:endParaRPr lang="en-US" dirty="0"/>
+          </a:p>
+          <a:p>
+            <a:pPr lvl="1"/>
+            <a:endParaRPr lang="en-US" dirty="0"/>
+          </a:p>
+          <a:p>
+            <a:pPr lvl="1"/>
+            <a:endParaRPr lang="en-US" dirty="0"/>
           </a:p>
         </p:txBody>
       </p:sp>
     </p:spTree>
     <p:extLst>
       <p:ext uri="{BB962C8B-B14F-4D97-AF65-F5344CB8AC3E}">
-        <p14:creationId xmlns:p14="http://schemas.microsoft.com/office/powerpoint/2010/main" val="2033092415"/>
+        <p14:creationId xmlns:p14="http://schemas.microsoft.com/office/powerpoint/2010/main" val="161738935"/>
       </p:ext>
     </p:extLst>
   </p:cSld>
   <p:clrMapOvr>
     <a:masterClrMapping/>
   </p:clrMapOvr>
+  <p:timing>
+    <p:tnLst>
+      <p:par>
+        <p:cTn id="1" dur="indefinite" restart="never" nodeType="tmRoot"/>
+      </p:par>
+    </p:tnLst>
+  </p:timing>
 </p:sld>
 </file>
 
@@ -5085,17 +5791,14 @@
         <p:spPr/>
         <p:txBody>
           <a:bodyPr>
-            <a:normAutofit fontScale="90000"/>
+            <a:normAutofit/>
           </a:bodyPr>
           <a:lstStyle/>
           <a:p>
             <a:r>
               <a:rPr lang="en-US" dirty="0" err="1"/>
-              <a:t>Resultaten</a:t>
-            </a:r>
-            <a:br>
-              <a:rPr lang="en-US" dirty="0"/>
-            </a:br>
+              <a:t>Eperimenteren</a:t>
+            </a:r>
             <a:endParaRPr lang="en-US" dirty="0"/>
           </a:p>
         </p:txBody>
@@ -5112,169 +5815,69 @@
         </p:nvSpPr>
         <p:spPr/>
         <p:txBody>
-          <a:bodyPr>
-            <a:normAutofit fontScale="92500" lnSpcReduction="10000"/>
-          </a:bodyPr>
+          <a:bodyPr/>
           <a:lstStyle/>
           <a:p>
             <a:r>
               <a:rPr lang="en-US" dirty="0" err="1"/>
-              <a:t>Hillclimber</a:t>
-            </a:r>
-            <a:r>
-              <a:rPr lang="en-US" dirty="0"/>
-              <a:t>/simulated annealing</a:t>
-            </a:r>
+              <a:t>Hybride</a:t>
+            </a:r>
+            <a:endParaRPr lang="en-US" dirty="0"/>
           </a:p>
           <a:p>
             <a:pPr lvl="1"/>
             <a:r>
-              <a:rPr lang="en-US" dirty="0"/>
-              <a:t>Random sampling</a:t>
-            </a:r>
+              <a:rPr lang="en-US" dirty="0" err="1"/>
+              <a:t>Eerst</a:t>
+            </a:r>
+            <a:r>
+              <a:rPr lang="en-US" dirty="0"/>
+              <a:t> sequential op </a:t>
+            </a:r>
+            <a:r>
+              <a:rPr lang="en-US" dirty="0" err="1"/>
+              <a:t>zaalgrootte</a:t>
+            </a:r>
+            <a:endParaRPr lang="en-US" dirty="0"/>
           </a:p>
           <a:p>
             <a:pPr lvl="1"/>
             <a:r>
-              <a:rPr lang="en-US" dirty="0"/>
-              <a:t>Score </a:t>
-            </a:r>
-            <a:r>
-              <a:rPr lang="en-US" dirty="0" err="1"/>
-              <a:t>vs</a:t>
-            </a:r>
-            <a:r>
-              <a:rPr lang="en-US" dirty="0"/>
-              <a:t> </a:t>
-            </a:r>
-            <a:r>
-              <a:rPr lang="en-US" dirty="0" err="1"/>
-              <a:t>iteraties</a:t>
-            </a:r>
-            <a:endParaRPr lang="en-US" dirty="0"/>
-          </a:p>
-          <a:p>
-            <a:r>
-              <a:rPr lang="en-US" dirty="0"/>
-              <a:t>Genetic</a:t>
-            </a:r>
-          </a:p>
-          <a:p>
-            <a:pPr lvl="1"/>
-            <a:r>
-              <a:rPr lang="en-US" dirty="0"/>
-              <a:t>Random sampling</a:t>
-            </a:r>
-          </a:p>
-          <a:p>
-            <a:pPr lvl="1"/>
-            <a:r>
-              <a:rPr lang="en-US" dirty="0"/>
-              <a:t>Score </a:t>
-            </a:r>
-            <a:r>
-              <a:rPr lang="en-US" dirty="0" err="1"/>
-              <a:t>vs</a:t>
-            </a:r>
-            <a:r>
-              <a:rPr lang="en-US" dirty="0"/>
-              <a:t> </a:t>
-            </a:r>
-            <a:r>
-              <a:rPr lang="en-US" dirty="0" err="1"/>
-              <a:t>generatie</a:t>
-            </a:r>
-            <a:endParaRPr lang="en-US" dirty="0"/>
-          </a:p>
-          <a:p>
-            <a:r>
-              <a:rPr lang="en-US" dirty="0" err="1"/>
-              <a:t>Hybride</a:t>
-            </a:r>
-            <a:endParaRPr lang="en-US" dirty="0"/>
-          </a:p>
-          <a:p>
-            <a:pPr lvl="1"/>
-            <a:r>
-              <a:rPr lang="en-US" dirty="0" err="1"/>
-              <a:t>Tussen</a:t>
-            </a:r>
-            <a:r>
-              <a:rPr lang="en-US" dirty="0"/>
-              <a:t> score </a:t>
-            </a:r>
-            <a:r>
-              <a:rPr lang="en-US" dirty="0" err="1"/>
-              <a:t>na</a:t>
-            </a:r>
-            <a:r>
-              <a:rPr lang="en-US" dirty="0"/>
-              <a:t> </a:t>
-            </a:r>
-            <a:r>
-              <a:rPr lang="en-US" dirty="0" err="1"/>
-              <a:t>elke</a:t>
-            </a:r>
-            <a:r>
-              <a:rPr lang="en-US" dirty="0"/>
-              <a:t> </a:t>
-            </a:r>
-            <a:r>
-              <a:rPr lang="en-US" dirty="0" err="1"/>
-              <a:t>algortime</a:t>
-            </a:r>
-            <a:endParaRPr lang="en-US" dirty="0"/>
-          </a:p>
-          <a:p>
-            <a:pPr lvl="1"/>
-            <a:r>
-              <a:rPr lang="en-US" dirty="0"/>
-              <a:t>Random sampling</a:t>
-            </a:r>
-          </a:p>
-          <a:p>
-            <a:pPr lvl="1"/>
-            <a:r>
-              <a:rPr lang="en-US" dirty="0"/>
-              <a:t>Score </a:t>
-            </a:r>
-            <a:r>
-              <a:rPr lang="en-US" dirty="0" err="1"/>
-              <a:t>vs</a:t>
-            </a:r>
-            <a:r>
-              <a:rPr lang="en-US" dirty="0"/>
-              <a:t> </a:t>
-            </a:r>
-            <a:r>
-              <a:rPr lang="en-US" dirty="0" err="1"/>
-              <a:t>iteraties</a:t>
-            </a:r>
-            <a:r>
-              <a:rPr lang="en-US" dirty="0"/>
-              <a:t> </a:t>
-            </a:r>
-          </a:p>
-          <a:p>
-            <a:pPr lvl="1"/>
-            <a:endParaRPr lang="en-US" dirty="0"/>
-          </a:p>
-          <a:p>
-            <a:pPr lvl="1"/>
-            <a:endParaRPr lang="en-US" dirty="0"/>
+              <a:rPr lang="en-US" dirty="0" err="1"/>
+              <a:t>Daarna</a:t>
+            </a:r>
+            <a:r>
+              <a:rPr lang="en-US" dirty="0"/>
+              <a:t> genetic, </a:t>
+            </a:r>
+            <a:r>
+              <a:rPr lang="en-US" dirty="0" err="1"/>
+              <a:t>hillclimber</a:t>
+            </a:r>
+            <a:r>
+              <a:rPr lang="en-US" dirty="0"/>
+              <a:t>, </a:t>
+            </a:r>
           </a:p>
         </p:txBody>
       </p:sp>
     </p:spTree>
     <p:extLst>
       <p:ext uri="{BB962C8B-B14F-4D97-AF65-F5344CB8AC3E}">
-        <p14:creationId xmlns:p14="http://schemas.microsoft.com/office/powerpoint/2010/main" val="4264903066"/>
+        <p14:creationId xmlns:p14="http://schemas.microsoft.com/office/powerpoint/2010/main" val="2033092415"/>
       </p:ext>
     </p:extLst>
   </p:cSld>
   <p:clrMapOvr>
     <a:masterClrMapping/>
   </p:clrMapOvr>
+  <p:timing>
+    <p:tnLst>
+      <p:par>
+        <p:cTn id="1" dur="indefinite" restart="never" nodeType="tmRoot"/>
+      </p:par>
+    </p:tnLst>
+  </p:timing>
 </p:sld>
 </file>
 

--- a/Presentaties/storyboard eindpresentatie.pptx
+++ b/Presentaties/storyboard eindpresentatie.pptx
@@ -4,6 +4,9 @@
   <p:sldMasterIdLst>
     <p:sldMasterId id="2147483660" r:id="rId1"/>
   </p:sldMasterIdLst>
+  <p:notesMasterIdLst>
+    <p:notesMasterId r:id="rId20"/>
+  </p:notesMasterIdLst>
   <p:sldIdLst>
     <p:sldId id="257" r:id="rId2"/>
     <p:sldId id="266" r:id="rId3"/>
@@ -12,10 +15,17 @@
     <p:sldId id="259" r:id="rId6"/>
     <p:sldId id="267" r:id="rId7"/>
     <p:sldId id="260" r:id="rId8"/>
-    <p:sldId id="261" r:id="rId9"/>
-    <p:sldId id="262" r:id="rId10"/>
-    <p:sldId id="263" r:id="rId11"/>
-    <p:sldId id="264" r:id="rId12"/>
+    <p:sldId id="271" r:id="rId9"/>
+    <p:sldId id="268" r:id="rId10"/>
+    <p:sldId id="270" r:id="rId11"/>
+    <p:sldId id="273" r:id="rId12"/>
+    <p:sldId id="272" r:id="rId13"/>
+    <p:sldId id="263" r:id="rId14"/>
+    <p:sldId id="274" r:id="rId15"/>
+    <p:sldId id="275" r:id="rId16"/>
+    <p:sldId id="276" r:id="rId17"/>
+    <p:sldId id="277" r:id="rId18"/>
+    <p:sldId id="264" r:id="rId19"/>
   </p:sldIdLst>
   <p:sldSz cx="12192000" cy="6858000"/>
   <p:notesSz cx="6858000" cy="9144000"/>
@@ -133,6 +143,1680 @@
 </p:presentation>
 </file>
 
+<file path=ppt/charts/chart1.xml><?xml version="1.0" encoding="utf-8"?>
+<c:chartSpace xmlns:c="http://schemas.openxmlformats.org/drawingml/2006/chart" xmlns:a="http://schemas.openxmlformats.org/drawingml/2006/main" xmlns:r="http://schemas.openxmlformats.org/officeDocument/2006/relationships">
+  <c:date1904 val="0"/>
+  <c:lang val="nl-NL"/>
+  <c:roundedCorners val="0"/>
+  <mc:AlternateContent xmlns:mc="http://schemas.openxmlformats.org/markup-compatibility/2006">
+    <mc:Choice xmlns:c14="http://schemas.microsoft.com/office/drawing/2007/8/2/chart" Requires="c14">
+      <c14:style val="102"/>
+    </mc:Choice>
+    <mc:Fallback>
+      <c:style val="2"/>
+    </mc:Fallback>
+  </mc:AlternateContent>
+  <c:chart>
+    <c:title>
+      <c:layout/>
+      <c:overlay val="0"/>
+      <c:spPr>
+        <a:noFill/>
+        <a:ln>
+          <a:noFill/>
+        </a:ln>
+        <a:effectLst/>
+      </c:spPr>
+      <c:txPr>
+        <a:bodyPr rot="0" spcFirstLastPara="1" vertOverflow="ellipsis" vert="horz" wrap="square" anchor="ctr" anchorCtr="1"/>
+        <a:lstStyle/>
+        <a:p>
+          <a:pPr>
+            <a:defRPr sz="2128" b="1" i="0" u="none" strike="noStrike" kern="1200" baseline="0">
+              <a:solidFill>
+                <a:schemeClr val="tx1">
+                  <a:lumMod val="65000"/>
+                  <a:lumOff val="35000"/>
+                </a:schemeClr>
+              </a:solidFill>
+              <a:latin typeface="+mn-lt"/>
+              <a:ea typeface="+mn-ea"/>
+              <a:cs typeface="+mn-cs"/>
+            </a:defRPr>
+          </a:pPr>
+          <a:endParaRPr lang="nl-NL"/>
+        </a:p>
+      </c:txPr>
+    </c:title>
+    <c:autoTitleDeleted val="0"/>
+    <c:plotArea>
+      <c:layout/>
+      <c:barChart>
+        <c:barDir val="bar"/>
+        <c:grouping val="clustered"/>
+        <c:varyColors val="0"/>
+        <c:ser>
+          <c:idx val="0"/>
+          <c:order val="0"/>
+          <c:tx>
+            <c:strRef>
+              <c:f>Blad1!$B$1</c:f>
+              <c:strCache>
+                <c:ptCount val="1"/>
+                <c:pt idx="0">
+                  <c:v>Gemiddelde</c:v>
+                </c:pt>
+              </c:strCache>
+            </c:strRef>
+          </c:tx>
+          <c:spPr>
+            <a:gradFill rotWithShape="1">
+              <a:gsLst>
+                <a:gs pos="0">
+                  <a:schemeClr val="accent6"/>
+                </a:gs>
+                <a:gs pos="100000">
+                  <a:schemeClr val="accent6">
+                    <a:shade val="75000"/>
+                    <a:satMod val="120000"/>
+                    <a:lumMod val="90000"/>
+                  </a:schemeClr>
+                </a:gs>
+              </a:gsLst>
+              <a:lin ang="5400000" scaled="0"/>
+            </a:gradFill>
+            <a:ln>
+              <a:noFill/>
+            </a:ln>
+            <a:effectLst>
+              <a:outerShdw blurRad="44450" dist="50800" dir="5400000" sx="96000" rotWithShape="0">
+                <a:srgbClr val="000000">
+                  <a:alpha val="34000"/>
+                </a:srgbClr>
+              </a:outerShdw>
+            </a:effectLst>
+            <a:scene3d>
+              <a:camera prst="orthographicFront">
+                <a:rot lat="0" lon="0" rev="0"/>
+              </a:camera>
+              <a:lightRig rig="threePt" dir="tl">
+                <a:rot lat="0" lon="0" rev="20400000"/>
+              </a:lightRig>
+            </a:scene3d>
+            <a:sp3d contourW="15875">
+              <a:bevelT w="101600" h="25400" prst="softRound"/>
+              <a:contourClr>
+                <a:scrgbClr r="0" g="0" b="0">
+                  <a:shade val="30000"/>
+                </a:scrgbClr>
+              </a:contourClr>
+            </a:sp3d>
+          </c:spPr>
+          <c:invertIfNegative val="0"/>
+          <c:dLbls>
+            <c:spPr>
+              <a:noFill/>
+              <a:ln>
+                <a:noFill/>
+              </a:ln>
+              <a:effectLst/>
+            </c:spPr>
+            <c:txPr>
+              <a:bodyPr rot="0" spcFirstLastPara="1" vertOverflow="ellipsis" vert="horz" wrap="square" lIns="38100" tIns="19050" rIns="38100" bIns="19050" anchor="ctr" anchorCtr="1">
+                <a:spAutoFit/>
+              </a:bodyPr>
+              <a:lstStyle/>
+              <a:p>
+                <a:pPr>
+                  <a:defRPr sz="1197" b="0" i="0" u="none" strike="noStrike" kern="1200" baseline="0">
+                    <a:solidFill>
+                      <a:schemeClr val="tx1">
+                        <a:lumMod val="75000"/>
+                        <a:lumOff val="25000"/>
+                      </a:schemeClr>
+                    </a:solidFill>
+                    <a:latin typeface="+mn-lt"/>
+                    <a:ea typeface="+mn-ea"/>
+                    <a:cs typeface="+mn-cs"/>
+                  </a:defRPr>
+                </a:pPr>
+                <a:endParaRPr lang="nl-NL"/>
+              </a:p>
+            </c:txPr>
+            <c:dLblPos val="inEnd"/>
+            <c:showLegendKey val="0"/>
+            <c:showVal val="1"/>
+            <c:showCatName val="0"/>
+            <c:showSerName val="0"/>
+            <c:showPercent val="0"/>
+            <c:showBubbleSize val="0"/>
+            <c:showLeaderLines val="0"/>
+            <c:extLst>
+              <c:ext xmlns:c15="http://schemas.microsoft.com/office/drawing/2012/chart" uri="{CE6537A1-D6FC-4f65-9D91-7224C49458BB}">
+                <c15:layout/>
+                <c15:showLeaderLines val="1"/>
+                <c15:leaderLines>
+                  <c:spPr>
+                    <a:ln w="9525" cap="flat" cmpd="sng" algn="ctr">
+                      <a:solidFill>
+                        <a:schemeClr val="tx1">
+                          <a:lumMod val="35000"/>
+                          <a:lumOff val="65000"/>
+                        </a:schemeClr>
+                      </a:solidFill>
+                      <a:round/>
+                    </a:ln>
+                    <a:effectLst/>
+                  </c:spPr>
+                </c15:leaderLines>
+              </c:ext>
+            </c:extLst>
+          </c:dLbls>
+          <c:cat>
+            <c:strRef>
+              <c:f>Blad1!$A$2:$A$7</c:f>
+              <c:strCache>
+                <c:ptCount val="6"/>
+                <c:pt idx="0">
+                  <c:v>Random Sampling</c:v>
+                </c:pt>
+                <c:pt idx="1">
+                  <c:v>Hillclimber, stochastisch</c:v>
+                </c:pt>
+                <c:pt idx="2">
+                  <c:v>Hillclimber, steepest ascent</c:v>
+                </c:pt>
+                <c:pt idx="3">
+                  <c:v>Simulated annealing</c:v>
+                </c:pt>
+                <c:pt idx="4">
+                  <c:v>Sequential</c:v>
+                </c:pt>
+                <c:pt idx="5">
+                  <c:v>Genetic Algoritme</c:v>
+                </c:pt>
+              </c:strCache>
+            </c:strRef>
+          </c:cat>
+          <c:val>
+            <c:numRef>
+              <c:f>Blad1!$B$2:$B$7</c:f>
+              <c:numCache>
+                <c:formatCode>General</c:formatCode>
+                <c:ptCount val="6"/>
+                <c:pt idx="0">
+                  <c:v>-352</c:v>
+                </c:pt>
+                <c:pt idx="1">
+                  <c:v>1576</c:v>
+                </c:pt>
+                <c:pt idx="2">
+                  <c:v>1630</c:v>
+                </c:pt>
+                <c:pt idx="3">
+                  <c:v>1110</c:v>
+                </c:pt>
+                <c:pt idx="4">
+                  <c:v>-45</c:v>
+                </c:pt>
+                <c:pt idx="5">
+                  <c:v>0</c:v>
+                </c:pt>
+              </c:numCache>
+            </c:numRef>
+          </c:val>
+        </c:ser>
+        <c:dLbls>
+          <c:dLblPos val="inEnd"/>
+          <c:showLegendKey val="0"/>
+          <c:showVal val="1"/>
+          <c:showCatName val="0"/>
+          <c:showSerName val="0"/>
+          <c:showPercent val="0"/>
+          <c:showBubbleSize val="0"/>
+        </c:dLbls>
+        <c:gapWidth val="115"/>
+        <c:overlap val="-20"/>
+        <c:axId val="524861440"/>
+        <c:axId val="524859480"/>
+      </c:barChart>
+      <c:catAx>
+        <c:axId val="524861440"/>
+        <c:scaling>
+          <c:orientation val="minMax"/>
+        </c:scaling>
+        <c:delete val="0"/>
+        <c:axPos val="l"/>
+        <c:numFmt formatCode="General" sourceLinked="1"/>
+        <c:majorTickMark val="none"/>
+        <c:minorTickMark val="none"/>
+        <c:tickLblPos val="low"/>
+        <c:spPr>
+          <a:noFill/>
+          <a:ln w="12700" cap="flat" cmpd="sng" algn="ctr">
+            <a:solidFill>
+              <a:schemeClr val="tx1">
+                <a:lumMod val="15000"/>
+                <a:lumOff val="85000"/>
+              </a:schemeClr>
+            </a:solidFill>
+            <a:round/>
+          </a:ln>
+          <a:effectLst/>
+        </c:spPr>
+        <c:txPr>
+          <a:bodyPr rot="-60000000" spcFirstLastPara="1" vertOverflow="ellipsis" vert="horz" wrap="square" anchor="ctr" anchorCtr="1"/>
+          <a:lstStyle/>
+          <a:p>
+            <a:pPr>
+              <a:defRPr sz="1197" b="0" i="0" u="none" strike="noStrike" kern="1200" baseline="0">
+                <a:solidFill>
+                  <a:schemeClr val="tx1">
+                    <a:lumMod val="65000"/>
+                    <a:lumOff val="35000"/>
+                  </a:schemeClr>
+                </a:solidFill>
+                <a:latin typeface="+mn-lt"/>
+                <a:ea typeface="+mn-ea"/>
+                <a:cs typeface="+mn-cs"/>
+              </a:defRPr>
+            </a:pPr>
+            <a:endParaRPr lang="nl-NL"/>
+          </a:p>
+        </c:txPr>
+        <c:crossAx val="524859480"/>
+        <c:crosses val="autoZero"/>
+        <c:auto val="1"/>
+        <c:lblAlgn val="ctr"/>
+        <c:lblOffset val="100"/>
+        <c:noMultiLvlLbl val="0"/>
+      </c:catAx>
+      <c:valAx>
+        <c:axId val="524859480"/>
+        <c:scaling>
+          <c:orientation val="minMax"/>
+        </c:scaling>
+        <c:delete val="0"/>
+        <c:axPos val="b"/>
+        <c:majorGridlines>
+          <c:spPr>
+            <a:ln w="9525" cap="flat" cmpd="sng" algn="ctr">
+              <a:solidFill>
+                <a:schemeClr val="tx1">
+                  <a:lumMod val="15000"/>
+                  <a:lumOff val="85000"/>
+                </a:schemeClr>
+              </a:solidFill>
+              <a:round/>
+            </a:ln>
+            <a:effectLst/>
+          </c:spPr>
+        </c:majorGridlines>
+        <c:numFmt formatCode="General" sourceLinked="1"/>
+        <c:majorTickMark val="none"/>
+        <c:minorTickMark val="none"/>
+        <c:tickLblPos val="nextTo"/>
+        <c:spPr>
+          <a:noFill/>
+          <a:ln>
+            <a:noFill/>
+          </a:ln>
+          <a:effectLst/>
+        </c:spPr>
+        <c:txPr>
+          <a:bodyPr rot="-60000000" spcFirstLastPara="1" vertOverflow="ellipsis" vert="horz" wrap="square" anchor="ctr" anchorCtr="1"/>
+          <a:lstStyle/>
+          <a:p>
+            <a:pPr>
+              <a:defRPr sz="1197" b="0" i="0" u="none" strike="noStrike" kern="1200" baseline="0">
+                <a:solidFill>
+                  <a:schemeClr val="tx1">
+                    <a:lumMod val="65000"/>
+                    <a:lumOff val="35000"/>
+                  </a:schemeClr>
+                </a:solidFill>
+                <a:latin typeface="+mn-lt"/>
+                <a:ea typeface="+mn-ea"/>
+                <a:cs typeface="+mn-cs"/>
+              </a:defRPr>
+            </a:pPr>
+            <a:endParaRPr lang="nl-NL"/>
+          </a:p>
+        </c:txPr>
+        <c:crossAx val="524861440"/>
+        <c:crosses val="autoZero"/>
+        <c:crossBetween val="between"/>
+      </c:valAx>
+      <c:spPr>
+        <a:noFill/>
+        <a:ln>
+          <a:noFill/>
+        </a:ln>
+        <a:effectLst/>
+      </c:spPr>
+    </c:plotArea>
+    <c:legend>
+      <c:legendPos val="b"/>
+      <c:layout/>
+      <c:overlay val="0"/>
+      <c:spPr>
+        <a:noFill/>
+        <a:ln>
+          <a:noFill/>
+        </a:ln>
+        <a:effectLst/>
+      </c:spPr>
+      <c:txPr>
+        <a:bodyPr rot="0" spcFirstLastPara="1" vertOverflow="ellipsis" vert="horz" wrap="square" anchor="ctr" anchorCtr="1"/>
+        <a:lstStyle/>
+        <a:p>
+          <a:pPr>
+            <a:defRPr sz="1197" b="0" i="0" u="none" strike="noStrike" kern="1200" baseline="0">
+              <a:solidFill>
+                <a:schemeClr val="tx1">
+                  <a:lumMod val="65000"/>
+                  <a:lumOff val="35000"/>
+                </a:schemeClr>
+              </a:solidFill>
+              <a:latin typeface="+mn-lt"/>
+              <a:ea typeface="+mn-ea"/>
+              <a:cs typeface="+mn-cs"/>
+            </a:defRPr>
+          </a:pPr>
+          <a:endParaRPr lang="nl-NL"/>
+        </a:p>
+      </c:txPr>
+    </c:legend>
+    <c:plotVisOnly val="1"/>
+    <c:dispBlanksAs val="gap"/>
+    <c:showDLblsOverMax val="0"/>
+  </c:chart>
+  <c:spPr>
+    <a:noFill/>
+    <a:ln>
+      <a:noFill/>
+    </a:ln>
+    <a:effectLst/>
+  </c:spPr>
+  <c:txPr>
+    <a:bodyPr/>
+    <a:lstStyle/>
+    <a:p>
+      <a:pPr>
+        <a:defRPr/>
+      </a:pPr>
+      <a:endParaRPr lang="nl-NL"/>
+    </a:p>
+  </c:txPr>
+  <c:externalData r:id="rId3">
+    <c:autoUpdate val="0"/>
+  </c:externalData>
+</c:chartSpace>
+</file>
+
+<file path=ppt/charts/colors1.xml><?xml version="1.0" encoding="utf-8"?>
+<cs:colorStyle xmlns:cs="http://schemas.microsoft.com/office/drawing/2012/chartStyle" xmlns:a="http://schemas.openxmlformats.org/drawingml/2006/main" meth="cycle" id="13">
+  <a:schemeClr val="accent6"/>
+  <a:schemeClr val="accent5"/>
+  <a:schemeClr val="accent4"/>
+  <cs:variation/>
+  <cs:variation>
+    <a:lumMod val="60000"/>
+  </cs:variation>
+  <cs:variation>
+    <a:lumMod val="80000"/>
+    <a:lumOff val="20000"/>
+  </cs:variation>
+  <cs:variation>
+    <a:lumMod val="80000"/>
+  </cs:variation>
+  <cs:variation>
+    <a:lumMod val="60000"/>
+    <a:lumOff val="40000"/>
+  </cs:variation>
+  <cs:variation>
+    <a:lumMod val="50000"/>
+  </cs:variation>
+  <cs:variation>
+    <a:lumMod val="70000"/>
+    <a:lumOff val="30000"/>
+  </cs:variation>
+  <cs:variation>
+    <a:lumMod val="70000"/>
+  </cs:variation>
+  <cs:variation>
+    <a:lumMod val="50000"/>
+    <a:lumOff val="50000"/>
+  </cs:variation>
+</cs:colorStyle>
+</file>
+
+<file path=ppt/charts/style1.xml><?xml version="1.0" encoding="utf-8"?>
+<cs:chartStyle xmlns:cs="http://schemas.microsoft.com/office/drawing/2012/chartStyle" xmlns:a="http://schemas.openxmlformats.org/drawingml/2006/main" id="341">
+  <cs:axisTitle>
+    <cs:lnRef idx="0"/>
+    <cs:fillRef idx="0"/>
+    <cs:effectRef idx="0"/>
+    <cs:fontRef idx="minor">
+      <a:schemeClr val="tx1">
+        <a:lumMod val="65000"/>
+        <a:lumOff val="35000"/>
+      </a:schemeClr>
+    </cs:fontRef>
+    <cs:defRPr sz="1197" kern="1200"/>
+  </cs:axisTitle>
+  <cs:categoryAxis>
+    <cs:lnRef idx="0"/>
+    <cs:fillRef idx="0"/>
+    <cs:effectRef idx="0"/>
+    <cs:fontRef idx="minor">
+      <a:schemeClr val="tx1">
+        <a:lumMod val="65000"/>
+        <a:lumOff val="35000"/>
+      </a:schemeClr>
+    </cs:fontRef>
+    <cs:spPr>
+      <a:ln w="12700" cap="flat" cmpd="sng" algn="ctr">
+        <a:solidFill>
+          <a:schemeClr val="tx1">
+            <a:lumMod val="15000"/>
+            <a:lumOff val="85000"/>
+          </a:schemeClr>
+        </a:solidFill>
+        <a:round/>
+      </a:ln>
+    </cs:spPr>
+    <cs:defRPr sz="1197" kern="1200"/>
+  </cs:categoryAxis>
+  <cs:chartArea mods="allowNoFillOverride allowNoLineOverride">
+    <cs:lnRef idx="0"/>
+    <cs:fillRef idx="0"/>
+    <cs:effectRef idx="0"/>
+    <cs:fontRef idx="minor">
+      <a:schemeClr val="tx2"/>
+    </cs:fontRef>
+    <cs:spPr>
+      <a:solidFill>
+        <a:schemeClr val="bg1"/>
+      </a:solidFill>
+      <a:ln w="9525" cap="flat" cmpd="sng" algn="ctr">
+        <a:solidFill>
+          <a:schemeClr val="tx1">
+            <a:lumMod val="15000"/>
+            <a:lumOff val="85000"/>
+          </a:schemeClr>
+        </a:solidFill>
+        <a:round/>
+      </a:ln>
+    </cs:spPr>
+    <cs:defRPr sz="1197" kern="1200"/>
+  </cs:chartArea>
+  <cs:dataLabel>
+    <cs:lnRef idx="0"/>
+    <cs:fillRef idx="0"/>
+    <cs:effectRef idx="0"/>
+    <cs:fontRef idx="minor">
+      <a:schemeClr val="tx1">
+        <a:lumMod val="75000"/>
+        <a:lumOff val="25000"/>
+      </a:schemeClr>
+    </cs:fontRef>
+    <cs:defRPr sz="1197" kern="1200"/>
+  </cs:dataLabel>
+  <cs:dataLabelCallout>
+    <cs:lnRef idx="0"/>
+    <cs:fillRef idx="0"/>
+    <cs:effectRef idx="0"/>
+    <cs:fontRef idx="minor">
+      <a:schemeClr val="dk1">
+        <a:lumMod val="65000"/>
+        <a:lumOff val="35000"/>
+      </a:schemeClr>
+    </cs:fontRef>
+    <cs:spPr>
+      <a:solidFill>
+        <a:schemeClr val="lt1"/>
+      </a:solidFill>
+      <a:ln>
+        <a:solidFill>
+          <a:schemeClr val="dk1">
+            <a:lumMod val="25000"/>
+            <a:lumOff val="75000"/>
+          </a:schemeClr>
+        </a:solidFill>
+      </a:ln>
+    </cs:spPr>
+    <cs:defRPr sz="1197" kern="1200"/>
+    <cs:bodyPr rot="0" spcFirstLastPara="1" vertOverflow="clip" horzOverflow="clip" vert="horz" wrap="square" lIns="36576" tIns="18288" rIns="36576" bIns="18288" anchor="ctr" anchorCtr="1">
+      <a:spAutoFit/>
+    </cs:bodyPr>
+  </cs:dataLabelCallout>
+  <cs:dataPoint>
+    <cs:lnRef idx="0"/>
+    <cs:fillRef idx="3">
+      <cs:styleClr val="auto"/>
+    </cs:fillRef>
+    <cs:effectRef idx="3"/>
+    <cs:fontRef idx="minor">
+      <a:schemeClr val="tx1"/>
+    </cs:fontRef>
+  </cs:dataPoint>
+  <cs:dataPoint3D>
+    <cs:lnRef idx="0"/>
+    <cs:fillRef idx="3">
+      <cs:styleClr val="auto"/>
+    </cs:fillRef>
+    <cs:effectRef idx="3"/>
+    <cs:fontRef idx="minor">
+      <a:schemeClr val="tx1"/>
+    </cs:fontRef>
+  </cs:dataPoint3D>
+  <cs:dataPointLine>
+    <cs:lnRef idx="0">
+      <cs:styleClr val="auto"/>
+    </cs:lnRef>
+    <cs:fillRef idx="3"/>
+    <cs:effectRef idx="3"/>
+    <cs:fontRef idx="minor">
+      <a:schemeClr val="tx1"/>
+    </cs:fontRef>
+    <cs:spPr>
+      <a:ln w="34925" cap="rnd">
+        <a:solidFill>
+          <a:schemeClr val="phClr"/>
+        </a:solidFill>
+        <a:round/>
+      </a:ln>
+    </cs:spPr>
+  </cs:dataPointLine>
+  <cs:dataPointMarker>
+    <cs:lnRef idx="0">
+      <cs:styleClr val="auto"/>
+    </cs:lnRef>
+    <cs:fillRef idx="3">
+      <cs:styleClr val="auto"/>
+    </cs:fillRef>
+    <cs:effectRef idx="3"/>
+    <cs:fontRef idx="minor">
+      <a:schemeClr val="tx1"/>
+    </cs:fontRef>
+    <cs:spPr>
+      <a:ln w="9525">
+        <a:solidFill>
+          <a:schemeClr val="phClr"/>
+        </a:solidFill>
+        <a:round/>
+      </a:ln>
+    </cs:spPr>
+  </cs:dataPointMarker>
+  <cs:dataPointMarkerLayout size="5"/>
+  <cs:dataPointWireframe>
+    <cs:lnRef idx="0">
+      <cs:styleClr val="auto"/>
+    </cs:lnRef>
+    <cs:fillRef idx="3"/>
+    <cs:effectRef idx="3"/>
+    <cs:fontRef idx="minor">
+      <a:schemeClr val="tx1"/>
+    </cs:fontRef>
+    <cs:spPr>
+      <a:ln w="9525" cap="rnd">
+        <a:solidFill>
+          <a:schemeClr val="phClr"/>
+        </a:solidFill>
+        <a:round/>
+      </a:ln>
+    </cs:spPr>
+  </cs:dataPointWireframe>
+  <cs:dataTable>
+    <cs:lnRef idx="0"/>
+    <cs:fillRef idx="0"/>
+    <cs:effectRef idx="0"/>
+    <cs:fontRef idx="minor">
+      <a:schemeClr val="tx1">
+        <a:lumMod val="65000"/>
+        <a:lumOff val="35000"/>
+      </a:schemeClr>
+    </cs:fontRef>
+    <cs:spPr>
+      <a:noFill/>
+      <a:ln w="9525" cap="flat" cmpd="sng" algn="ctr">
+        <a:solidFill>
+          <a:schemeClr val="tx1">
+            <a:lumMod val="15000"/>
+            <a:lumOff val="85000"/>
+          </a:schemeClr>
+        </a:solidFill>
+        <a:round/>
+      </a:ln>
+    </cs:spPr>
+    <cs:defRPr sz="1197" kern="1200"/>
+  </cs:dataTable>
+  <cs:downBar>
+    <cs:lnRef idx="0"/>
+    <cs:fillRef idx="0"/>
+    <cs:effectRef idx="0"/>
+    <cs:fontRef idx="minor">
+      <a:schemeClr val="dk1"/>
+    </cs:fontRef>
+    <cs:spPr>
+      <a:solidFill>
+        <a:schemeClr val="dk1">
+          <a:lumMod val="65000"/>
+          <a:lumOff val="35000"/>
+        </a:schemeClr>
+      </a:solidFill>
+      <a:ln w="9525">
+        <a:solidFill>
+          <a:schemeClr val="tx1">
+            <a:lumMod val="65000"/>
+            <a:lumOff val="35000"/>
+          </a:schemeClr>
+        </a:solidFill>
+      </a:ln>
+    </cs:spPr>
+  </cs:downBar>
+  <cs:dropLine>
+    <cs:lnRef idx="0"/>
+    <cs:fillRef idx="0"/>
+    <cs:effectRef idx="0"/>
+    <cs:fontRef idx="minor">
+      <a:schemeClr val="tx1"/>
+    </cs:fontRef>
+    <cs:spPr>
+      <a:ln w="9525" cap="flat" cmpd="sng" algn="ctr">
+        <a:solidFill>
+          <a:schemeClr val="tx1">
+            <a:lumMod val="35000"/>
+            <a:lumOff val="65000"/>
+          </a:schemeClr>
+        </a:solidFill>
+        <a:round/>
+      </a:ln>
+    </cs:spPr>
+  </cs:dropLine>
+  <cs:errorBar>
+    <cs:lnRef idx="0"/>
+    <cs:fillRef idx="0"/>
+    <cs:effectRef idx="0"/>
+    <cs:fontRef idx="minor">
+      <a:schemeClr val="tx1"/>
+    </cs:fontRef>
+    <cs:spPr>
+      <a:ln w="9525" cap="flat" cmpd="sng" algn="ctr">
+        <a:solidFill>
+          <a:schemeClr val="tx1">
+            <a:lumMod val="65000"/>
+            <a:lumOff val="35000"/>
+          </a:schemeClr>
+        </a:solidFill>
+        <a:round/>
+      </a:ln>
+    </cs:spPr>
+  </cs:errorBar>
+  <cs:floor>
+    <cs:lnRef idx="0"/>
+    <cs:fillRef idx="0"/>
+    <cs:effectRef idx="0"/>
+    <cs:fontRef idx="minor">
+      <a:schemeClr val="lt1"/>
+    </cs:fontRef>
+  </cs:floor>
+  <cs:gridlineMajor>
+    <cs:lnRef idx="0"/>
+    <cs:fillRef idx="0"/>
+    <cs:effectRef idx="0"/>
+    <cs:fontRef idx="minor">
+      <a:schemeClr val="tx1"/>
+    </cs:fontRef>
+    <cs:spPr>
+      <a:ln w="9525" cap="flat" cmpd="sng" algn="ctr">
+        <a:solidFill>
+          <a:schemeClr val="tx1">
+            <a:lumMod val="15000"/>
+            <a:lumOff val="85000"/>
+          </a:schemeClr>
+        </a:solidFill>
+        <a:round/>
+      </a:ln>
+    </cs:spPr>
+  </cs:gridlineMajor>
+  <cs:gridlineMinor>
+    <cs:lnRef idx="0"/>
+    <cs:fillRef idx="0"/>
+    <cs:effectRef idx="0"/>
+    <cs:fontRef idx="minor">
+      <a:schemeClr val="tx1"/>
+    </cs:fontRef>
+    <cs:spPr>
+      <a:ln w="9525" cap="flat" cmpd="sng" algn="ctr">
+        <a:solidFill>
+          <a:schemeClr val="tx1">
+            <a:lumMod val="5000"/>
+            <a:lumOff val="95000"/>
+          </a:schemeClr>
+        </a:solidFill>
+        <a:round/>
+      </a:ln>
+    </cs:spPr>
+  </cs:gridlineMinor>
+  <cs:hiLoLine>
+    <cs:lnRef idx="0"/>
+    <cs:fillRef idx="0"/>
+    <cs:effectRef idx="0"/>
+    <cs:fontRef idx="minor">
+      <a:schemeClr val="tx1"/>
+    </cs:fontRef>
+    <cs:spPr>
+      <a:ln w="9525" cap="flat" cmpd="sng" algn="ctr">
+        <a:solidFill>
+          <a:schemeClr val="tx1">
+            <a:lumMod val="75000"/>
+            <a:lumOff val="25000"/>
+          </a:schemeClr>
+        </a:solidFill>
+        <a:round/>
+      </a:ln>
+    </cs:spPr>
+  </cs:hiLoLine>
+  <cs:leaderLine>
+    <cs:lnRef idx="0"/>
+    <cs:fillRef idx="0"/>
+    <cs:effectRef idx="0"/>
+    <cs:fontRef idx="minor">
+      <a:schemeClr val="tx1"/>
+    </cs:fontRef>
+    <cs:spPr>
+      <a:ln w="9525" cap="flat" cmpd="sng" algn="ctr">
+        <a:solidFill>
+          <a:schemeClr val="tx1">
+            <a:lumMod val="35000"/>
+            <a:lumOff val="65000"/>
+          </a:schemeClr>
+        </a:solidFill>
+        <a:round/>
+      </a:ln>
+    </cs:spPr>
+  </cs:leaderLine>
+  <cs:legend>
+    <cs:lnRef idx="0"/>
+    <cs:fillRef idx="0"/>
+    <cs:effectRef idx="0"/>
+    <cs:fontRef idx="minor">
+      <a:schemeClr val="tx1">
+        <a:lumMod val="65000"/>
+        <a:lumOff val="35000"/>
+      </a:schemeClr>
+    </cs:fontRef>
+    <cs:defRPr sz="1197" kern="1200"/>
+  </cs:legend>
+  <cs:plotArea>
+    <cs:lnRef idx="0"/>
+    <cs:fillRef idx="0"/>
+    <cs:effectRef idx="0"/>
+    <cs:fontRef idx="minor">
+      <a:schemeClr val="lt1"/>
+    </cs:fontRef>
+  </cs:plotArea>
+  <cs:plotArea3D>
+    <cs:lnRef idx="0"/>
+    <cs:fillRef idx="0"/>
+    <cs:effectRef idx="0"/>
+    <cs:fontRef idx="minor">
+      <a:schemeClr val="lt1"/>
+    </cs:fontRef>
+  </cs:plotArea3D>
+  <cs:seriesAxis>
+    <cs:lnRef idx="0"/>
+    <cs:fillRef idx="0"/>
+    <cs:effectRef idx="0"/>
+    <cs:fontRef idx="minor">
+      <a:schemeClr val="tx1">
+        <a:lumMod val="65000"/>
+        <a:lumOff val="35000"/>
+      </a:schemeClr>
+    </cs:fontRef>
+    <cs:spPr>
+      <a:ln w="12700" cap="flat" cmpd="sng" algn="ctr">
+        <a:solidFill>
+          <a:schemeClr val="tx1">
+            <a:lumMod val="15000"/>
+            <a:lumOff val="85000"/>
+          </a:schemeClr>
+        </a:solidFill>
+        <a:round/>
+      </a:ln>
+    </cs:spPr>
+    <cs:defRPr sz="1197" kern="1200"/>
+  </cs:seriesAxis>
+  <cs:seriesLine>
+    <cs:lnRef idx="0"/>
+    <cs:fillRef idx="0"/>
+    <cs:effectRef idx="0"/>
+    <cs:fontRef idx="minor">
+      <a:schemeClr val="tx1"/>
+    </cs:fontRef>
+    <cs:spPr>
+      <a:ln w="9525" cap="flat" cmpd="sng" algn="ctr">
+        <a:solidFill>
+          <a:schemeClr val="tx1">
+            <a:lumMod val="35000"/>
+            <a:lumOff val="65000"/>
+          </a:schemeClr>
+        </a:solidFill>
+        <a:round/>
+      </a:ln>
+    </cs:spPr>
+  </cs:seriesLine>
+  <cs:title>
+    <cs:lnRef idx="0"/>
+    <cs:fillRef idx="0"/>
+    <cs:effectRef idx="0"/>
+    <cs:fontRef idx="minor">
+      <a:schemeClr val="tx1">
+        <a:lumMod val="65000"/>
+        <a:lumOff val="35000"/>
+      </a:schemeClr>
+    </cs:fontRef>
+    <cs:defRPr sz="2128" b="1" kern="1200" baseline="0"/>
+  </cs:title>
+  <cs:trendline>
+    <cs:lnRef idx="0">
+      <cs:styleClr val="auto"/>
+    </cs:lnRef>
+    <cs:fillRef idx="0"/>
+    <cs:effectRef idx="0"/>
+    <cs:fontRef idx="minor">
+      <a:schemeClr val="lt1"/>
+    </cs:fontRef>
+    <cs:spPr>
+      <a:ln w="19050" cap="rnd">
+        <a:solidFill>
+          <a:schemeClr val="phClr"/>
+        </a:solidFill>
+      </a:ln>
+    </cs:spPr>
+  </cs:trendline>
+  <cs:trendlineLabel>
+    <cs:lnRef idx="0"/>
+    <cs:fillRef idx="0"/>
+    <cs:effectRef idx="0"/>
+    <cs:fontRef idx="minor">
+      <a:schemeClr val="tx1">
+        <a:lumMod val="65000"/>
+        <a:lumOff val="35000"/>
+      </a:schemeClr>
+    </cs:fontRef>
+    <cs:defRPr sz="1197" kern="1200"/>
+  </cs:trendlineLabel>
+  <cs:upBar>
+    <cs:lnRef idx="0"/>
+    <cs:fillRef idx="0"/>
+    <cs:effectRef idx="0"/>
+    <cs:fontRef idx="minor">
+      <a:schemeClr val="dk1"/>
+    </cs:fontRef>
+    <cs:spPr>
+      <a:solidFill>
+        <a:schemeClr val="lt1"/>
+      </a:solidFill>
+      <a:ln w="9525">
+        <a:solidFill>
+          <a:schemeClr val="tx1">
+            <a:lumMod val="15000"/>
+            <a:lumOff val="85000"/>
+          </a:schemeClr>
+        </a:solidFill>
+      </a:ln>
+    </cs:spPr>
+  </cs:upBar>
+  <cs:valueAxis>
+    <cs:lnRef idx="0"/>
+    <cs:fillRef idx="0"/>
+    <cs:effectRef idx="0"/>
+    <cs:fontRef idx="minor">
+      <a:schemeClr val="tx1">
+        <a:lumMod val="65000"/>
+        <a:lumOff val="35000"/>
+      </a:schemeClr>
+    </cs:fontRef>
+    <cs:defRPr sz="1197" kern="1200"/>
+  </cs:valueAxis>
+  <cs:wall>
+    <cs:lnRef idx="0"/>
+    <cs:fillRef idx="0"/>
+    <cs:effectRef idx="0"/>
+    <cs:fontRef idx="minor">
+      <a:schemeClr val="lt1"/>
+    </cs:fontRef>
+  </cs:wall>
+</cs:chartStyle>
+</file>
+
+<file path=ppt/notesMasters/notesMaster1.xml><?xml version="1.0" encoding="utf-8"?>
+<p:notesMaster xmlns:a="http://schemas.openxmlformats.org/drawingml/2006/main" xmlns:r="http://schemas.openxmlformats.org/officeDocument/2006/relationships" xmlns:p="http://schemas.openxmlformats.org/presentationml/2006/main">
+  <p:cSld>
+    <p:bg>
+      <p:bgRef idx="1001">
+        <a:schemeClr val="bg1"/>
+      </p:bgRef>
+    </p:bg>
+    <p:spTree>
+      <p:nvGrpSpPr>
+        <p:cNvPr id="1" name=""/>
+        <p:cNvGrpSpPr/>
+        <p:nvPr/>
+      </p:nvGrpSpPr>
+      <p:grpSpPr>
+        <a:xfrm>
+          <a:off x="0" y="0"/>
+          <a:ext cx="0" cy="0"/>
+          <a:chOff x="0" y="0"/>
+          <a:chExt cx="0" cy="0"/>
+        </a:xfrm>
+      </p:grpSpPr>
+      <p:sp>
+        <p:nvSpPr>
+          <p:cNvPr id="2" name="Tijdelijke aanduiding voor koptekst 1"/>
+          <p:cNvSpPr>
+            <a:spLocks noGrp="1"/>
+          </p:cNvSpPr>
+          <p:nvPr>
+            <p:ph type="hdr" sz="quarter"/>
+          </p:nvPr>
+        </p:nvSpPr>
+        <p:spPr>
+          <a:xfrm>
+            <a:off x="0" y="0"/>
+            <a:ext cx="2971800" cy="458788"/>
+          </a:xfrm>
+          <a:prstGeom prst="rect">
+            <a:avLst/>
+          </a:prstGeom>
+        </p:spPr>
+        <p:txBody>
+          <a:bodyPr vert="horz" lIns="91440" tIns="45720" rIns="91440" bIns="45720" rtlCol="0"/>
+          <a:lstStyle>
+            <a:lvl1pPr algn="l">
+              <a:defRPr sz="1200"/>
+            </a:lvl1pPr>
+          </a:lstStyle>
+          <a:p>
+            <a:endParaRPr lang="nl-NL"/>
+          </a:p>
+        </p:txBody>
+      </p:sp>
+      <p:sp>
+        <p:nvSpPr>
+          <p:cNvPr id="3" name="Tijdelijke aanduiding voor datum 2"/>
+          <p:cNvSpPr>
+            <a:spLocks noGrp="1"/>
+          </p:cNvSpPr>
+          <p:nvPr>
+            <p:ph type="dt" idx="1"/>
+          </p:nvPr>
+        </p:nvSpPr>
+        <p:spPr>
+          <a:xfrm>
+            <a:off x="3884613" y="0"/>
+            <a:ext cx="2971800" cy="458788"/>
+          </a:xfrm>
+          <a:prstGeom prst="rect">
+            <a:avLst/>
+          </a:prstGeom>
+        </p:spPr>
+        <p:txBody>
+          <a:bodyPr vert="horz" lIns="91440" tIns="45720" rIns="91440" bIns="45720" rtlCol="0"/>
+          <a:lstStyle>
+            <a:lvl1pPr algn="r">
+              <a:defRPr sz="1200"/>
+            </a:lvl1pPr>
+          </a:lstStyle>
+          <a:p>
+            <a:fld id="{C6273984-9D82-4F6F-B509-7F24F2AF03A7}" type="datetimeFigureOut">
+              <a:rPr lang="nl-NL" smtClean="0"/>
+              <a:t>25-5-2018</a:t>
+            </a:fld>
+            <a:endParaRPr lang="nl-NL"/>
+          </a:p>
+        </p:txBody>
+      </p:sp>
+      <p:sp>
+        <p:nvSpPr>
+          <p:cNvPr id="4" name="Tijdelijke aanduiding voor dia-afbeelding 3"/>
+          <p:cNvSpPr>
+            <a:spLocks noGrp="1" noRot="1" noChangeAspect="1"/>
+          </p:cNvSpPr>
+          <p:nvPr>
+            <p:ph type="sldImg" idx="2"/>
+          </p:nvPr>
+        </p:nvSpPr>
+        <p:spPr>
+          <a:xfrm>
+            <a:off x="685800" y="1143000"/>
+            <a:ext cx="5486400" cy="3086100"/>
+          </a:xfrm>
+          <a:prstGeom prst="rect">
+            <a:avLst/>
+          </a:prstGeom>
+          <a:noFill/>
+          <a:ln w="12700">
+            <a:solidFill>
+              <a:prstClr val="black"/>
+            </a:solidFill>
+          </a:ln>
+        </p:spPr>
+        <p:txBody>
+          <a:bodyPr vert="horz" lIns="91440" tIns="45720" rIns="91440" bIns="45720" rtlCol="0" anchor="ctr"/>
+          <a:lstStyle/>
+          <a:p>
+            <a:endParaRPr lang="nl-NL"/>
+          </a:p>
+        </p:txBody>
+      </p:sp>
+      <p:sp>
+        <p:nvSpPr>
+          <p:cNvPr id="5" name="Tijdelijke aanduiding voor notities 4"/>
+          <p:cNvSpPr>
+            <a:spLocks noGrp="1"/>
+          </p:cNvSpPr>
+          <p:nvPr>
+            <p:ph type="body" sz="quarter" idx="3"/>
+          </p:nvPr>
+        </p:nvSpPr>
+        <p:spPr>
+          <a:xfrm>
+            <a:off x="685800" y="4400550"/>
+            <a:ext cx="5486400" cy="3600450"/>
+          </a:xfrm>
+          <a:prstGeom prst="rect">
+            <a:avLst/>
+          </a:prstGeom>
+        </p:spPr>
+        <p:txBody>
+          <a:bodyPr vert="horz" lIns="91440" tIns="45720" rIns="91440" bIns="45720" rtlCol="0"/>
+          <a:lstStyle/>
+          <a:p>
+            <a:pPr lvl="0"/>
+            <a:r>
+              <a:rPr lang="nl-NL" smtClean="0"/>
+              <a:t>Klik om de modelstijlen te bewerken</a:t>
+            </a:r>
+          </a:p>
+          <a:p>
+            <a:pPr lvl="1"/>
+            <a:r>
+              <a:rPr lang="nl-NL" smtClean="0"/>
+              <a:t>Tweede niveau</a:t>
+            </a:r>
+          </a:p>
+          <a:p>
+            <a:pPr lvl="2"/>
+            <a:r>
+              <a:rPr lang="nl-NL" smtClean="0"/>
+              <a:t>Derde niveau</a:t>
+            </a:r>
+          </a:p>
+          <a:p>
+            <a:pPr lvl="3"/>
+            <a:r>
+              <a:rPr lang="nl-NL" smtClean="0"/>
+              <a:t>Vierde niveau</a:t>
+            </a:r>
+          </a:p>
+          <a:p>
+            <a:pPr lvl="4"/>
+            <a:r>
+              <a:rPr lang="nl-NL" smtClean="0"/>
+              <a:t>Vijfde niveau</a:t>
+            </a:r>
+            <a:endParaRPr lang="nl-NL"/>
+          </a:p>
+        </p:txBody>
+      </p:sp>
+      <p:sp>
+        <p:nvSpPr>
+          <p:cNvPr id="6" name="Tijdelijke aanduiding voor voettekst 5"/>
+          <p:cNvSpPr>
+            <a:spLocks noGrp="1"/>
+          </p:cNvSpPr>
+          <p:nvPr>
+            <p:ph type="ftr" sz="quarter" idx="4"/>
+          </p:nvPr>
+        </p:nvSpPr>
+        <p:spPr>
+          <a:xfrm>
+            <a:off x="0" y="8685213"/>
+            <a:ext cx="2971800" cy="458787"/>
+          </a:xfrm>
+          <a:prstGeom prst="rect">
+            <a:avLst/>
+          </a:prstGeom>
+        </p:spPr>
+        <p:txBody>
+          <a:bodyPr vert="horz" lIns="91440" tIns="45720" rIns="91440" bIns="45720" rtlCol="0" anchor="b"/>
+          <a:lstStyle>
+            <a:lvl1pPr algn="l">
+              <a:defRPr sz="1200"/>
+            </a:lvl1pPr>
+          </a:lstStyle>
+          <a:p>
+            <a:endParaRPr lang="nl-NL"/>
+          </a:p>
+        </p:txBody>
+      </p:sp>
+      <p:sp>
+        <p:nvSpPr>
+          <p:cNvPr id="7" name="Tijdelijke aanduiding voor dianummer 6"/>
+          <p:cNvSpPr>
+            <a:spLocks noGrp="1"/>
+          </p:cNvSpPr>
+          <p:nvPr>
+            <p:ph type="sldNum" sz="quarter" idx="5"/>
+          </p:nvPr>
+        </p:nvSpPr>
+        <p:spPr>
+          <a:xfrm>
+            <a:off x="3884613" y="8685213"/>
+            <a:ext cx="2971800" cy="458787"/>
+          </a:xfrm>
+          <a:prstGeom prst="rect">
+            <a:avLst/>
+          </a:prstGeom>
+        </p:spPr>
+        <p:txBody>
+          <a:bodyPr vert="horz" lIns="91440" tIns="45720" rIns="91440" bIns="45720" rtlCol="0" anchor="b"/>
+          <a:lstStyle>
+            <a:lvl1pPr algn="r">
+              <a:defRPr sz="1200"/>
+            </a:lvl1pPr>
+          </a:lstStyle>
+          <a:p>
+            <a:fld id="{EDD3F5BD-322A-47CF-BDF1-D478B1145106}" type="slidenum">
+              <a:rPr lang="nl-NL" smtClean="0"/>
+              <a:t>‹nr.›</a:t>
+            </a:fld>
+            <a:endParaRPr lang="nl-NL"/>
+          </a:p>
+        </p:txBody>
+      </p:sp>
+    </p:spTree>
+    <p:extLst>
+      <p:ext uri="{BB962C8B-B14F-4D97-AF65-F5344CB8AC3E}">
+        <p14:creationId xmlns:p14="http://schemas.microsoft.com/office/powerpoint/2010/main" val="99742570"/>
+      </p:ext>
+    </p:extLst>
+  </p:cSld>
+  <p:clrMap bg1="lt1" tx1="dk1" bg2="lt2" tx2="dk2" accent1="accent1" accent2="accent2" accent3="accent3" accent4="accent4" accent5="accent5" accent6="accent6" hlink="hlink" folHlink="folHlink"/>
+  <p:notesStyle>
+    <a:lvl1pPr marL="0" algn="l" defTabSz="914400" rtl="0" eaLnBrk="1" latinLnBrk="0" hangingPunct="1">
+      <a:defRPr sz="1200" kern="1200">
+        <a:solidFill>
+          <a:schemeClr val="tx1"/>
+        </a:solidFill>
+        <a:latin typeface="+mn-lt"/>
+        <a:ea typeface="+mn-ea"/>
+        <a:cs typeface="+mn-cs"/>
+      </a:defRPr>
+    </a:lvl1pPr>
+    <a:lvl2pPr marL="457200" algn="l" defTabSz="914400" rtl="0" eaLnBrk="1" latinLnBrk="0" hangingPunct="1">
+      <a:defRPr sz="1200" kern="1200">
+        <a:solidFill>
+          <a:schemeClr val="tx1"/>
+        </a:solidFill>
+        <a:latin typeface="+mn-lt"/>
+        <a:ea typeface="+mn-ea"/>
+        <a:cs typeface="+mn-cs"/>
+      </a:defRPr>
+    </a:lvl2pPr>
+    <a:lvl3pPr marL="914400" algn="l" defTabSz="914400" rtl="0" eaLnBrk="1" latinLnBrk="0" hangingPunct="1">
+      <a:defRPr sz="1200" kern="1200">
+        <a:solidFill>
+          <a:schemeClr val="tx1"/>
+        </a:solidFill>
+        <a:latin typeface="+mn-lt"/>
+        <a:ea typeface="+mn-ea"/>
+        <a:cs typeface="+mn-cs"/>
+      </a:defRPr>
+    </a:lvl3pPr>
+    <a:lvl4pPr marL="1371600" algn="l" defTabSz="914400" rtl="0" eaLnBrk="1" latinLnBrk="0" hangingPunct="1">
+      <a:defRPr sz="1200" kern="1200">
+        <a:solidFill>
+          <a:schemeClr val="tx1"/>
+        </a:solidFill>
+        <a:latin typeface="+mn-lt"/>
+        <a:ea typeface="+mn-ea"/>
+        <a:cs typeface="+mn-cs"/>
+      </a:defRPr>
+    </a:lvl4pPr>
+    <a:lvl5pPr marL="1828800" algn="l" defTabSz="914400" rtl="0" eaLnBrk="1" latinLnBrk="0" hangingPunct="1">
+      <a:defRPr sz="1200" kern="1200">
+        <a:solidFill>
+          <a:schemeClr val="tx1"/>
+        </a:solidFill>
+        <a:latin typeface="+mn-lt"/>
+        <a:ea typeface="+mn-ea"/>
+        <a:cs typeface="+mn-cs"/>
+      </a:defRPr>
+    </a:lvl5pPr>
+    <a:lvl6pPr marL="2286000" algn="l" defTabSz="914400" rtl="0" eaLnBrk="1" latinLnBrk="0" hangingPunct="1">
+      <a:defRPr sz="1200" kern="1200">
+        <a:solidFill>
+          <a:schemeClr val="tx1"/>
+        </a:solidFill>
+        <a:latin typeface="+mn-lt"/>
+        <a:ea typeface="+mn-ea"/>
+        <a:cs typeface="+mn-cs"/>
+      </a:defRPr>
+    </a:lvl6pPr>
+    <a:lvl7pPr marL="2743200" algn="l" defTabSz="914400" rtl="0" eaLnBrk="1" latinLnBrk="0" hangingPunct="1">
+      <a:defRPr sz="1200" kern="1200">
+        <a:solidFill>
+          <a:schemeClr val="tx1"/>
+        </a:solidFill>
+        <a:latin typeface="+mn-lt"/>
+        <a:ea typeface="+mn-ea"/>
+        <a:cs typeface="+mn-cs"/>
+      </a:defRPr>
+    </a:lvl7pPr>
+    <a:lvl8pPr marL="3200400" algn="l" defTabSz="914400" rtl="0" eaLnBrk="1" latinLnBrk="0" hangingPunct="1">
+      <a:defRPr sz="1200" kern="1200">
+        <a:solidFill>
+          <a:schemeClr val="tx1"/>
+        </a:solidFill>
+        <a:latin typeface="+mn-lt"/>
+        <a:ea typeface="+mn-ea"/>
+        <a:cs typeface="+mn-cs"/>
+      </a:defRPr>
+    </a:lvl8pPr>
+    <a:lvl9pPr marL="3657600" algn="l" defTabSz="914400" rtl="0" eaLnBrk="1" latinLnBrk="0" hangingPunct="1">
+      <a:defRPr sz="1200" kern="1200">
+        <a:solidFill>
+          <a:schemeClr val="tx1"/>
+        </a:solidFill>
+        <a:latin typeface="+mn-lt"/>
+        <a:ea typeface="+mn-ea"/>
+        <a:cs typeface="+mn-cs"/>
+      </a:defRPr>
+    </a:lvl9pPr>
+  </p:notesStyle>
+</p:notesMaster>
+</file>
+
+<file path=ppt/notesSlides/notesSlide1.xml><?xml version="1.0" encoding="utf-8"?>
+<p:notes xmlns:a="http://schemas.openxmlformats.org/drawingml/2006/main" xmlns:r="http://schemas.openxmlformats.org/officeDocument/2006/relationships" xmlns:p="http://schemas.openxmlformats.org/presentationml/2006/main">
+  <p:cSld>
+    <p:spTree>
+      <p:nvGrpSpPr>
+        <p:cNvPr id="1" name=""/>
+        <p:cNvGrpSpPr/>
+        <p:nvPr/>
+      </p:nvGrpSpPr>
+      <p:grpSpPr>
+        <a:xfrm>
+          <a:off x="0" y="0"/>
+          <a:ext cx="0" cy="0"/>
+          <a:chOff x="0" y="0"/>
+          <a:chExt cx="0" cy="0"/>
+        </a:xfrm>
+      </p:grpSpPr>
+      <p:sp>
+        <p:nvSpPr>
+          <p:cNvPr id="2" name="Tijdelijke aanduiding voor dia-afbeelding 1"/>
+          <p:cNvSpPr>
+            <a:spLocks noGrp="1" noRot="1" noChangeAspect="1"/>
+          </p:cNvSpPr>
+          <p:nvPr>
+            <p:ph type="sldImg"/>
+          </p:nvPr>
+        </p:nvSpPr>
+        <p:spPr/>
+      </p:sp>
+      <p:sp>
+        <p:nvSpPr>
+          <p:cNvPr id="3" name="Tijdelijke aanduiding voor notities 2"/>
+          <p:cNvSpPr>
+            <a:spLocks noGrp="1"/>
+          </p:cNvSpPr>
+          <p:nvPr>
+            <p:ph type="body" idx="1"/>
+          </p:nvPr>
+        </p:nvSpPr>
+        <p:spPr/>
+        <p:txBody>
+          <a:bodyPr/>
+          <a:lstStyle/>
+          <a:p>
+            <a:pPr marL="0" marR="0" lvl="0" indent="0" algn="l" defTabSz="914400" rtl="0" eaLnBrk="1" fontAlgn="auto" latinLnBrk="0" hangingPunct="1">
+              <a:lnSpc>
+                <a:spcPct val="100000"/>
+              </a:lnSpc>
+              <a:spcBef>
+                <a:spcPts val="0"/>
+              </a:spcBef>
+              <a:spcAft>
+                <a:spcPts val="0"/>
+              </a:spcAft>
+              <a:buClrTx/>
+              <a:buSzTx/>
+              <a:buFontTx/>
+              <a:buNone/>
+              <a:tabLst/>
+              <a:defRPr/>
+            </a:pPr>
+            <a:r>
+              <a:rPr lang="nl-NL" dirty="0" smtClean="0"/>
+              <a:t>COP</a:t>
+            </a:r>
+          </a:p>
+          <a:p>
+            <a:pPr marL="0" marR="0" lvl="0" indent="0" algn="l" defTabSz="914400" rtl="0" eaLnBrk="1" fontAlgn="auto" latinLnBrk="0" hangingPunct="1">
+              <a:lnSpc>
+                <a:spcPct val="100000"/>
+              </a:lnSpc>
+              <a:spcBef>
+                <a:spcPts val="0"/>
+              </a:spcBef>
+              <a:spcAft>
+                <a:spcPts val="0"/>
+              </a:spcAft>
+              <a:buClrTx/>
+              <a:buSzTx/>
+              <a:buFontTx/>
+              <a:buNone/>
+              <a:tabLst/>
+              <a:defRPr/>
+            </a:pPr>
+            <a:r>
+              <a:rPr lang="nl-NL" dirty="0" smtClean="0"/>
+              <a:t>5 (dagen) * 7 (zalen) * 4 (tijdsloten) + 5 (avondsloten) </a:t>
+            </a:r>
+          </a:p>
+          <a:p>
+            <a:endParaRPr lang="nl-NL" dirty="0"/>
+          </a:p>
+        </p:txBody>
+      </p:sp>
+      <p:sp>
+        <p:nvSpPr>
+          <p:cNvPr id="4" name="Tijdelijke aanduiding voor dianummer 3"/>
+          <p:cNvSpPr>
+            <a:spLocks noGrp="1"/>
+          </p:cNvSpPr>
+          <p:nvPr>
+            <p:ph type="sldNum" sz="quarter" idx="10"/>
+          </p:nvPr>
+        </p:nvSpPr>
+        <p:spPr/>
+        <p:txBody>
+          <a:bodyPr/>
+          <a:lstStyle/>
+          <a:p>
+            <a:fld id="{EDD3F5BD-322A-47CF-BDF1-D478B1145106}" type="slidenum">
+              <a:rPr lang="nl-NL" smtClean="0"/>
+              <a:t>2</a:t>
+            </a:fld>
+            <a:endParaRPr lang="nl-NL"/>
+          </a:p>
+        </p:txBody>
+      </p:sp>
+    </p:spTree>
+    <p:extLst>
+      <p:ext uri="{BB962C8B-B14F-4D97-AF65-F5344CB8AC3E}">
+        <p14:creationId xmlns:p14="http://schemas.microsoft.com/office/powerpoint/2010/main" val="1696529785"/>
+      </p:ext>
+    </p:extLst>
+  </p:cSld>
+  <p:clrMapOvr>
+    <a:masterClrMapping/>
+  </p:clrMapOvr>
+</p:notes>
+</file>
+
+<file path=ppt/notesSlides/notesSlide2.xml><?xml version="1.0" encoding="utf-8"?>
+<p:notes xmlns:a="http://schemas.openxmlformats.org/drawingml/2006/main" xmlns:r="http://schemas.openxmlformats.org/officeDocument/2006/relationships" xmlns:p="http://schemas.openxmlformats.org/presentationml/2006/main">
+  <p:cSld>
+    <p:spTree>
+      <p:nvGrpSpPr>
+        <p:cNvPr id="1" name=""/>
+        <p:cNvGrpSpPr/>
+        <p:nvPr/>
+      </p:nvGrpSpPr>
+      <p:grpSpPr>
+        <a:xfrm>
+          <a:off x="0" y="0"/>
+          <a:ext cx="0" cy="0"/>
+          <a:chOff x="0" y="0"/>
+          <a:chExt cx="0" cy="0"/>
+        </a:xfrm>
+      </p:grpSpPr>
+      <p:sp>
+        <p:nvSpPr>
+          <p:cNvPr id="2" name="Tijdelijke aanduiding voor dia-afbeelding 1"/>
+          <p:cNvSpPr>
+            <a:spLocks noGrp="1" noRot="1" noChangeAspect="1"/>
+          </p:cNvSpPr>
+          <p:nvPr>
+            <p:ph type="sldImg"/>
+          </p:nvPr>
+        </p:nvSpPr>
+        <p:spPr/>
+      </p:sp>
+      <p:sp>
+        <p:nvSpPr>
+          <p:cNvPr id="3" name="Tijdelijke aanduiding voor notities 2"/>
+          <p:cNvSpPr>
+            <a:spLocks noGrp="1"/>
+          </p:cNvSpPr>
+          <p:nvPr>
+            <p:ph type="body" idx="1"/>
+          </p:nvPr>
+        </p:nvSpPr>
+        <p:spPr/>
+        <p:txBody>
+          <a:bodyPr/>
+          <a:lstStyle/>
+          <a:p>
+            <a:r>
+              <a:rPr lang="nl-NL" dirty="0" smtClean="0"/>
+              <a:t>Studenten kunnen nog wisselen binnen werkgroepen</a:t>
+            </a:r>
+            <a:r>
+              <a:rPr lang="nl-NL" baseline="0" dirty="0" smtClean="0"/>
+              <a:t> waardoor de toestandsruimte groter wordt, maar wij gaan uit van een vaste indeling</a:t>
+            </a:r>
+            <a:endParaRPr lang="nl-NL" dirty="0"/>
+          </a:p>
+        </p:txBody>
+      </p:sp>
+      <p:sp>
+        <p:nvSpPr>
+          <p:cNvPr id="4" name="Tijdelijke aanduiding voor dianummer 3"/>
+          <p:cNvSpPr>
+            <a:spLocks noGrp="1"/>
+          </p:cNvSpPr>
+          <p:nvPr>
+            <p:ph type="sldNum" sz="quarter" idx="10"/>
+          </p:nvPr>
+        </p:nvSpPr>
+        <p:spPr/>
+        <p:txBody>
+          <a:bodyPr/>
+          <a:lstStyle/>
+          <a:p>
+            <a:fld id="{EDD3F5BD-322A-47CF-BDF1-D478B1145106}" type="slidenum">
+              <a:rPr lang="nl-NL" smtClean="0"/>
+              <a:t>6</a:t>
+            </a:fld>
+            <a:endParaRPr lang="nl-NL"/>
+          </a:p>
+        </p:txBody>
+      </p:sp>
+    </p:spTree>
+    <p:extLst>
+      <p:ext uri="{BB962C8B-B14F-4D97-AF65-F5344CB8AC3E}">
+        <p14:creationId xmlns:p14="http://schemas.microsoft.com/office/powerpoint/2010/main" val="424183884"/>
+      </p:ext>
+    </p:extLst>
+  </p:cSld>
+  <p:clrMapOvr>
+    <a:masterClrMapping/>
+  </p:clrMapOvr>
+</p:notes>
+</file>
+
+<file path=ppt/notesSlides/notesSlide3.xml><?xml version="1.0" encoding="utf-8"?>
+<p:notes xmlns:a="http://schemas.openxmlformats.org/drawingml/2006/main" xmlns:r="http://schemas.openxmlformats.org/officeDocument/2006/relationships" xmlns:p="http://schemas.openxmlformats.org/presentationml/2006/main">
+  <p:cSld>
+    <p:spTree>
+      <p:nvGrpSpPr>
+        <p:cNvPr id="1" name=""/>
+        <p:cNvGrpSpPr/>
+        <p:nvPr/>
+      </p:nvGrpSpPr>
+      <p:grpSpPr>
+        <a:xfrm>
+          <a:off x="0" y="0"/>
+          <a:ext cx="0" cy="0"/>
+          <a:chOff x="0" y="0"/>
+          <a:chExt cx="0" cy="0"/>
+        </a:xfrm>
+      </p:grpSpPr>
+      <p:sp>
+        <p:nvSpPr>
+          <p:cNvPr id="2" name="Tijdelijke aanduiding voor dia-afbeelding 1"/>
+          <p:cNvSpPr>
+            <a:spLocks noGrp="1" noRot="1" noChangeAspect="1"/>
+          </p:cNvSpPr>
+          <p:nvPr>
+            <p:ph type="sldImg"/>
+          </p:nvPr>
+        </p:nvSpPr>
+        <p:spPr/>
+      </p:sp>
+      <p:sp>
+        <p:nvSpPr>
+          <p:cNvPr id="3" name="Tijdelijke aanduiding voor notities 2"/>
+          <p:cNvSpPr>
+            <a:spLocks noGrp="1"/>
+          </p:cNvSpPr>
+          <p:nvPr>
+            <p:ph type="body" idx="1"/>
+          </p:nvPr>
+        </p:nvSpPr>
+        <p:spPr/>
+        <p:txBody>
+          <a:bodyPr/>
+          <a:lstStyle/>
+          <a:p>
+            <a:pPr marL="0" marR="0" lvl="0" indent="0" algn="l" defTabSz="914400" rtl="0" eaLnBrk="1" fontAlgn="auto" latinLnBrk="0" hangingPunct="1">
+              <a:lnSpc>
+                <a:spcPct val="100000"/>
+              </a:lnSpc>
+              <a:spcBef>
+                <a:spcPts val="0"/>
+              </a:spcBef>
+              <a:spcAft>
+                <a:spcPts val="0"/>
+              </a:spcAft>
+              <a:buClrTx/>
+              <a:buSzTx/>
+              <a:buFontTx/>
+              <a:buNone/>
+              <a:tabLst/>
+              <a:defRPr/>
+            </a:pPr>
+            <a:r>
+              <a:rPr lang="en-US" dirty="0" err="1" smtClean="0"/>
+              <a:t>Uitleg</a:t>
+            </a:r>
+            <a:r>
+              <a:rPr lang="en-US" dirty="0" smtClean="0"/>
+              <a:t> of </a:t>
+            </a:r>
+            <a:r>
+              <a:rPr lang="en-US" dirty="0" err="1" smtClean="0"/>
+              <a:t>algoritmes</a:t>
+            </a:r>
+            <a:r>
+              <a:rPr lang="en-US" dirty="0" smtClean="0"/>
+              <a:t> exact </a:t>
+            </a:r>
+            <a:r>
+              <a:rPr lang="en-US" dirty="0" err="1" smtClean="0"/>
+              <a:t>zijn</a:t>
+            </a:r>
+            <a:r>
+              <a:rPr lang="en-US" dirty="0" smtClean="0"/>
+              <a:t> of </a:t>
+            </a:r>
+            <a:r>
+              <a:rPr lang="en-US" dirty="0" err="1" smtClean="0"/>
+              <a:t>een</a:t>
+            </a:r>
+            <a:r>
+              <a:rPr lang="en-US" dirty="0" smtClean="0"/>
+              <a:t> </a:t>
+            </a:r>
+            <a:r>
+              <a:rPr lang="en-US" dirty="0" err="1" smtClean="0"/>
+              <a:t>heuristiek</a:t>
+            </a:r>
+            <a:endParaRPr lang="en-US" dirty="0" smtClean="0"/>
+          </a:p>
+          <a:p>
+            <a:r>
+              <a:rPr lang="nl-NL" dirty="0" smtClean="0"/>
+              <a:t>Je weet zeker bij </a:t>
+            </a:r>
+            <a:r>
+              <a:rPr lang="nl-NL" dirty="0" err="1" smtClean="0"/>
+              <a:t>sequential</a:t>
+            </a:r>
+            <a:r>
+              <a:rPr lang="nl-NL" baseline="0" dirty="0" smtClean="0"/>
+              <a:t> dat je op zaalgrootteconflicten hebt gesorteerd</a:t>
+            </a:r>
+            <a:endParaRPr lang="nl-NL" dirty="0"/>
+          </a:p>
+        </p:txBody>
+      </p:sp>
+      <p:sp>
+        <p:nvSpPr>
+          <p:cNvPr id="4" name="Tijdelijke aanduiding voor dianummer 3"/>
+          <p:cNvSpPr>
+            <a:spLocks noGrp="1"/>
+          </p:cNvSpPr>
+          <p:nvPr>
+            <p:ph type="sldNum" sz="quarter" idx="10"/>
+          </p:nvPr>
+        </p:nvSpPr>
+        <p:spPr/>
+        <p:txBody>
+          <a:bodyPr/>
+          <a:lstStyle/>
+          <a:p>
+            <a:fld id="{EDD3F5BD-322A-47CF-BDF1-D478B1145106}" type="slidenum">
+              <a:rPr lang="nl-NL" smtClean="0"/>
+              <a:t>7</a:t>
+            </a:fld>
+            <a:endParaRPr lang="nl-NL"/>
+          </a:p>
+        </p:txBody>
+      </p:sp>
+    </p:spTree>
+    <p:extLst>
+      <p:ext uri="{BB962C8B-B14F-4D97-AF65-F5344CB8AC3E}">
+        <p14:creationId xmlns:p14="http://schemas.microsoft.com/office/powerpoint/2010/main" val="540827547"/>
+      </p:ext>
+    </p:extLst>
+  </p:cSld>
+  <p:clrMapOvr>
+    <a:masterClrMapping/>
+  </p:clrMapOvr>
+</p:notes>
+</file>
+
 <file path=ppt/slideLayouts/slideLayout1.xml><?xml version="1.0" encoding="utf-8"?>
 <p:sldLayout xmlns:a="http://schemas.openxmlformats.org/drawingml/2006/main" xmlns:r="http://schemas.openxmlformats.org/officeDocument/2006/relationships" xmlns:p="http://schemas.openxmlformats.org/presentationml/2006/main" showMasterSp="0" type="title" preserve="1">
   <p:cSld name="Title Slide">
@@ -293,7 +1977,7 @@
           <a:p>
             <a:fld id="{B2E4F3CE-5921-4ADD-9964-2DE7A47474AF}" type="datetimeFigureOut">
               <a:rPr lang="nl-NL" smtClean="0"/>
-              <a:t>24-5-2018</a:t>
+              <a:t>25-5-2018</a:t>
             </a:fld>
             <a:endParaRPr lang="nl-NL"/>
           </a:p>
@@ -501,7 +2185,7 @@
           <p:cNvPr id="10" name="Picture 9" descr="A group of people in a room&#10;&#10;Description generated with very high confidence">
             <a:extLst>
               <a:ext uri="{FF2B5EF4-FFF2-40B4-BE49-F238E27FC236}">
-                <a16:creationId xmlns:a16="http://schemas.microsoft.com/office/drawing/2014/main" xmlns="" id="{8A636BD5-65AA-4211-BE9A-C3728CA22021}"/>
+                <a16:creationId xmlns="" xmlns:a16="http://schemas.microsoft.com/office/drawing/2014/main" id="{8A636BD5-65AA-4211-BE9A-C3728CA22021}"/>
               </a:ext>
             </a:extLst>
           </p:cNvPr>
@@ -542,7 +2226,7 @@
           <p:cNvPr id="12" name="Picture 11" descr="A group of people in a room&#10;&#10;Description generated with very high confidence">
             <a:extLst>
               <a:ext uri="{FF2B5EF4-FFF2-40B4-BE49-F238E27FC236}">
-                <a16:creationId xmlns:a16="http://schemas.microsoft.com/office/drawing/2014/main" xmlns="" id="{FCCAA0F4-9C7B-4984-8F70-FA270D007429}"/>
+                <a16:creationId xmlns="" xmlns:a16="http://schemas.microsoft.com/office/drawing/2014/main" id="{FCCAA0F4-9C7B-4984-8F70-FA270D007429}"/>
               </a:ext>
             </a:extLst>
           </p:cNvPr>
@@ -613,7 +2297,7 @@
           <p:cNvPr id="2" name="Title 1">
             <a:extLst>
               <a:ext uri="{FF2B5EF4-FFF2-40B4-BE49-F238E27FC236}">
-                <a16:creationId xmlns:a16="http://schemas.microsoft.com/office/drawing/2014/main" xmlns="" id="{6FC13C6F-2E16-4E4C-84CC-D4DAFCB2700D}"/>
+                <a16:creationId xmlns="" xmlns:a16="http://schemas.microsoft.com/office/drawing/2014/main" id="{6FC13C6F-2E16-4E4C-84CC-D4DAFCB2700D}"/>
               </a:ext>
             </a:extLst>
           </p:cNvPr>
@@ -651,7 +2335,7 @@
           <p:cNvPr id="3" name="Subtitle 2">
             <a:extLst>
               <a:ext uri="{FF2B5EF4-FFF2-40B4-BE49-F238E27FC236}">
-                <a16:creationId xmlns:a16="http://schemas.microsoft.com/office/drawing/2014/main" xmlns="" id="{453CFFDF-F98C-4C73-86C1-B63C7BFD4C39}"/>
+                <a16:creationId xmlns="" xmlns:a16="http://schemas.microsoft.com/office/drawing/2014/main" id="{453CFFDF-F98C-4C73-86C1-B63C7BFD4C39}"/>
               </a:ext>
             </a:extLst>
           </p:cNvPr>
@@ -722,7 +2406,7 @@
           <p:cNvPr id="4" name="Date Placeholder 3">
             <a:extLst>
               <a:ext uri="{FF2B5EF4-FFF2-40B4-BE49-F238E27FC236}">
-                <a16:creationId xmlns:a16="http://schemas.microsoft.com/office/drawing/2014/main" xmlns="" id="{CFA081B8-BD76-443C-93F5-08182166D8D0}"/>
+                <a16:creationId xmlns="" xmlns:a16="http://schemas.microsoft.com/office/drawing/2014/main" id="{CFA081B8-BD76-443C-93F5-08182166D8D0}"/>
               </a:ext>
             </a:extLst>
           </p:cNvPr>
@@ -740,7 +2424,7 @@
           <a:p>
             <a:fld id="{B2E4F3CE-5921-4ADD-9964-2DE7A47474AF}" type="datetimeFigureOut">
               <a:rPr lang="nl-NL" smtClean="0"/>
-              <a:t>24-5-2018</a:t>
+              <a:t>25-5-2018</a:t>
             </a:fld>
             <a:endParaRPr lang="nl-NL"/>
           </a:p>
@@ -751,7 +2435,7 @@
           <p:cNvPr id="5" name="Footer Placeholder 4">
             <a:extLst>
               <a:ext uri="{FF2B5EF4-FFF2-40B4-BE49-F238E27FC236}">
-                <a16:creationId xmlns:a16="http://schemas.microsoft.com/office/drawing/2014/main" xmlns="" id="{B372371A-431A-4C4A-B2D5-5DB4CE736915}"/>
+                <a16:creationId xmlns="" xmlns:a16="http://schemas.microsoft.com/office/drawing/2014/main" id="{B372371A-431A-4C4A-B2D5-5DB4CE736915}"/>
               </a:ext>
             </a:extLst>
           </p:cNvPr>
@@ -776,7 +2460,7 @@
           <p:cNvPr id="6" name="Slide Number Placeholder 5">
             <a:extLst>
               <a:ext uri="{FF2B5EF4-FFF2-40B4-BE49-F238E27FC236}">
-                <a16:creationId xmlns:a16="http://schemas.microsoft.com/office/drawing/2014/main" xmlns="" id="{4440A448-9C23-42D3-B380-8BFAE71DF757}"/>
+                <a16:creationId xmlns="" xmlns:a16="http://schemas.microsoft.com/office/drawing/2014/main" id="{4440A448-9C23-42D3-B380-8BFAE71DF757}"/>
               </a:ext>
             </a:extLst>
           </p:cNvPr>
@@ -939,7 +2623,7 @@
           <a:p>
             <a:fld id="{B2E4F3CE-5921-4ADD-9964-2DE7A47474AF}" type="datetimeFigureOut">
               <a:rPr lang="nl-NL" smtClean="0"/>
-              <a:t>24-5-2018</a:t>
+              <a:t>25-5-2018</a:t>
             </a:fld>
             <a:endParaRPr lang="nl-NL"/>
           </a:p>
@@ -1210,7 +2894,7 @@
           <a:p>
             <a:fld id="{B2E4F3CE-5921-4ADD-9964-2DE7A47474AF}" type="datetimeFigureOut">
               <a:rPr lang="nl-NL" smtClean="0"/>
-              <a:t>24-5-2018</a:t>
+              <a:t>25-5-2018</a:t>
             </a:fld>
             <a:endParaRPr lang="nl-NL"/>
           </a:p>
@@ -1345,7 +3029,7 @@
           <p:cNvPr id="9" name="Picture 8" descr="A group of people in a room&#10;&#10;Description generated with very high confidence">
             <a:extLst>
               <a:ext uri="{FF2B5EF4-FFF2-40B4-BE49-F238E27FC236}">
-                <a16:creationId xmlns:a16="http://schemas.microsoft.com/office/drawing/2014/main" xmlns="" id="{1100C0BB-10D3-488D-AF46-8E80E778FCC2}"/>
+                <a16:creationId xmlns="" xmlns:a16="http://schemas.microsoft.com/office/drawing/2014/main" id="{1100C0BB-10D3-488D-AF46-8E80E778FCC2}"/>
               </a:ext>
             </a:extLst>
           </p:cNvPr>
@@ -1645,7 +3329,7 @@
           <a:p>
             <a:fld id="{B2E4F3CE-5921-4ADD-9964-2DE7A47474AF}" type="datetimeFigureOut">
               <a:rPr lang="nl-NL" smtClean="0"/>
-              <a:t>24-5-2018</a:t>
+              <a:t>25-5-2018</a:t>
             </a:fld>
             <a:endParaRPr lang="nl-NL"/>
           </a:p>
@@ -2122,7 +3806,7 @@
           <a:p>
             <a:fld id="{B2E4F3CE-5921-4ADD-9964-2DE7A47474AF}" type="datetimeFigureOut">
               <a:rPr lang="nl-NL" smtClean="0"/>
-              <a:t>24-5-2018</a:t>
+              <a:t>25-5-2018</a:t>
             </a:fld>
             <a:endParaRPr lang="nl-NL"/>
           </a:p>
@@ -2240,7 +3924,7 @@
           <a:p>
             <a:fld id="{B2E4F3CE-5921-4ADD-9964-2DE7A47474AF}" type="datetimeFigureOut">
               <a:rPr lang="nl-NL" smtClean="0"/>
-              <a:t>24-5-2018</a:t>
+              <a:t>25-5-2018</a:t>
             </a:fld>
             <a:endParaRPr lang="nl-NL"/>
           </a:p>
@@ -2335,7 +4019,7 @@
           <a:p>
             <a:fld id="{B2E4F3CE-5921-4ADD-9964-2DE7A47474AF}" type="datetimeFigureOut">
               <a:rPr lang="nl-NL" smtClean="0"/>
-              <a:t>24-5-2018</a:t>
+              <a:t>25-5-2018</a:t>
             </a:fld>
             <a:endParaRPr lang="nl-NL"/>
           </a:p>
@@ -2510,7 +4194,7 @@
           <a:p>
             <a:fld id="{B2E4F3CE-5921-4ADD-9964-2DE7A47474AF}" type="datetimeFigureOut">
               <a:rPr lang="nl-NL" smtClean="0"/>
-              <a:t>24-5-2018</a:t>
+              <a:t>25-5-2018</a:t>
             </a:fld>
             <a:endParaRPr lang="nl-NL"/>
           </a:p>
@@ -2690,7 +4374,7 @@
           <a:p>
             <a:fld id="{B2E4F3CE-5921-4ADD-9964-2DE7A47474AF}" type="datetimeFigureOut">
               <a:rPr lang="nl-NL" smtClean="0"/>
-              <a:t>24-5-2018</a:t>
+              <a:t>25-5-2018</a:t>
             </a:fld>
             <a:endParaRPr lang="nl-NL"/>
           </a:p>
@@ -2900,7 +4584,7 @@
           <a:p>
             <a:fld id="{B2E4F3CE-5921-4ADD-9964-2DE7A47474AF}" type="datetimeFigureOut">
               <a:rPr lang="nl-NL" smtClean="0"/>
-              <a:t>24-5-2018</a:t>
+              <a:t>25-5-2018</a:t>
             </a:fld>
             <a:endParaRPr lang="nl-NL"/>
           </a:p>
@@ -3023,7 +4707,7 @@
           <p:cNvPr id="8" name="Picture 7" descr="A group of people in a room&#10;&#10;Description generated with very high confidence">
             <a:extLst>
               <a:ext uri="{FF2B5EF4-FFF2-40B4-BE49-F238E27FC236}">
-                <a16:creationId xmlns:a16="http://schemas.microsoft.com/office/drawing/2014/main" xmlns="" id="{E8DF0BB6-DCAB-4E9C-8305-3C25099E8419}"/>
+                <a16:creationId xmlns="" xmlns:a16="http://schemas.microsoft.com/office/drawing/2014/main" id="{E8DF0BB6-DCAB-4E9C-8305-3C25099E8419}"/>
               </a:ext>
             </a:extLst>
           </p:cNvPr>
@@ -3457,7 +5141,7 @@
           <p:cNvPr id="2" name="Title 1">
             <a:extLst>
               <a:ext uri="{FF2B5EF4-FFF2-40B4-BE49-F238E27FC236}">
-                <a16:creationId xmlns:a16="http://schemas.microsoft.com/office/drawing/2014/main" xmlns="" id="{DFB35624-C45A-4417-8484-F487F43C3428}"/>
+                <a16:creationId xmlns="" xmlns:a16="http://schemas.microsoft.com/office/drawing/2014/main" id="{DFB35624-C45A-4417-8484-F487F43C3428}"/>
               </a:ext>
             </a:extLst>
           </p:cNvPr>
@@ -3485,7 +5169,7 @@
           <p:cNvPr id="3" name="Text Placeholder 2">
             <a:extLst>
               <a:ext uri="{FF2B5EF4-FFF2-40B4-BE49-F238E27FC236}">
-                <a16:creationId xmlns:a16="http://schemas.microsoft.com/office/drawing/2014/main" xmlns="" id="{F477C6E4-8C06-4C8A-8A0C-C1EDED58155D}"/>
+                <a16:creationId xmlns="" xmlns:a16="http://schemas.microsoft.com/office/drawing/2014/main" id="{F477C6E4-8C06-4C8A-8A0C-C1EDED58155D}"/>
               </a:ext>
             </a:extLst>
           </p:cNvPr>
@@ -3547,6 +5231,114 @@
       </p:grpSpPr>
       <p:sp>
         <p:nvSpPr>
+          <p:cNvPr id="2" name="Titel 1"/>
+          <p:cNvSpPr>
+            <a:spLocks noGrp="1"/>
+          </p:cNvSpPr>
+          <p:nvPr>
+            <p:ph type="title"/>
+          </p:nvPr>
+        </p:nvSpPr>
+        <p:spPr/>
+        <p:txBody>
+          <a:bodyPr>
+            <a:normAutofit/>
+          </a:bodyPr>
+          <a:lstStyle/>
+          <a:p>
+            <a:r>
+              <a:rPr lang="en-US" dirty="0" smtClean="0"/>
+              <a:t>Sequential</a:t>
+            </a:r>
+            <a:endParaRPr lang="nl-NL" dirty="0"/>
+          </a:p>
+        </p:txBody>
+      </p:sp>
+      <p:sp>
+        <p:nvSpPr>
+          <p:cNvPr id="3" name="Tijdelijke aanduiding voor inhoud 2"/>
+          <p:cNvSpPr>
+            <a:spLocks noGrp="1"/>
+          </p:cNvSpPr>
+          <p:nvPr>
+            <p:ph idx="1"/>
+          </p:nvPr>
+        </p:nvSpPr>
+        <p:spPr/>
+        <p:txBody>
+          <a:bodyPr/>
+          <a:lstStyle/>
+          <a:p>
+            <a:r>
+              <a:rPr lang="nl-NL" dirty="0"/>
+              <a:t>H</a:t>
+            </a:r>
+            <a:r>
+              <a:rPr lang="nl-NL" dirty="0" smtClean="0"/>
+              <a:t>euristiek met exact component</a:t>
+            </a:r>
+          </a:p>
+          <a:p>
+            <a:r>
+              <a:rPr lang="nl-NL" dirty="0" smtClean="0"/>
+              <a:t>Roosterconflicten minimaliseren</a:t>
+            </a:r>
+          </a:p>
+          <a:p>
+            <a:pPr lvl="1"/>
+            <a:r>
+              <a:rPr lang="nl-NL" dirty="0" smtClean="0"/>
+              <a:t>Activiteitenlijst en zaalslotenlijst husselen</a:t>
+            </a:r>
+          </a:p>
+          <a:p>
+            <a:pPr lvl="1"/>
+            <a:r>
+              <a:rPr lang="nl-NL" dirty="0" smtClean="0"/>
+              <a:t>Op zaalgrootte sorteren en samenvoegen</a:t>
+            </a:r>
+          </a:p>
+        </p:txBody>
+      </p:sp>
+    </p:spTree>
+    <p:extLst>
+      <p:ext uri="{BB962C8B-B14F-4D97-AF65-F5344CB8AC3E}">
+        <p14:creationId xmlns:p14="http://schemas.microsoft.com/office/powerpoint/2010/main" val="2422029054"/>
+      </p:ext>
+    </p:extLst>
+  </p:cSld>
+  <p:clrMapOvr>
+    <a:masterClrMapping/>
+  </p:clrMapOvr>
+  <p:timing>
+    <p:tnLst>
+      <p:par>
+        <p:cTn id="1" dur="indefinite" restart="never" nodeType="tmRoot"/>
+      </p:par>
+    </p:tnLst>
+  </p:timing>
+</p:sld>
+</file>
+
+<file path=ppt/slides/slide11.xml><?xml version="1.0" encoding="utf-8"?>
+<p:sld xmlns:a="http://schemas.openxmlformats.org/drawingml/2006/main" xmlns:r="http://schemas.openxmlformats.org/officeDocument/2006/relationships" xmlns:p="http://schemas.openxmlformats.org/presentationml/2006/main">
+  <p:cSld>
+    <p:spTree>
+      <p:nvGrpSpPr>
+        <p:cNvPr id="1" name=""/>
+        <p:cNvGrpSpPr/>
+        <p:nvPr/>
+      </p:nvGrpSpPr>
+      <p:grpSpPr>
+        <a:xfrm>
+          <a:off x="0" y="0"/>
+          <a:ext cx="0" cy="0"/>
+          <a:chOff x="0" y="0"/>
+          <a:chExt cx="0" cy="0"/>
+        </a:xfrm>
+      </p:grpSpPr>
+      <p:sp>
+        <p:nvSpPr>
           <p:cNvPr id="2" name="Title 1"/>
           <p:cNvSpPr>
             <a:spLocks noGrp="1"/>
@@ -3563,12 +5355,8 @@
           <a:lstStyle/>
           <a:p>
             <a:r>
-              <a:rPr lang="en-US" dirty="0" err="1"/>
-              <a:t>Resultaten</a:t>
-            </a:r>
-            <a:r>
               <a:rPr lang="en-US" dirty="0"/>
-              <a:t/>
+              <a:t>Genetic algorithm </a:t>
             </a:r>
             <a:br>
               <a:rPr lang="en-US" dirty="0"/>
@@ -3587,151 +5375,633 @@
             <p:ph idx="1"/>
           </p:nvPr>
         </p:nvSpPr>
-        <p:spPr/>
+        <p:spPr>
+          <a:xfrm>
+            <a:off x="1371599" y="1897039"/>
+            <a:ext cx="10042187" cy="3970361"/>
+          </a:xfrm>
+        </p:spPr>
         <p:txBody>
           <a:bodyPr>
-            <a:normAutofit fontScale="92500" lnSpcReduction="10000"/>
+            <a:normAutofit/>
           </a:bodyPr>
           <a:lstStyle/>
           <a:p>
             <a:r>
-              <a:rPr lang="en-US" dirty="0" err="1"/>
+              <a:rPr lang="en-US" dirty="0" err="1" smtClean="0"/>
+              <a:t>Combineer</a:t>
+            </a:r>
+            <a:r>
+              <a:rPr lang="en-US" dirty="0" smtClean="0"/>
+              <a:t> de </a:t>
+            </a:r>
+            <a:r>
+              <a:rPr lang="en-US" dirty="0" err="1" smtClean="0"/>
+              <a:t>activiteiten</a:t>
+            </a:r>
+            <a:r>
+              <a:rPr lang="en-US" dirty="0" smtClean="0"/>
+              <a:t> van ouder1 en ouder2 </a:t>
+            </a:r>
+            <a:r>
+              <a:rPr lang="en-US" dirty="0" err="1" smtClean="0"/>
+              <a:t>om</a:t>
+            </a:r>
+            <a:r>
+              <a:rPr lang="en-US" dirty="0" smtClean="0"/>
+              <a:t> </a:t>
+            </a:r>
+            <a:r>
+              <a:rPr lang="en-US" dirty="0" err="1" smtClean="0"/>
+              <a:t>een</a:t>
+            </a:r>
+            <a:r>
+              <a:rPr lang="en-US" dirty="0" smtClean="0"/>
+              <a:t> kind-rooster </a:t>
+            </a:r>
+            <a:r>
+              <a:rPr lang="en-US" dirty="0" err="1" smtClean="0"/>
+              <a:t>te</a:t>
+            </a:r>
+            <a:r>
+              <a:rPr lang="en-US" dirty="0" smtClean="0"/>
+              <a:t> </a:t>
+            </a:r>
+            <a:r>
+              <a:rPr lang="en-US" dirty="0" err="1" smtClean="0"/>
+              <a:t>maken</a:t>
+            </a:r>
+            <a:endParaRPr lang="en-US" dirty="0" smtClean="0"/>
+          </a:p>
+          <a:p>
+            <a:r>
+              <a:rPr lang="en-US" dirty="0" err="1" smtClean="0"/>
+              <a:t>Mogelijkheid</a:t>
+            </a:r>
+            <a:r>
+              <a:rPr lang="en-US" dirty="0" smtClean="0"/>
+              <a:t> tot </a:t>
+            </a:r>
+            <a:r>
+              <a:rPr lang="en-US" dirty="0" err="1" smtClean="0"/>
+              <a:t>mutatie</a:t>
+            </a:r>
+            <a:endParaRPr lang="en-US" dirty="0" smtClean="0"/>
+          </a:p>
+          <a:p>
+            <a:r>
+              <a:rPr lang="en-US" dirty="0" err="1" smtClean="0"/>
+              <a:t>Activiteitconflicten</a:t>
+            </a:r>
+            <a:r>
+              <a:rPr lang="en-US" dirty="0" smtClean="0"/>
+              <a:t> </a:t>
+            </a:r>
+            <a:r>
+              <a:rPr lang="en-US" dirty="0" err="1" smtClean="0"/>
+              <a:t>worden</a:t>
+            </a:r>
+            <a:r>
+              <a:rPr lang="en-US" dirty="0" smtClean="0"/>
+              <a:t> </a:t>
+            </a:r>
+            <a:r>
+              <a:rPr lang="en-US" dirty="0" err="1" smtClean="0"/>
+              <a:t>opgelost</a:t>
+            </a:r>
+            <a:r>
+              <a:rPr lang="en-US" dirty="0" smtClean="0"/>
+              <a:t> via </a:t>
+            </a:r>
+            <a:r>
+              <a:rPr lang="en-US" dirty="0" err="1" smtClean="0"/>
+              <a:t>zaalgrootte</a:t>
+            </a:r>
+            <a:endParaRPr lang="nl-NL" dirty="0"/>
+          </a:p>
+        </p:txBody>
+      </p:sp>
+      <p:pic>
+        <p:nvPicPr>
+          <p:cNvPr id="5" name="Picture 4"/>
+          <p:cNvPicPr>
+            <a:picLocks noChangeAspect="1"/>
+          </p:cNvPicPr>
+          <p:nvPr/>
+        </p:nvPicPr>
+        <p:blipFill>
+          <a:blip r:embed="rId2"/>
+          <a:stretch>
+            <a:fillRect/>
+          </a:stretch>
+        </p:blipFill>
+        <p:spPr>
+          <a:xfrm>
+            <a:off x="1995393" y="3898677"/>
+            <a:ext cx="7493000" cy="609600"/>
+          </a:xfrm>
+          <a:prstGeom prst="rect">
+            <a:avLst/>
+          </a:prstGeom>
+        </p:spPr>
+      </p:pic>
+      <p:pic>
+        <p:nvPicPr>
+          <p:cNvPr id="6" name="Picture 5"/>
+          <p:cNvPicPr>
+            <a:picLocks noChangeAspect="1"/>
+          </p:cNvPicPr>
+          <p:nvPr/>
+        </p:nvPicPr>
+        <p:blipFill>
+          <a:blip r:embed="rId3"/>
+          <a:stretch>
+            <a:fillRect/>
+          </a:stretch>
+        </p:blipFill>
+        <p:spPr>
+          <a:xfrm>
+            <a:off x="1998180" y="5032498"/>
+            <a:ext cx="7518400" cy="342900"/>
+          </a:xfrm>
+          <a:prstGeom prst="rect">
+            <a:avLst/>
+          </a:prstGeom>
+        </p:spPr>
+      </p:pic>
+      <p:pic>
+        <p:nvPicPr>
+          <p:cNvPr id="7" name="Picture 6"/>
+          <p:cNvPicPr>
+            <a:picLocks noChangeAspect="1"/>
+          </p:cNvPicPr>
+          <p:nvPr/>
+        </p:nvPicPr>
+        <p:blipFill>
+          <a:blip r:embed="rId4"/>
+          <a:stretch>
+            <a:fillRect/>
+          </a:stretch>
+        </p:blipFill>
+        <p:spPr>
+          <a:xfrm>
+            <a:off x="1982693" y="5946383"/>
+            <a:ext cx="7505700" cy="342900"/>
+          </a:xfrm>
+          <a:prstGeom prst="rect">
+            <a:avLst/>
+          </a:prstGeom>
+        </p:spPr>
+      </p:pic>
+      <p:sp>
+        <p:nvSpPr>
+          <p:cNvPr id="8" name="Right Arrow 7"/>
+          <p:cNvSpPr/>
+          <p:nvPr/>
+        </p:nvSpPr>
+        <p:spPr>
+          <a:xfrm rot="5400000">
+            <a:off x="3620864" y="4672685"/>
+            <a:ext cx="397473" cy="170376"/>
+          </a:xfrm>
+          <a:prstGeom prst="rightArrow">
+            <a:avLst/>
+          </a:prstGeom>
+          <a:solidFill>
+            <a:schemeClr val="tx1"/>
+          </a:solidFill>
+          <a:ln>
+            <a:solidFill>
+              <a:schemeClr val="tx1"/>
+            </a:solidFill>
+          </a:ln>
+        </p:spPr>
+        <p:style>
+          <a:lnRef idx="1">
+            <a:schemeClr val="accent1"/>
+          </a:lnRef>
+          <a:fillRef idx="3">
+            <a:schemeClr val="accent1"/>
+          </a:fillRef>
+          <a:effectRef idx="2">
+            <a:schemeClr val="accent1"/>
+          </a:effectRef>
+          <a:fontRef idx="minor">
+            <a:schemeClr val="lt1"/>
+          </a:fontRef>
+        </p:style>
+        <p:txBody>
+          <a:bodyPr rtlCol="0" anchor="ctr"/>
+          <a:lstStyle/>
+          <a:p>
+            <a:pPr algn="ctr"/>
+            <a:endParaRPr lang="en-US"/>
+          </a:p>
+        </p:txBody>
+      </p:sp>
+      <p:sp>
+        <p:nvSpPr>
+          <p:cNvPr id="9" name="Right Arrow 8"/>
+          <p:cNvSpPr/>
+          <p:nvPr/>
+        </p:nvSpPr>
+        <p:spPr>
+          <a:xfrm rot="5400000">
+            <a:off x="6142754" y="4701169"/>
+            <a:ext cx="397473" cy="170376"/>
+          </a:xfrm>
+          <a:prstGeom prst="rightArrow">
+            <a:avLst/>
+          </a:prstGeom>
+          <a:solidFill>
+            <a:schemeClr val="tx1"/>
+          </a:solidFill>
+          <a:ln>
+            <a:solidFill>
+              <a:schemeClr val="tx1"/>
+            </a:solidFill>
+          </a:ln>
+        </p:spPr>
+        <p:style>
+          <a:lnRef idx="1">
+            <a:schemeClr val="accent1"/>
+          </a:lnRef>
+          <a:fillRef idx="3">
+            <a:schemeClr val="accent1"/>
+          </a:fillRef>
+          <a:effectRef idx="2">
+            <a:schemeClr val="accent1"/>
+          </a:effectRef>
+          <a:fontRef idx="minor">
+            <a:schemeClr val="lt1"/>
+          </a:fontRef>
+        </p:style>
+        <p:txBody>
+          <a:bodyPr rtlCol="0" anchor="ctr"/>
+          <a:lstStyle/>
+          <a:p>
+            <a:pPr algn="ctr"/>
+            <a:endParaRPr lang="en-US"/>
+          </a:p>
+        </p:txBody>
+      </p:sp>
+      <p:sp>
+        <p:nvSpPr>
+          <p:cNvPr id="10" name="Right Arrow 9"/>
+          <p:cNvSpPr/>
+          <p:nvPr/>
+        </p:nvSpPr>
+        <p:spPr>
+          <a:xfrm rot="16200000">
+            <a:off x="4934773" y="5584074"/>
+            <a:ext cx="397473" cy="170376"/>
+          </a:xfrm>
+          <a:prstGeom prst="rightArrow">
+            <a:avLst/>
+          </a:prstGeom>
+          <a:solidFill>
+            <a:schemeClr val="tx1"/>
+          </a:solidFill>
+          <a:ln>
+            <a:solidFill>
+              <a:schemeClr val="tx1"/>
+            </a:solidFill>
+          </a:ln>
+        </p:spPr>
+        <p:style>
+          <a:lnRef idx="1">
+            <a:schemeClr val="accent1"/>
+          </a:lnRef>
+          <a:fillRef idx="3">
+            <a:schemeClr val="accent1"/>
+          </a:fillRef>
+          <a:effectRef idx="2">
+            <a:schemeClr val="accent1"/>
+          </a:effectRef>
+          <a:fontRef idx="minor">
+            <a:schemeClr val="lt1"/>
+          </a:fontRef>
+        </p:style>
+        <p:txBody>
+          <a:bodyPr rtlCol="0" anchor="ctr"/>
+          <a:lstStyle/>
+          <a:p>
+            <a:pPr algn="ctr"/>
+            <a:endParaRPr lang="en-US"/>
+          </a:p>
+        </p:txBody>
+      </p:sp>
+      <p:sp>
+        <p:nvSpPr>
+          <p:cNvPr id="11" name="Right Arrow 10"/>
+          <p:cNvSpPr/>
+          <p:nvPr/>
+        </p:nvSpPr>
+        <p:spPr>
+          <a:xfrm rot="16200000">
+            <a:off x="7348252" y="5581578"/>
+            <a:ext cx="397473" cy="170376"/>
+          </a:xfrm>
+          <a:prstGeom prst="rightArrow">
+            <a:avLst/>
+          </a:prstGeom>
+          <a:solidFill>
+            <a:schemeClr val="tx1"/>
+          </a:solidFill>
+          <a:ln>
+            <a:solidFill>
+              <a:schemeClr val="tx1"/>
+            </a:solidFill>
+          </a:ln>
+        </p:spPr>
+        <p:style>
+          <a:lnRef idx="1">
+            <a:schemeClr val="accent1"/>
+          </a:lnRef>
+          <a:fillRef idx="3">
+            <a:schemeClr val="accent1"/>
+          </a:fillRef>
+          <a:effectRef idx="2">
+            <a:schemeClr val="accent1"/>
+          </a:effectRef>
+          <a:fontRef idx="minor">
+            <a:schemeClr val="lt1"/>
+          </a:fontRef>
+        </p:style>
+        <p:txBody>
+          <a:bodyPr rtlCol="0" anchor="ctr"/>
+          <a:lstStyle/>
+          <a:p>
+            <a:pPr algn="ctr"/>
+            <a:endParaRPr lang="en-US"/>
+          </a:p>
+        </p:txBody>
+      </p:sp>
+      <p:sp>
+        <p:nvSpPr>
+          <p:cNvPr id="12" name="Right Arrow 11"/>
+          <p:cNvSpPr/>
+          <p:nvPr/>
+        </p:nvSpPr>
+        <p:spPr>
+          <a:xfrm rot="16200000">
+            <a:off x="8633659" y="5550600"/>
+            <a:ext cx="397473" cy="170376"/>
+          </a:xfrm>
+          <a:prstGeom prst="rightArrow">
+            <a:avLst/>
+          </a:prstGeom>
+          <a:solidFill>
+            <a:schemeClr val="tx1"/>
+          </a:solidFill>
+          <a:ln>
+            <a:solidFill>
+              <a:schemeClr val="tx1"/>
+            </a:solidFill>
+          </a:ln>
+        </p:spPr>
+        <p:style>
+          <a:lnRef idx="1">
+            <a:schemeClr val="accent1"/>
+          </a:lnRef>
+          <a:fillRef idx="3">
+            <a:schemeClr val="accent1"/>
+          </a:fillRef>
+          <a:effectRef idx="2">
+            <a:schemeClr val="accent1"/>
+          </a:effectRef>
+          <a:fontRef idx="minor">
+            <a:schemeClr val="lt1"/>
+          </a:fontRef>
+        </p:style>
+        <p:txBody>
+          <a:bodyPr rtlCol="0" anchor="ctr"/>
+          <a:lstStyle/>
+          <a:p>
+            <a:pPr algn="ctr"/>
+            <a:endParaRPr lang="en-US"/>
+          </a:p>
+        </p:txBody>
+      </p:sp>
+      <p:pic>
+        <p:nvPicPr>
+          <p:cNvPr id="1026" name="Picture 2" descr="Afbeeldingsresultaat voor baby cartoon"/>
+          <p:cNvPicPr>
+            <a:picLocks noChangeAspect="1" noChangeArrowheads="1"/>
+          </p:cNvPicPr>
+          <p:nvPr/>
+        </p:nvPicPr>
+        <p:blipFill>
+          <a:blip r:embed="rId5" cstate="print">
+            <a:extLst>
+              <a:ext uri="{28A0092B-C50C-407E-A947-70E740481C1C}">
+                <a14:useLocalDpi xmlns:a14="http://schemas.microsoft.com/office/drawing/2010/main" val="0"/>
+              </a:ext>
+            </a:extLst>
+          </a:blip>
+          <a:srcRect/>
+          <a:stretch>
+            <a:fillRect/>
+          </a:stretch>
+        </p:blipFill>
+        <p:spPr bwMode="auto">
+          <a:xfrm>
+            <a:off x="1169956" y="4518001"/>
+            <a:ext cx="773113" cy="1135372"/>
+          </a:xfrm>
+          <a:prstGeom prst="rect">
+            <a:avLst/>
+          </a:prstGeom>
+          <a:noFill/>
+          <a:extLst>
+            <a:ext uri="{909E8E84-426E-40DD-AFC4-6F175D3DCCD1}">
+              <a14:hiddenFill xmlns:a14="http://schemas.microsoft.com/office/drawing/2010/main">
+                <a:solidFill>
+                  <a:srgbClr val="FFFFFF"/>
+                </a:solidFill>
+              </a14:hiddenFill>
+            </a:ext>
+          </a:extLst>
+        </p:spPr>
+      </p:pic>
+    </p:spTree>
+    <p:extLst>
+      <p:ext uri="{BB962C8B-B14F-4D97-AF65-F5344CB8AC3E}">
+        <p14:creationId xmlns:p14="http://schemas.microsoft.com/office/powerpoint/2010/main" val="381599918"/>
+      </p:ext>
+    </p:extLst>
+  </p:cSld>
+  <p:clrMapOvr>
+    <a:masterClrMapping/>
+  </p:clrMapOvr>
+  <p:timing>
+    <p:tnLst>
+      <p:par>
+        <p:cTn id="1" dur="indefinite" restart="never" nodeType="tmRoot"/>
+      </p:par>
+    </p:tnLst>
+  </p:timing>
+</p:sld>
+</file>
+
+<file path=ppt/slides/slide12.xml><?xml version="1.0" encoding="utf-8"?>
+<p:sld xmlns:a="http://schemas.openxmlformats.org/drawingml/2006/main" xmlns:r="http://schemas.openxmlformats.org/officeDocument/2006/relationships" xmlns:p="http://schemas.openxmlformats.org/presentationml/2006/main">
+  <p:cSld>
+    <p:spTree>
+      <p:nvGrpSpPr>
+        <p:cNvPr id="1" name=""/>
+        <p:cNvGrpSpPr/>
+        <p:nvPr/>
+      </p:nvGrpSpPr>
+      <p:grpSpPr>
+        <a:xfrm>
+          <a:off x="0" y="0"/>
+          <a:ext cx="0" cy="0"/>
+          <a:chOff x="0" y="0"/>
+          <a:chExt cx="0" cy="0"/>
+        </a:xfrm>
+      </p:grpSpPr>
+      <p:sp>
+        <p:nvSpPr>
+          <p:cNvPr id="2" name="Titel 1"/>
+          <p:cNvSpPr>
+            <a:spLocks noGrp="1"/>
+          </p:cNvSpPr>
+          <p:nvPr>
+            <p:ph type="title"/>
+          </p:nvPr>
+        </p:nvSpPr>
+        <p:spPr/>
+        <p:txBody>
+          <a:bodyPr/>
+          <a:lstStyle/>
+          <a:p>
+            <a:r>
+              <a:rPr lang="nl-NL" dirty="0" smtClean="0"/>
+              <a:t>Resultaten: Overzicht</a:t>
+            </a:r>
+            <a:endParaRPr lang="nl-NL" dirty="0"/>
+          </a:p>
+        </p:txBody>
+      </p:sp>
+      <p:graphicFrame>
+        <p:nvGraphicFramePr>
+          <p:cNvPr id="8" name="Tijdelijke aanduiding voor inhoud 7"/>
+          <p:cNvGraphicFramePr>
+            <a:graphicFrameLocks noGrp="1"/>
+          </p:cNvGraphicFramePr>
+          <p:nvPr>
+            <p:ph idx="1"/>
+            <p:extLst>
+              <p:ext uri="{D42A27DB-BD31-4B8C-83A1-F6EECF244321}">
+                <p14:modId xmlns:p14="http://schemas.microsoft.com/office/powerpoint/2010/main" val="1871838887"/>
+              </p:ext>
+            </p:extLst>
+          </p:nvPr>
+        </p:nvGraphicFramePr>
+        <p:xfrm>
+          <a:off x="1243012" y="1700014"/>
+          <a:ext cx="10272713" cy="4460875"/>
+        </p:xfrm>
+        <a:graphic>
+          <a:graphicData uri="http://schemas.openxmlformats.org/drawingml/2006/chart">
+            <c:chart xmlns:c="http://schemas.openxmlformats.org/drawingml/2006/chart" xmlns:r="http://schemas.openxmlformats.org/officeDocument/2006/relationships" r:id="rId2"/>
+          </a:graphicData>
+        </a:graphic>
+      </p:graphicFrame>
+    </p:spTree>
+    <p:extLst>
+      <p:ext uri="{BB962C8B-B14F-4D97-AF65-F5344CB8AC3E}">
+        <p14:creationId xmlns:p14="http://schemas.microsoft.com/office/powerpoint/2010/main" val="1622972238"/>
+      </p:ext>
+    </p:extLst>
+  </p:cSld>
+  <p:clrMapOvr>
+    <a:masterClrMapping/>
+  </p:clrMapOvr>
+  <p:timing>
+    <p:tnLst>
+      <p:par>
+        <p:cTn id="1" dur="indefinite" restart="never" nodeType="tmRoot"/>
+      </p:par>
+    </p:tnLst>
+  </p:timing>
+</p:sld>
+</file>
+
+<file path=ppt/slides/slide13.xml><?xml version="1.0" encoding="utf-8"?>
+<p:sld xmlns:a="http://schemas.openxmlformats.org/drawingml/2006/main" xmlns:r="http://schemas.openxmlformats.org/officeDocument/2006/relationships" xmlns:p="http://schemas.openxmlformats.org/presentationml/2006/main">
+  <p:cSld>
+    <p:spTree>
+      <p:nvGrpSpPr>
+        <p:cNvPr id="1" name=""/>
+        <p:cNvGrpSpPr/>
+        <p:nvPr/>
+      </p:nvGrpSpPr>
+      <p:grpSpPr>
+        <a:xfrm>
+          <a:off x="0" y="0"/>
+          <a:ext cx="0" cy="0"/>
+          <a:chOff x="0" y="0"/>
+          <a:chExt cx="0" cy="0"/>
+        </a:xfrm>
+      </p:grpSpPr>
+      <p:sp>
+        <p:nvSpPr>
+          <p:cNvPr id="2" name="Title 1"/>
+          <p:cNvSpPr>
+            <a:spLocks noGrp="1"/>
+          </p:cNvSpPr>
+          <p:nvPr>
+            <p:ph type="title"/>
+          </p:nvPr>
+        </p:nvSpPr>
+        <p:spPr/>
+        <p:txBody>
+          <a:bodyPr>
+            <a:normAutofit fontScale="90000"/>
+          </a:bodyPr>
+          <a:lstStyle/>
+          <a:p>
+            <a:r>
+              <a:rPr lang="en-US" dirty="0" err="1" smtClean="0"/>
+              <a:t>Resultaten</a:t>
+            </a:r>
+            <a:r>
+              <a:rPr lang="en-US" dirty="0" smtClean="0"/>
+              <a:t>: Steepest Ascent </a:t>
+            </a:r>
+            <a:r>
+              <a:rPr lang="en-US" dirty="0" err="1" smtClean="0"/>
               <a:t>Hillclimber</a:t>
             </a:r>
             <a:r>
               <a:rPr lang="en-US" dirty="0"/>
-              <a:t>/simulated annealing</a:t>
-            </a:r>
-          </a:p>
-          <a:p>
-            <a:pPr lvl="1"/>
-            <a:r>
+              <a:t/>
+            </a:r>
+            <a:br>
               <a:rPr lang="en-US" dirty="0"/>
-              <a:t>Random sampling</a:t>
-            </a:r>
-          </a:p>
-          <a:p>
-            <a:pPr lvl="1"/>
-            <a:r>
-              <a:rPr lang="en-US" dirty="0"/>
-              <a:t>Score </a:t>
-            </a:r>
-            <a:r>
-              <a:rPr lang="en-US" dirty="0" err="1"/>
-              <a:t>vs</a:t>
-            </a:r>
-            <a:r>
-              <a:rPr lang="en-US" dirty="0"/>
-              <a:t> </a:t>
-            </a:r>
-            <a:r>
-              <a:rPr lang="en-US" dirty="0" err="1"/>
-              <a:t>iteraties</a:t>
-            </a:r>
+            </a:br>
             <a:endParaRPr lang="en-US" dirty="0"/>
           </a:p>
-          <a:p>
-            <a:r>
-              <a:rPr lang="en-US" dirty="0"/>
-              <a:t>Genetic</a:t>
-            </a:r>
-          </a:p>
-          <a:p>
-            <a:pPr lvl="1"/>
-            <a:r>
-              <a:rPr lang="en-US" dirty="0"/>
-              <a:t>Random sampling</a:t>
-            </a:r>
-          </a:p>
-          <a:p>
-            <a:pPr lvl="1"/>
-            <a:r>
-              <a:rPr lang="en-US" dirty="0"/>
-              <a:t>Score </a:t>
-            </a:r>
-            <a:r>
-              <a:rPr lang="en-US" dirty="0" err="1"/>
-              <a:t>vs</a:t>
-            </a:r>
-            <a:r>
-              <a:rPr lang="en-US" dirty="0"/>
-              <a:t> </a:t>
-            </a:r>
-            <a:r>
-              <a:rPr lang="en-US" dirty="0" err="1"/>
-              <a:t>generatie</a:t>
-            </a:r>
-            <a:endParaRPr lang="en-US" dirty="0"/>
-          </a:p>
-          <a:p>
-            <a:r>
-              <a:rPr lang="en-US" dirty="0" err="1"/>
-              <a:t>Hybride</a:t>
-            </a:r>
-            <a:endParaRPr lang="en-US" dirty="0"/>
-          </a:p>
-          <a:p>
-            <a:pPr lvl="1"/>
-            <a:r>
-              <a:rPr lang="en-US" dirty="0" err="1"/>
-              <a:t>Tussen</a:t>
-            </a:r>
-            <a:r>
-              <a:rPr lang="en-US" dirty="0"/>
-              <a:t> score </a:t>
-            </a:r>
-            <a:r>
-              <a:rPr lang="en-US" dirty="0" err="1"/>
-              <a:t>na</a:t>
-            </a:r>
-            <a:r>
-              <a:rPr lang="en-US" dirty="0"/>
-              <a:t> </a:t>
-            </a:r>
-            <a:r>
-              <a:rPr lang="en-US" dirty="0" err="1"/>
-              <a:t>elke</a:t>
-            </a:r>
-            <a:r>
-              <a:rPr lang="en-US" dirty="0"/>
-              <a:t> </a:t>
-            </a:r>
-            <a:r>
-              <a:rPr lang="en-US" dirty="0" err="1"/>
-              <a:t>algortime</a:t>
-            </a:r>
-            <a:endParaRPr lang="en-US" dirty="0"/>
-          </a:p>
-          <a:p>
-            <a:pPr lvl="1"/>
-            <a:r>
-              <a:rPr lang="en-US" dirty="0"/>
-              <a:t>Random sampling</a:t>
-            </a:r>
-          </a:p>
-          <a:p>
-            <a:pPr lvl="1"/>
-            <a:r>
-              <a:rPr lang="en-US" dirty="0"/>
-              <a:t>Score </a:t>
-            </a:r>
-            <a:r>
-              <a:rPr lang="en-US" dirty="0" err="1"/>
-              <a:t>vs</a:t>
-            </a:r>
-            <a:r>
-              <a:rPr lang="en-US" dirty="0"/>
-              <a:t> </a:t>
-            </a:r>
-            <a:r>
-              <a:rPr lang="en-US" dirty="0" err="1"/>
-              <a:t>iteraties</a:t>
-            </a:r>
-            <a:r>
-              <a:rPr lang="en-US" dirty="0"/>
-              <a:t> </a:t>
-            </a:r>
-          </a:p>
+        </p:txBody>
+      </p:sp>
+      <p:sp>
+        <p:nvSpPr>
+          <p:cNvPr id="3" name="Content Placeholder 2"/>
+          <p:cNvSpPr>
+            <a:spLocks noGrp="1"/>
+          </p:cNvSpPr>
+          <p:nvPr>
+            <p:ph idx="1"/>
+          </p:nvPr>
+        </p:nvSpPr>
+        <p:spPr/>
+        <p:txBody>
+          <a:bodyPr>
+            <a:normAutofit/>
+          </a:bodyPr>
+          <a:lstStyle/>
           <a:p>
             <a:pPr lvl="1"/>
             <a:endParaRPr lang="en-US" dirty="0"/>
@@ -3742,6 +6012,39 @@
           </a:p>
         </p:txBody>
       </p:sp>
+      <p:pic>
+        <p:nvPicPr>
+          <p:cNvPr id="4" name="Picture 6"/>
+          <p:cNvPicPr/>
+          <p:nvPr/>
+        </p:nvPicPr>
+        <p:blipFill>
+          <a:blip r:embed="rId2">
+            <a:extLst>
+              <a:ext uri="{28A0092B-C50C-407E-A947-70E740481C1C}">
+                <a14:useLocalDpi xmlns:a14="http://schemas.microsoft.com/office/drawing/2010/main" val="0"/>
+              </a:ext>
+            </a:extLst>
+          </a:blip>
+          <a:srcRect/>
+          <a:stretch>
+            <a:fillRect/>
+          </a:stretch>
+        </p:blipFill>
+        <p:spPr bwMode="auto">
+          <a:xfrm>
+            <a:off x="3291840" y="1700014"/>
+            <a:ext cx="5760720" cy="4320540"/>
+          </a:xfrm>
+          <a:prstGeom prst="rect">
+            <a:avLst/>
+          </a:prstGeom>
+          <a:noFill/>
+          <a:ln>
+            <a:noFill/>
+          </a:ln>
+        </p:spPr>
+      </p:pic>
     </p:spTree>
     <p:extLst>
       <p:ext uri="{BB962C8B-B14F-4D97-AF65-F5344CB8AC3E}">
@@ -3762,7 +6065,631 @@
 </p:sld>
 </file>
 
-<file path=ppt/slides/slide11.xml><?xml version="1.0" encoding="utf-8"?>
+<file path=ppt/slides/slide14.xml><?xml version="1.0" encoding="utf-8"?>
+<p:sld xmlns:a="http://schemas.openxmlformats.org/drawingml/2006/main" xmlns:r="http://schemas.openxmlformats.org/officeDocument/2006/relationships" xmlns:p="http://schemas.openxmlformats.org/presentationml/2006/main">
+  <p:cSld>
+    <p:spTree>
+      <p:nvGrpSpPr>
+        <p:cNvPr id="1" name=""/>
+        <p:cNvGrpSpPr/>
+        <p:nvPr/>
+      </p:nvGrpSpPr>
+      <p:grpSpPr>
+        <a:xfrm>
+          <a:off x="0" y="0"/>
+          <a:ext cx="0" cy="0"/>
+          <a:chOff x="0" y="0"/>
+          <a:chExt cx="0" cy="0"/>
+        </a:xfrm>
+      </p:grpSpPr>
+      <p:sp>
+        <p:nvSpPr>
+          <p:cNvPr id="2" name="Title 1"/>
+          <p:cNvSpPr>
+            <a:spLocks noGrp="1"/>
+          </p:cNvSpPr>
+          <p:nvPr>
+            <p:ph type="title"/>
+          </p:nvPr>
+        </p:nvSpPr>
+        <p:spPr/>
+        <p:txBody>
+          <a:bodyPr>
+            <a:normAutofit fontScale="90000"/>
+          </a:bodyPr>
+          <a:lstStyle/>
+          <a:p>
+            <a:r>
+              <a:rPr lang="en-US" dirty="0" err="1" smtClean="0"/>
+              <a:t>Resultaten</a:t>
+            </a:r>
+            <a:r>
+              <a:rPr lang="en-US" dirty="0" smtClean="0"/>
+              <a:t>: Steepest Ascent </a:t>
+            </a:r>
+            <a:r>
+              <a:rPr lang="en-US" dirty="0" err="1" smtClean="0"/>
+              <a:t>Hillclimber</a:t>
+            </a:r>
+            <a:r>
+              <a:rPr lang="en-US" dirty="0"/>
+              <a:t/>
+            </a:r>
+            <a:br>
+              <a:rPr lang="en-US" dirty="0"/>
+            </a:br>
+            <a:endParaRPr lang="en-US" dirty="0"/>
+          </a:p>
+        </p:txBody>
+      </p:sp>
+      <p:sp>
+        <p:nvSpPr>
+          <p:cNvPr id="3" name="Content Placeholder 2"/>
+          <p:cNvSpPr>
+            <a:spLocks noGrp="1"/>
+          </p:cNvSpPr>
+          <p:nvPr>
+            <p:ph idx="1"/>
+          </p:nvPr>
+        </p:nvSpPr>
+        <p:spPr/>
+        <p:txBody>
+          <a:bodyPr>
+            <a:normAutofit/>
+          </a:bodyPr>
+          <a:lstStyle/>
+          <a:p>
+            <a:pPr lvl="1"/>
+            <a:endParaRPr lang="en-US" dirty="0"/>
+          </a:p>
+          <a:p>
+            <a:pPr lvl="1"/>
+            <a:endParaRPr lang="en-US" dirty="0"/>
+          </a:p>
+        </p:txBody>
+      </p:sp>
+      <p:pic>
+        <p:nvPicPr>
+          <p:cNvPr id="4" name="Afbeelding 3"/>
+          <p:cNvPicPr/>
+          <p:nvPr/>
+        </p:nvPicPr>
+        <p:blipFill>
+          <a:blip r:embed="rId2">
+            <a:extLst>
+              <a:ext uri="{28A0092B-C50C-407E-A947-70E740481C1C}">
+                <a14:useLocalDpi xmlns:a14="http://schemas.microsoft.com/office/drawing/2010/main" val="0"/>
+              </a:ext>
+            </a:extLst>
+          </a:blip>
+          <a:stretch>
+            <a:fillRect/>
+          </a:stretch>
+        </p:blipFill>
+        <p:spPr>
+          <a:xfrm>
+            <a:off x="1663700" y="1897039"/>
+            <a:ext cx="5759450" cy="4088130"/>
+          </a:xfrm>
+          <a:prstGeom prst="rect">
+            <a:avLst/>
+          </a:prstGeom>
+        </p:spPr>
+      </p:pic>
+      <p:sp>
+        <p:nvSpPr>
+          <p:cNvPr id="5" name="PIJL-RECHTS 4"/>
+          <p:cNvSpPr/>
+          <p:nvPr/>
+        </p:nvSpPr>
+        <p:spPr>
+          <a:xfrm>
+            <a:off x="7715250" y="3271837"/>
+            <a:ext cx="1471613" cy="842963"/>
+          </a:xfrm>
+          <a:prstGeom prst="rightArrow">
+            <a:avLst/>
+          </a:prstGeom>
+          <a:solidFill>
+            <a:srgbClr val="58798C"/>
+          </a:solidFill>
+          <a:ln>
+            <a:noFill/>
+          </a:ln>
+        </p:spPr>
+        <p:style>
+          <a:lnRef idx="2">
+            <a:schemeClr val="accent1">
+              <a:shade val="50000"/>
+            </a:schemeClr>
+          </a:lnRef>
+          <a:fillRef idx="1">
+            <a:schemeClr val="accent1"/>
+          </a:fillRef>
+          <a:effectRef idx="0">
+            <a:schemeClr val="accent1"/>
+          </a:effectRef>
+          <a:fontRef idx="minor">
+            <a:schemeClr val="lt1"/>
+          </a:fontRef>
+        </p:style>
+        <p:txBody>
+          <a:bodyPr rtlCol="0" anchor="ctr"/>
+          <a:lstStyle/>
+          <a:p>
+            <a:pPr algn="ctr"/>
+            <a:endParaRPr lang="nl-NL"/>
+          </a:p>
+        </p:txBody>
+      </p:sp>
+      <p:sp>
+        <p:nvSpPr>
+          <p:cNvPr id="6" name="Wolkvormige toelichting 5"/>
+          <p:cNvSpPr/>
+          <p:nvPr/>
+        </p:nvSpPr>
+        <p:spPr>
+          <a:xfrm>
+            <a:off x="9478963" y="2800350"/>
+            <a:ext cx="2200274" cy="1757363"/>
+          </a:xfrm>
+          <a:prstGeom prst="cloudCallout">
+            <a:avLst/>
+          </a:prstGeom>
+        </p:spPr>
+        <p:style>
+          <a:lnRef idx="2">
+            <a:schemeClr val="accent6"/>
+          </a:lnRef>
+          <a:fillRef idx="1">
+            <a:schemeClr val="lt1"/>
+          </a:fillRef>
+          <a:effectRef idx="0">
+            <a:schemeClr val="accent6"/>
+          </a:effectRef>
+          <a:fontRef idx="minor">
+            <a:schemeClr val="dk1"/>
+          </a:fontRef>
+        </p:style>
+        <p:txBody>
+          <a:bodyPr rtlCol="0" anchor="ctr"/>
+          <a:lstStyle/>
+          <a:p>
+            <a:pPr algn="ctr"/>
+            <a:r>
+              <a:rPr lang="nl-NL" dirty="0" smtClean="0">
+                <a:solidFill>
+                  <a:srgbClr val="58798C"/>
+                </a:solidFill>
+              </a:rPr>
+              <a:t>Meer = beter</a:t>
+            </a:r>
+            <a:endParaRPr lang="nl-NL" dirty="0">
+              <a:solidFill>
+                <a:srgbClr val="58798C"/>
+              </a:solidFill>
+            </a:endParaRPr>
+          </a:p>
+        </p:txBody>
+      </p:sp>
+    </p:spTree>
+    <p:extLst>
+      <p:ext uri="{BB962C8B-B14F-4D97-AF65-F5344CB8AC3E}">
+        <p14:creationId xmlns:p14="http://schemas.microsoft.com/office/powerpoint/2010/main" val="2260849271"/>
+      </p:ext>
+    </p:extLst>
+  </p:cSld>
+  <p:clrMapOvr>
+    <a:masterClrMapping/>
+  </p:clrMapOvr>
+  <p:timing>
+    <p:tnLst>
+      <p:par>
+        <p:cTn id="1" dur="indefinite" restart="never" nodeType="tmRoot"/>
+      </p:par>
+    </p:tnLst>
+  </p:timing>
+</p:sld>
+</file>
+
+<file path=ppt/slides/slide15.xml><?xml version="1.0" encoding="utf-8"?>
+<p:sld xmlns:a="http://schemas.openxmlformats.org/drawingml/2006/main" xmlns:r="http://schemas.openxmlformats.org/officeDocument/2006/relationships" xmlns:p="http://schemas.openxmlformats.org/presentationml/2006/main">
+  <p:cSld>
+    <p:spTree>
+      <p:nvGrpSpPr>
+        <p:cNvPr id="1" name=""/>
+        <p:cNvGrpSpPr/>
+        <p:nvPr/>
+      </p:nvGrpSpPr>
+      <p:grpSpPr>
+        <a:xfrm>
+          <a:off x="0" y="0"/>
+          <a:ext cx="0" cy="0"/>
+          <a:chOff x="0" y="0"/>
+          <a:chExt cx="0" cy="0"/>
+        </a:xfrm>
+      </p:grpSpPr>
+      <p:sp>
+        <p:nvSpPr>
+          <p:cNvPr id="2" name="Titel 1"/>
+          <p:cNvSpPr>
+            <a:spLocks noGrp="1"/>
+          </p:cNvSpPr>
+          <p:nvPr>
+            <p:ph type="title"/>
+          </p:nvPr>
+        </p:nvSpPr>
+        <p:spPr/>
+        <p:txBody>
+          <a:bodyPr/>
+          <a:lstStyle/>
+          <a:p>
+            <a:r>
+              <a:rPr lang="nl-NL" dirty="0" smtClean="0"/>
+              <a:t>Resultaten: </a:t>
+            </a:r>
+            <a:r>
+              <a:rPr lang="nl-NL" dirty="0" err="1" smtClean="0"/>
+              <a:t>Sequential</a:t>
+            </a:r>
+            <a:r>
+              <a:rPr lang="nl-NL" dirty="0" smtClean="0"/>
+              <a:t> + Steepest </a:t>
+            </a:r>
+            <a:r>
+              <a:rPr lang="nl-NL" dirty="0" err="1" smtClean="0"/>
+              <a:t>Ascent</a:t>
+            </a:r>
+            <a:endParaRPr lang="nl-NL" dirty="0"/>
+          </a:p>
+        </p:txBody>
+      </p:sp>
+      <p:pic>
+        <p:nvPicPr>
+          <p:cNvPr id="4" name="Picture 7"/>
+          <p:cNvPicPr>
+            <a:picLocks noGrp="1"/>
+          </p:cNvPicPr>
+          <p:nvPr>
+            <p:ph idx="1"/>
+          </p:nvPr>
+        </p:nvPicPr>
+        <p:blipFill>
+          <a:blip r:embed="rId2">
+            <a:extLst>
+              <a:ext uri="{28A0092B-C50C-407E-A947-70E740481C1C}">
+                <a14:useLocalDpi xmlns:a14="http://schemas.microsoft.com/office/drawing/2010/main" val="0"/>
+              </a:ext>
+            </a:extLst>
+          </a:blip>
+          <a:srcRect/>
+          <a:stretch>
+            <a:fillRect/>
+          </a:stretch>
+        </p:blipFill>
+        <p:spPr bwMode="auto">
+          <a:xfrm>
+            <a:off x="1736725" y="1900039"/>
+            <a:ext cx="5686425" cy="3929262"/>
+          </a:xfrm>
+          <a:prstGeom prst="rect">
+            <a:avLst/>
+          </a:prstGeom>
+          <a:noFill/>
+          <a:ln>
+            <a:noFill/>
+          </a:ln>
+        </p:spPr>
+      </p:pic>
+      <p:sp>
+        <p:nvSpPr>
+          <p:cNvPr id="5" name="PIJL-RECHTS 4"/>
+          <p:cNvSpPr/>
+          <p:nvPr/>
+        </p:nvSpPr>
+        <p:spPr>
+          <a:xfrm>
+            <a:off x="7715250" y="3271837"/>
+            <a:ext cx="1471613" cy="842963"/>
+          </a:xfrm>
+          <a:prstGeom prst="rightArrow">
+            <a:avLst/>
+          </a:prstGeom>
+          <a:solidFill>
+            <a:srgbClr val="58798C"/>
+          </a:solidFill>
+          <a:ln>
+            <a:noFill/>
+          </a:ln>
+        </p:spPr>
+        <p:style>
+          <a:lnRef idx="2">
+            <a:schemeClr val="accent1">
+              <a:shade val="50000"/>
+            </a:schemeClr>
+          </a:lnRef>
+          <a:fillRef idx="1">
+            <a:schemeClr val="accent1"/>
+          </a:fillRef>
+          <a:effectRef idx="0">
+            <a:schemeClr val="accent1"/>
+          </a:effectRef>
+          <a:fontRef idx="minor">
+            <a:schemeClr val="lt1"/>
+          </a:fontRef>
+        </p:style>
+        <p:txBody>
+          <a:bodyPr rtlCol="0" anchor="ctr"/>
+          <a:lstStyle/>
+          <a:p>
+            <a:pPr algn="ctr"/>
+            <a:endParaRPr lang="nl-NL"/>
+          </a:p>
+        </p:txBody>
+      </p:sp>
+      <p:sp>
+        <p:nvSpPr>
+          <p:cNvPr id="6" name="Wolkvormige toelichting 5"/>
+          <p:cNvSpPr/>
+          <p:nvPr/>
+        </p:nvSpPr>
+        <p:spPr>
+          <a:xfrm>
+            <a:off x="9478963" y="2800350"/>
+            <a:ext cx="2200274" cy="1757363"/>
+          </a:xfrm>
+          <a:prstGeom prst="cloudCallout">
+            <a:avLst/>
+          </a:prstGeom>
+        </p:spPr>
+        <p:style>
+          <a:lnRef idx="2">
+            <a:schemeClr val="accent6"/>
+          </a:lnRef>
+          <a:fillRef idx="1">
+            <a:schemeClr val="lt1"/>
+          </a:fillRef>
+          <a:effectRef idx="0">
+            <a:schemeClr val="accent6"/>
+          </a:effectRef>
+          <a:fontRef idx="minor">
+            <a:schemeClr val="dk1"/>
+          </a:fontRef>
+        </p:style>
+        <p:txBody>
+          <a:bodyPr rtlCol="0" anchor="ctr"/>
+          <a:lstStyle/>
+          <a:p>
+            <a:pPr algn="ctr"/>
+            <a:r>
+              <a:rPr lang="nl-NL" dirty="0" smtClean="0">
+                <a:solidFill>
+                  <a:srgbClr val="58798C"/>
+                </a:solidFill>
+              </a:rPr>
+              <a:t>Lokaal optimum</a:t>
+            </a:r>
+            <a:endParaRPr lang="nl-NL" dirty="0">
+              <a:solidFill>
+                <a:srgbClr val="58798C"/>
+              </a:solidFill>
+            </a:endParaRPr>
+          </a:p>
+        </p:txBody>
+      </p:sp>
+    </p:spTree>
+    <p:extLst>
+      <p:ext uri="{BB962C8B-B14F-4D97-AF65-F5344CB8AC3E}">
+        <p14:creationId xmlns:p14="http://schemas.microsoft.com/office/powerpoint/2010/main" val="2092869414"/>
+      </p:ext>
+    </p:extLst>
+  </p:cSld>
+  <p:clrMapOvr>
+    <a:masterClrMapping/>
+  </p:clrMapOvr>
+  <p:timing>
+    <p:tnLst>
+      <p:par>
+        <p:cTn id="1" dur="indefinite" restart="never" nodeType="tmRoot"/>
+      </p:par>
+    </p:tnLst>
+  </p:timing>
+</p:sld>
+</file>
+
+<file path=ppt/slides/slide16.xml><?xml version="1.0" encoding="utf-8"?>
+<p:sld xmlns:a="http://schemas.openxmlformats.org/drawingml/2006/main" xmlns:r="http://schemas.openxmlformats.org/officeDocument/2006/relationships" xmlns:p="http://schemas.openxmlformats.org/presentationml/2006/main">
+  <p:cSld>
+    <p:spTree>
+      <p:nvGrpSpPr>
+        <p:cNvPr id="1" name=""/>
+        <p:cNvGrpSpPr/>
+        <p:nvPr/>
+      </p:nvGrpSpPr>
+      <p:grpSpPr>
+        <a:xfrm>
+          <a:off x="0" y="0"/>
+          <a:ext cx="0" cy="0"/>
+          <a:chOff x="0" y="0"/>
+          <a:chExt cx="0" cy="0"/>
+        </a:xfrm>
+      </p:grpSpPr>
+      <p:sp>
+        <p:nvSpPr>
+          <p:cNvPr id="2" name="Titel 1"/>
+          <p:cNvSpPr>
+            <a:spLocks noGrp="1"/>
+          </p:cNvSpPr>
+          <p:nvPr>
+            <p:ph type="title"/>
+          </p:nvPr>
+        </p:nvSpPr>
+        <p:spPr/>
+        <p:txBody>
+          <a:bodyPr>
+            <a:normAutofit fontScale="90000"/>
+          </a:bodyPr>
+          <a:lstStyle/>
+          <a:p>
+            <a:r>
+              <a:rPr lang="nl-NL" dirty="0" smtClean="0"/>
+              <a:t>Resultaten: </a:t>
+            </a:r>
+            <a:r>
+              <a:rPr lang="nl-NL" dirty="0" err="1" smtClean="0"/>
+              <a:t>Sequential</a:t>
+            </a:r>
+            <a:r>
+              <a:rPr lang="nl-NL" dirty="0" smtClean="0"/>
+              <a:t> + </a:t>
+            </a:r>
+            <a:r>
+              <a:rPr lang="nl-NL" dirty="0" err="1" smtClean="0"/>
+              <a:t>Simulated</a:t>
+            </a:r>
+            <a:r>
+              <a:rPr lang="nl-NL" dirty="0" smtClean="0"/>
+              <a:t> </a:t>
+            </a:r>
+            <a:r>
+              <a:rPr lang="nl-NL" dirty="0" err="1" smtClean="0"/>
+              <a:t>annealing</a:t>
+            </a:r>
+            <a:r>
+              <a:rPr lang="nl-NL" dirty="0" smtClean="0"/>
+              <a:t> + Steepest </a:t>
+            </a:r>
+            <a:r>
+              <a:rPr lang="nl-NL" dirty="0" err="1" smtClean="0"/>
+              <a:t>Ascent</a:t>
+            </a:r>
+            <a:endParaRPr lang="nl-NL" dirty="0"/>
+          </a:p>
+        </p:txBody>
+      </p:sp>
+      <p:sp>
+        <p:nvSpPr>
+          <p:cNvPr id="3" name="Tijdelijke aanduiding voor inhoud 2"/>
+          <p:cNvSpPr>
+            <a:spLocks noGrp="1"/>
+          </p:cNvSpPr>
+          <p:nvPr>
+            <p:ph idx="1"/>
+          </p:nvPr>
+        </p:nvSpPr>
+        <p:spPr/>
+        <p:txBody>
+          <a:bodyPr/>
+          <a:lstStyle/>
+          <a:p>
+            <a:endParaRPr lang="nl-NL"/>
+          </a:p>
+        </p:txBody>
+      </p:sp>
+    </p:spTree>
+    <p:extLst>
+      <p:ext uri="{BB962C8B-B14F-4D97-AF65-F5344CB8AC3E}">
+        <p14:creationId xmlns:p14="http://schemas.microsoft.com/office/powerpoint/2010/main" val="52506708"/>
+      </p:ext>
+    </p:extLst>
+  </p:cSld>
+  <p:clrMapOvr>
+    <a:masterClrMapping/>
+  </p:clrMapOvr>
+  <p:timing>
+    <p:tnLst>
+      <p:par>
+        <p:cTn id="1" dur="indefinite" restart="never" nodeType="tmRoot"/>
+      </p:par>
+    </p:tnLst>
+  </p:timing>
+</p:sld>
+</file>
+
+<file path=ppt/slides/slide17.xml><?xml version="1.0" encoding="utf-8"?>
+<p:sld xmlns:a="http://schemas.openxmlformats.org/drawingml/2006/main" xmlns:r="http://schemas.openxmlformats.org/officeDocument/2006/relationships" xmlns:p="http://schemas.openxmlformats.org/presentationml/2006/main">
+  <p:cSld>
+    <p:spTree>
+      <p:nvGrpSpPr>
+        <p:cNvPr id="1" name=""/>
+        <p:cNvGrpSpPr/>
+        <p:nvPr/>
+      </p:nvGrpSpPr>
+      <p:grpSpPr>
+        <a:xfrm>
+          <a:off x="0" y="0"/>
+          <a:ext cx="0" cy="0"/>
+          <a:chOff x="0" y="0"/>
+          <a:chExt cx="0" cy="0"/>
+        </a:xfrm>
+      </p:grpSpPr>
+      <p:sp>
+        <p:nvSpPr>
+          <p:cNvPr id="2" name="Titel 1"/>
+          <p:cNvSpPr>
+            <a:spLocks noGrp="1"/>
+          </p:cNvSpPr>
+          <p:nvPr>
+            <p:ph type="title"/>
+          </p:nvPr>
+        </p:nvSpPr>
+        <p:spPr/>
+        <p:txBody>
+          <a:bodyPr/>
+          <a:lstStyle/>
+          <a:p>
+            <a:r>
+              <a:rPr lang="nl-NL" dirty="0" smtClean="0"/>
+              <a:t>Resultaten</a:t>
+            </a:r>
+            <a:r>
+              <a:rPr lang="nl-NL" smtClean="0"/>
+              <a:t>: Winnaar</a:t>
+            </a:r>
+            <a:endParaRPr lang="nl-NL"/>
+          </a:p>
+        </p:txBody>
+      </p:sp>
+      <p:sp>
+        <p:nvSpPr>
+          <p:cNvPr id="3" name="Tijdelijke aanduiding voor inhoud 2"/>
+          <p:cNvSpPr>
+            <a:spLocks noGrp="1"/>
+          </p:cNvSpPr>
+          <p:nvPr>
+            <p:ph idx="1"/>
+          </p:nvPr>
+        </p:nvSpPr>
+        <p:spPr/>
+        <p:txBody>
+          <a:bodyPr/>
+          <a:lstStyle/>
+          <a:p>
+            <a:endParaRPr lang="nl-NL"/>
+          </a:p>
+        </p:txBody>
+      </p:sp>
+    </p:spTree>
+    <p:extLst>
+      <p:ext uri="{BB962C8B-B14F-4D97-AF65-F5344CB8AC3E}">
+        <p14:creationId xmlns:p14="http://schemas.microsoft.com/office/powerpoint/2010/main" val="3385820040"/>
+      </p:ext>
+    </p:extLst>
+  </p:cSld>
+  <p:clrMapOvr>
+    <a:masterClrMapping/>
+  </p:clrMapOvr>
+  <p:timing>
+    <p:tnLst>
+      <p:par>
+        <p:cTn id="1" dur="indefinite" restart="never" nodeType="tmRoot"/>
+      </p:par>
+    </p:tnLst>
+  </p:timing>
+</p:sld>
+</file>
+
+<file path=ppt/slides/slide18.xml><?xml version="1.0" encoding="utf-8"?>
 <p:sld xmlns:a="http://schemas.openxmlformats.org/drawingml/2006/main" xmlns:r="http://schemas.openxmlformats.org/officeDocument/2006/relationships" xmlns:p="http://schemas.openxmlformats.org/presentationml/2006/main">
   <p:cSld>
     <p:spTree>
@@ -3922,7 +6849,7 @@
           <p:cNvPr id="2" name="Title 1">
             <a:extLst>
               <a:ext uri="{FF2B5EF4-FFF2-40B4-BE49-F238E27FC236}">
-                <a16:creationId xmlns:a16="http://schemas.microsoft.com/office/drawing/2014/main" xmlns="" id="{9786429D-A3FD-4545-A82A-7A300CE7816F}"/>
+                <a16:creationId xmlns="" xmlns:a16="http://schemas.microsoft.com/office/drawing/2014/main" id="{9786429D-A3FD-4545-A82A-7A300CE7816F}"/>
               </a:ext>
             </a:extLst>
           </p:cNvPr>
@@ -3953,7 +6880,7 @@
           <p:cNvPr id="3" name="Content Placeholder 2">
             <a:extLst>
               <a:ext uri="{FF2B5EF4-FFF2-40B4-BE49-F238E27FC236}">
-                <a16:creationId xmlns:a16="http://schemas.microsoft.com/office/drawing/2014/main" xmlns="" id="{8813E008-5B7D-426C-BE51-1EB75C5AE26D}"/>
+                <a16:creationId xmlns="" xmlns:a16="http://schemas.microsoft.com/office/drawing/2014/main" id="{8813E008-5B7D-426C-BE51-1EB75C5AE26D}"/>
               </a:ext>
             </a:extLst>
           </p:cNvPr>
@@ -4083,38 +7010,12 @@
           <a:p>
             <a:r>
               <a:rPr lang="nl-NL" dirty="0"/>
-              <a:t>145 zaalsloten: 5 (dagen) </a:t>
+              <a:t>145 </a:t>
             </a:r>
             <a:r>
               <a:rPr lang="nl-NL" dirty="0" smtClean="0"/>
-              <a:t>* </a:t>
-            </a:r>
-            <a:r>
-              <a:rPr lang="nl-NL" dirty="0"/>
-              <a:t>7 (zalen</a:t>
-            </a:r>
-            <a:r>
-              <a:rPr lang="nl-NL" dirty="0" smtClean="0"/>
-              <a:t>)</a:t>
-            </a:r>
-            <a:r>
-              <a:rPr lang="nl-NL" dirty="0"/>
-              <a:t> * 4 (tijdsloten)</a:t>
-            </a:r>
-            <a:r>
-              <a:rPr lang="nl-NL" dirty="0" smtClean="0"/>
-              <a:t> </a:t>
-            </a:r>
-            <a:r>
-              <a:rPr lang="nl-NL" dirty="0"/>
-              <a:t>+ 5 (avondsloten) </a:t>
-            </a:r>
-            <a:endParaRPr lang="nl-NL" dirty="0" smtClean="0"/>
-          </a:p>
-          <a:p>
-            <a:pPr marL="0" indent="0">
-              <a:buNone/>
-            </a:pPr>
+              <a:t>zaalsloten</a:t>
+            </a:r>
             <a:endParaRPr lang="nl-NL" dirty="0"/>
           </a:p>
           <a:p>
@@ -4127,7 +7028,7 @@
           <p:cNvPr id="4" name="Right Brace 3">
             <a:extLst>
               <a:ext uri="{FF2B5EF4-FFF2-40B4-BE49-F238E27FC236}">
-                <a16:creationId xmlns:a16="http://schemas.microsoft.com/office/drawing/2014/main" xmlns="" id="{6E64EA35-C3BC-4000-9318-44F7982588DD}"/>
+                <a16:creationId xmlns="" xmlns:a16="http://schemas.microsoft.com/office/drawing/2014/main" id="{6E64EA35-C3BC-4000-9318-44F7982588DD}"/>
               </a:ext>
             </a:extLst>
           </p:cNvPr>
@@ -4217,7 +7118,7 @@
           <p:cNvPr id="2" name="Title 1">
             <a:extLst>
               <a:ext uri="{FF2B5EF4-FFF2-40B4-BE49-F238E27FC236}">
-                <a16:creationId xmlns:a16="http://schemas.microsoft.com/office/drawing/2014/main" xmlns="" id="{460B92D0-C3FC-4816-BD32-0EB0C8AE980D}"/>
+                <a16:creationId xmlns="" xmlns:a16="http://schemas.microsoft.com/office/drawing/2014/main" id="{460B92D0-C3FC-4816-BD32-0EB0C8AE980D}"/>
               </a:ext>
             </a:extLst>
           </p:cNvPr>
@@ -4253,7 +7154,7 @@
           <p:cNvPr id="3" name="Content Placeholder 2">
             <a:extLst>
               <a:ext uri="{FF2B5EF4-FFF2-40B4-BE49-F238E27FC236}">
-                <a16:creationId xmlns:a16="http://schemas.microsoft.com/office/drawing/2014/main" xmlns="" id="{39DE8E62-E349-4FAC-AC22-7E063D842504}"/>
+                <a16:creationId xmlns="" xmlns:a16="http://schemas.microsoft.com/office/drawing/2014/main" id="{39DE8E62-E349-4FAC-AC22-7E063D842504}"/>
               </a:ext>
             </a:extLst>
           </p:cNvPr>
@@ -4368,43 +7269,82 @@
             <p:ph idx="1"/>
           </p:nvPr>
         </p:nvSpPr>
-        <p:spPr/>
+        <p:spPr>
+          <a:xfrm>
+            <a:off x="1371600" y="2314575"/>
+            <a:ext cx="9601200" cy="3552825"/>
+          </a:xfrm>
+        </p:spPr>
         <p:txBody>
           <a:bodyPr>
             <a:normAutofit fontScale="92500" lnSpcReduction="10000"/>
           </a:bodyPr>
           <a:lstStyle/>
           <a:p>
-            <a:r>
-              <a:rPr lang="en-US" b="1" dirty="0"/>
-              <a:t>Score</a:t>
-            </a:r>
-            <a:r>
-              <a:rPr lang="en-US" dirty="0"/>
-              <a:t> = 1000 + </a:t>
-            </a:r>
+            <a:pPr marL="0" indent="0">
+              <a:buNone/>
+            </a:pPr>
+            <a:r>
+              <a:rPr lang="en-US" sz="2600" b="1" dirty="0" smtClean="0"/>
+              <a:t>		</a:t>
+            </a:r>
+            <a:endParaRPr lang="en-US" dirty="0"/>
+          </a:p>
+          <a:p>
             <a:r>
               <a:rPr lang="en-US" dirty="0" err="1"/>
               <a:t>Bonuspunten</a:t>
             </a:r>
             <a:r>
               <a:rPr lang="en-US" dirty="0"/>
-              <a:t> - </a:t>
-            </a:r>
+              <a:t>:</a:t>
+            </a:r>
+          </a:p>
+          <a:p>
+            <a:pPr lvl="1"/>
+            <a:r>
+              <a:rPr lang="en-US" b="1" i="0" dirty="0"/>
+              <a:t>20 </a:t>
+            </a:r>
+            <a:r>
+              <a:rPr lang="en-US" b="1" i="0" dirty="0" err="1"/>
+              <a:t>punten</a:t>
+            </a:r>
+            <a:r>
+              <a:rPr lang="en-US" b="1" i="0" dirty="0"/>
+              <a:t> </a:t>
+            </a:r>
+            <a:r>
+              <a:rPr lang="en-US" i="0" dirty="0" err="1"/>
+              <a:t>voor</a:t>
+            </a:r>
+            <a:r>
+              <a:rPr lang="en-US" i="0" dirty="0"/>
+              <a:t> </a:t>
+            </a:r>
+            <a:r>
+              <a:rPr lang="en-US" i="0" dirty="0" err="1"/>
+              <a:t>goede</a:t>
+            </a:r>
+            <a:r>
+              <a:rPr lang="en-US" i="0" dirty="0"/>
+              <a:t> </a:t>
+            </a:r>
+            <a:r>
+              <a:rPr lang="en-US" i="0" dirty="0" err="1"/>
+              <a:t>weekindeling</a:t>
+            </a:r>
+            <a:endParaRPr lang="en-US" i="0" dirty="0"/>
+          </a:p>
+          <a:p>
+            <a:pPr lvl="1"/>
+            <a:endParaRPr lang="en-US" i="0" dirty="0"/>
+          </a:p>
+          <a:p>
             <a:r>
               <a:rPr lang="en-US" dirty="0" err="1"/>
               <a:t>Maluspunten</a:t>
             </a:r>
-            <a:endParaRPr lang="en-US" dirty="0"/>
-          </a:p>
-          <a:p>
-            <a:endParaRPr lang="en-US" dirty="0"/>
-          </a:p>
-          <a:p>
-            <a:r>
-              <a:rPr lang="en-US" dirty="0" err="1"/>
-              <a:t>Bonuspunten</a:t>
-            </a:r>
             <a:r>
               <a:rPr lang="en-US" dirty="0"/>
               <a:t>:</a:t>
@@ -4414,7 +7354,65 @@
             <a:pPr lvl="1"/>
             <a:r>
               <a:rPr lang="en-US" b="1" i="0" dirty="0"/>
-              <a:t>20 </a:t>
+              <a:t>1 punt </a:t>
+            </a:r>
+            <a:r>
+              <a:rPr lang="en-US" i="0" dirty="0" err="1"/>
+              <a:t>voor</a:t>
+            </a:r>
+            <a:r>
+              <a:rPr lang="en-US" i="0" dirty="0"/>
+              <a:t> </a:t>
+            </a:r>
+            <a:r>
+              <a:rPr lang="en-US" i="0" dirty="0" err="1"/>
+              <a:t>iedere</a:t>
+            </a:r>
+            <a:r>
+              <a:rPr lang="en-US" i="0" dirty="0"/>
+              <a:t> student die </a:t>
+            </a:r>
+            <a:r>
+              <a:rPr lang="en-US" i="0" dirty="0" err="1"/>
+              <a:t>niet</a:t>
+            </a:r>
+            <a:r>
+              <a:rPr lang="en-US" i="0" dirty="0"/>
+              <a:t> in de </a:t>
+            </a:r>
+            <a:r>
+              <a:rPr lang="en-US" i="0" dirty="0" err="1"/>
+              <a:t>zaal</a:t>
+            </a:r>
+            <a:r>
+              <a:rPr lang="en-US" i="0" dirty="0"/>
+              <a:t> past</a:t>
+            </a:r>
+          </a:p>
+          <a:p>
+            <a:pPr lvl="1"/>
+            <a:r>
+              <a:rPr lang="en-US" b="1" i="0" dirty="0"/>
+              <a:t>1 punt </a:t>
+            </a:r>
+            <a:r>
+              <a:rPr lang="en-US" i="0" dirty="0"/>
+              <a:t>per </a:t>
+            </a:r>
+            <a:r>
+              <a:rPr lang="en-US" i="0" dirty="0" err="1"/>
+              <a:t>roosterconflict</a:t>
+            </a:r>
+            <a:r>
+              <a:rPr lang="en-US" i="0" dirty="0"/>
+              <a:t> per student</a:t>
+            </a:r>
+          </a:p>
+          <a:p>
+            <a:pPr lvl="1"/>
+            <a:r>
+              <a:rPr lang="en-US" b="1" i="0" dirty="0"/>
+              <a:t>10, 20 of 30 </a:t>
             </a:r>
             <a:r>
               <a:rPr lang="en-US" b="1" i="0" dirty="0" err="1"/>
@@ -4434,7 +7432,7 @@
             </a:r>
             <a:r>
               <a:rPr lang="en-US" i="0" dirty="0" err="1"/>
-              <a:t>goede</a:t>
+              <a:t>slechte</a:t>
             </a:r>
             <a:r>
               <a:rPr lang="en-US" i="0" dirty="0"/>
@@ -4448,23 +7446,17 @@
           </a:p>
           <a:p>
             <a:pPr lvl="1"/>
-            <a:endParaRPr lang="en-US" i="0" dirty="0"/>
-          </a:p>
-          <a:p>
-            <a:r>
-              <a:rPr lang="en-US" dirty="0" err="1"/>
-              <a:t>Maluspunten</a:t>
-            </a:r>
-            <a:r>
-              <a:rPr lang="en-US" dirty="0"/>
-              <a:t>:</a:t>
-            </a:r>
-          </a:p>
-          <a:p>
-            <a:pPr lvl="1"/>
             <a:r>
               <a:rPr lang="en-US" b="1" i="0" dirty="0"/>
-              <a:t>1 punt </a:t>
+              <a:t>50 </a:t>
+            </a:r>
+            <a:r>
+              <a:rPr lang="en-US" b="1" i="0" dirty="0" err="1"/>
+              <a:t>punten</a:t>
+            </a:r>
+            <a:r>
+              <a:rPr lang="en-US" b="1" i="0" dirty="0"/>
+              <a:t> </a:t>
             </a:r>
             <a:r>
               <a:rPr lang="en-US" i="0" dirty="0" err="1"/>
@@ -4476,65 +7468,7 @@
             </a:r>
             <a:r>
               <a:rPr lang="en-US" i="0" dirty="0" err="1"/>
-              <a:t>iedere</a:t>
-            </a:r>
-            <a:r>
-              <a:rPr lang="en-US" i="0" dirty="0"/>
-              <a:t> student die </a:t>
-            </a:r>
-            <a:r>
-              <a:rPr lang="en-US" i="0" dirty="0" err="1"/>
-              <a:t>niet</a:t>
-            </a:r>
-            <a:r>
-              <a:rPr lang="en-US" i="0" dirty="0"/>
-              <a:t> in de </a:t>
-            </a:r>
-            <a:r>
-              <a:rPr lang="en-US" i="0" dirty="0" err="1"/>
-              <a:t>zaal</a:t>
-            </a:r>
-            <a:r>
-              <a:rPr lang="en-US" i="0" dirty="0"/>
-              <a:t> past</a:t>
-            </a:r>
-          </a:p>
-          <a:p>
-            <a:pPr lvl="1"/>
-            <a:r>
-              <a:rPr lang="en-US" b="1" i="0" dirty="0"/>
-              <a:t>1 punt </a:t>
-            </a:r>
-            <a:r>
-              <a:rPr lang="en-US" i="0" dirty="0"/>
-              <a:t>per </a:t>
-            </a:r>
-            <a:r>
-              <a:rPr lang="en-US" i="0" dirty="0" err="1"/>
-              <a:t>roosterconflict</a:t>
-            </a:r>
-            <a:r>
-              <a:rPr lang="en-US" i="0" dirty="0"/>
-              <a:t> per student</a:t>
-            </a:r>
-          </a:p>
-          <a:p>
-            <a:pPr lvl="1"/>
-            <a:r>
-              <a:rPr lang="en-US" b="1" i="0" dirty="0"/>
-              <a:t>10, 20 of 30 </a:t>
-            </a:r>
-            <a:r>
-              <a:rPr lang="en-US" b="1" i="0" dirty="0" err="1"/>
-              <a:t>punten</a:t>
-            </a:r>
-            <a:r>
-              <a:rPr lang="en-US" b="1" i="0" dirty="0"/>
-              <a:t> </a:t>
-            </a:r>
-            <a:r>
-              <a:rPr lang="en-US" i="0" dirty="0" err="1"/>
-              <a:t>voor</a:t>
+              <a:t>laat</a:t>
             </a:r>
             <a:r>
               <a:rPr lang="en-US" i="0" dirty="0"/>
@@ -4542,50 +7476,6 @@
             </a:r>
             <a:r>
               <a:rPr lang="en-US" i="0" dirty="0" err="1"/>
-              <a:t>slechte</a:t>
-            </a:r>
-            <a:r>
-              <a:rPr lang="en-US" i="0" dirty="0"/>
-              <a:t> </a:t>
-            </a:r>
-            <a:r>
-              <a:rPr lang="en-US" i="0" dirty="0" err="1"/>
-              <a:t>weekindeling</a:t>
-            </a:r>
-            <a:endParaRPr lang="en-US" i="0" dirty="0"/>
-          </a:p>
-          <a:p>
-            <a:pPr lvl="1"/>
-            <a:r>
-              <a:rPr lang="en-US" b="1" i="0" dirty="0"/>
-              <a:t>50 </a:t>
-            </a:r>
-            <a:r>
-              <a:rPr lang="en-US" b="1" i="0" dirty="0" err="1"/>
-              <a:t>punten</a:t>
-            </a:r>
-            <a:r>
-              <a:rPr lang="en-US" b="1" i="0" dirty="0"/>
-              <a:t> </a:t>
-            </a:r>
-            <a:r>
-              <a:rPr lang="en-US" i="0" dirty="0" err="1"/>
-              <a:t>voor</a:t>
-            </a:r>
-            <a:r>
-              <a:rPr lang="en-US" i="0" dirty="0"/>
-              <a:t> </a:t>
-            </a:r>
-            <a:r>
-              <a:rPr lang="en-US" i="0" dirty="0" err="1"/>
-              <a:t>laat</a:t>
-            </a:r>
-            <a:r>
-              <a:rPr lang="en-US" i="0" dirty="0"/>
-              <a:t> </a:t>
-            </a:r>
-            <a:r>
-              <a:rPr lang="en-US" i="0" dirty="0" err="1"/>
               <a:t>tijdslot</a:t>
             </a:r>
             <a:r>
@@ -4596,6 +7486,104 @@
           <a:p>
             <a:pPr lvl="1"/>
             <a:endParaRPr lang="en-US" i="0" dirty="0"/>
+          </a:p>
+        </p:txBody>
+      </p:sp>
+      <p:sp>
+        <p:nvSpPr>
+          <p:cNvPr id="4" name="Rechthoek 3"/>
+          <p:cNvSpPr/>
+          <p:nvPr/>
+        </p:nvSpPr>
+        <p:spPr>
+          <a:xfrm>
+            <a:off x="2771775" y="1700013"/>
+            <a:ext cx="7043738" cy="614561"/>
+          </a:xfrm>
+          <a:prstGeom prst="rect">
+            <a:avLst/>
+          </a:prstGeom>
+          <a:noFill/>
+          <a:ln>
+            <a:solidFill>
+              <a:srgbClr val="58798C"/>
+            </a:solidFill>
+          </a:ln>
+        </p:spPr>
+        <p:style>
+          <a:lnRef idx="2">
+            <a:schemeClr val="accent1">
+              <a:shade val="50000"/>
+            </a:schemeClr>
+          </a:lnRef>
+          <a:fillRef idx="1">
+            <a:schemeClr val="accent1"/>
+          </a:fillRef>
+          <a:effectRef idx="0">
+            <a:schemeClr val="accent1"/>
+          </a:effectRef>
+          <a:fontRef idx="minor">
+            <a:schemeClr val="lt1"/>
+          </a:fontRef>
+        </p:style>
+        <p:txBody>
+          <a:bodyPr rtlCol="0" anchor="ctr"/>
+          <a:lstStyle/>
+          <a:p>
+            <a:pPr algn="ctr"/>
+            <a:r>
+              <a:rPr lang="en-US" sz="2000" b="1" dirty="0">
+                <a:solidFill>
+                  <a:srgbClr val="335B74"/>
+                </a:solidFill>
+              </a:rPr>
+              <a:t>Score</a:t>
+            </a:r>
+            <a:r>
+              <a:rPr lang="en-US" sz="2000" dirty="0">
+                <a:solidFill>
+                  <a:srgbClr val="335B74"/>
+                </a:solidFill>
+              </a:rPr>
+              <a:t> </a:t>
+            </a:r>
+            <a:r>
+              <a:rPr lang="en-US" sz="2000" b="1" dirty="0">
+                <a:solidFill>
+                  <a:srgbClr val="335B74"/>
+                </a:solidFill>
+              </a:rPr>
+              <a:t>= 1000 + </a:t>
+            </a:r>
+            <a:r>
+              <a:rPr lang="en-US" sz="2000" b="1" dirty="0" err="1">
+                <a:solidFill>
+                  <a:srgbClr val="335B74"/>
+                </a:solidFill>
+              </a:rPr>
+              <a:t>Bonuspunten</a:t>
+            </a:r>
+            <a:r>
+              <a:rPr lang="en-US" sz="2000" b="1" dirty="0">
+                <a:solidFill>
+                  <a:srgbClr val="335B74"/>
+                </a:solidFill>
+              </a:rPr>
+              <a:t> - </a:t>
+            </a:r>
+            <a:r>
+              <a:rPr lang="en-US" sz="2000" b="1" dirty="0" err="1">
+                <a:solidFill>
+                  <a:srgbClr val="335B74"/>
+                </a:solidFill>
+              </a:rPr>
+              <a:t>Maluspunten</a:t>
+            </a:r>
+            <a:endParaRPr lang="en-US" sz="2000" b="1" dirty="0">
+              <a:solidFill>
+                <a:srgbClr val="335B74"/>
+              </a:solidFill>
+            </a:endParaRPr>
           </a:p>
         </p:txBody>
       </p:sp>
@@ -4699,7 +7687,7 @@
             <a:pPr lvl="1"/>
             <a:r>
               <a:rPr lang="en-US" i="0" dirty="0" err="1" smtClean="0"/>
-              <a:t>Theorestisch</a:t>
+              <a:t>Theoretisch</a:t>
             </a:r>
             <a:endParaRPr lang="en-US" i="0" dirty="0" smtClean="0"/>
           </a:p>
@@ -4733,7 +7721,11 @@
             </a:r>
             <a:r>
               <a:rPr lang="en-US" sz="2000" i="0" dirty="0" smtClean="0"/>
-              <a:t>)* 20 (</a:t>
+              <a:t>) * </a:t>
+            </a:r>
+            <a:r>
+              <a:rPr lang="en-US" sz="2000" i="0" dirty="0" smtClean="0"/>
+              <a:t>20 (</a:t>
             </a:r>
             <a:r>
               <a:rPr lang="en-US" sz="2000" i="0" dirty="0" err="1" smtClean="0"/>
@@ -4830,12 +7822,20 @@
               <a:t>weekactiviteiten</a:t>
             </a:r>
             <a:r>
+              <a:rPr lang="en-US" sz="2000" i="0" dirty="0" smtClean="0">
+                <a:solidFill>
+                  <a:srgbClr val="335B74"/>
+                </a:solidFill>
+              </a:rPr>
+              <a:t>) * </a:t>
+            </a:r>
+            <a:r>
               <a:rPr lang="en-US" sz="2000" i="0" dirty="0">
                 <a:solidFill>
                   <a:srgbClr val="335B74"/>
                 </a:solidFill>
               </a:rPr>
-              <a:t>)* 20 (</a:t>
+              <a:t>20 (</a:t>
             </a:r>
             <a:r>
               <a:rPr lang="en-US" sz="2000" i="0" dirty="0" err="1">
@@ -5155,12 +8155,21 @@
                 </a14:m>
                 <a:r>
                   <a:rPr lang="nl-NL" dirty="0"/>
-                  <a:t> = 3.8464880164×10</a:t>
+                  <a:t> = </a:t>
                 </a:r>
                 <a:r>
-                  <a:rPr lang="nl-NL" baseline="30000" dirty="0"/>
+                  <a:rPr lang="nl-NL" dirty="0" smtClean="0"/>
+                  <a:t>3.8464880164×10</a:t>
+                </a:r>
+                <a:r>
+                  <a:rPr lang="nl-NL" baseline="30000" dirty="0" smtClean="0"/>
                   <a:t>238</a:t>
                 </a:r>
+              </a:p>
+              <a:p>
+                <a:pPr marL="0" indent="0">
+                  <a:buNone/>
+                </a:pPr>
                 <a:endParaRPr lang="nl-NL" dirty="0"/>
               </a:p>
             </p:txBody>
@@ -5179,7 +8188,7 @@
             </p:nvSpPr>
             <p:spPr>
               <a:blipFill rotWithShape="0">
-                <a:blip r:embed="rId2"/>
+                <a:blip r:embed="rId3"/>
                 <a:stretch>
                   <a:fillRect l="-825" t="-1840"/>
                 </a:stretch>
@@ -5276,117 +8285,71 @@
           <a:lstStyle/>
           <a:p>
             <a:r>
-              <a:rPr lang="en-US" dirty="0" err="1"/>
-              <a:t>Uitleg</a:t>
-            </a:r>
-            <a:r>
-              <a:rPr lang="en-US" dirty="0"/>
-              <a:t> </a:t>
-            </a:r>
-            <a:r>
-              <a:rPr lang="en-US" dirty="0" err="1"/>
-              <a:t>algoritmes</a:t>
+              <a:rPr lang="en-US" dirty="0" err="1" smtClean="0"/>
+              <a:t>A</a:t>
+            </a:r>
+            <a:r>
+              <a:rPr lang="en-US" dirty="0" err="1" smtClean="0"/>
+              <a:t>lgoritmes</a:t>
             </a:r>
             <a:endParaRPr lang="en-US" dirty="0"/>
           </a:p>
           <a:p>
             <a:pPr lvl="1"/>
             <a:r>
-              <a:rPr lang="en-US" dirty="0" err="1"/>
+              <a:rPr lang="en-US" dirty="0" smtClean="0"/>
+              <a:t>Random sampling</a:t>
+            </a:r>
+            <a:endParaRPr lang="en-US" dirty="0"/>
+          </a:p>
+          <a:p>
+            <a:pPr lvl="1"/>
+            <a:r>
+              <a:rPr lang="en-US" dirty="0" err="1" smtClean="0"/>
               <a:t>Hillclimber</a:t>
             </a:r>
-            <a:r>
-              <a:rPr lang="en-US" dirty="0"/>
-              <a:t>/simulated annealing</a:t>
+            <a:endParaRPr lang="en-US" dirty="0" smtClean="0"/>
+          </a:p>
+          <a:p>
+            <a:pPr lvl="2"/>
+            <a:r>
+              <a:rPr lang="en-US" dirty="0" err="1" smtClean="0"/>
+              <a:t>Stochastisch</a:t>
+            </a:r>
+            <a:endParaRPr lang="en-US" dirty="0" smtClean="0"/>
+          </a:p>
+          <a:p>
+            <a:pPr lvl="2"/>
+            <a:r>
+              <a:rPr lang="en-US" dirty="0" smtClean="0"/>
+              <a:t>Steepest ascent</a:t>
+            </a:r>
+          </a:p>
+          <a:p>
+            <a:pPr lvl="2"/>
+            <a:r>
+              <a:rPr lang="en-US" dirty="0" smtClean="0"/>
+              <a:t>simulated annealing</a:t>
             </a:r>
           </a:p>
           <a:p>
             <a:pPr lvl="1"/>
             <a:r>
-              <a:rPr lang="en-US" dirty="0"/>
+              <a:rPr lang="en-US" dirty="0" smtClean="0"/>
+              <a:t>Sequential</a:t>
+            </a:r>
+            <a:endParaRPr lang="en-US" dirty="0" smtClean="0"/>
+          </a:p>
+          <a:p>
+            <a:pPr lvl="1"/>
+            <a:r>
+              <a:rPr lang="en-US" dirty="0" smtClean="0"/>
               <a:t>Genetic </a:t>
             </a:r>
             <a:r>
-              <a:rPr lang="en-US" dirty="0" err="1"/>
+              <a:rPr lang="en-US" dirty="0" err="1" smtClean="0"/>
               <a:t>algoritme</a:t>
             </a:r>
-            <a:endParaRPr lang="en-US" dirty="0"/>
-          </a:p>
-          <a:p>
-            <a:pPr lvl="1"/>
-            <a:r>
-              <a:rPr lang="en-US" dirty="0" err="1"/>
-              <a:t>Hybride</a:t>
-            </a:r>
-            <a:r>
-              <a:rPr lang="en-US" dirty="0"/>
-              <a:t> (sequential en </a:t>
-            </a:r>
-            <a:r>
-              <a:rPr lang="en-US" dirty="0" err="1"/>
-              <a:t>dan</a:t>
-            </a:r>
-            <a:r>
-              <a:rPr lang="en-US" dirty="0"/>
-              <a:t> mix </a:t>
-            </a:r>
-            <a:r>
-              <a:rPr lang="en-US" dirty="0" err="1"/>
-              <a:t>bovenstaande</a:t>
-            </a:r>
-            <a:r>
-              <a:rPr lang="en-US" dirty="0"/>
-              <a:t> twee </a:t>
-            </a:r>
-            <a:r>
-              <a:rPr lang="en-US" dirty="0" err="1"/>
-              <a:t>algoritmes</a:t>
-            </a:r>
-            <a:r>
-              <a:rPr lang="en-US" dirty="0"/>
-              <a:t>)</a:t>
-            </a:r>
-          </a:p>
-          <a:p>
-            <a:r>
-              <a:rPr lang="en-US" dirty="0" err="1"/>
-              <a:t>Uitleg</a:t>
-            </a:r>
-            <a:r>
-              <a:rPr lang="en-US" dirty="0"/>
-              <a:t> of </a:t>
-            </a:r>
-            <a:r>
-              <a:rPr lang="en-US" dirty="0" err="1"/>
-              <a:t>algoritmes</a:t>
-            </a:r>
-            <a:r>
-              <a:rPr lang="en-US" dirty="0"/>
-              <a:t> exact </a:t>
-            </a:r>
-            <a:r>
-              <a:rPr lang="en-US" dirty="0" err="1"/>
-              <a:t>zijn</a:t>
-            </a:r>
-            <a:r>
-              <a:rPr lang="en-US" dirty="0"/>
-              <a:t> of </a:t>
-            </a:r>
-            <a:r>
-              <a:rPr lang="en-US" dirty="0" err="1"/>
-              <a:t>een</a:t>
-            </a:r>
-            <a:r>
-              <a:rPr lang="en-US" dirty="0"/>
-              <a:t> </a:t>
-            </a:r>
-            <a:r>
-              <a:rPr lang="en-US" dirty="0" err="1"/>
-              <a:t>heuristiek</a:t>
-            </a:r>
-            <a:endParaRPr lang="en-US" dirty="0"/>
-          </a:p>
-          <a:p>
             <a:endParaRPr lang="en-US" dirty="0"/>
           </a:p>
           <a:p>
@@ -5437,44 +8400,12 @@
       </p:grpSpPr>
       <p:sp>
         <p:nvSpPr>
-          <p:cNvPr id="2" name="Title 1"/>
+          <p:cNvPr id="2" name="Titel 1"/>
           <p:cNvSpPr>
             <a:spLocks noGrp="1"/>
           </p:cNvSpPr>
           <p:nvPr>
             <p:ph type="title"/>
-          </p:nvPr>
-        </p:nvSpPr>
-        <p:spPr/>
-        <p:txBody>
-          <a:bodyPr>
-            <a:normAutofit fontScale="90000"/>
-          </a:bodyPr>
-          <a:lstStyle/>
-          <a:p>
-            <a:r>
-              <a:rPr lang="en-US" dirty="0" err="1"/>
-              <a:t>Experimenteren</a:t>
-            </a:r>
-            <a:r>
-              <a:rPr lang="en-US" dirty="0"/>
-              <a:t/>
-            </a:r>
-            <a:br>
-              <a:rPr lang="en-US" dirty="0"/>
-            </a:br>
-            <a:endParaRPr lang="en-US" dirty="0"/>
-          </a:p>
-        </p:txBody>
-      </p:sp>
-      <p:sp>
-        <p:nvSpPr>
-          <p:cNvPr id="3" name="Content Placeholder 2"/>
-          <p:cNvSpPr>
-            <a:spLocks noGrp="1"/>
-          </p:cNvSpPr>
-          <p:nvPr>
-            <p:ph idx="1"/>
           </p:nvPr>
         </p:nvSpPr>
         <p:spPr/>
@@ -5483,268 +8414,45 @@
           <a:lstStyle/>
           <a:p>
             <a:r>
-              <a:rPr lang="en-US" dirty="0" err="1"/>
-              <a:t>Hillclimber</a:t>
-            </a:r>
-            <a:r>
-              <a:rPr lang="en-US" dirty="0"/>
-              <a:t>/simulated annealing</a:t>
-            </a:r>
-          </a:p>
-          <a:p>
-            <a:pPr lvl="1"/>
-            <a:r>
-              <a:rPr lang="en-US" dirty="0"/>
-              <a:t>Simulated annealing </a:t>
-            </a:r>
-            <a:r>
-              <a:rPr lang="en-US" dirty="0" err="1"/>
-              <a:t>eerst</a:t>
-            </a:r>
-            <a:r>
-              <a:rPr lang="en-US" dirty="0"/>
-              <a:t> </a:t>
-            </a:r>
-            <a:r>
-              <a:rPr lang="en-US" dirty="0" err="1"/>
-              <a:t>kijken</a:t>
-            </a:r>
-            <a:r>
-              <a:rPr lang="en-US" dirty="0"/>
-              <a:t> </a:t>
-            </a:r>
-            <a:r>
-              <a:rPr lang="en-US" dirty="0" err="1"/>
-              <a:t>welke</a:t>
-            </a:r>
-            <a:r>
-              <a:rPr lang="en-US" dirty="0"/>
-              <a:t> cooling schema het </a:t>
-            </a:r>
-            <a:r>
-              <a:rPr lang="en-US" dirty="0" err="1"/>
-              <a:t>beste</a:t>
-            </a:r>
-            <a:r>
-              <a:rPr lang="en-US" dirty="0"/>
-              <a:t> is</a:t>
-            </a:r>
-          </a:p>
-          <a:p>
-            <a:pPr lvl="1"/>
-            <a:r>
-              <a:rPr lang="en-US" dirty="0"/>
-              <a:t>Score </a:t>
-            </a:r>
-            <a:r>
-              <a:rPr lang="en-US" dirty="0" err="1"/>
-              <a:t>algoritmes</a:t>
-            </a:r>
-            <a:r>
-              <a:rPr lang="en-US" dirty="0"/>
-              <a:t> </a:t>
-            </a:r>
-            <a:r>
-              <a:rPr lang="en-US" dirty="0" err="1"/>
-              <a:t>vs</a:t>
-            </a:r>
-            <a:r>
-              <a:rPr lang="en-US" dirty="0"/>
-              <a:t> </a:t>
-            </a:r>
-            <a:r>
-              <a:rPr lang="en-US" dirty="0" err="1"/>
-              <a:t>aantal</a:t>
-            </a:r>
-            <a:r>
-              <a:rPr lang="en-US" dirty="0"/>
-              <a:t> </a:t>
-            </a:r>
-            <a:r>
-              <a:rPr lang="en-US" dirty="0" err="1"/>
-              <a:t>interaties</a:t>
-            </a:r>
-            <a:endParaRPr lang="en-US" dirty="0"/>
-          </a:p>
-          <a:p>
-            <a:pPr lvl="1"/>
-            <a:r>
-              <a:rPr lang="en-US" dirty="0" err="1"/>
-              <a:t>Normaal</a:t>
-            </a:r>
-            <a:r>
-              <a:rPr lang="en-US" dirty="0"/>
-              <a:t> </a:t>
-            </a:r>
-            <a:r>
-              <a:rPr lang="en-US" dirty="0" err="1"/>
-              <a:t>verdeling</a:t>
-            </a:r>
-            <a:r>
-              <a:rPr lang="en-US" dirty="0"/>
-              <a:t> </a:t>
-            </a:r>
-            <a:r>
-              <a:rPr lang="en-US" dirty="0" err="1"/>
-              <a:t>drie</a:t>
-            </a:r>
-            <a:r>
-              <a:rPr lang="en-US" dirty="0"/>
-              <a:t> </a:t>
-            </a:r>
-            <a:r>
-              <a:rPr lang="en-US" dirty="0" err="1"/>
-              <a:t>algoritmes</a:t>
-            </a:r>
-            <a:endParaRPr lang="en-US" dirty="0"/>
-          </a:p>
-          <a:p>
-            <a:r>
-              <a:rPr lang="en-US" dirty="0"/>
-              <a:t>Genetic</a:t>
-            </a:r>
-          </a:p>
-          <a:p>
-            <a:pPr lvl="1"/>
-            <a:r>
-              <a:rPr lang="en-US" dirty="0" err="1"/>
-              <a:t>Keuze</a:t>
-            </a:r>
-            <a:r>
-              <a:rPr lang="en-US" dirty="0"/>
-              <a:t> </a:t>
-            </a:r>
-            <a:r>
-              <a:rPr lang="en-US" dirty="0" err="1"/>
-              <a:t>tussen</a:t>
-            </a:r>
-            <a:r>
-              <a:rPr lang="en-US" dirty="0"/>
-              <a:t> hoe de </a:t>
-            </a:r>
-            <a:r>
-              <a:rPr lang="en-US" dirty="0" err="1"/>
-              <a:t>overgebleven</a:t>
-            </a:r>
-            <a:r>
-              <a:rPr lang="en-US" dirty="0"/>
-              <a:t> </a:t>
-            </a:r>
-            <a:r>
-              <a:rPr lang="en-US" dirty="0" err="1"/>
-              <a:t>vakken</a:t>
-            </a:r>
-            <a:r>
-              <a:rPr lang="en-US" dirty="0"/>
-              <a:t> </a:t>
-            </a:r>
-            <a:r>
-              <a:rPr lang="en-US" dirty="0" err="1"/>
-              <a:t>nog</a:t>
-            </a:r>
-            <a:r>
-              <a:rPr lang="en-US" dirty="0"/>
-              <a:t> in </a:t>
-            </a:r>
-            <a:r>
-              <a:rPr lang="en-US" dirty="0" err="1"/>
-              <a:t>te</a:t>
-            </a:r>
-            <a:r>
-              <a:rPr lang="en-US" dirty="0"/>
-              <a:t> </a:t>
-            </a:r>
-            <a:r>
-              <a:rPr lang="en-US" dirty="0" err="1"/>
-              <a:t>roosteren</a:t>
-            </a:r>
-            <a:r>
-              <a:rPr lang="en-US" dirty="0"/>
-              <a:t>(</a:t>
-            </a:r>
-            <a:r>
-              <a:rPr lang="en-US" dirty="0" err="1"/>
-              <a:t>zaalgrootte</a:t>
-            </a:r>
-            <a:r>
-              <a:rPr lang="en-US" dirty="0"/>
-              <a:t>, </a:t>
-            </a:r>
-            <a:r>
-              <a:rPr lang="en-US" dirty="0" err="1"/>
-              <a:t>dichtsbijzijnde</a:t>
-            </a:r>
-            <a:r>
-              <a:rPr lang="en-US" dirty="0"/>
-              <a:t> </a:t>
-            </a:r>
-            <a:r>
-              <a:rPr lang="en-US" dirty="0" err="1"/>
-              <a:t>zaalslot</a:t>
-            </a:r>
-            <a:r>
-              <a:rPr lang="en-US" dirty="0"/>
-              <a:t>?)</a:t>
-            </a:r>
-          </a:p>
-          <a:p>
-            <a:pPr lvl="1"/>
-            <a:r>
-              <a:rPr lang="en-US" dirty="0" err="1"/>
-              <a:t>Mutatiekans</a:t>
-            </a:r>
-            <a:r>
-              <a:rPr lang="en-US" dirty="0"/>
-              <a:t> </a:t>
-            </a:r>
-            <a:r>
-              <a:rPr lang="en-US" dirty="0" err="1"/>
-              <a:t>aanpassen</a:t>
-            </a:r>
-            <a:endParaRPr lang="en-US" dirty="0"/>
-          </a:p>
-          <a:p>
-            <a:pPr lvl="1"/>
-            <a:r>
-              <a:rPr lang="en-US" dirty="0" err="1"/>
-              <a:t>Populatiegrootte</a:t>
-            </a:r>
-            <a:r>
-              <a:rPr lang="en-US" dirty="0"/>
-              <a:t> en </a:t>
-            </a:r>
-            <a:r>
-              <a:rPr lang="en-US" dirty="0" err="1"/>
-              <a:t>aantal</a:t>
-            </a:r>
-            <a:r>
-              <a:rPr lang="en-US" dirty="0"/>
-              <a:t> </a:t>
-            </a:r>
-            <a:r>
-              <a:rPr lang="en-US" dirty="0" err="1"/>
-              <a:t>generaties</a:t>
-            </a:r>
-            <a:endParaRPr lang="en-US" dirty="0"/>
-          </a:p>
-          <a:p>
-            <a:pPr lvl="1"/>
-            <a:endParaRPr lang="en-US" dirty="0"/>
-          </a:p>
-          <a:p>
-            <a:pPr lvl="1"/>
-            <a:endParaRPr lang="en-US" dirty="0"/>
-          </a:p>
-          <a:p>
-            <a:pPr lvl="1"/>
-            <a:endParaRPr lang="en-US" dirty="0"/>
+              <a:rPr lang="nl-NL" dirty="0" smtClean="0"/>
+              <a:t>Random sampling</a:t>
+            </a:r>
+            <a:endParaRPr lang="nl-NL" dirty="0"/>
+          </a:p>
+        </p:txBody>
+      </p:sp>
+      <p:sp>
+        <p:nvSpPr>
+          <p:cNvPr id="3" name="Tijdelijke aanduiding voor inhoud 2"/>
+          <p:cNvSpPr>
+            <a:spLocks noGrp="1"/>
+          </p:cNvSpPr>
+          <p:nvPr>
+            <p:ph idx="1"/>
+          </p:nvPr>
+        </p:nvSpPr>
+        <p:spPr/>
+        <p:txBody>
+          <a:bodyPr/>
+          <a:lstStyle/>
+          <a:p>
+            <a:r>
+              <a:rPr lang="nl-NL" dirty="0" smtClean="0"/>
+              <a:t>Heuristiek</a:t>
+            </a:r>
+          </a:p>
+          <a:p>
+            <a:r>
+              <a:rPr lang="nl-NL" dirty="0" smtClean="0"/>
+              <a:t>Steekproef van 20000 random ingevulde roosters</a:t>
+            </a:r>
           </a:p>
         </p:txBody>
       </p:sp>
     </p:spTree>
     <p:extLst>
       <p:ext uri="{BB962C8B-B14F-4D97-AF65-F5344CB8AC3E}">
-        <p14:creationId xmlns:p14="http://schemas.microsoft.com/office/powerpoint/2010/main" val="161738935"/>
+        <p14:creationId xmlns:p14="http://schemas.microsoft.com/office/powerpoint/2010/main" val="1435984263"/>
       </p:ext>
     </p:extLst>
   </p:cSld>
@@ -5780,7 +8488,7 @@
       </p:grpSpPr>
       <p:sp>
         <p:nvSpPr>
-          <p:cNvPr id="2" name="Title 1"/>
+          <p:cNvPr id="2" name="Titel 1"/>
           <p:cNvSpPr>
             <a:spLocks noGrp="1"/>
           </p:cNvSpPr>
@@ -5796,16 +8504,16 @@
           <a:lstStyle/>
           <a:p>
             <a:r>
-              <a:rPr lang="en-US" dirty="0" err="1"/>
-              <a:t>Eperimenteren</a:t>
-            </a:r>
-            <a:endParaRPr lang="en-US" dirty="0"/>
-          </a:p>
-        </p:txBody>
-      </p:sp>
-      <p:sp>
-        <p:nvSpPr>
-          <p:cNvPr id="3" name="Content Placeholder 2"/>
+              <a:rPr lang="en-US" dirty="0" err="1" smtClean="0"/>
+              <a:t>Hillclimber</a:t>
+            </a:r>
+            <a:endParaRPr lang="nl-NL" dirty="0"/>
+          </a:p>
+        </p:txBody>
+      </p:sp>
+      <p:sp>
+        <p:nvSpPr>
+          <p:cNvPr id="3" name="Tijdelijke aanduiding voor inhoud 2"/>
           <p:cNvSpPr>
             <a:spLocks noGrp="1"/>
           </p:cNvSpPr>
@@ -5819,44 +8527,85 @@
           <a:lstStyle/>
           <a:p>
             <a:r>
-              <a:rPr lang="en-US" dirty="0" err="1"/>
-              <a:t>Hybride</a:t>
-            </a:r>
-            <a:endParaRPr lang="en-US" dirty="0"/>
+              <a:rPr lang="nl-NL" dirty="0" smtClean="0"/>
+              <a:t>Stochastische </a:t>
+            </a:r>
+            <a:r>
+              <a:rPr lang="nl-NL" dirty="0" err="1" smtClean="0"/>
+              <a:t>Hillclimber</a:t>
+            </a:r>
+            <a:endParaRPr lang="nl-NL" dirty="0" smtClean="0"/>
           </a:p>
           <a:p>
             <a:pPr lvl="1"/>
             <a:r>
-              <a:rPr lang="en-US" dirty="0" err="1"/>
-              <a:t>Eerst</a:t>
-            </a:r>
-            <a:r>
-              <a:rPr lang="en-US" dirty="0"/>
-              <a:t> sequential op </a:t>
-            </a:r>
-            <a:r>
-              <a:rPr lang="en-US" dirty="0" err="1"/>
-              <a:t>zaalgrootte</a:t>
-            </a:r>
-            <a:endParaRPr lang="en-US" dirty="0"/>
+              <a:rPr lang="nl-NL" dirty="0" smtClean="0"/>
+              <a:t>Random 2 activiteiten selecteren en omwisselen van zaalslot</a:t>
+            </a:r>
           </a:p>
           <a:p>
             <a:pPr lvl="1"/>
             <a:r>
-              <a:rPr lang="en-US" dirty="0" err="1"/>
-              <a:t>Daarna</a:t>
-            </a:r>
-            <a:r>
-              <a:rPr lang="en-US" dirty="0"/>
-              <a:t> genetic, </a:t>
-            </a:r>
-            <a:r>
-              <a:rPr lang="en-US" dirty="0" err="1"/>
-              <a:t>hillclimber</a:t>
-            </a:r>
-            <a:r>
-              <a:rPr lang="en-US" dirty="0"/>
-              <a:t>, </a:t>
+              <a:rPr lang="nl-NL" dirty="0" smtClean="0"/>
+              <a:t>Hogere score = rooster accepteren</a:t>
+            </a:r>
+          </a:p>
+          <a:p>
+            <a:pPr lvl="1"/>
+            <a:r>
+              <a:rPr lang="nl-NL" dirty="0" smtClean="0"/>
+              <a:t>Stopcriteria; aantal iteraties</a:t>
+            </a:r>
+          </a:p>
+          <a:p>
+            <a:r>
+              <a:rPr lang="nl-NL" dirty="0" smtClean="0"/>
+              <a:t>Steepest </a:t>
+            </a:r>
+            <a:r>
+              <a:rPr lang="nl-NL" dirty="0" err="1" smtClean="0"/>
+              <a:t>Ascent</a:t>
+            </a:r>
+            <a:r>
+              <a:rPr lang="nl-NL" dirty="0" smtClean="0"/>
+              <a:t> </a:t>
+            </a:r>
+            <a:r>
+              <a:rPr lang="nl-NL" dirty="0" err="1" smtClean="0"/>
+              <a:t>HillClimber</a:t>
+            </a:r>
+            <a:endParaRPr lang="nl-NL" dirty="0" smtClean="0"/>
+          </a:p>
+          <a:p>
+            <a:pPr lvl="1"/>
+            <a:r>
+              <a:rPr lang="nl-NL" dirty="0" smtClean="0"/>
+              <a:t>Beste score van alle wissels t.o.v. één activiteit kiezen</a:t>
+            </a:r>
+          </a:p>
+          <a:p>
+            <a:r>
+              <a:rPr lang="nl-NL" dirty="0" err="1" smtClean="0"/>
+              <a:t>Simulated</a:t>
+            </a:r>
+            <a:r>
+              <a:rPr lang="nl-NL" dirty="0" smtClean="0"/>
+              <a:t> </a:t>
+            </a:r>
+            <a:r>
+              <a:rPr lang="nl-NL" dirty="0" err="1" smtClean="0"/>
+              <a:t>Annealing</a:t>
+            </a:r>
+            <a:r>
+              <a:rPr lang="nl-NL" dirty="0" smtClean="0"/>
+              <a:t> </a:t>
+            </a:r>
+          </a:p>
+          <a:p>
+            <a:pPr lvl="1"/>
+            <a:r>
+              <a:rPr lang="nl-NL" dirty="0" smtClean="0"/>
+              <a:t>Verslechteringen accepteren middels koelschema’s</a:t>
             </a:r>
           </a:p>
         </p:txBody>
@@ -5864,7 +8613,7 @@
     </p:spTree>
     <p:extLst>
       <p:ext uri="{BB962C8B-B14F-4D97-AF65-F5344CB8AC3E}">
-        <p14:creationId xmlns:p14="http://schemas.microsoft.com/office/powerpoint/2010/main" val="2033092415"/>
+        <p14:creationId xmlns:p14="http://schemas.microsoft.com/office/powerpoint/2010/main" val="768634526"/>
       </p:ext>
     </p:extLst>
   </p:cSld>
@@ -6159,4 +8908,265 @@
     </a:ext>
   </a:extLst>
 </a:theme>
+</file>
+
+<file path=ppt/theme/theme2.xml><?xml version="1.0" encoding="utf-8"?>
+<a:theme xmlns:a="http://schemas.openxmlformats.org/drawingml/2006/main" name="Kantoorthema">
+  <a:themeElements>
+    <a:clrScheme name="Kantoor">
+      <a:dk1>
+        <a:sysClr val="windowText" lastClr="000000"/>
+      </a:dk1>
+      <a:lt1>
+        <a:sysClr val="window" lastClr="FFFFFF"/>
+      </a:lt1>
+      <a:dk2>
+        <a:srgbClr val="44546A"/>
+      </a:dk2>
+      <a:lt2>
+        <a:srgbClr val="E7E6E6"/>
+      </a:lt2>
+      <a:accent1>
+        <a:srgbClr val="5B9BD5"/>
+      </a:accent1>
+      <a:accent2>
+        <a:srgbClr val="ED7D31"/>
+      </a:accent2>
+      <a:accent3>
+        <a:srgbClr val="A5A5A5"/>
+      </a:accent3>
+      <a:accent4>
+        <a:srgbClr val="FFC000"/>
+      </a:accent4>
+      <a:accent5>
+        <a:srgbClr val="4472C4"/>
+      </a:accent5>
+      <a:accent6>
+        <a:srgbClr val="70AD47"/>
+      </a:accent6>
+      <a:hlink>
+        <a:srgbClr val="0563C1"/>
+      </a:hlink>
+      <a:folHlink>
+        <a:srgbClr val="954F72"/>
+      </a:folHlink>
+    </a:clrScheme>
+    <a:fontScheme name="Kantoor">
+      <a:majorFont>
+        <a:latin typeface="Calibri Light" panose="020F0302020204030204"/>
+        <a:ea typeface=""/>
+        <a:cs typeface=""/>
+        <a:font script="Jpan" typeface="ＭＳ Ｐゴシック"/>
+        <a:font script="Hang" typeface="맑은 고딕"/>
+        <a:font script="Hans" typeface="宋体"/>
+        <a:font script="Hant" typeface="新細明體"/>
+        <a:font script="Arab" typeface="Times New Roman"/>
+        <a:font script="Hebr" typeface="Times New Roman"/>
+        <a:font script="Thai" typeface="Angsana New"/>
+        <a:font script="Ethi" typeface="Nyala"/>
+        <a:font script="Beng" typeface="Vrinda"/>
+        <a:font script="Gujr" typeface="Shruti"/>
+        <a:font script="Khmr" typeface="MoolBoran"/>
+        <a:font script="Knda" typeface="Tunga"/>
+        <a:font script="Guru" typeface="Raavi"/>
+        <a:font script="Cans" typeface="Euphemia"/>
+        <a:font script="Cher" typeface="Plantagenet Cherokee"/>
+        <a:font script="Yiii" typeface="Microsoft Yi Baiti"/>
+        <a:font script="Tibt" typeface="Microsoft Himalaya"/>
+        <a:font script="Thaa" typeface="MV Boli"/>
+        <a:font script="Deva" typeface="Mangal"/>
+        <a:font script="Telu" typeface="Gautami"/>
+        <a:font script="Taml" typeface="Latha"/>
+        <a:font script="Syrc" typeface="Estrangelo Edessa"/>
+        <a:font script="Orya" typeface="Kalinga"/>
+        <a:font script="Mlym" typeface="Kartika"/>
+        <a:font script="Laoo" typeface="DokChampa"/>
+        <a:font script="Sinh" typeface="Iskoola Pota"/>
+        <a:font script="Mong" typeface="Mongolian Baiti"/>
+        <a:font script="Viet" typeface="Times New Roman"/>
+        <a:font script="Uigh" typeface="Microsoft Uighur"/>
+        <a:font script="Geor" typeface="Sylfaen"/>
+      </a:majorFont>
+      <a:minorFont>
+        <a:latin typeface="Calibri" panose="020F0502020204030204"/>
+        <a:ea typeface=""/>
+        <a:cs typeface=""/>
+        <a:font script="Jpan" typeface="ＭＳ Ｐゴシック"/>
+        <a:font script="Hang" typeface="맑은 고딕"/>
+        <a:font script="Hans" typeface="宋体"/>
+        <a:font script="Hant" typeface="新細明體"/>
+        <a:font script="Arab" typeface="Arial"/>
+        <a:font script="Hebr" typeface="Arial"/>
+        <a:font script="Thai" typeface="Cordia New"/>
+        <a:font script="Ethi" typeface="Nyala"/>
+        <a:font script="Beng" typeface="Vrinda"/>
+        <a:font script="Gujr" typeface="Shruti"/>
+        <a:font script="Khmr" typeface="DaunPenh"/>
+        <a:font script="Knda" typeface="Tunga"/>
+        <a:font script="Guru" typeface="Raavi"/>
+        <a:font script="Cans" typeface="Euphemia"/>
+        <a:font script="Cher" typeface="Plantagenet Cherokee"/>
+        <a:font script="Yiii" typeface="Microsoft Yi Baiti"/>
+        <a:font script="Tibt" typeface="Microsoft Himalaya"/>
+        <a:font script="Thaa" typeface="MV Boli"/>
+        <a:font script="Deva" typeface="Mangal"/>
+        <a:font script="Telu" typeface="Gautami"/>
+        <a:font script="Taml" typeface="Latha"/>
+        <a:font script="Syrc" typeface="Estrangelo Edessa"/>
+        <a:font script="Orya" typeface="Kalinga"/>
+        <a:font script="Mlym" typeface="Kartika"/>
+        <a:font script="Laoo" typeface="DokChampa"/>
+        <a:font script="Sinh" typeface="Iskoola Pota"/>
+        <a:font script="Mong" typeface="Mongolian Baiti"/>
+        <a:font script="Viet" typeface="Arial"/>
+        <a:font script="Uigh" typeface="Microsoft Uighur"/>
+        <a:font script="Geor" typeface="Sylfaen"/>
+      </a:minorFont>
+    </a:fontScheme>
+    <a:fmtScheme name="Kantoor">
+      <a:fillStyleLst>
+        <a:solidFill>
+          <a:schemeClr val="phClr"/>
+        </a:solidFill>
+        <a:gradFill rotWithShape="1">
+          <a:gsLst>
+            <a:gs pos="0">
+              <a:schemeClr val="phClr">
+                <a:lumMod val="110000"/>
+                <a:satMod val="105000"/>
+                <a:tint val="67000"/>
+              </a:schemeClr>
+            </a:gs>
+            <a:gs pos="50000">
+              <a:schemeClr val="phClr">
+                <a:lumMod val="105000"/>
+                <a:satMod val="103000"/>
+                <a:tint val="73000"/>
+              </a:schemeClr>
+            </a:gs>
+            <a:gs pos="100000">
+              <a:schemeClr val="phClr">
+                <a:lumMod val="105000"/>
+                <a:satMod val="109000"/>
+                <a:tint val="81000"/>
+              </a:schemeClr>
+            </a:gs>
+          </a:gsLst>
+          <a:lin ang="5400000" scaled="0"/>
+        </a:gradFill>
+        <a:gradFill rotWithShape="1">
+          <a:gsLst>
+            <a:gs pos="0">
+              <a:schemeClr val="phClr">
+                <a:satMod val="103000"/>
+                <a:lumMod val="102000"/>
+                <a:tint val="94000"/>
+              </a:schemeClr>
+            </a:gs>
+            <a:gs pos="50000">
+              <a:schemeClr val="phClr">
+                <a:satMod val="110000"/>
+                <a:lumMod val="100000"/>
+                <a:shade val="100000"/>
+              </a:schemeClr>
+            </a:gs>
+            <a:gs pos="100000">
+              <a:schemeClr val="phClr">
+                <a:lumMod val="99000"/>
+                <a:satMod val="120000"/>
+                <a:shade val="78000"/>
+              </a:schemeClr>
+            </a:gs>
+          </a:gsLst>
+          <a:lin ang="5400000" scaled="0"/>
+        </a:gradFill>
+      </a:fillStyleLst>
+      <a:lnStyleLst>
+        <a:ln w="6350" cap="flat" cmpd="sng" algn="ctr">
+          <a:solidFill>
+            <a:schemeClr val="phClr"/>
+          </a:solidFill>
+          <a:prstDash val="solid"/>
+          <a:miter lim="800000"/>
+        </a:ln>
+        <a:ln w="12700" cap="flat" cmpd="sng" algn="ctr">
+          <a:solidFill>
+            <a:schemeClr val="phClr"/>
+          </a:solidFill>
+          <a:prstDash val="solid"/>
+          <a:miter lim="800000"/>
+        </a:ln>
+        <a:ln w="19050" cap="flat" cmpd="sng" algn="ctr">
+          <a:solidFill>
+            <a:schemeClr val="phClr"/>
+          </a:solidFill>
+          <a:prstDash val="solid"/>
+          <a:miter lim="800000"/>
+        </a:ln>
+      </a:lnStyleLst>
+      <a:effectStyleLst>
+        <a:effectStyle>
+          <a:effectLst/>
+        </a:effectStyle>
+        <a:effectStyle>
+          <a:effectLst/>
+        </a:effectStyle>
+        <a:effectStyle>
+          <a:effectLst>
+            <a:outerShdw blurRad="57150" dist="19050" dir="5400000" algn="ctr" rotWithShape="0">
+              <a:srgbClr val="000000">
+                <a:alpha val="63000"/>
+              </a:srgbClr>
+            </a:outerShdw>
+          </a:effectLst>
+        </a:effectStyle>
+      </a:effectStyleLst>
+      <a:bgFillStyleLst>
+        <a:solidFill>
+          <a:schemeClr val="phClr"/>
+        </a:solidFill>
+        <a:solidFill>
+          <a:schemeClr val="phClr">
+            <a:tint val="95000"/>
+            <a:satMod val="170000"/>
+          </a:schemeClr>
+        </a:solidFill>
+        <a:gradFill rotWithShape="1">
+          <a:gsLst>
+            <a:gs pos="0">
+              <a:schemeClr val="phClr">
+                <a:tint val="93000"/>
+                <a:satMod val="150000"/>
+                <a:shade val="98000"/>
+                <a:lumMod val="102000"/>
+              </a:schemeClr>
+            </a:gs>
+            <a:gs pos="50000">
+              <a:schemeClr val="phClr">
+                <a:tint val="98000"/>
+                <a:satMod val="130000"/>
+                <a:shade val="90000"/>
+                <a:lumMod val="103000"/>
+              </a:schemeClr>
+            </a:gs>
+            <a:gs pos="100000">
+              <a:schemeClr val="phClr">
+                <a:shade val="63000"/>
+                <a:satMod val="120000"/>
+              </a:schemeClr>
+            </a:gs>
+          </a:gsLst>
+          <a:lin ang="5400000" scaled="0"/>
+        </a:gradFill>
+      </a:bgFillStyleLst>
+    </a:fmtScheme>
+  </a:themeElements>
+  <a:objectDefaults/>
+  <a:extraClrSchemeLst/>
+  <a:extLst>
+    <a:ext uri="{05A4C25C-085E-4340-85A3-A5531E510DB2}">
+      <thm15:themeFamily xmlns:thm15="http://schemas.microsoft.com/office/thememl/2012/main" name="Office Theme" id="{62F939B6-93AF-4DB8-9C6B-D6C7DFDC589F}" vid="{4A3C46E8-61CC-4603-A589-7422A47A8E4A}"/>
+    </a:ext>
+  </a:extLst>
+</a:theme>
 </file>